--- a/Chapitre_01_Energetique/Application_03_ElevateurBateaux/Figures.pptx
+++ b/Chapitre_01_Energetique/Application_03_ElevateurBateaux/Figures.pptx
@@ -4,6 +4,9 @@
   <p:sldMasterIdLst>
     <p:sldMasterId id="2147483648" r:id="rId1"/>
   </p:sldMasterIdLst>
+  <p:notesMasterIdLst>
+    <p:notesMasterId r:id="rId6"/>
+  </p:notesMasterIdLst>
   <p:sldIdLst>
     <p:sldId id="256" r:id="rId2"/>
     <p:sldId id="257" r:id="rId3"/>
@@ -108,6 +111,440 @@
     </a:lvl9pPr>
   </p:defaultTextStyle>
 </p:presentation>
+</file>
+
+<file path=ppt/notesMasters/notesMaster1.xml><?xml version="1.0" encoding="utf-8"?>
+<p:notesMaster xmlns:a="http://schemas.openxmlformats.org/drawingml/2006/main" xmlns:r="http://schemas.openxmlformats.org/officeDocument/2006/relationships" xmlns:p="http://schemas.openxmlformats.org/presentationml/2006/main">
+  <p:cSld>
+    <p:bg>
+      <p:bgRef idx="1001">
+        <a:schemeClr val="bg1"/>
+      </p:bgRef>
+    </p:bg>
+    <p:spTree>
+      <p:nvGrpSpPr>
+        <p:cNvPr id="1" name=""/>
+        <p:cNvGrpSpPr/>
+        <p:nvPr/>
+      </p:nvGrpSpPr>
+      <p:grpSpPr>
+        <a:xfrm>
+          <a:off x="0" y="0"/>
+          <a:ext cx="0" cy="0"/>
+          <a:chOff x="0" y="0"/>
+          <a:chExt cx="0" cy="0"/>
+        </a:xfrm>
+      </p:grpSpPr>
+      <p:sp>
+        <p:nvSpPr>
+          <p:cNvPr id="2" name="Espace réservé de l'en-tête 1"/>
+          <p:cNvSpPr>
+            <a:spLocks noGrp="1"/>
+          </p:cNvSpPr>
+          <p:nvPr>
+            <p:ph type="hdr" sz="quarter"/>
+          </p:nvPr>
+        </p:nvSpPr>
+        <p:spPr>
+          <a:xfrm>
+            <a:off x="0" y="0"/>
+            <a:ext cx="2971800" cy="457200"/>
+          </a:xfrm>
+          <a:prstGeom prst="rect">
+            <a:avLst/>
+          </a:prstGeom>
+        </p:spPr>
+        <p:txBody>
+          <a:bodyPr vert="horz" lIns="91440" tIns="45720" rIns="91440" bIns="45720" rtlCol="0"/>
+          <a:lstStyle>
+            <a:lvl1pPr algn="l">
+              <a:defRPr sz="1200"/>
+            </a:lvl1pPr>
+          </a:lstStyle>
+          <a:p>
+            <a:endParaRPr lang="fr-FR"/>
+          </a:p>
+        </p:txBody>
+      </p:sp>
+      <p:sp>
+        <p:nvSpPr>
+          <p:cNvPr id="3" name="Espace réservé de la date 2"/>
+          <p:cNvSpPr>
+            <a:spLocks noGrp="1"/>
+          </p:cNvSpPr>
+          <p:nvPr>
+            <p:ph type="dt" idx="1"/>
+          </p:nvPr>
+        </p:nvSpPr>
+        <p:spPr>
+          <a:xfrm>
+            <a:off x="3884613" y="0"/>
+            <a:ext cx="2971800" cy="457200"/>
+          </a:xfrm>
+          <a:prstGeom prst="rect">
+            <a:avLst/>
+          </a:prstGeom>
+        </p:spPr>
+        <p:txBody>
+          <a:bodyPr vert="horz" lIns="91440" tIns="45720" rIns="91440" bIns="45720" rtlCol="0"/>
+          <a:lstStyle>
+            <a:lvl1pPr algn="r">
+              <a:defRPr sz="1200"/>
+            </a:lvl1pPr>
+          </a:lstStyle>
+          <a:p>
+            <a:fld id="{C50573B8-97CE-41AB-B56B-21583D30804E}" type="datetimeFigureOut">
+              <a:rPr lang="fr-FR" smtClean="0"/>
+              <a:t>31/01/2018</a:t>
+            </a:fld>
+            <a:endParaRPr lang="fr-FR"/>
+          </a:p>
+        </p:txBody>
+      </p:sp>
+      <p:sp>
+        <p:nvSpPr>
+          <p:cNvPr id="4" name="Espace réservé de l'image des diapositives 3"/>
+          <p:cNvSpPr>
+            <a:spLocks noGrp="1" noRot="1" noChangeAspect="1"/>
+          </p:cNvSpPr>
+          <p:nvPr>
+            <p:ph type="sldImg" idx="2"/>
+          </p:nvPr>
+        </p:nvSpPr>
+        <p:spPr>
+          <a:xfrm>
+            <a:off x="1143000" y="685800"/>
+            <a:ext cx="4572000" cy="3429000"/>
+          </a:xfrm>
+          <a:prstGeom prst="rect">
+            <a:avLst/>
+          </a:prstGeom>
+          <a:noFill/>
+          <a:ln w="12700">
+            <a:solidFill>
+              <a:prstClr val="black"/>
+            </a:solidFill>
+          </a:ln>
+        </p:spPr>
+        <p:txBody>
+          <a:bodyPr vert="horz" lIns="91440" tIns="45720" rIns="91440" bIns="45720" rtlCol="0" anchor="ctr"/>
+          <a:lstStyle/>
+          <a:p>
+            <a:endParaRPr lang="fr-FR"/>
+          </a:p>
+        </p:txBody>
+      </p:sp>
+      <p:sp>
+        <p:nvSpPr>
+          <p:cNvPr id="5" name="Espace réservé des commentaires 4"/>
+          <p:cNvSpPr>
+            <a:spLocks noGrp="1"/>
+          </p:cNvSpPr>
+          <p:nvPr>
+            <p:ph type="body" sz="quarter" idx="3"/>
+          </p:nvPr>
+        </p:nvSpPr>
+        <p:spPr>
+          <a:xfrm>
+            <a:off x="685800" y="4343400"/>
+            <a:ext cx="5486400" cy="4114800"/>
+          </a:xfrm>
+          <a:prstGeom prst="rect">
+            <a:avLst/>
+          </a:prstGeom>
+        </p:spPr>
+        <p:txBody>
+          <a:bodyPr vert="horz" lIns="91440" tIns="45720" rIns="91440" bIns="45720" rtlCol="0"/>
+          <a:lstStyle/>
+          <a:p>
+            <a:pPr lvl="0"/>
+            <a:r>
+              <a:rPr lang="fr-FR" smtClean="0"/>
+              <a:t>Modifiez les styles du texte du masque</a:t>
+            </a:r>
+          </a:p>
+          <a:p>
+            <a:pPr lvl="1"/>
+            <a:r>
+              <a:rPr lang="fr-FR" smtClean="0"/>
+              <a:t>Deuxième niveau</a:t>
+            </a:r>
+          </a:p>
+          <a:p>
+            <a:pPr lvl="2"/>
+            <a:r>
+              <a:rPr lang="fr-FR" smtClean="0"/>
+              <a:t>Troisième niveau</a:t>
+            </a:r>
+          </a:p>
+          <a:p>
+            <a:pPr lvl="3"/>
+            <a:r>
+              <a:rPr lang="fr-FR" smtClean="0"/>
+              <a:t>Quatrième niveau</a:t>
+            </a:r>
+          </a:p>
+          <a:p>
+            <a:pPr lvl="4"/>
+            <a:r>
+              <a:rPr lang="fr-FR" smtClean="0"/>
+              <a:t>Cinquième niveau</a:t>
+            </a:r>
+            <a:endParaRPr lang="fr-FR"/>
+          </a:p>
+        </p:txBody>
+      </p:sp>
+      <p:sp>
+        <p:nvSpPr>
+          <p:cNvPr id="6" name="Espace réservé du pied de page 5"/>
+          <p:cNvSpPr>
+            <a:spLocks noGrp="1"/>
+          </p:cNvSpPr>
+          <p:nvPr>
+            <p:ph type="ftr" sz="quarter" idx="4"/>
+          </p:nvPr>
+        </p:nvSpPr>
+        <p:spPr>
+          <a:xfrm>
+            <a:off x="0" y="8685213"/>
+            <a:ext cx="2971800" cy="457200"/>
+          </a:xfrm>
+          <a:prstGeom prst="rect">
+            <a:avLst/>
+          </a:prstGeom>
+        </p:spPr>
+        <p:txBody>
+          <a:bodyPr vert="horz" lIns="91440" tIns="45720" rIns="91440" bIns="45720" rtlCol="0" anchor="b"/>
+          <a:lstStyle>
+            <a:lvl1pPr algn="l">
+              <a:defRPr sz="1200"/>
+            </a:lvl1pPr>
+          </a:lstStyle>
+          <a:p>
+            <a:endParaRPr lang="fr-FR"/>
+          </a:p>
+        </p:txBody>
+      </p:sp>
+      <p:sp>
+        <p:nvSpPr>
+          <p:cNvPr id="7" name="Espace réservé du numéro de diapositive 6"/>
+          <p:cNvSpPr>
+            <a:spLocks noGrp="1"/>
+          </p:cNvSpPr>
+          <p:nvPr>
+            <p:ph type="sldNum" sz="quarter" idx="5"/>
+          </p:nvPr>
+        </p:nvSpPr>
+        <p:spPr>
+          <a:xfrm>
+            <a:off x="3884613" y="8685213"/>
+            <a:ext cx="2971800" cy="457200"/>
+          </a:xfrm>
+          <a:prstGeom prst="rect">
+            <a:avLst/>
+          </a:prstGeom>
+        </p:spPr>
+        <p:txBody>
+          <a:bodyPr vert="horz" lIns="91440" tIns="45720" rIns="91440" bIns="45720" rtlCol="0" anchor="b"/>
+          <a:lstStyle>
+            <a:lvl1pPr algn="r">
+              <a:defRPr sz="1200"/>
+            </a:lvl1pPr>
+          </a:lstStyle>
+          <a:p>
+            <a:fld id="{97986314-9AE6-44D4-B112-1CBB800900E8}" type="slidenum">
+              <a:rPr lang="fr-FR" smtClean="0"/>
+              <a:t>‹N°›</a:t>
+            </a:fld>
+            <a:endParaRPr lang="fr-FR"/>
+          </a:p>
+        </p:txBody>
+      </p:sp>
+    </p:spTree>
+    <p:extLst>
+      <p:ext uri="{BB962C8B-B14F-4D97-AF65-F5344CB8AC3E}">
+        <p14:creationId xmlns:p14="http://schemas.microsoft.com/office/powerpoint/2010/main" val="3726380786"/>
+      </p:ext>
+    </p:extLst>
+  </p:cSld>
+  <p:clrMap bg1="lt1" tx1="dk1" bg2="lt2" tx2="dk2" accent1="accent1" accent2="accent2" accent3="accent3" accent4="accent4" accent5="accent5" accent6="accent6" hlink="hlink" folHlink="folHlink"/>
+  <p:notesStyle>
+    <a:lvl1pPr marL="0" algn="l" defTabSz="914400" rtl="0" eaLnBrk="1" latinLnBrk="0" hangingPunct="1">
+      <a:defRPr sz="1200" kern="1200">
+        <a:solidFill>
+          <a:schemeClr val="tx1"/>
+        </a:solidFill>
+        <a:latin typeface="+mn-lt"/>
+        <a:ea typeface="+mn-ea"/>
+        <a:cs typeface="+mn-cs"/>
+      </a:defRPr>
+    </a:lvl1pPr>
+    <a:lvl2pPr marL="457200" algn="l" defTabSz="914400" rtl="0" eaLnBrk="1" latinLnBrk="0" hangingPunct="1">
+      <a:defRPr sz="1200" kern="1200">
+        <a:solidFill>
+          <a:schemeClr val="tx1"/>
+        </a:solidFill>
+        <a:latin typeface="+mn-lt"/>
+        <a:ea typeface="+mn-ea"/>
+        <a:cs typeface="+mn-cs"/>
+      </a:defRPr>
+    </a:lvl2pPr>
+    <a:lvl3pPr marL="914400" algn="l" defTabSz="914400" rtl="0" eaLnBrk="1" latinLnBrk="0" hangingPunct="1">
+      <a:defRPr sz="1200" kern="1200">
+        <a:solidFill>
+          <a:schemeClr val="tx1"/>
+        </a:solidFill>
+        <a:latin typeface="+mn-lt"/>
+        <a:ea typeface="+mn-ea"/>
+        <a:cs typeface="+mn-cs"/>
+      </a:defRPr>
+    </a:lvl3pPr>
+    <a:lvl4pPr marL="1371600" algn="l" defTabSz="914400" rtl="0" eaLnBrk="1" latinLnBrk="0" hangingPunct="1">
+      <a:defRPr sz="1200" kern="1200">
+        <a:solidFill>
+          <a:schemeClr val="tx1"/>
+        </a:solidFill>
+        <a:latin typeface="+mn-lt"/>
+        <a:ea typeface="+mn-ea"/>
+        <a:cs typeface="+mn-cs"/>
+      </a:defRPr>
+    </a:lvl4pPr>
+    <a:lvl5pPr marL="1828800" algn="l" defTabSz="914400" rtl="0" eaLnBrk="1" latinLnBrk="0" hangingPunct="1">
+      <a:defRPr sz="1200" kern="1200">
+        <a:solidFill>
+          <a:schemeClr val="tx1"/>
+        </a:solidFill>
+        <a:latin typeface="+mn-lt"/>
+        <a:ea typeface="+mn-ea"/>
+        <a:cs typeface="+mn-cs"/>
+      </a:defRPr>
+    </a:lvl5pPr>
+    <a:lvl6pPr marL="2286000" algn="l" defTabSz="914400" rtl="0" eaLnBrk="1" latinLnBrk="0" hangingPunct="1">
+      <a:defRPr sz="1200" kern="1200">
+        <a:solidFill>
+          <a:schemeClr val="tx1"/>
+        </a:solidFill>
+        <a:latin typeface="+mn-lt"/>
+        <a:ea typeface="+mn-ea"/>
+        <a:cs typeface="+mn-cs"/>
+      </a:defRPr>
+    </a:lvl6pPr>
+    <a:lvl7pPr marL="2743200" algn="l" defTabSz="914400" rtl="0" eaLnBrk="1" latinLnBrk="0" hangingPunct="1">
+      <a:defRPr sz="1200" kern="1200">
+        <a:solidFill>
+          <a:schemeClr val="tx1"/>
+        </a:solidFill>
+        <a:latin typeface="+mn-lt"/>
+        <a:ea typeface="+mn-ea"/>
+        <a:cs typeface="+mn-cs"/>
+      </a:defRPr>
+    </a:lvl7pPr>
+    <a:lvl8pPr marL="3200400" algn="l" defTabSz="914400" rtl="0" eaLnBrk="1" latinLnBrk="0" hangingPunct="1">
+      <a:defRPr sz="1200" kern="1200">
+        <a:solidFill>
+          <a:schemeClr val="tx1"/>
+        </a:solidFill>
+        <a:latin typeface="+mn-lt"/>
+        <a:ea typeface="+mn-ea"/>
+        <a:cs typeface="+mn-cs"/>
+      </a:defRPr>
+    </a:lvl8pPr>
+    <a:lvl9pPr marL="3657600" algn="l" defTabSz="914400" rtl="0" eaLnBrk="1" latinLnBrk="0" hangingPunct="1">
+      <a:defRPr sz="1200" kern="1200">
+        <a:solidFill>
+          <a:schemeClr val="tx1"/>
+        </a:solidFill>
+        <a:latin typeface="+mn-lt"/>
+        <a:ea typeface="+mn-ea"/>
+        <a:cs typeface="+mn-cs"/>
+      </a:defRPr>
+    </a:lvl9pPr>
+  </p:notesStyle>
+</p:notesMaster>
+</file>
+
+<file path=ppt/notesSlides/notesSlide1.xml><?xml version="1.0" encoding="utf-8"?>
+<p:notes xmlns:a="http://schemas.openxmlformats.org/drawingml/2006/main" xmlns:r="http://schemas.openxmlformats.org/officeDocument/2006/relationships" xmlns:p="http://schemas.openxmlformats.org/presentationml/2006/main">
+  <p:cSld>
+    <p:spTree>
+      <p:nvGrpSpPr>
+        <p:cNvPr id="1" name=""/>
+        <p:cNvGrpSpPr/>
+        <p:nvPr/>
+      </p:nvGrpSpPr>
+      <p:grpSpPr>
+        <a:xfrm>
+          <a:off x="0" y="0"/>
+          <a:ext cx="0" cy="0"/>
+          <a:chOff x="0" y="0"/>
+          <a:chExt cx="0" cy="0"/>
+        </a:xfrm>
+      </p:grpSpPr>
+      <p:sp>
+        <p:nvSpPr>
+          <p:cNvPr id="2" name="Espace réservé de l'image des diapositives 1"/>
+          <p:cNvSpPr>
+            <a:spLocks noGrp="1" noRot="1" noChangeAspect="1"/>
+          </p:cNvSpPr>
+          <p:nvPr>
+            <p:ph type="sldImg"/>
+          </p:nvPr>
+        </p:nvSpPr>
+        <p:spPr/>
+      </p:sp>
+      <p:sp>
+        <p:nvSpPr>
+          <p:cNvPr id="3" name="Espace réservé des commentaires 2"/>
+          <p:cNvSpPr>
+            <a:spLocks noGrp="1"/>
+          </p:cNvSpPr>
+          <p:nvPr>
+            <p:ph type="body" idx="1"/>
+          </p:nvPr>
+        </p:nvSpPr>
+        <p:spPr/>
+        <p:txBody>
+          <a:bodyPr/>
+          <a:lstStyle/>
+          <a:p>
+            <a:endParaRPr lang="fr-FR" dirty="0"/>
+          </a:p>
+        </p:txBody>
+      </p:sp>
+      <p:sp>
+        <p:nvSpPr>
+          <p:cNvPr id="4" name="Espace réservé du numéro de diapositive 3"/>
+          <p:cNvSpPr>
+            <a:spLocks noGrp="1"/>
+          </p:cNvSpPr>
+          <p:nvPr>
+            <p:ph type="sldNum" sz="quarter" idx="10"/>
+          </p:nvPr>
+        </p:nvSpPr>
+        <p:spPr/>
+        <p:txBody>
+          <a:bodyPr/>
+          <a:lstStyle/>
+          <a:p>
+            <a:fld id="{97986314-9AE6-44D4-B112-1CBB800900E8}" type="slidenum">
+              <a:rPr lang="fr-FR" smtClean="0"/>
+              <a:t>3</a:t>
+            </a:fld>
+            <a:endParaRPr lang="fr-FR"/>
+          </a:p>
+        </p:txBody>
+      </p:sp>
+    </p:spTree>
+    <p:extLst>
+      <p:ext uri="{BB962C8B-B14F-4D97-AF65-F5344CB8AC3E}">
+        <p14:creationId xmlns:p14="http://schemas.microsoft.com/office/powerpoint/2010/main" val="1796791812"/>
+      </p:ext>
+    </p:extLst>
+  </p:cSld>
+  <p:clrMapOvr>
+    <a:masterClrMapping/>
+  </p:clrMapOvr>
+</p:notes>
 </file>
 
 <file path=ppt/slideLayouts/slideLayout1.xml><?xml version="1.0" encoding="utf-8"?>
@@ -291,7 +728,7 @@
           <a:p>
             <a:fld id="{AA309A6D-C09C-4548-B29A-6CF363A7E532}" type="datetimeFigureOut">
               <a:rPr lang="fr-FR" smtClean="0"/>
-              <a:t>29/01/2018</a:t>
+              <a:t>31/01/2018</a:t>
             </a:fld>
             <a:endParaRPr lang="fr-BE"/>
           </a:p>
@@ -456,7 +893,7 @@
           <a:p>
             <a:fld id="{AA309A6D-C09C-4548-B29A-6CF363A7E532}" type="datetimeFigureOut">
               <a:rPr lang="fr-FR" smtClean="0"/>
-              <a:t>29/01/2018</a:t>
+              <a:t>31/01/2018</a:t>
             </a:fld>
             <a:endParaRPr lang="fr-BE"/>
           </a:p>
@@ -631,7 +1068,7 @@
           <a:p>
             <a:fld id="{AA309A6D-C09C-4548-B29A-6CF363A7E532}" type="datetimeFigureOut">
               <a:rPr lang="fr-FR" smtClean="0"/>
-              <a:t>29/01/2018</a:t>
+              <a:t>31/01/2018</a:t>
             </a:fld>
             <a:endParaRPr lang="fr-BE"/>
           </a:p>
@@ -796,7 +1233,7 @@
           <a:p>
             <a:fld id="{AA309A6D-C09C-4548-B29A-6CF363A7E532}" type="datetimeFigureOut">
               <a:rPr lang="fr-FR" smtClean="0"/>
-              <a:t>29/01/2018</a:t>
+              <a:t>31/01/2018</a:t>
             </a:fld>
             <a:endParaRPr lang="fr-BE"/>
           </a:p>
@@ -1037,7 +1474,7 @@
           <a:p>
             <a:fld id="{AA309A6D-C09C-4548-B29A-6CF363A7E532}" type="datetimeFigureOut">
               <a:rPr lang="fr-FR" smtClean="0"/>
-              <a:t>29/01/2018</a:t>
+              <a:t>31/01/2018</a:t>
             </a:fld>
             <a:endParaRPr lang="fr-BE"/>
           </a:p>
@@ -1320,7 +1757,7 @@
           <a:p>
             <a:fld id="{AA309A6D-C09C-4548-B29A-6CF363A7E532}" type="datetimeFigureOut">
               <a:rPr lang="fr-FR" smtClean="0"/>
-              <a:t>29/01/2018</a:t>
+              <a:t>31/01/2018</a:t>
             </a:fld>
             <a:endParaRPr lang="fr-BE"/>
           </a:p>
@@ -1737,7 +2174,7 @@
           <a:p>
             <a:fld id="{AA309A6D-C09C-4548-B29A-6CF363A7E532}" type="datetimeFigureOut">
               <a:rPr lang="fr-FR" smtClean="0"/>
-              <a:t>29/01/2018</a:t>
+              <a:t>31/01/2018</a:t>
             </a:fld>
             <a:endParaRPr lang="fr-BE"/>
           </a:p>
@@ -1850,7 +2287,7 @@
           <a:p>
             <a:fld id="{AA309A6D-C09C-4548-B29A-6CF363A7E532}" type="datetimeFigureOut">
               <a:rPr lang="fr-FR" smtClean="0"/>
-              <a:t>29/01/2018</a:t>
+              <a:t>31/01/2018</a:t>
             </a:fld>
             <a:endParaRPr lang="fr-BE"/>
           </a:p>
@@ -1940,7 +2377,7 @@
           <a:p>
             <a:fld id="{AA309A6D-C09C-4548-B29A-6CF363A7E532}" type="datetimeFigureOut">
               <a:rPr lang="fr-FR" smtClean="0"/>
-              <a:t>29/01/2018</a:t>
+              <a:t>31/01/2018</a:t>
             </a:fld>
             <a:endParaRPr lang="fr-BE"/>
           </a:p>
@@ -2212,7 +2649,7 @@
           <a:p>
             <a:fld id="{AA309A6D-C09C-4548-B29A-6CF363A7E532}" type="datetimeFigureOut">
               <a:rPr lang="fr-FR" smtClean="0"/>
-              <a:t>29/01/2018</a:t>
+              <a:t>31/01/2018</a:t>
             </a:fld>
             <a:endParaRPr lang="fr-BE"/>
           </a:p>
@@ -2460,7 +2897,7 @@
           <a:p>
             <a:fld id="{AA309A6D-C09C-4548-B29A-6CF363A7E532}" type="datetimeFigureOut">
               <a:rPr lang="fr-FR" smtClean="0"/>
-              <a:t>29/01/2018</a:t>
+              <a:t>31/01/2018</a:t>
             </a:fld>
             <a:endParaRPr lang="fr-BE"/>
           </a:p>
@@ -2668,7 +3105,7 @@
           <a:p>
             <a:fld id="{AA309A6D-C09C-4548-B29A-6CF363A7E532}" type="datetimeFigureOut">
               <a:rPr lang="fr-FR" smtClean="0"/>
-              <a:t>29/01/2018</a:t>
+              <a:t>31/01/2018</a:t>
             </a:fld>
             <a:endParaRPr lang="fr-BE"/>
           </a:p>
@@ -4071,8 +4508,8 @@
           </a:fontRef>
         </p:style>
       </p:cxnSp>
-      <mc:AlternateContent xmlns:mc="http://schemas.openxmlformats.org/markup-compatibility/2006">
-        <mc:Choice xmlns:a14="http://schemas.microsoft.com/office/drawing/2010/main" Requires="a14">
+      <mc:AlternateContent xmlns:mc="http://schemas.openxmlformats.org/markup-compatibility/2006" xmlns:a14="http://schemas.microsoft.com/office/drawing/2010/main">
+        <mc:Choice Requires="a14">
           <p:sp>
             <p:nvSpPr>
               <p:cNvPr id="58" name="ZoneTexte 57"/>
@@ -4152,7 +4589,7 @@
             </p:txBody>
           </p:sp>
         </mc:Choice>
-        <mc:Fallback>
+        <mc:Fallback xmlns="">
           <p:sp>
             <p:nvSpPr>
               <p:cNvPr id="58" name="ZoneTexte 57"/>
@@ -4191,8 +4628,8 @@
           </p:sp>
         </mc:Fallback>
       </mc:AlternateContent>
-      <mc:AlternateContent xmlns:mc="http://schemas.openxmlformats.org/markup-compatibility/2006">
-        <mc:Choice xmlns:a14="http://schemas.microsoft.com/office/drawing/2010/main" Requires="a14">
+      <mc:AlternateContent xmlns:mc="http://schemas.openxmlformats.org/markup-compatibility/2006" xmlns:a14="http://schemas.microsoft.com/office/drawing/2010/main">
+        <mc:Choice Requires="a14">
           <p:sp>
             <p:nvSpPr>
               <p:cNvPr id="59" name="ZoneTexte 58"/>
@@ -4272,7 +4709,7 @@
             </p:txBody>
           </p:sp>
         </mc:Choice>
-        <mc:Fallback>
+        <mc:Fallback xmlns="">
           <p:sp>
             <p:nvSpPr>
               <p:cNvPr id="59" name="ZoneTexte 58"/>
@@ -4598,8 +5035,8 @@
           </a:fontRef>
         </p:style>
       </p:cxnSp>
-      <mc:AlternateContent xmlns:mc="http://schemas.openxmlformats.org/markup-compatibility/2006">
-        <mc:Choice xmlns:a14="http://schemas.microsoft.com/office/drawing/2010/main" Requires="a14">
+      <mc:AlternateContent xmlns:mc="http://schemas.openxmlformats.org/markup-compatibility/2006" xmlns:a14="http://schemas.microsoft.com/office/drawing/2010/main">
+        <mc:Choice Requires="a14">
           <p:sp>
             <p:nvSpPr>
               <p:cNvPr id="71" name="ZoneTexte 70"/>
@@ -4679,7 +5116,7 @@
             </p:txBody>
           </p:sp>
         </mc:Choice>
-        <mc:Fallback>
+        <mc:Fallback xmlns="">
           <p:sp>
             <p:nvSpPr>
               <p:cNvPr id="71" name="ZoneTexte 70"/>
@@ -4923,8 +5360,8 @@
           </a:fontRef>
         </p:style>
       </p:cxnSp>
-      <mc:AlternateContent xmlns:mc="http://schemas.openxmlformats.org/markup-compatibility/2006">
-        <mc:Choice xmlns:a14="http://schemas.microsoft.com/office/drawing/2010/main" Requires="a14">
+      <mc:AlternateContent xmlns:mc="http://schemas.openxmlformats.org/markup-compatibility/2006" xmlns:a14="http://schemas.microsoft.com/office/drawing/2010/main">
+        <mc:Choice Requires="a14">
           <p:sp>
             <p:nvSpPr>
               <p:cNvPr id="82" name="ZoneTexte 81"/>
@@ -5004,7 +5441,7 @@
             </p:txBody>
           </p:sp>
         </mc:Choice>
-        <mc:Fallback>
+        <mc:Fallback xmlns="">
           <p:sp>
             <p:nvSpPr>
               <p:cNvPr id="82" name="ZoneTexte 81"/>
@@ -5144,8 +5581,8 @@
           </a:fontRef>
         </p:style>
       </p:cxnSp>
-      <mc:AlternateContent xmlns:mc="http://schemas.openxmlformats.org/markup-compatibility/2006">
-        <mc:Choice xmlns:a14="http://schemas.microsoft.com/office/drawing/2010/main" Requires="a14">
+      <mc:AlternateContent xmlns:mc="http://schemas.openxmlformats.org/markup-compatibility/2006" xmlns:a14="http://schemas.microsoft.com/office/drawing/2010/main">
+        <mc:Choice Requires="a14">
           <p:sp>
             <p:nvSpPr>
               <p:cNvPr id="87" name="ZoneTexte 86"/>
@@ -5225,7 +5662,7 @@
             </p:txBody>
           </p:sp>
         </mc:Choice>
-        <mc:Fallback>
+        <mc:Fallback xmlns="">
           <p:sp>
             <p:nvSpPr>
               <p:cNvPr id="87" name="ZoneTexte 86"/>
@@ -5365,8 +5802,8 @@
           </a:fontRef>
         </p:style>
       </p:cxnSp>
-      <mc:AlternateContent xmlns:mc="http://schemas.openxmlformats.org/markup-compatibility/2006">
-        <mc:Choice xmlns:a14="http://schemas.microsoft.com/office/drawing/2010/main" Requires="a14">
+      <mc:AlternateContent xmlns:mc="http://schemas.openxmlformats.org/markup-compatibility/2006" xmlns:a14="http://schemas.microsoft.com/office/drawing/2010/main">
+        <mc:Choice Requires="a14">
           <p:sp>
             <p:nvSpPr>
               <p:cNvPr id="92" name="ZoneTexte 91"/>
@@ -5446,7 +5883,7 @@
             </p:txBody>
           </p:sp>
         </mc:Choice>
-        <mc:Fallback>
+        <mc:Fallback xmlns="">
           <p:sp>
             <p:nvSpPr>
               <p:cNvPr id="92" name="ZoneTexte 91"/>
@@ -5485,8 +5922,8 @@
           </p:sp>
         </mc:Fallback>
       </mc:AlternateContent>
-      <mc:AlternateContent xmlns:mc="http://schemas.openxmlformats.org/markup-compatibility/2006">
-        <mc:Choice xmlns:a14="http://schemas.microsoft.com/office/drawing/2010/main" Requires="a14">
+      <mc:AlternateContent xmlns:mc="http://schemas.openxmlformats.org/markup-compatibility/2006" xmlns:a14="http://schemas.microsoft.com/office/drawing/2010/main">
+        <mc:Choice Requires="a14">
           <p:sp>
             <p:nvSpPr>
               <p:cNvPr id="97" name="ZoneTexte 96"/>
@@ -5566,7 +6003,7 @@
             </p:txBody>
           </p:sp>
         </mc:Choice>
-        <mc:Fallback>
+        <mc:Fallback xmlns="">
           <p:sp>
             <p:nvSpPr>
               <p:cNvPr id="97" name="ZoneTexte 96"/>
@@ -6011,8 +6448,8 @@
           </a:fontRef>
         </p:style>
       </p:cxnSp>
-      <mc:AlternateContent xmlns:mc="http://schemas.openxmlformats.org/markup-compatibility/2006">
-        <mc:Choice xmlns:a14="http://schemas.microsoft.com/office/drawing/2010/main" Requires="a14">
+      <mc:AlternateContent xmlns:mc="http://schemas.openxmlformats.org/markup-compatibility/2006" xmlns:a14="http://schemas.microsoft.com/office/drawing/2010/main">
+        <mc:Choice Requires="a14">
           <p:sp>
             <p:nvSpPr>
               <p:cNvPr id="123" name="ZoneTexte 122"/>
@@ -6092,7 +6529,7 @@
             </p:txBody>
           </p:sp>
         </mc:Choice>
-        <mc:Fallback>
+        <mc:Fallback xmlns="">
           <p:sp>
             <p:nvSpPr>
               <p:cNvPr id="123" name="ZoneTexte 122"/>
@@ -7624,8 +8061,8 @@
           </a:p>
         </p:txBody>
       </p:sp>
-      <mc:AlternateContent xmlns:mc="http://schemas.openxmlformats.org/markup-compatibility/2006">
-        <mc:Choice xmlns:a14="http://schemas.microsoft.com/office/drawing/2010/main" Requires="a14">
+      <mc:AlternateContent xmlns:mc="http://schemas.openxmlformats.org/markup-compatibility/2006" xmlns:a14="http://schemas.microsoft.com/office/drawing/2010/main">
+        <mc:Choice Requires="a14">
           <p:sp>
             <p:nvSpPr>
               <p:cNvPr id="71" name="ZoneTexte 70"/>
@@ -7634,7 +8071,7 @@
             </p:nvSpPr>
             <p:spPr>
               <a:xfrm>
-                <a:off x="2760785" y="2401302"/>
+                <a:off x="2793365" y="2635132"/>
                 <a:ext cx="1425263" cy="246221"/>
               </a:xfrm>
               <a:prstGeom prst="rect">
@@ -7728,7 +8165,7 @@
             </p:txBody>
           </p:sp>
         </mc:Choice>
-        <mc:Fallback>
+        <mc:Fallback xmlns="">
           <p:sp>
             <p:nvSpPr>
               <p:cNvPr id="71" name="ZoneTexte 70"/>
@@ -7739,7 +8176,7 @@
             </p:nvSpPr>
             <p:spPr>
               <a:xfrm>
-                <a:off x="2760785" y="2401302"/>
+                <a:off x="2793365" y="2635132"/>
                 <a:ext cx="1425263" cy="246221"/>
               </a:xfrm>
               <a:prstGeom prst="rect">
@@ -7748,7 +8185,7 @@
               <a:blipFill rotWithShape="1">
                 <a:blip r:embed="rId2"/>
                 <a:stretch>
-                  <a:fillRect b="-15000"/>
+                  <a:fillRect b="-12195"/>
                 </a:stretch>
               </a:blipFill>
             </p:spPr>
@@ -7831,7 +8268,7 @@
         </p:blipFill>
         <p:spPr bwMode="auto">
           <a:xfrm>
-            <a:off x="5099097" y="1737199"/>
+            <a:off x="5004048" y="1254446"/>
             <a:ext cx="3727312" cy="3868734"/>
           </a:xfrm>
           <a:prstGeom prst="rect">
@@ -7977,8 +8414,8 @@
         </p:nvSpPr>
         <p:spPr>
           <a:xfrm>
-            <a:off x="2553085" y="2758243"/>
-            <a:ext cx="1106126" cy="246221"/>
+            <a:off x="2771799" y="2878751"/>
+            <a:ext cx="642745" cy="246221"/>
           </a:xfrm>
           <a:prstGeom prst="rect">
             <a:avLst/>
@@ -8000,8 +8437,8 @@
           </a:p>
         </p:txBody>
       </p:sp>
-      <mc:AlternateContent xmlns:mc="http://schemas.openxmlformats.org/markup-compatibility/2006">
-        <mc:Choice xmlns:a14="http://schemas.microsoft.com/office/drawing/2010/main" Requires="a14">
+      <mc:AlternateContent xmlns:mc="http://schemas.openxmlformats.org/markup-compatibility/2006" xmlns:a14="http://schemas.microsoft.com/office/drawing/2010/main">
+        <mc:Choice Requires="a14">
           <p:sp>
             <p:nvSpPr>
               <p:cNvPr id="75" name="ZoneTexte 74"/>
@@ -8089,7 +8526,7 @@
             </p:txBody>
           </p:sp>
         </mc:Choice>
-        <mc:Fallback>
+        <mc:Fallback xmlns="">
           <p:sp>
             <p:nvSpPr>
               <p:cNvPr id="75" name="ZoneTexte 74"/>
@@ -8178,7 +8615,7 @@
                   <a:srgbClr val="0070C0"/>
                 </a:solidFill>
               </a:rPr>
-              <a:t>T8</a:t>
+              <a:t>S</a:t>
             </a:r>
             <a:endParaRPr lang="fr-FR" sz="1400" b="1" dirty="0">
               <a:solidFill>
@@ -8289,8 +8726,8 @@
           </a:fontRef>
         </p:style>
       </p:cxnSp>
-      <mc:AlternateContent xmlns:mc="http://schemas.openxmlformats.org/markup-compatibility/2006">
-        <mc:Choice xmlns:a14="http://schemas.microsoft.com/office/drawing/2010/main" Requires="a14">
+      <mc:AlternateContent xmlns:mc="http://schemas.openxmlformats.org/markup-compatibility/2006" xmlns:a14="http://schemas.microsoft.com/office/drawing/2010/main">
+        <mc:Choice Requires="a14">
           <p:sp>
             <p:nvSpPr>
               <p:cNvPr id="81" name="ZoneTexte 80"/>
@@ -8378,7 +8815,7 @@
             </p:txBody>
           </p:sp>
         </mc:Choice>
-        <mc:Fallback>
+        <mc:Fallback xmlns="">
           <p:sp>
             <p:nvSpPr>
               <p:cNvPr id="81" name="ZoneTexte 80"/>
@@ -8417,70 +8854,182 @@
           </p:sp>
         </mc:Fallback>
       </mc:AlternateContent>
-      <p:sp>
-        <p:nvSpPr>
-          <p:cNvPr id="91" name="ZoneTexte 90"/>
-          <p:cNvSpPr txBox="1"/>
-          <p:nvPr/>
-        </p:nvSpPr>
-        <p:spPr>
-          <a:xfrm>
-            <a:off x="3004104" y="2097596"/>
-            <a:ext cx="1106126" cy="246221"/>
-          </a:xfrm>
-          <a:prstGeom prst="rect">
-            <a:avLst/>
-          </a:prstGeom>
-          <a:noFill/>
-        </p:spPr>
-        <p:txBody>
-          <a:bodyPr wrap="square" rtlCol="0">
-            <a:spAutoFit/>
-          </a:bodyPr>
-          <a:lstStyle/>
-          <a:p>
-            <a:pPr algn="ctr"/>
-            <a:r>
-              <a:rPr lang="fr-FR" sz="1000" dirty="0" smtClean="0"/>
-              <a:t>Chaîne</a:t>
-            </a:r>
-            <a:endParaRPr lang="fr-FR" sz="1000" dirty="0"/>
-          </a:p>
-        </p:txBody>
-      </p:sp>
-      <p:sp>
-        <p:nvSpPr>
-          <p:cNvPr id="94" name="ZoneTexte 93"/>
-          <p:cNvSpPr txBox="1"/>
-          <p:nvPr/>
-        </p:nvSpPr>
-        <p:spPr>
-          <a:xfrm>
-            <a:off x="1897978" y="1310571"/>
-            <a:ext cx="1106126" cy="246221"/>
-          </a:xfrm>
-          <a:prstGeom prst="rect">
-            <a:avLst/>
-          </a:prstGeom>
-          <a:noFill/>
-        </p:spPr>
-        <p:txBody>
-          <a:bodyPr wrap="square" rtlCol="0">
-            <a:spAutoFit/>
-          </a:bodyPr>
-          <a:lstStyle/>
-          <a:p>
-            <a:pPr algn="ctr"/>
-            <a:r>
-              <a:rPr lang="fr-FR" sz="1000" dirty="0" smtClean="0"/>
-              <a:t>Chaîne</a:t>
-            </a:r>
-            <a:endParaRPr lang="fr-FR" sz="1000" dirty="0"/>
-          </a:p>
-        </p:txBody>
-      </p:sp>
-      <mc:AlternateContent xmlns:mc="http://schemas.openxmlformats.org/markup-compatibility/2006">
-        <mc:Choice xmlns:a14="http://schemas.microsoft.com/office/drawing/2010/main" Requires="a14">
+      <mc:AlternateContent xmlns:mc="http://schemas.openxmlformats.org/markup-compatibility/2006" xmlns:a14="http://schemas.microsoft.com/office/drawing/2010/main">
+        <mc:Choice Requires="a14">
+          <p:sp>
+            <p:nvSpPr>
+              <p:cNvPr id="91" name="ZoneTexte 90"/>
+              <p:cNvSpPr txBox="1"/>
+              <p:nvPr/>
+            </p:nvSpPr>
+            <p:spPr>
+              <a:xfrm>
+                <a:off x="3122807" y="2258820"/>
+                <a:ext cx="1106126" cy="246221"/>
+              </a:xfrm>
+              <a:prstGeom prst="rect">
+                <a:avLst/>
+              </a:prstGeom>
+              <a:noFill/>
+            </p:spPr>
+            <p:txBody>
+              <a:bodyPr wrap="square" rtlCol="0">
+                <a:spAutoFit/>
+              </a:bodyPr>
+              <a:lstStyle/>
+              <a:p>
+                <a:pPr algn="ctr"/>
+                <a:r>
+                  <a:rPr lang="fr-FR" sz="1000" dirty="0" smtClean="0"/>
+                  <a:t>Chaîne </a:t>
+                </a:r>
+                <a:r>
+                  <a:rPr lang="fr-FR" sz="1000" dirty="0"/>
+                  <a:t>RSG en </a:t>
+                </a:r>
+                <a14:m>
+                  <m:oMath xmlns:m="http://schemas.openxmlformats.org/officeDocument/2006/math">
+                    <m:r>
+                      <a:rPr lang="fr-FR" sz="1000" i="1" dirty="0">
+                        <a:latin typeface="Cambria Math"/>
+                      </a:rPr>
+                      <m:t>𝐼</m:t>
+                    </m:r>
+                  </m:oMath>
+                </a14:m>
+                <a:endParaRPr lang="fr-FR" sz="1000" dirty="0"/>
+              </a:p>
+            </p:txBody>
+          </p:sp>
+        </mc:Choice>
+        <mc:Fallback xmlns="">
+          <p:sp>
+            <p:nvSpPr>
+              <p:cNvPr id="91" name="ZoneTexte 90"/>
+              <p:cNvSpPr txBox="1">
+                <a:spLocks noRot="1" noChangeAspect="1" noMove="1" noResize="1" noEditPoints="1" noAdjustHandles="1" noChangeArrowheads="1" noChangeShapeType="1" noTextEdit="1"/>
+              </p:cNvSpPr>
+              <p:nvPr/>
+            </p:nvSpPr>
+            <p:spPr>
+              <a:xfrm>
+                <a:off x="3122807" y="2258820"/>
+                <a:ext cx="1106126" cy="246221"/>
+              </a:xfrm>
+              <a:prstGeom prst="rect">
+                <a:avLst/>
+              </a:prstGeom>
+              <a:blipFill rotWithShape="1">
+                <a:blip r:embed="rId6"/>
+                <a:stretch>
+                  <a:fillRect b="-15000"/>
+                </a:stretch>
+              </a:blipFill>
+            </p:spPr>
+            <p:txBody>
+              <a:bodyPr/>
+              <a:lstStyle/>
+              <a:p>
+                <a:r>
+                  <a:rPr lang="fr-FR">
+                    <a:noFill/>
+                  </a:rPr>
+                  <a:t> </a:t>
+                </a:r>
+              </a:p>
+            </p:txBody>
+          </p:sp>
+        </mc:Fallback>
+      </mc:AlternateContent>
+      <mc:AlternateContent xmlns:mc="http://schemas.openxmlformats.org/markup-compatibility/2006" xmlns:a14="http://schemas.microsoft.com/office/drawing/2010/main">
+        <mc:Choice Requires="a14">
+          <p:sp>
+            <p:nvSpPr>
+              <p:cNvPr id="94" name="ZoneTexte 93"/>
+              <p:cNvSpPr txBox="1"/>
+              <p:nvPr/>
+            </p:nvSpPr>
+            <p:spPr>
+              <a:xfrm>
+                <a:off x="1897978" y="1310571"/>
+                <a:ext cx="1106126" cy="246221"/>
+              </a:xfrm>
+              <a:prstGeom prst="rect">
+                <a:avLst/>
+              </a:prstGeom>
+              <a:noFill/>
+            </p:spPr>
+            <p:txBody>
+              <a:bodyPr wrap="square" rtlCol="0">
+                <a:spAutoFit/>
+              </a:bodyPr>
+              <a:lstStyle/>
+              <a:p>
+                <a:pPr algn="ctr"/>
+                <a:r>
+                  <a:rPr lang="fr-FR" sz="1000" dirty="0" smtClean="0"/>
+                  <a:t>Chaîne </a:t>
+                </a:r>
+                <a:r>
+                  <a:rPr lang="fr-FR" sz="1000" dirty="0"/>
+                  <a:t>RSG en </a:t>
+                </a:r>
+                <a14:m>
+                  <m:oMath xmlns:m="http://schemas.openxmlformats.org/officeDocument/2006/math">
+                    <m:r>
+                      <a:rPr lang="fr-FR" sz="1000" b="0" i="1" smtClean="0">
+                        <a:latin typeface="Cambria Math"/>
+                      </a:rPr>
+                      <m:t>𝐽</m:t>
+                    </m:r>
+                  </m:oMath>
+                </a14:m>
+                <a:endParaRPr lang="fr-FR" sz="1000" dirty="0"/>
+              </a:p>
+            </p:txBody>
+          </p:sp>
+        </mc:Choice>
+        <mc:Fallback xmlns="">
+          <p:sp>
+            <p:nvSpPr>
+              <p:cNvPr id="94" name="ZoneTexte 93"/>
+              <p:cNvSpPr txBox="1">
+                <a:spLocks noRot="1" noChangeAspect="1" noMove="1" noResize="1" noEditPoints="1" noAdjustHandles="1" noChangeArrowheads="1" noChangeShapeType="1" noTextEdit="1"/>
+              </p:cNvSpPr>
+              <p:nvPr/>
+            </p:nvSpPr>
+            <p:spPr>
+              <a:xfrm>
+                <a:off x="1897978" y="1310571"/>
+                <a:ext cx="1106126" cy="246221"/>
+              </a:xfrm>
+              <a:prstGeom prst="rect">
+                <a:avLst/>
+              </a:prstGeom>
+              <a:blipFill rotWithShape="1">
+                <a:blip r:embed="rId7"/>
+                <a:stretch>
+                  <a:fillRect b="-15000"/>
+                </a:stretch>
+              </a:blipFill>
+            </p:spPr>
+            <p:txBody>
+              <a:bodyPr/>
+              <a:lstStyle/>
+              <a:p>
+                <a:r>
+                  <a:rPr lang="fr-FR">
+                    <a:noFill/>
+                  </a:rPr>
+                  <a:t> </a:t>
+                </a:r>
+              </a:p>
+            </p:txBody>
+          </p:sp>
+        </mc:Fallback>
+      </mc:AlternateContent>
+      <mc:AlternateContent xmlns:mc="http://schemas.openxmlformats.org/markup-compatibility/2006" xmlns:a14="http://schemas.microsoft.com/office/drawing/2010/main">
+        <mc:Choice Requires="a14">
           <p:sp>
             <p:nvSpPr>
               <p:cNvPr id="95" name="ZoneTexte 94"/>
@@ -8594,7 +9143,7 @@
             </p:txBody>
           </p:sp>
         </mc:Choice>
-        <mc:Fallback>
+        <mc:Fallback xmlns="">
           <p:sp>
             <p:nvSpPr>
               <p:cNvPr id="95" name="ZoneTexte 94"/>
@@ -8612,7 +9161,7 @@
                 <a:avLst/>
               </a:prstGeom>
               <a:blipFill rotWithShape="1">
-                <a:blip r:embed="rId6"/>
+                <a:blip r:embed="rId8"/>
                 <a:stretch>
                   <a:fillRect/>
                 </a:stretch>
@@ -8753,8 +9302,8 @@
           </a:p>
         </p:txBody>
       </p:sp>
-      <mc:AlternateContent xmlns:mc="http://schemas.openxmlformats.org/markup-compatibility/2006">
-        <mc:Choice xmlns:a14="http://schemas.microsoft.com/office/drawing/2010/main" Requires="a14">
+      <mc:AlternateContent xmlns:mc="http://schemas.openxmlformats.org/markup-compatibility/2006" xmlns:a14="http://schemas.microsoft.com/office/drawing/2010/main">
+        <mc:Choice Requires="a14">
           <p:sp>
             <p:nvSpPr>
               <p:cNvPr id="98" name="ZoneTexte 97"/>
@@ -8763,7 +9312,7 @@
             </p:nvSpPr>
             <p:spPr>
               <a:xfrm>
-                <a:off x="835608" y="935157"/>
+                <a:off x="949023" y="910461"/>
                 <a:ext cx="1106126" cy="400110"/>
               </a:xfrm>
               <a:prstGeom prst="rect">
@@ -8855,7 +9404,7 @@
             </p:txBody>
           </p:sp>
         </mc:Choice>
-        <mc:Fallback>
+        <mc:Fallback xmlns="">
           <p:sp>
             <p:nvSpPr>
               <p:cNvPr id="98" name="ZoneTexte 97"/>
@@ -8866,14 +9415,14 @@
             </p:nvSpPr>
             <p:spPr>
               <a:xfrm>
-                <a:off x="835608" y="935157"/>
+                <a:off x="949023" y="910461"/>
                 <a:ext cx="1106126" cy="400110"/>
               </a:xfrm>
               <a:prstGeom prst="rect">
                 <a:avLst/>
               </a:prstGeom>
               <a:blipFill rotWithShape="1">
-                <a:blip r:embed="rId7"/>
+                <a:blip r:embed="rId9"/>
                 <a:stretch>
                   <a:fillRect/>
                 </a:stretch>
@@ -8902,8 +9451,8 @@
         </p:nvSpPr>
         <p:spPr>
           <a:xfrm rot="17327051">
-            <a:off x="1863961" y="2074587"/>
-            <a:ext cx="88106" cy="619288"/>
+            <a:off x="1730302" y="1887949"/>
+            <a:ext cx="115048" cy="882351"/>
           </a:xfrm>
           <a:custGeom>
             <a:avLst/>
@@ -9014,8 +9563,8 @@
           </a:p>
         </p:txBody>
       </p:sp>
-      <mc:AlternateContent xmlns:mc="http://schemas.openxmlformats.org/markup-compatibility/2006">
-        <mc:Choice xmlns:a14="http://schemas.microsoft.com/office/drawing/2010/main" Requires="a14">
+      <mc:AlternateContent xmlns:mc="http://schemas.openxmlformats.org/markup-compatibility/2006" xmlns:a14="http://schemas.microsoft.com/office/drawing/2010/main">
+        <mc:Choice Requires="a14">
           <p:sp>
             <p:nvSpPr>
               <p:cNvPr id="100" name="ZoneTexte 99"/>
@@ -9024,7 +9573,7 @@
             </p:nvSpPr>
             <p:spPr>
               <a:xfrm>
-                <a:off x="750409" y="2200652"/>
+                <a:off x="663410" y="1864071"/>
                 <a:ext cx="1106126" cy="400110"/>
               </a:xfrm>
               <a:prstGeom prst="rect">
@@ -9091,7 +9640,7 @@
             </p:txBody>
           </p:sp>
         </mc:Choice>
-        <mc:Fallback>
+        <mc:Fallback xmlns="">
           <p:sp>
             <p:nvSpPr>
               <p:cNvPr id="100" name="ZoneTexte 99"/>
@@ -9102,14 +9651,14 @@
             </p:nvSpPr>
             <p:spPr>
               <a:xfrm>
-                <a:off x="750409" y="2200652"/>
+                <a:off x="663410" y="1864071"/>
                 <a:ext cx="1106126" cy="400110"/>
               </a:xfrm>
               <a:prstGeom prst="rect">
                 <a:avLst/>
               </a:prstGeom>
               <a:blipFill rotWithShape="1">
-                <a:blip r:embed="rId8"/>
+                <a:blip r:embed="rId10"/>
                 <a:stretch>
                   <a:fillRect/>
                 </a:stretch>
@@ -9130,6 +9679,53 @@
           </p:sp>
         </mc:Fallback>
       </mc:AlternateContent>
+      <p:sp>
+        <p:nvSpPr>
+          <p:cNvPr id="2" name="Ellipse 1"/>
+          <p:cNvSpPr/>
+          <p:nvPr/>
+        </p:nvSpPr>
+        <p:spPr>
+          <a:xfrm>
+            <a:off x="1518613" y="1254446"/>
+            <a:ext cx="1757243" cy="1472989"/>
+          </a:xfrm>
+          <a:prstGeom prst="ellipse">
+            <a:avLst/>
+          </a:prstGeom>
+          <a:noFill/>
+          <a:ln>
+            <a:solidFill>
+              <a:srgbClr val="FFC000"/>
+            </a:solidFill>
+            <a:prstDash val="sysDot"/>
+          </a:ln>
+        </p:spPr>
+        <p:style>
+          <a:lnRef idx="2">
+            <a:schemeClr val="accent1">
+              <a:shade val="50000"/>
+            </a:schemeClr>
+          </a:lnRef>
+          <a:fillRef idx="1">
+            <a:schemeClr val="accent1"/>
+          </a:fillRef>
+          <a:effectRef idx="0">
+            <a:schemeClr val="accent1"/>
+          </a:effectRef>
+          <a:fontRef idx="minor">
+            <a:schemeClr val="lt1"/>
+          </a:fontRef>
+        </p:style>
+        <p:txBody>
+          <a:bodyPr rtlCol="0" anchor="ctr"/>
+          <a:lstStyle/>
+          <a:p>
+            <a:pPr algn="ctr"/>
+            <a:endParaRPr lang="fr-FR"/>
+          </a:p>
+        </p:txBody>
+      </p:sp>
     </p:spTree>
     <p:extLst>
       <p:ext uri="{BB962C8B-B14F-4D97-AF65-F5344CB8AC3E}">
@@ -9167,15 +9763,1514 @@
           <a:chExt cx="0" cy="0"/>
         </a:xfrm>
       </p:grpSpPr>
+      <p:pic>
+        <p:nvPicPr>
+          <p:cNvPr id="3074" name="Picture 2" descr="C:\Users\Xavier\Dropbox\PSI_MP_2017_2018\PSI_Etoile\DS_SII\DS_05\DS_05\images\fig_13.png"/>
+          <p:cNvPicPr>
+            <a:picLocks noChangeAspect="1" noChangeArrowheads="1"/>
+          </p:cNvPicPr>
+          <p:nvPr/>
+        </p:nvPicPr>
+        <p:blipFill>
+          <a:blip r:embed="rId3">
+            <a:extLst>
+              <a:ext uri="{28A0092B-C50C-407E-A947-70E740481C1C}">
+                <a14:useLocalDpi xmlns:a14="http://schemas.microsoft.com/office/drawing/2010/main" val="0"/>
+              </a:ext>
+            </a:extLst>
+          </a:blip>
+          <a:srcRect/>
+          <a:stretch>
+            <a:fillRect/>
+          </a:stretch>
+        </p:blipFill>
+        <p:spPr bwMode="auto">
+          <a:xfrm>
+            <a:off x="4804304" y="1833019"/>
+            <a:ext cx="4319124" cy="3710300"/>
+          </a:xfrm>
+          <a:prstGeom prst="rect">
+            <a:avLst/>
+          </a:prstGeom>
+          <a:noFill/>
+          <a:extLst>
+            <a:ext uri="{909E8E84-426E-40DD-AFC4-6F175D3DCCD1}">
+              <a14:hiddenFill xmlns:a14="http://schemas.microsoft.com/office/drawing/2010/main">
+                <a:solidFill>
+                  <a:srgbClr val="FFFFFF"/>
+                </a:solidFill>
+              </a14:hiddenFill>
+            </a:ext>
+          </a:extLst>
+        </p:spPr>
+      </p:pic>
+      <p:grpSp>
+        <p:nvGrpSpPr>
+          <p:cNvPr id="11" name="Groupe 10"/>
+          <p:cNvGrpSpPr/>
+          <p:nvPr/>
+        </p:nvGrpSpPr>
+        <p:grpSpPr>
+          <a:xfrm>
+            <a:off x="1810486" y="2695219"/>
+            <a:ext cx="2598640" cy="2326341"/>
+            <a:chOff x="1810486" y="2695219"/>
+            <a:chExt cx="2598640" cy="2326341"/>
+          </a:xfrm>
+        </p:grpSpPr>
+        <p:sp>
+          <p:nvSpPr>
+            <p:cNvPr id="70" name="Forme libre 69"/>
+            <p:cNvSpPr/>
+            <p:nvPr/>
+          </p:nvSpPr>
+          <p:spPr>
+            <a:xfrm flipH="1">
+              <a:off x="4034555" y="3255414"/>
+              <a:ext cx="108723" cy="1193587"/>
+            </a:xfrm>
+            <a:custGeom>
+              <a:avLst/>
+              <a:gdLst>
+                <a:gd name="connsiteX0" fmla="*/ 0 w 7315"/>
+                <a:gd name="connsiteY0" fmla="*/ 0 h 1038758"/>
+                <a:gd name="connsiteX1" fmla="*/ 7315 w 7315"/>
+                <a:gd name="connsiteY1" fmla="*/ 1038758 h 1038758"/>
+                <a:gd name="connsiteX2" fmla="*/ 7315 w 7315"/>
+                <a:gd name="connsiteY2" fmla="*/ 1038758 h 1038758"/>
+                <a:gd name="connsiteX0" fmla="*/ 0 w 1239"/>
+                <a:gd name="connsiteY0" fmla="*/ 0 h 10141"/>
+                <a:gd name="connsiteX1" fmla="*/ 1239 w 1239"/>
+                <a:gd name="connsiteY1" fmla="*/ 10141 h 10141"/>
+                <a:gd name="connsiteX2" fmla="*/ 1239 w 1239"/>
+                <a:gd name="connsiteY2" fmla="*/ 10141 h 10141"/>
+                <a:gd name="connsiteX0" fmla="*/ 0 w 1161"/>
+                <a:gd name="connsiteY0" fmla="*/ 0 h 10000"/>
+                <a:gd name="connsiteX1" fmla="*/ 1161 w 1161"/>
+                <a:gd name="connsiteY1" fmla="*/ 10000 h 10000"/>
+                <a:gd name="connsiteX2" fmla="*/ 1161 w 1161"/>
+                <a:gd name="connsiteY2" fmla="*/ 10000 h 10000"/>
+                <a:gd name="connsiteX0" fmla="*/ 104181 w 104181"/>
+                <a:gd name="connsiteY0" fmla="*/ 0 h 10000"/>
+                <a:gd name="connsiteX1" fmla="*/ 0 w 104181"/>
+                <a:gd name="connsiteY1" fmla="*/ 10000 h 10000"/>
+                <a:gd name="connsiteX2" fmla="*/ 0 w 104181"/>
+                <a:gd name="connsiteY2" fmla="*/ 10000 h 10000"/>
+                <a:gd name="connsiteX0" fmla="*/ 9030 w 9030"/>
+                <a:gd name="connsiteY0" fmla="*/ 0 h 9931"/>
+                <a:gd name="connsiteX1" fmla="*/ 0 w 9030"/>
+                <a:gd name="connsiteY1" fmla="*/ 9931 h 9931"/>
+                <a:gd name="connsiteX2" fmla="*/ 0 w 9030"/>
+                <a:gd name="connsiteY2" fmla="*/ 9931 h 9931"/>
+                <a:gd name="connsiteX0" fmla="*/ 190689 w 190689"/>
+                <a:gd name="connsiteY0" fmla="*/ 0 h 10000"/>
+                <a:gd name="connsiteX1" fmla="*/ 180689 w 190689"/>
+                <a:gd name="connsiteY1" fmla="*/ 10000 h 10000"/>
+                <a:gd name="connsiteX2" fmla="*/ 180689 w 190689"/>
+                <a:gd name="connsiteY2" fmla="*/ 10000 h 10000"/>
+                <a:gd name="connsiteX0" fmla="*/ 313233 w 313233"/>
+                <a:gd name="connsiteY0" fmla="*/ 0 h 10000"/>
+                <a:gd name="connsiteX1" fmla="*/ 303233 w 313233"/>
+                <a:gd name="connsiteY1" fmla="*/ 10000 h 10000"/>
+                <a:gd name="connsiteX2" fmla="*/ 303233 w 313233"/>
+                <a:gd name="connsiteY2" fmla="*/ 10000 h 10000"/>
+              </a:gdLst>
+              <a:ahLst/>
+              <a:cxnLst>
+                <a:cxn ang="0">
+                  <a:pos x="connsiteX0" y="connsiteY0"/>
+                </a:cxn>
+                <a:cxn ang="0">
+                  <a:pos x="connsiteX1" y="connsiteY1"/>
+                </a:cxn>
+                <a:cxn ang="0">
+                  <a:pos x="connsiteX2" y="connsiteY2"/>
+                </a:cxn>
+              </a:cxnLst>
+              <a:rect l="l" t="t" r="r" b="b"/>
+              <a:pathLst>
+                <a:path w="313233" h="10000">
+                  <a:moveTo>
+                    <a:pt x="313233" y="0"/>
+                  </a:moveTo>
+                  <a:cubicBezTo>
+                    <a:pt x="-111604" y="2983"/>
+                    <a:pt x="-93864" y="7017"/>
+                    <a:pt x="303233" y="10000"/>
+                  </a:cubicBezTo>
+                  <a:lnTo>
+                    <a:pt x="303233" y="10000"/>
+                  </a:lnTo>
+                </a:path>
+              </a:pathLst>
+            </a:custGeom>
+            <a:noFill/>
+            <a:ln w="28575">
+              <a:solidFill>
+                <a:srgbClr val="FF0000"/>
+              </a:solidFill>
+              <a:headEnd type="stealth" w="med" len="lg"/>
+              <a:tailEnd type="stealth" w="med" len="lg"/>
+            </a:ln>
+          </p:spPr>
+          <p:style>
+            <a:lnRef idx="2">
+              <a:schemeClr val="accent1">
+                <a:shade val="50000"/>
+              </a:schemeClr>
+            </a:lnRef>
+            <a:fillRef idx="1">
+              <a:schemeClr val="accent1"/>
+            </a:fillRef>
+            <a:effectRef idx="0">
+              <a:schemeClr val="accent1"/>
+            </a:effectRef>
+            <a:fontRef idx="minor">
+              <a:schemeClr val="lt1"/>
+            </a:fontRef>
+          </p:style>
+          <p:txBody>
+            <a:bodyPr rtlCol="0" anchor="ctr"/>
+            <a:lstStyle/>
+            <a:p>
+              <a:pPr algn="ctr"/>
+              <a:endParaRPr lang="fr-FR"/>
+            </a:p>
+          </p:txBody>
+        </p:sp>
+        <p:sp>
+          <p:nvSpPr>
+            <p:cNvPr id="74" name="ZoneTexte 73"/>
+            <p:cNvSpPr txBox="1"/>
+            <p:nvPr/>
+          </p:nvSpPr>
+          <p:spPr>
+            <a:xfrm rot="16200000">
+              <a:off x="3901456" y="3684416"/>
+              <a:ext cx="769120" cy="246221"/>
+            </a:xfrm>
+            <a:prstGeom prst="rect">
+              <a:avLst/>
+            </a:prstGeom>
+            <a:noFill/>
+          </p:spPr>
+          <p:txBody>
+            <a:bodyPr wrap="square" rtlCol="0">
+              <a:spAutoFit/>
+            </a:bodyPr>
+            <a:lstStyle/>
+            <a:p>
+              <a:pPr algn="ctr"/>
+              <a:r>
+                <a:rPr lang="fr-FR" sz="1000" dirty="0" smtClean="0"/>
+                <a:t>Pression</a:t>
+              </a:r>
+              <a:endParaRPr lang="fr-FR" sz="1000" dirty="0"/>
+            </a:p>
+          </p:txBody>
+        </p:sp>
+        <p:cxnSp>
+          <p:nvCxnSpPr>
+            <p:cNvPr id="30" name="Connecteur droit 29"/>
+            <p:cNvCxnSpPr>
+              <a:stCxn id="32" idx="4"/>
+              <a:endCxn id="31" idx="2"/>
+            </p:cNvCxnSpPr>
+            <p:nvPr/>
+          </p:nvCxnSpPr>
+          <p:spPr>
+            <a:xfrm>
+              <a:off x="2411760" y="4662224"/>
+              <a:ext cx="0" cy="359336"/>
+            </a:xfrm>
+            <a:prstGeom prst="line">
+              <a:avLst/>
+            </a:prstGeom>
+            <a:noFill/>
+            <a:ln w="28575">
+              <a:solidFill>
+                <a:schemeClr val="tx1"/>
+              </a:solidFill>
+            </a:ln>
+          </p:spPr>
+          <p:style>
+            <a:lnRef idx="2">
+              <a:schemeClr val="accent1">
+                <a:shade val="50000"/>
+              </a:schemeClr>
+            </a:lnRef>
+            <a:fillRef idx="1">
+              <a:schemeClr val="accent1"/>
+            </a:fillRef>
+            <a:effectRef idx="0">
+              <a:schemeClr val="accent1"/>
+            </a:effectRef>
+            <a:fontRef idx="minor">
+              <a:schemeClr val="lt1"/>
+            </a:fontRef>
+          </p:style>
+        </p:cxnSp>
+        <p:sp>
+          <p:nvSpPr>
+            <p:cNvPr id="31" name="Rectangle 30"/>
+            <p:cNvSpPr/>
+            <p:nvPr/>
+          </p:nvSpPr>
+          <p:spPr>
+            <a:xfrm>
+              <a:off x="2267760" y="4877544"/>
+              <a:ext cx="288000" cy="144016"/>
+            </a:xfrm>
+            <a:prstGeom prst="rect">
+              <a:avLst/>
+            </a:prstGeom>
+            <a:solidFill>
+              <a:schemeClr val="bg1">
+                <a:lumMod val="85000"/>
+              </a:schemeClr>
+            </a:solidFill>
+            <a:ln>
+              <a:noFill/>
+            </a:ln>
+          </p:spPr>
+          <p:style>
+            <a:lnRef idx="2">
+              <a:schemeClr val="accent1">
+                <a:shade val="50000"/>
+              </a:schemeClr>
+            </a:lnRef>
+            <a:fillRef idx="1">
+              <a:schemeClr val="accent1"/>
+            </a:fillRef>
+            <a:effectRef idx="0">
+              <a:schemeClr val="accent1"/>
+            </a:effectRef>
+            <a:fontRef idx="minor">
+              <a:schemeClr val="lt1"/>
+            </a:fontRef>
+          </p:style>
+          <p:txBody>
+            <a:bodyPr rtlCol="0" anchor="ctr"/>
+            <a:lstStyle/>
+            <a:p>
+              <a:pPr algn="ctr"/>
+              <a:endParaRPr lang="fr-FR"/>
+            </a:p>
+          </p:txBody>
+        </p:sp>
+        <p:sp>
+          <p:nvSpPr>
+            <p:cNvPr id="32" name="Ellipse 31"/>
+            <p:cNvSpPr/>
+            <p:nvPr/>
+          </p:nvSpPr>
+          <p:spPr>
+            <a:xfrm>
+              <a:off x="2231760" y="4302224"/>
+              <a:ext cx="360000" cy="360000"/>
+            </a:xfrm>
+            <a:prstGeom prst="ellipse">
+              <a:avLst/>
+            </a:prstGeom>
+            <a:solidFill>
+              <a:schemeClr val="bg1"/>
+            </a:solidFill>
+            <a:ln w="28575">
+              <a:solidFill>
+                <a:schemeClr val="tx1"/>
+              </a:solidFill>
+            </a:ln>
+          </p:spPr>
+          <p:style>
+            <a:lnRef idx="2">
+              <a:schemeClr val="accent1">
+                <a:shade val="50000"/>
+              </a:schemeClr>
+            </a:lnRef>
+            <a:fillRef idx="1">
+              <a:schemeClr val="accent1"/>
+            </a:fillRef>
+            <a:effectRef idx="0">
+              <a:schemeClr val="accent1"/>
+            </a:effectRef>
+            <a:fontRef idx="minor">
+              <a:schemeClr val="lt1"/>
+            </a:fontRef>
+          </p:style>
+          <p:txBody>
+            <a:bodyPr lIns="0" tIns="0" rIns="0" bIns="0" rtlCol="0" anchor="ctr"/>
+            <a:lstStyle/>
+            <a:p>
+              <a:pPr algn="ctr"/>
+              <a:r>
+                <a:rPr lang="fr-FR" b="1" dirty="0" smtClean="0">
+                  <a:solidFill>
+                    <a:schemeClr val="tx1"/>
+                  </a:solidFill>
+                </a:rPr>
+                <a:t>1</a:t>
+              </a:r>
+              <a:endParaRPr lang="fr-FR" b="1" dirty="0">
+                <a:solidFill>
+                  <a:schemeClr val="tx1"/>
+                </a:solidFill>
+              </a:endParaRPr>
+            </a:p>
+          </p:txBody>
+        </p:sp>
+        <p:cxnSp>
+          <p:nvCxnSpPr>
+            <p:cNvPr id="33" name="Connecteur droit 32"/>
+            <p:cNvCxnSpPr/>
+            <p:nvPr/>
+          </p:nvCxnSpPr>
+          <p:spPr>
+            <a:xfrm>
+              <a:off x="2267760" y="4869160"/>
+              <a:ext cx="296400" cy="0"/>
+            </a:xfrm>
+            <a:prstGeom prst="line">
+              <a:avLst/>
+            </a:prstGeom>
+            <a:noFill/>
+            <a:ln w="28575">
+              <a:solidFill>
+                <a:schemeClr val="tx1"/>
+              </a:solidFill>
+            </a:ln>
+          </p:spPr>
+          <p:style>
+            <a:lnRef idx="2">
+              <a:schemeClr val="accent1">
+                <a:shade val="50000"/>
+              </a:schemeClr>
+            </a:lnRef>
+            <a:fillRef idx="1">
+              <a:schemeClr val="accent1"/>
+            </a:fillRef>
+            <a:effectRef idx="0">
+              <a:schemeClr val="accent1"/>
+            </a:effectRef>
+            <a:fontRef idx="minor">
+              <a:schemeClr val="lt1"/>
+            </a:fontRef>
+          </p:style>
+        </p:cxnSp>
+        <p:sp>
+          <p:nvSpPr>
+            <p:cNvPr id="34" name="Ellipse 33"/>
+            <p:cNvSpPr/>
+            <p:nvPr/>
+          </p:nvSpPr>
+          <p:spPr>
+            <a:xfrm>
+              <a:off x="3672511" y="4302224"/>
+              <a:ext cx="360000" cy="360000"/>
+            </a:xfrm>
+            <a:prstGeom prst="ellipse">
+              <a:avLst/>
+            </a:prstGeom>
+            <a:noFill/>
+            <a:ln w="28575">
+              <a:solidFill>
+                <a:srgbClr val="0070C0"/>
+              </a:solidFill>
+            </a:ln>
+          </p:spPr>
+          <p:style>
+            <a:lnRef idx="2">
+              <a:schemeClr val="accent1">
+                <a:shade val="50000"/>
+              </a:schemeClr>
+            </a:lnRef>
+            <a:fillRef idx="1">
+              <a:schemeClr val="accent1"/>
+            </a:fillRef>
+            <a:effectRef idx="0">
+              <a:schemeClr val="accent1"/>
+            </a:effectRef>
+            <a:fontRef idx="minor">
+              <a:schemeClr val="lt1"/>
+            </a:fontRef>
+          </p:style>
+          <p:txBody>
+            <a:bodyPr lIns="0" tIns="0" rIns="0" bIns="0" rtlCol="0" anchor="ctr"/>
+            <a:lstStyle/>
+            <a:p>
+              <a:pPr algn="ctr"/>
+              <a:r>
+                <a:rPr lang="fr-FR" sz="1400" b="1" dirty="0" smtClean="0">
+                  <a:solidFill>
+                    <a:srgbClr val="0070C0"/>
+                  </a:solidFill>
+                </a:rPr>
+                <a:t>T1</a:t>
+              </a:r>
+              <a:endParaRPr lang="fr-FR" sz="1400" b="1" dirty="0">
+                <a:solidFill>
+                  <a:srgbClr val="0070C0"/>
+                </a:solidFill>
+              </a:endParaRPr>
+            </a:p>
+          </p:txBody>
+        </p:sp>
+        <p:sp>
+          <p:nvSpPr>
+            <p:cNvPr id="35" name="Ellipse 34"/>
+            <p:cNvSpPr/>
+            <p:nvPr/>
+          </p:nvSpPr>
+          <p:spPr>
+            <a:xfrm>
+              <a:off x="3672511" y="2964389"/>
+              <a:ext cx="360000" cy="360000"/>
+            </a:xfrm>
+            <a:prstGeom prst="ellipse">
+              <a:avLst/>
+            </a:prstGeom>
+            <a:noFill/>
+            <a:ln w="28575">
+              <a:solidFill>
+                <a:schemeClr val="accent2"/>
+              </a:solidFill>
+            </a:ln>
+          </p:spPr>
+          <p:style>
+            <a:lnRef idx="2">
+              <a:schemeClr val="accent1">
+                <a:shade val="50000"/>
+              </a:schemeClr>
+            </a:lnRef>
+            <a:fillRef idx="1">
+              <a:schemeClr val="accent1"/>
+            </a:fillRef>
+            <a:effectRef idx="0">
+              <a:schemeClr val="accent1"/>
+            </a:effectRef>
+            <a:fontRef idx="minor">
+              <a:schemeClr val="lt1"/>
+            </a:fontRef>
+          </p:style>
+          <p:txBody>
+            <a:bodyPr lIns="0" tIns="0" rIns="0" bIns="0" rtlCol="0" anchor="ctr"/>
+            <a:lstStyle/>
+            <a:p>
+              <a:pPr algn="ctr"/>
+              <a:r>
+                <a:rPr lang="fr-FR" sz="1400" b="1" dirty="0" smtClean="0">
+                  <a:solidFill>
+                    <a:schemeClr val="accent2"/>
+                  </a:solidFill>
+                </a:rPr>
+                <a:t>T2</a:t>
+              </a:r>
+              <a:endParaRPr lang="fr-FR" sz="1400" b="1" dirty="0">
+                <a:solidFill>
+                  <a:schemeClr val="accent2"/>
+                </a:solidFill>
+              </a:endParaRPr>
+            </a:p>
+          </p:txBody>
+        </p:sp>
+        <p:cxnSp>
+          <p:nvCxnSpPr>
+            <p:cNvPr id="36" name="Connecteur droit 35"/>
+            <p:cNvCxnSpPr>
+              <a:stCxn id="34" idx="2"/>
+              <a:endCxn id="32" idx="6"/>
+            </p:cNvCxnSpPr>
+            <p:nvPr/>
+          </p:nvCxnSpPr>
+          <p:spPr>
+            <a:xfrm flipH="1">
+              <a:off x="2591760" y="4482224"/>
+              <a:ext cx="1080751" cy="0"/>
+            </a:xfrm>
+            <a:prstGeom prst="line">
+              <a:avLst/>
+            </a:prstGeom>
+            <a:noFill/>
+            <a:ln w="28575">
+              <a:solidFill>
+                <a:schemeClr val="tx1"/>
+              </a:solidFill>
+            </a:ln>
+          </p:spPr>
+          <p:style>
+            <a:lnRef idx="2">
+              <a:schemeClr val="accent1">
+                <a:shade val="50000"/>
+              </a:schemeClr>
+            </a:lnRef>
+            <a:fillRef idx="1">
+              <a:schemeClr val="accent1"/>
+            </a:fillRef>
+            <a:effectRef idx="0">
+              <a:schemeClr val="accent1"/>
+            </a:effectRef>
+            <a:fontRef idx="minor">
+              <a:schemeClr val="lt1"/>
+            </a:fontRef>
+          </p:style>
+        </p:cxnSp>
+        <p:cxnSp>
+          <p:nvCxnSpPr>
+            <p:cNvPr id="37" name="Connecteur droit 36"/>
+            <p:cNvCxnSpPr>
+              <a:stCxn id="35" idx="4"/>
+              <a:endCxn id="34" idx="0"/>
+            </p:cNvCxnSpPr>
+            <p:nvPr/>
+          </p:nvCxnSpPr>
+          <p:spPr>
+            <a:xfrm>
+              <a:off x="3852511" y="3324389"/>
+              <a:ext cx="0" cy="977835"/>
+            </a:xfrm>
+            <a:prstGeom prst="line">
+              <a:avLst/>
+            </a:prstGeom>
+            <a:noFill/>
+            <a:ln w="28575">
+              <a:solidFill>
+                <a:schemeClr val="tx1"/>
+              </a:solidFill>
+            </a:ln>
+          </p:spPr>
+          <p:style>
+            <a:lnRef idx="2">
+              <a:schemeClr val="accent1">
+                <a:shade val="50000"/>
+              </a:schemeClr>
+            </a:lnRef>
+            <a:fillRef idx="1">
+              <a:schemeClr val="accent1"/>
+            </a:fillRef>
+            <a:effectRef idx="0">
+              <a:schemeClr val="accent1"/>
+            </a:effectRef>
+            <a:fontRef idx="minor">
+              <a:schemeClr val="lt1"/>
+            </a:fontRef>
+          </p:style>
+        </p:cxnSp>
+        <p:sp>
+          <p:nvSpPr>
+            <p:cNvPr id="38" name="Forme libre 37"/>
+            <p:cNvSpPr/>
+            <p:nvPr/>
+          </p:nvSpPr>
+          <p:spPr>
+            <a:xfrm>
+              <a:off x="2213666" y="3284462"/>
+              <a:ext cx="108723" cy="1046136"/>
+            </a:xfrm>
+            <a:custGeom>
+              <a:avLst/>
+              <a:gdLst>
+                <a:gd name="connsiteX0" fmla="*/ 0 w 7315"/>
+                <a:gd name="connsiteY0" fmla="*/ 0 h 1038758"/>
+                <a:gd name="connsiteX1" fmla="*/ 7315 w 7315"/>
+                <a:gd name="connsiteY1" fmla="*/ 1038758 h 1038758"/>
+                <a:gd name="connsiteX2" fmla="*/ 7315 w 7315"/>
+                <a:gd name="connsiteY2" fmla="*/ 1038758 h 1038758"/>
+                <a:gd name="connsiteX0" fmla="*/ 0 w 1239"/>
+                <a:gd name="connsiteY0" fmla="*/ 0 h 10141"/>
+                <a:gd name="connsiteX1" fmla="*/ 1239 w 1239"/>
+                <a:gd name="connsiteY1" fmla="*/ 10141 h 10141"/>
+                <a:gd name="connsiteX2" fmla="*/ 1239 w 1239"/>
+                <a:gd name="connsiteY2" fmla="*/ 10141 h 10141"/>
+                <a:gd name="connsiteX0" fmla="*/ 0 w 1161"/>
+                <a:gd name="connsiteY0" fmla="*/ 0 h 10000"/>
+                <a:gd name="connsiteX1" fmla="*/ 1161 w 1161"/>
+                <a:gd name="connsiteY1" fmla="*/ 10000 h 10000"/>
+                <a:gd name="connsiteX2" fmla="*/ 1161 w 1161"/>
+                <a:gd name="connsiteY2" fmla="*/ 10000 h 10000"/>
+                <a:gd name="connsiteX0" fmla="*/ 104181 w 104181"/>
+                <a:gd name="connsiteY0" fmla="*/ 0 h 10000"/>
+                <a:gd name="connsiteX1" fmla="*/ 0 w 104181"/>
+                <a:gd name="connsiteY1" fmla="*/ 10000 h 10000"/>
+                <a:gd name="connsiteX2" fmla="*/ 0 w 104181"/>
+                <a:gd name="connsiteY2" fmla="*/ 10000 h 10000"/>
+                <a:gd name="connsiteX0" fmla="*/ 9030 w 9030"/>
+                <a:gd name="connsiteY0" fmla="*/ 0 h 9931"/>
+                <a:gd name="connsiteX1" fmla="*/ 0 w 9030"/>
+                <a:gd name="connsiteY1" fmla="*/ 9931 h 9931"/>
+                <a:gd name="connsiteX2" fmla="*/ 0 w 9030"/>
+                <a:gd name="connsiteY2" fmla="*/ 9931 h 9931"/>
+                <a:gd name="connsiteX0" fmla="*/ 190689 w 190689"/>
+                <a:gd name="connsiteY0" fmla="*/ 0 h 10000"/>
+                <a:gd name="connsiteX1" fmla="*/ 180689 w 190689"/>
+                <a:gd name="connsiteY1" fmla="*/ 10000 h 10000"/>
+                <a:gd name="connsiteX2" fmla="*/ 180689 w 190689"/>
+                <a:gd name="connsiteY2" fmla="*/ 10000 h 10000"/>
+                <a:gd name="connsiteX0" fmla="*/ 313233 w 313233"/>
+                <a:gd name="connsiteY0" fmla="*/ 0 h 10000"/>
+                <a:gd name="connsiteX1" fmla="*/ 303233 w 313233"/>
+                <a:gd name="connsiteY1" fmla="*/ 10000 h 10000"/>
+                <a:gd name="connsiteX2" fmla="*/ 303233 w 313233"/>
+                <a:gd name="connsiteY2" fmla="*/ 10000 h 10000"/>
+              </a:gdLst>
+              <a:ahLst/>
+              <a:cxnLst>
+                <a:cxn ang="0">
+                  <a:pos x="connsiteX0" y="connsiteY0"/>
+                </a:cxn>
+                <a:cxn ang="0">
+                  <a:pos x="connsiteX1" y="connsiteY1"/>
+                </a:cxn>
+                <a:cxn ang="0">
+                  <a:pos x="connsiteX2" y="connsiteY2"/>
+                </a:cxn>
+              </a:cxnLst>
+              <a:rect l="l" t="t" r="r" b="b"/>
+              <a:pathLst>
+                <a:path w="313233" h="10000">
+                  <a:moveTo>
+                    <a:pt x="313233" y="0"/>
+                  </a:moveTo>
+                  <a:cubicBezTo>
+                    <a:pt x="-111604" y="2983"/>
+                    <a:pt x="-93864" y="7017"/>
+                    <a:pt x="303233" y="10000"/>
+                  </a:cubicBezTo>
+                  <a:lnTo>
+                    <a:pt x="303233" y="10000"/>
+                  </a:lnTo>
+                </a:path>
+              </a:pathLst>
+            </a:custGeom>
+            <a:noFill/>
+            <a:ln w="28575">
+              <a:solidFill>
+                <a:schemeClr val="tx1"/>
+              </a:solidFill>
+            </a:ln>
+          </p:spPr>
+          <p:style>
+            <a:lnRef idx="2">
+              <a:schemeClr val="accent1">
+                <a:shade val="50000"/>
+              </a:schemeClr>
+            </a:lnRef>
+            <a:fillRef idx="1">
+              <a:schemeClr val="accent1"/>
+            </a:fillRef>
+            <a:effectRef idx="0">
+              <a:schemeClr val="accent1"/>
+            </a:effectRef>
+            <a:fontRef idx="minor">
+              <a:schemeClr val="lt1"/>
+            </a:fontRef>
+          </p:style>
+          <p:txBody>
+            <a:bodyPr rtlCol="0" anchor="ctr"/>
+            <a:lstStyle/>
+            <a:p>
+              <a:pPr algn="ctr"/>
+              <a:endParaRPr lang="fr-FR"/>
+            </a:p>
+          </p:txBody>
+        </p:sp>
+        <p:sp>
+          <p:nvSpPr>
+            <p:cNvPr id="39" name="Ellipse 38"/>
+            <p:cNvSpPr/>
+            <p:nvPr/>
+          </p:nvSpPr>
+          <p:spPr>
+            <a:xfrm>
+              <a:off x="2231760" y="2964389"/>
+              <a:ext cx="360000" cy="360000"/>
+            </a:xfrm>
+            <a:prstGeom prst="ellipse">
+              <a:avLst/>
+            </a:prstGeom>
+            <a:solidFill>
+              <a:schemeClr val="bg1"/>
+            </a:solidFill>
+            <a:ln w="28575">
+              <a:solidFill>
+                <a:srgbClr val="00B050"/>
+              </a:solidFill>
+            </a:ln>
+          </p:spPr>
+          <p:style>
+            <a:lnRef idx="2">
+              <a:schemeClr val="accent1">
+                <a:shade val="50000"/>
+              </a:schemeClr>
+            </a:lnRef>
+            <a:fillRef idx="1">
+              <a:schemeClr val="accent1"/>
+            </a:fillRef>
+            <a:effectRef idx="0">
+              <a:schemeClr val="accent1"/>
+            </a:effectRef>
+            <a:fontRef idx="minor">
+              <a:schemeClr val="lt1"/>
+            </a:fontRef>
+          </p:style>
+          <p:txBody>
+            <a:bodyPr lIns="0" tIns="0" rIns="0" bIns="0" rtlCol="0" anchor="ctr"/>
+            <a:lstStyle/>
+            <a:p>
+              <a:pPr algn="ctr"/>
+              <a:r>
+                <a:rPr lang="fr-FR" sz="1400" b="1" dirty="0" smtClean="0">
+                  <a:solidFill>
+                    <a:srgbClr val="00B050"/>
+                  </a:solidFill>
+                </a:rPr>
+                <a:t>S2</a:t>
+              </a:r>
+              <a:endParaRPr lang="fr-FR" sz="1400" b="1" dirty="0">
+                <a:solidFill>
+                  <a:srgbClr val="00B050"/>
+                </a:solidFill>
+              </a:endParaRPr>
+            </a:p>
+          </p:txBody>
+        </p:sp>
+        <p:cxnSp>
+          <p:nvCxnSpPr>
+            <p:cNvPr id="41" name="Connecteur droit 40"/>
+            <p:cNvCxnSpPr>
+              <a:stCxn id="39" idx="6"/>
+              <a:endCxn id="35" idx="2"/>
+            </p:cNvCxnSpPr>
+            <p:nvPr/>
+          </p:nvCxnSpPr>
+          <p:spPr>
+            <a:xfrm>
+              <a:off x="2591760" y="3144389"/>
+              <a:ext cx="1080751" cy="0"/>
+            </a:xfrm>
+            <a:prstGeom prst="line">
+              <a:avLst/>
+            </a:prstGeom>
+            <a:noFill/>
+            <a:ln w="28575">
+              <a:solidFill>
+                <a:schemeClr val="tx1"/>
+              </a:solidFill>
+            </a:ln>
+          </p:spPr>
+          <p:style>
+            <a:lnRef idx="2">
+              <a:schemeClr val="accent1">
+                <a:shade val="50000"/>
+              </a:schemeClr>
+            </a:lnRef>
+            <a:fillRef idx="1">
+              <a:schemeClr val="accent1"/>
+            </a:fillRef>
+            <a:effectRef idx="0">
+              <a:schemeClr val="accent1"/>
+            </a:effectRef>
+            <a:fontRef idx="minor">
+              <a:schemeClr val="lt1"/>
+            </a:fontRef>
+          </p:style>
+        </p:cxnSp>
+        <mc:AlternateContent xmlns:mc="http://schemas.openxmlformats.org/markup-compatibility/2006">
+          <mc:Choice xmlns:a14="http://schemas.microsoft.com/office/drawing/2010/main" Requires="a14">
+            <p:sp>
+              <p:nvSpPr>
+                <p:cNvPr id="42" name="ZoneTexte 41"/>
+                <p:cNvSpPr txBox="1"/>
+                <p:nvPr/>
+              </p:nvSpPr>
+              <p:spPr>
+                <a:xfrm rot="16200000">
+                  <a:off x="1347403" y="3619031"/>
+                  <a:ext cx="1326276" cy="400110"/>
+                </a:xfrm>
+                <a:prstGeom prst="rect">
+                  <a:avLst/>
+                </a:prstGeom>
+                <a:noFill/>
+              </p:spPr>
+              <p:txBody>
+                <a:bodyPr wrap="square" rtlCol="0">
+                  <a:spAutoFit/>
+                </a:bodyPr>
+                <a:lstStyle/>
+                <a:p>
+                  <a:pPr algn="ctr"/>
+                  <a:r>
+                    <a:rPr lang="fr-FR" sz="1000" dirty="0" smtClean="0"/>
+                    <a:t>Pivot </a:t>
+                  </a:r>
+                  <a:r>
+                    <a:rPr lang="fr-FR" sz="1000" dirty="0" smtClean="0"/>
+                    <a:t>avec frottement </a:t>
+                  </a:r>
+                  <a14:m>
+                    <m:oMath xmlns:m="http://schemas.openxmlformats.org/officeDocument/2006/math">
+                      <m:d>
+                        <m:dPr>
+                          <m:ctrlPr>
+                            <a:rPr lang="fr-FR" sz="1000" b="0" i="1" smtClean="0">
+                              <a:latin typeface="Cambria Math"/>
+                            </a:rPr>
+                          </m:ctrlPr>
+                        </m:dPr>
+                        <m:e>
+                          <m:sSub>
+                            <m:sSubPr>
+                              <m:ctrlPr>
+                                <a:rPr lang="fr-FR" sz="1000" b="0" i="1" smtClean="0">
+                                  <a:latin typeface="Cambria Math"/>
+                                </a:rPr>
+                              </m:ctrlPr>
+                            </m:sSubPr>
+                            <m:e>
+                              <m:r>
+                                <a:rPr lang="fr-FR" sz="1000" b="0" i="1" smtClean="0">
+                                  <a:latin typeface="Cambria Math"/>
+                                </a:rPr>
+                                <m:t>𝑂</m:t>
+                              </m:r>
+                            </m:e>
+                            <m:sub>
+                              <m:r>
+                                <a:rPr lang="fr-FR" sz="1000" b="0" i="1" smtClean="0">
+                                  <a:latin typeface="Cambria Math"/>
+                                </a:rPr>
+                                <m:t>1</m:t>
+                              </m:r>
+                            </m:sub>
+                          </m:sSub>
+                          <m:r>
+                            <a:rPr lang="fr-FR" sz="1000" b="0" i="1" smtClean="0">
+                              <a:latin typeface="Cambria Math"/>
+                            </a:rPr>
+                            <m:t>;</m:t>
+                          </m:r>
+                          <m:acc>
+                            <m:accPr>
+                              <m:chr m:val="⃗"/>
+                              <m:ctrlPr>
+                                <a:rPr lang="fr-FR" sz="1000" i="1">
+                                  <a:latin typeface="Cambria Math"/>
+                                </a:rPr>
+                              </m:ctrlPr>
+                            </m:accPr>
+                            <m:e>
+                              <m:sSub>
+                                <m:sSubPr>
+                                  <m:ctrlPr>
+                                    <a:rPr lang="fr-FR" sz="1000" i="1">
+                                      <a:latin typeface="Cambria Math"/>
+                                    </a:rPr>
+                                  </m:ctrlPr>
+                                </m:sSubPr>
+                                <m:e>
+                                  <m:r>
+                                    <a:rPr lang="fr-FR" sz="1000" i="1">
+                                      <a:latin typeface="Cambria Math"/>
+                                    </a:rPr>
+                                    <m:t>𝑦</m:t>
+                                  </m:r>
+                                </m:e>
+                                <m:sub>
+                                  <m:r>
+                                    <a:rPr lang="fr-FR" sz="1000" i="1">
+                                      <a:latin typeface="Cambria Math"/>
+                                    </a:rPr>
+                                    <m:t>1</m:t>
+                                  </m:r>
+                                </m:sub>
+                              </m:sSub>
+                            </m:e>
+                          </m:acc>
+                        </m:e>
+                      </m:d>
+                    </m:oMath>
+                  </a14:m>
+                  <a:endParaRPr lang="fr-FR" sz="1000" dirty="0"/>
+                </a:p>
+              </p:txBody>
+            </p:sp>
+          </mc:Choice>
+          <mc:Fallback>
+            <p:sp>
+              <p:nvSpPr>
+                <p:cNvPr id="42" name="ZoneTexte 41"/>
+                <p:cNvSpPr txBox="1">
+                  <a:spLocks noRot="1" noChangeAspect="1" noMove="1" noResize="1" noEditPoints="1" noAdjustHandles="1" noChangeArrowheads="1" noChangeShapeType="1" noTextEdit="1"/>
+                </p:cNvSpPr>
+                <p:nvPr/>
+              </p:nvSpPr>
+              <p:spPr>
+                <a:xfrm rot="16200000">
+                  <a:off x="1347403" y="3619031"/>
+                  <a:ext cx="1326276" cy="400110"/>
+                </a:xfrm>
+                <a:prstGeom prst="rect">
+                  <a:avLst/>
+                </a:prstGeom>
+                <a:blipFill rotWithShape="1">
+                  <a:blip r:embed="rId4"/>
+                  <a:stretch>
+                    <a:fillRect t="-922"/>
+                  </a:stretch>
+                </a:blipFill>
+              </p:spPr>
+              <p:txBody>
+                <a:bodyPr/>
+                <a:lstStyle/>
+                <a:p>
+                  <a:r>
+                    <a:rPr lang="fr-FR">
+                      <a:noFill/>
+                    </a:rPr>
+                    <a:t> </a:t>
+                  </a:r>
+                </a:p>
+              </p:txBody>
+            </p:sp>
+          </mc:Fallback>
+        </mc:AlternateContent>
+        <mc:AlternateContent xmlns:mc="http://schemas.openxmlformats.org/markup-compatibility/2006">
+          <mc:Choice xmlns:a14="http://schemas.microsoft.com/office/drawing/2010/main" Requires="a14">
+            <p:sp>
+              <p:nvSpPr>
+                <p:cNvPr id="45" name="ZoneTexte 44"/>
+                <p:cNvSpPr txBox="1"/>
+                <p:nvPr/>
+              </p:nvSpPr>
+              <p:spPr>
+                <a:xfrm>
+                  <a:off x="2978352" y="3791977"/>
+                  <a:ext cx="900711" cy="400110"/>
+                </a:xfrm>
+                <a:prstGeom prst="rect">
+                  <a:avLst/>
+                </a:prstGeom>
+                <a:noFill/>
+              </p:spPr>
+              <p:txBody>
+                <a:bodyPr wrap="square" rtlCol="0">
+                  <a:spAutoFit/>
+                </a:bodyPr>
+                <a:lstStyle/>
+                <a:p>
+                  <a:pPr algn="ctr"/>
+                  <a:r>
+                    <a:rPr lang="fr-FR" sz="1000" dirty="0" smtClean="0"/>
+                    <a:t>Pivot glissant</a:t>
+                  </a:r>
+                </a:p>
+                <a:p>
+                  <a:pPr algn="ctr"/>
+                  <a:r>
+                    <a:rPr lang="fr-FR" sz="1000" dirty="0"/>
+                    <a:t> </a:t>
+                  </a:r>
+                  <a14:m>
+                    <m:oMath xmlns:m="http://schemas.openxmlformats.org/officeDocument/2006/math">
+                      <m:d>
+                        <m:dPr>
+                          <m:ctrlPr>
+                            <a:rPr lang="fr-FR" sz="1000" i="1">
+                              <a:latin typeface="Cambria Math"/>
+                            </a:rPr>
+                          </m:ctrlPr>
+                        </m:dPr>
+                        <m:e>
+                          <m:sSub>
+                            <m:sSubPr>
+                              <m:ctrlPr>
+                                <a:rPr lang="fr-FR" sz="1000" i="1">
+                                  <a:latin typeface="Cambria Math"/>
+                                </a:rPr>
+                              </m:ctrlPr>
+                            </m:sSubPr>
+                            <m:e>
+                              <m:r>
+                                <a:rPr lang="fr-FR" sz="1000" i="1">
+                                  <a:latin typeface="Cambria Math"/>
+                                </a:rPr>
+                                <m:t>𝐵</m:t>
+                              </m:r>
+                            </m:e>
+                            <m:sub>
+                              <m:r>
+                                <a:rPr lang="fr-FR" sz="1000" i="1">
+                                  <a:latin typeface="Cambria Math"/>
+                                </a:rPr>
+                                <m:t>1</m:t>
+                              </m:r>
+                            </m:sub>
+                          </m:sSub>
+                          <m:r>
+                            <a:rPr lang="fr-FR" sz="1000" i="1">
+                              <a:latin typeface="Cambria Math"/>
+                            </a:rPr>
+                            <m:t>;</m:t>
+                          </m:r>
+                          <m:acc>
+                            <m:accPr>
+                              <m:chr m:val="⃗"/>
+                              <m:ctrlPr>
+                                <a:rPr lang="fr-FR" sz="1000" i="1">
+                                  <a:latin typeface="Cambria Math"/>
+                                </a:rPr>
+                              </m:ctrlPr>
+                            </m:accPr>
+                            <m:e>
+                              <m:sSub>
+                                <m:sSubPr>
+                                  <m:ctrlPr>
+                                    <a:rPr lang="fr-FR" sz="1000" b="0" i="1" smtClean="0">
+                                      <a:latin typeface="Cambria Math"/>
+                                    </a:rPr>
+                                  </m:ctrlPr>
+                                </m:sSubPr>
+                                <m:e>
+                                  <m:r>
+                                    <a:rPr lang="fr-FR" sz="1000" b="0" i="1" smtClean="0">
+                                      <a:latin typeface="Cambria Math"/>
+                                    </a:rPr>
+                                    <m:t>𝑧</m:t>
+                                  </m:r>
+                                </m:e>
+                                <m:sub>
+                                  <m:r>
+                                    <a:rPr lang="fr-FR" sz="1000" b="0" i="1" smtClean="0">
+                                      <a:latin typeface="Cambria Math"/>
+                                    </a:rPr>
+                                    <m:t>𝑇</m:t>
+                                  </m:r>
+                                  <m:r>
+                                    <a:rPr lang="fr-FR" sz="1000" b="0" i="1" smtClean="0">
+                                      <a:latin typeface="Cambria Math"/>
+                                    </a:rPr>
+                                    <m:t>2</m:t>
+                                  </m:r>
+                                </m:sub>
+                              </m:sSub>
+                            </m:e>
+                          </m:acc>
+                        </m:e>
+                      </m:d>
+                    </m:oMath>
+                  </a14:m>
+                  <a:endParaRPr lang="fr-FR" sz="1000" dirty="0"/>
+                </a:p>
+              </p:txBody>
+            </p:sp>
+          </mc:Choice>
+          <mc:Fallback>
+            <p:sp>
+              <p:nvSpPr>
+                <p:cNvPr id="45" name="ZoneTexte 44"/>
+                <p:cNvSpPr txBox="1">
+                  <a:spLocks noRot="1" noChangeAspect="1" noMove="1" noResize="1" noEditPoints="1" noAdjustHandles="1" noChangeArrowheads="1" noChangeShapeType="1" noTextEdit="1"/>
+                </p:cNvSpPr>
+                <p:nvPr/>
+              </p:nvSpPr>
+              <p:spPr>
+                <a:xfrm>
+                  <a:off x="2978352" y="3791977"/>
+                  <a:ext cx="900711" cy="400110"/>
+                </a:xfrm>
+                <a:prstGeom prst="rect">
+                  <a:avLst/>
+                </a:prstGeom>
+                <a:blipFill rotWithShape="1">
+                  <a:blip r:embed="rId5"/>
+                  <a:stretch>
+                    <a:fillRect/>
+                  </a:stretch>
+                </a:blipFill>
+              </p:spPr>
+              <p:txBody>
+                <a:bodyPr/>
+                <a:lstStyle/>
+                <a:p>
+                  <a:r>
+                    <a:rPr lang="fr-FR">
+                      <a:noFill/>
+                    </a:rPr>
+                    <a:t> </a:t>
+                  </a:r>
+                </a:p>
+              </p:txBody>
+            </p:sp>
+          </mc:Fallback>
+        </mc:AlternateContent>
+        <mc:AlternateContent xmlns:mc="http://schemas.openxmlformats.org/markup-compatibility/2006" xmlns:a14="http://schemas.microsoft.com/office/drawing/2010/main">
+          <mc:Choice Requires="a14">
+            <p:sp>
+              <p:nvSpPr>
+                <p:cNvPr id="49" name="ZoneTexte 48"/>
+                <p:cNvSpPr txBox="1"/>
+                <p:nvPr/>
+              </p:nvSpPr>
+              <p:spPr>
+                <a:xfrm>
+                  <a:off x="2462176" y="2898168"/>
+                  <a:ext cx="1326276" cy="246221"/>
+                </a:xfrm>
+                <a:prstGeom prst="rect">
+                  <a:avLst/>
+                </a:prstGeom>
+                <a:noFill/>
+              </p:spPr>
+              <p:txBody>
+                <a:bodyPr wrap="square" rtlCol="0">
+                  <a:spAutoFit/>
+                </a:bodyPr>
+                <a:lstStyle/>
+                <a:p>
+                  <a:pPr algn="ctr"/>
+                  <a:r>
+                    <a:rPr lang="fr-FR" sz="1000" dirty="0" smtClean="0"/>
+                    <a:t>Pivot  </a:t>
+                  </a:r>
+                  <a14:m>
+                    <m:oMath xmlns:m="http://schemas.openxmlformats.org/officeDocument/2006/math">
+                      <m:d>
+                        <m:dPr>
+                          <m:ctrlPr>
+                            <a:rPr lang="fr-FR" sz="1000" b="0" i="1" smtClean="0">
+                              <a:latin typeface="Cambria Math"/>
+                            </a:rPr>
+                          </m:ctrlPr>
+                        </m:dPr>
+                        <m:e>
+                          <m:sSub>
+                            <m:sSubPr>
+                              <m:ctrlPr>
+                                <a:rPr lang="fr-FR" sz="1000" b="0" i="1" smtClean="0">
+                                  <a:latin typeface="Cambria Math"/>
+                                </a:rPr>
+                              </m:ctrlPr>
+                            </m:sSubPr>
+                            <m:e>
+                              <m:r>
+                                <a:rPr lang="fr-FR" sz="1000" b="0" i="1" smtClean="0">
+                                  <a:latin typeface="Cambria Math"/>
+                                </a:rPr>
+                                <m:t>𝐵</m:t>
+                              </m:r>
+                            </m:e>
+                            <m:sub>
+                              <m:r>
+                                <a:rPr lang="fr-FR" sz="1000" b="0" i="1" smtClean="0">
+                                  <a:latin typeface="Cambria Math"/>
+                                </a:rPr>
+                                <m:t>1</m:t>
+                              </m:r>
+                            </m:sub>
+                          </m:sSub>
+                          <m:r>
+                            <a:rPr lang="fr-FR" sz="1000" b="0" i="1" smtClean="0">
+                              <a:latin typeface="Cambria Math"/>
+                            </a:rPr>
+                            <m:t>;</m:t>
+                          </m:r>
+                          <m:acc>
+                            <m:accPr>
+                              <m:chr m:val="⃗"/>
+                              <m:ctrlPr>
+                                <a:rPr lang="fr-FR" sz="1000" i="1">
+                                  <a:latin typeface="Cambria Math"/>
+                                </a:rPr>
+                              </m:ctrlPr>
+                            </m:accPr>
+                            <m:e>
+                              <m:sSub>
+                                <m:sSubPr>
+                                  <m:ctrlPr>
+                                    <a:rPr lang="fr-FR" sz="1000" i="1">
+                                      <a:latin typeface="Cambria Math"/>
+                                    </a:rPr>
+                                  </m:ctrlPr>
+                                </m:sSubPr>
+                                <m:e>
+                                  <m:r>
+                                    <a:rPr lang="fr-FR" sz="1000" i="1">
+                                      <a:latin typeface="Cambria Math"/>
+                                    </a:rPr>
+                                    <m:t>𝑦</m:t>
+                                  </m:r>
+                                </m:e>
+                                <m:sub>
+                                  <m:r>
+                                    <a:rPr lang="fr-FR" sz="1000" i="1">
+                                      <a:latin typeface="Cambria Math"/>
+                                    </a:rPr>
+                                    <m:t>1</m:t>
+                                  </m:r>
+                                </m:sub>
+                              </m:sSub>
+                            </m:e>
+                          </m:acc>
+                        </m:e>
+                      </m:d>
+                    </m:oMath>
+                  </a14:m>
+                  <a:endParaRPr lang="fr-FR" sz="1000" dirty="0"/>
+                </a:p>
+              </p:txBody>
+            </p:sp>
+          </mc:Choice>
+          <mc:Fallback xmlns="">
+            <p:sp>
+              <p:nvSpPr>
+                <p:cNvPr id="49" name="ZoneTexte 48"/>
+                <p:cNvSpPr txBox="1">
+                  <a:spLocks noRot="1" noChangeAspect="1" noMove="1" noResize="1" noEditPoints="1" noAdjustHandles="1" noChangeArrowheads="1" noChangeShapeType="1" noTextEdit="1"/>
+                </p:cNvSpPr>
+                <p:nvPr/>
+              </p:nvSpPr>
+              <p:spPr>
+                <a:xfrm>
+                  <a:off x="2462176" y="2898168"/>
+                  <a:ext cx="1326276" cy="246221"/>
+                </a:xfrm>
+                <a:prstGeom prst="rect">
+                  <a:avLst/>
+                </a:prstGeom>
+                <a:blipFill rotWithShape="1">
+                  <a:blip r:embed="rId6"/>
+                  <a:stretch>
+                    <a:fillRect b="-12195"/>
+                  </a:stretch>
+                </a:blipFill>
+              </p:spPr>
+              <p:txBody>
+                <a:bodyPr/>
+                <a:lstStyle/>
+                <a:p>
+                  <a:r>
+                    <a:rPr lang="fr-FR">
+                      <a:noFill/>
+                    </a:rPr>
+                    <a:t> </a:t>
+                  </a:r>
+                </a:p>
+              </p:txBody>
+            </p:sp>
+          </mc:Fallback>
+        </mc:AlternateContent>
+        <mc:AlternateContent xmlns:mc="http://schemas.openxmlformats.org/markup-compatibility/2006">
+          <mc:Choice xmlns:a14="http://schemas.microsoft.com/office/drawing/2010/main" Requires="a14">
+            <p:sp>
+              <p:nvSpPr>
+                <p:cNvPr id="51" name="ZoneTexte 50"/>
+                <p:cNvSpPr txBox="1"/>
+                <p:nvPr/>
+              </p:nvSpPr>
+              <p:spPr>
+                <a:xfrm>
+                  <a:off x="2552787" y="4449002"/>
+                  <a:ext cx="1326276" cy="246221"/>
+                </a:xfrm>
+                <a:prstGeom prst="rect">
+                  <a:avLst/>
+                </a:prstGeom>
+                <a:noFill/>
+              </p:spPr>
+              <p:txBody>
+                <a:bodyPr wrap="square" rtlCol="0">
+                  <a:spAutoFit/>
+                </a:bodyPr>
+                <a:lstStyle/>
+                <a:p>
+                  <a:pPr algn="ctr"/>
+                  <a:r>
+                    <a:rPr lang="fr-FR" sz="1000" dirty="0" smtClean="0"/>
+                    <a:t>Pivot  </a:t>
+                  </a:r>
+                  <a14:m>
+                    <m:oMath xmlns:m="http://schemas.openxmlformats.org/officeDocument/2006/math">
+                      <m:d>
+                        <m:dPr>
+                          <m:ctrlPr>
+                            <a:rPr lang="fr-FR" sz="1000" b="0" i="1" smtClean="0">
+                              <a:latin typeface="Cambria Math"/>
+                            </a:rPr>
+                          </m:ctrlPr>
+                        </m:dPr>
+                        <m:e>
+                          <m:sSub>
+                            <m:sSubPr>
+                              <m:ctrlPr>
+                                <a:rPr lang="fr-FR" sz="1000" b="0" i="1" smtClean="0">
+                                  <a:latin typeface="Cambria Math"/>
+                                </a:rPr>
+                              </m:ctrlPr>
+                            </m:sSubPr>
+                            <m:e>
+                              <m:r>
+                                <a:rPr lang="fr-FR" sz="1000" b="0" i="1" smtClean="0">
+                                  <a:latin typeface="Cambria Math"/>
+                                </a:rPr>
+                                <m:t>𝐴</m:t>
+                              </m:r>
+                            </m:e>
+                            <m:sub>
+                              <m:r>
+                                <a:rPr lang="fr-FR" sz="1000" b="0" i="1" smtClean="0">
+                                  <a:latin typeface="Cambria Math"/>
+                                </a:rPr>
+                                <m:t>1</m:t>
+                              </m:r>
+                            </m:sub>
+                          </m:sSub>
+                          <m:r>
+                            <a:rPr lang="fr-FR" sz="1000" b="0" i="1" smtClean="0">
+                              <a:latin typeface="Cambria Math"/>
+                            </a:rPr>
+                            <m:t>;</m:t>
+                          </m:r>
+                          <m:acc>
+                            <m:accPr>
+                              <m:chr m:val="⃗"/>
+                              <m:ctrlPr>
+                                <a:rPr lang="fr-FR" sz="1000" i="1">
+                                  <a:latin typeface="Cambria Math"/>
+                                </a:rPr>
+                              </m:ctrlPr>
+                            </m:accPr>
+                            <m:e>
+                              <m:sSub>
+                                <m:sSubPr>
+                                  <m:ctrlPr>
+                                    <a:rPr lang="fr-FR" sz="1000" i="1">
+                                      <a:latin typeface="Cambria Math"/>
+                                    </a:rPr>
+                                  </m:ctrlPr>
+                                </m:sSubPr>
+                                <m:e>
+                                  <m:r>
+                                    <a:rPr lang="fr-FR" sz="1000" i="1">
+                                      <a:latin typeface="Cambria Math"/>
+                                    </a:rPr>
+                                    <m:t>𝑦</m:t>
+                                  </m:r>
+                                </m:e>
+                                <m:sub>
+                                  <m:r>
+                                    <a:rPr lang="fr-FR" sz="1000" i="1">
+                                      <a:latin typeface="Cambria Math"/>
+                                    </a:rPr>
+                                    <m:t>1</m:t>
+                                  </m:r>
+                                </m:sub>
+                              </m:sSub>
+                            </m:e>
+                          </m:acc>
+                        </m:e>
+                      </m:d>
+                    </m:oMath>
+                  </a14:m>
+                  <a:endParaRPr lang="fr-FR" sz="1000" dirty="0"/>
+                </a:p>
+              </p:txBody>
+            </p:sp>
+          </mc:Choice>
+          <mc:Fallback>
+            <p:sp>
+              <p:nvSpPr>
+                <p:cNvPr id="51" name="ZoneTexte 50"/>
+                <p:cNvSpPr txBox="1">
+                  <a:spLocks noRot="1" noChangeAspect="1" noMove="1" noResize="1" noEditPoints="1" noAdjustHandles="1" noChangeArrowheads="1" noChangeShapeType="1" noTextEdit="1"/>
+                </p:cNvSpPr>
+                <p:nvPr/>
+              </p:nvSpPr>
+              <p:spPr>
+                <a:xfrm>
+                  <a:off x="2552787" y="4449002"/>
+                  <a:ext cx="1326276" cy="246221"/>
+                </a:xfrm>
+                <a:prstGeom prst="rect">
+                  <a:avLst/>
+                </a:prstGeom>
+                <a:blipFill rotWithShape="1">
+                  <a:blip r:embed="rId7"/>
+                  <a:stretch>
+                    <a:fillRect b="-15000"/>
+                  </a:stretch>
+                </a:blipFill>
+              </p:spPr>
+              <p:txBody>
+                <a:bodyPr/>
+                <a:lstStyle/>
+                <a:p>
+                  <a:r>
+                    <a:rPr lang="fr-FR">
+                      <a:noFill/>
+                    </a:rPr>
+                    <a:t> </a:t>
+                  </a:r>
+                </a:p>
+              </p:txBody>
+            </p:sp>
+          </mc:Fallback>
+        </mc:AlternateContent>
+        <p:sp>
+          <p:nvSpPr>
+            <p:cNvPr id="29" name="Ellipse 28"/>
+            <p:cNvSpPr/>
+            <p:nvPr/>
+          </p:nvSpPr>
+          <p:spPr>
+            <a:xfrm>
+              <a:off x="2085989" y="2695219"/>
+              <a:ext cx="2052724" cy="898340"/>
+            </a:xfrm>
+            <a:prstGeom prst="ellipse">
+              <a:avLst/>
+            </a:prstGeom>
+            <a:noFill/>
+            <a:ln>
+              <a:solidFill>
+                <a:srgbClr val="FFC000"/>
+              </a:solidFill>
+              <a:prstDash val="sysDot"/>
+            </a:ln>
+          </p:spPr>
+          <p:style>
+            <a:lnRef idx="2">
+              <a:schemeClr val="accent1">
+                <a:shade val="50000"/>
+              </a:schemeClr>
+            </a:lnRef>
+            <a:fillRef idx="1">
+              <a:schemeClr val="accent1"/>
+            </a:fillRef>
+            <a:effectRef idx="0">
+              <a:schemeClr val="accent1"/>
+            </a:effectRef>
+            <a:fontRef idx="minor">
+              <a:schemeClr val="lt1"/>
+            </a:fontRef>
+          </p:style>
+          <p:txBody>
+            <a:bodyPr rtlCol="0" anchor="ctr"/>
+            <a:lstStyle/>
+            <a:p>
+              <a:pPr algn="ctr"/>
+              <a:endParaRPr lang="fr-FR"/>
+            </a:p>
+          </p:txBody>
+        </p:sp>
+      </p:grpSp>
       <p:sp>
         <p:nvSpPr>
-          <p:cNvPr id="70" name="Forme libre 69"/>
+          <p:cNvPr id="40" name="Forme libre 39"/>
           <p:cNvSpPr/>
           <p:nvPr/>
         </p:nvSpPr>
         <p:spPr>
-          <a:xfrm flipH="1">
-            <a:off x="4034556" y="3255415"/>
+          <a:xfrm rot="3241520">
+            <a:off x="2582741" y="2425944"/>
             <a:ext cx="108723" cy="619288"/>
           </a:xfrm>
           <a:custGeom>
@@ -9258,7 +11353,7 @@
             <a:solidFill>
               <a:srgbClr val="FF0000"/>
             </a:solidFill>
-            <a:headEnd type="stealth" w="med" len="lg"/>
+            <a:headEnd type="none" w="med" len="lg"/>
             <a:tailEnd type="stealth" w="med" len="lg"/>
           </a:ln>
         </p:spPr>
@@ -9289,14 +11384,14 @@
       </p:sp>
       <p:sp>
         <p:nvSpPr>
-          <p:cNvPr id="74" name="ZoneTexte 73"/>
+          <p:cNvPr id="43" name="ZoneTexte 42"/>
           <p:cNvSpPr txBox="1"/>
           <p:nvPr/>
         </p:nvSpPr>
         <p:spPr>
           <a:xfrm>
-            <a:off x="4035184" y="3441948"/>
-            <a:ext cx="769120" cy="246221"/>
+            <a:off x="2752946" y="2456626"/>
+            <a:ext cx="936117" cy="246221"/>
           </a:xfrm>
           <a:prstGeom prst="rect">
             <a:avLst/>
@@ -9312,1294 +11407,12 @@
             <a:pPr algn="ctr"/>
             <a:r>
               <a:rPr lang="fr-FR" sz="1000" dirty="0" smtClean="0"/>
-              <a:t>Pression</a:t>
+              <a:t>Pesanteur</a:t>
             </a:r>
             <a:endParaRPr lang="fr-FR" sz="1000" dirty="0"/>
           </a:p>
         </p:txBody>
       </p:sp>
-      <p:pic>
-        <p:nvPicPr>
-          <p:cNvPr id="3074" name="Picture 2" descr="C:\Users\Xavier\Dropbox\PSI_MP_2017_2018\PSI_Etoile\DS_SII\DS_05\DS_05\images\fig_13.png"/>
-          <p:cNvPicPr>
-            <a:picLocks noChangeAspect="1" noChangeArrowheads="1"/>
-          </p:cNvPicPr>
-          <p:nvPr/>
-        </p:nvPicPr>
-        <p:blipFill>
-          <a:blip r:embed="rId2">
-            <a:extLst>
-              <a:ext uri="{28A0092B-C50C-407E-A947-70E740481C1C}">
-                <a14:useLocalDpi xmlns:a14="http://schemas.microsoft.com/office/drawing/2010/main" val="0"/>
-              </a:ext>
-            </a:extLst>
-          </a:blip>
-          <a:srcRect/>
-          <a:stretch>
-            <a:fillRect/>
-          </a:stretch>
-        </p:blipFill>
-        <p:spPr bwMode="auto">
-          <a:xfrm>
-            <a:off x="4804304" y="1833019"/>
-            <a:ext cx="4319124" cy="3710300"/>
-          </a:xfrm>
-          <a:prstGeom prst="rect">
-            <a:avLst/>
-          </a:prstGeom>
-          <a:noFill/>
-          <a:extLst>
-            <a:ext uri="{909E8E84-426E-40DD-AFC4-6F175D3DCCD1}">
-              <a14:hiddenFill xmlns:a14="http://schemas.microsoft.com/office/drawing/2010/main">
-                <a:solidFill>
-                  <a:srgbClr val="FFFFFF"/>
-                </a:solidFill>
-              </a14:hiddenFill>
-            </a:ext>
-          </a:extLst>
-        </p:spPr>
-      </p:pic>
-      <p:cxnSp>
-        <p:nvCxnSpPr>
-          <p:cNvPr id="30" name="Connecteur droit 29"/>
-          <p:cNvCxnSpPr>
-            <a:stCxn id="32" idx="4"/>
-            <a:endCxn id="31" idx="2"/>
-          </p:cNvCxnSpPr>
-          <p:nvPr/>
-        </p:nvCxnSpPr>
-        <p:spPr>
-          <a:xfrm>
-            <a:off x="2411760" y="4662224"/>
-            <a:ext cx="0" cy="359336"/>
-          </a:xfrm>
-          <a:prstGeom prst="line">
-            <a:avLst/>
-          </a:prstGeom>
-          <a:noFill/>
-          <a:ln w="28575">
-            <a:solidFill>
-              <a:schemeClr val="tx1"/>
-            </a:solidFill>
-          </a:ln>
-        </p:spPr>
-        <p:style>
-          <a:lnRef idx="2">
-            <a:schemeClr val="accent1">
-              <a:shade val="50000"/>
-            </a:schemeClr>
-          </a:lnRef>
-          <a:fillRef idx="1">
-            <a:schemeClr val="accent1"/>
-          </a:fillRef>
-          <a:effectRef idx="0">
-            <a:schemeClr val="accent1"/>
-          </a:effectRef>
-          <a:fontRef idx="minor">
-            <a:schemeClr val="lt1"/>
-          </a:fontRef>
-        </p:style>
-      </p:cxnSp>
-      <p:sp>
-        <p:nvSpPr>
-          <p:cNvPr id="31" name="Rectangle 30"/>
-          <p:cNvSpPr/>
-          <p:nvPr/>
-        </p:nvSpPr>
-        <p:spPr>
-          <a:xfrm>
-            <a:off x="2267760" y="4877544"/>
-            <a:ext cx="288000" cy="144016"/>
-          </a:xfrm>
-          <a:prstGeom prst="rect">
-            <a:avLst/>
-          </a:prstGeom>
-          <a:solidFill>
-            <a:schemeClr val="bg1">
-              <a:lumMod val="85000"/>
-            </a:schemeClr>
-          </a:solidFill>
-          <a:ln>
-            <a:noFill/>
-          </a:ln>
-        </p:spPr>
-        <p:style>
-          <a:lnRef idx="2">
-            <a:schemeClr val="accent1">
-              <a:shade val="50000"/>
-            </a:schemeClr>
-          </a:lnRef>
-          <a:fillRef idx="1">
-            <a:schemeClr val="accent1"/>
-          </a:fillRef>
-          <a:effectRef idx="0">
-            <a:schemeClr val="accent1"/>
-          </a:effectRef>
-          <a:fontRef idx="minor">
-            <a:schemeClr val="lt1"/>
-          </a:fontRef>
-        </p:style>
-        <p:txBody>
-          <a:bodyPr rtlCol="0" anchor="ctr"/>
-          <a:lstStyle/>
-          <a:p>
-            <a:pPr algn="ctr"/>
-            <a:endParaRPr lang="fr-FR"/>
-          </a:p>
-        </p:txBody>
-      </p:sp>
-      <p:sp>
-        <p:nvSpPr>
-          <p:cNvPr id="32" name="Ellipse 31"/>
-          <p:cNvSpPr/>
-          <p:nvPr/>
-        </p:nvSpPr>
-        <p:spPr>
-          <a:xfrm>
-            <a:off x="2231760" y="4302224"/>
-            <a:ext cx="360000" cy="360000"/>
-          </a:xfrm>
-          <a:prstGeom prst="ellipse">
-            <a:avLst/>
-          </a:prstGeom>
-          <a:solidFill>
-            <a:schemeClr val="bg1"/>
-          </a:solidFill>
-          <a:ln w="28575">
-            <a:solidFill>
-              <a:schemeClr val="tx1"/>
-            </a:solidFill>
-          </a:ln>
-        </p:spPr>
-        <p:style>
-          <a:lnRef idx="2">
-            <a:schemeClr val="accent1">
-              <a:shade val="50000"/>
-            </a:schemeClr>
-          </a:lnRef>
-          <a:fillRef idx="1">
-            <a:schemeClr val="accent1"/>
-          </a:fillRef>
-          <a:effectRef idx="0">
-            <a:schemeClr val="accent1"/>
-          </a:effectRef>
-          <a:fontRef idx="minor">
-            <a:schemeClr val="lt1"/>
-          </a:fontRef>
-        </p:style>
-        <p:txBody>
-          <a:bodyPr lIns="0" tIns="0" rIns="0" bIns="0" rtlCol="0" anchor="ctr"/>
-          <a:lstStyle/>
-          <a:p>
-            <a:pPr algn="ctr"/>
-            <a:r>
-              <a:rPr lang="fr-FR" b="1" dirty="0" smtClean="0">
-                <a:solidFill>
-                  <a:schemeClr val="tx1"/>
-                </a:solidFill>
-              </a:rPr>
-              <a:t>1</a:t>
-            </a:r>
-            <a:endParaRPr lang="fr-FR" b="1" dirty="0">
-              <a:solidFill>
-                <a:schemeClr val="tx1"/>
-              </a:solidFill>
-            </a:endParaRPr>
-          </a:p>
-        </p:txBody>
-      </p:sp>
-      <p:cxnSp>
-        <p:nvCxnSpPr>
-          <p:cNvPr id="33" name="Connecteur droit 32"/>
-          <p:cNvCxnSpPr/>
-          <p:nvPr/>
-        </p:nvCxnSpPr>
-        <p:spPr>
-          <a:xfrm>
-            <a:off x="2267760" y="4869160"/>
-            <a:ext cx="296400" cy="0"/>
-          </a:xfrm>
-          <a:prstGeom prst="line">
-            <a:avLst/>
-          </a:prstGeom>
-          <a:noFill/>
-          <a:ln w="28575">
-            <a:solidFill>
-              <a:schemeClr val="tx1"/>
-            </a:solidFill>
-          </a:ln>
-        </p:spPr>
-        <p:style>
-          <a:lnRef idx="2">
-            <a:schemeClr val="accent1">
-              <a:shade val="50000"/>
-            </a:schemeClr>
-          </a:lnRef>
-          <a:fillRef idx="1">
-            <a:schemeClr val="accent1"/>
-          </a:fillRef>
-          <a:effectRef idx="0">
-            <a:schemeClr val="accent1"/>
-          </a:effectRef>
-          <a:fontRef idx="minor">
-            <a:schemeClr val="lt1"/>
-          </a:fontRef>
-        </p:style>
-      </p:cxnSp>
-      <p:sp>
-        <p:nvSpPr>
-          <p:cNvPr id="34" name="Ellipse 33"/>
-          <p:cNvSpPr/>
-          <p:nvPr/>
-        </p:nvSpPr>
-        <p:spPr>
-          <a:xfrm>
-            <a:off x="3672511" y="3789080"/>
-            <a:ext cx="360000" cy="360000"/>
-          </a:xfrm>
-          <a:prstGeom prst="ellipse">
-            <a:avLst/>
-          </a:prstGeom>
-          <a:noFill/>
-          <a:ln w="28575">
-            <a:solidFill>
-              <a:srgbClr val="0070C0"/>
-            </a:solidFill>
-          </a:ln>
-        </p:spPr>
-        <p:style>
-          <a:lnRef idx="2">
-            <a:schemeClr val="accent1">
-              <a:shade val="50000"/>
-            </a:schemeClr>
-          </a:lnRef>
-          <a:fillRef idx="1">
-            <a:schemeClr val="accent1"/>
-          </a:fillRef>
-          <a:effectRef idx="0">
-            <a:schemeClr val="accent1"/>
-          </a:effectRef>
-          <a:fontRef idx="minor">
-            <a:schemeClr val="lt1"/>
-          </a:fontRef>
-        </p:style>
-        <p:txBody>
-          <a:bodyPr lIns="0" tIns="0" rIns="0" bIns="0" rtlCol="0" anchor="ctr"/>
-          <a:lstStyle/>
-          <a:p>
-            <a:pPr algn="ctr"/>
-            <a:r>
-              <a:rPr lang="fr-FR" sz="1400" b="1" dirty="0" smtClean="0">
-                <a:solidFill>
-                  <a:srgbClr val="0070C0"/>
-                </a:solidFill>
-              </a:rPr>
-              <a:t>T1</a:t>
-            </a:r>
-            <a:endParaRPr lang="fr-FR" sz="1400" b="1" dirty="0">
-              <a:solidFill>
-                <a:srgbClr val="0070C0"/>
-              </a:solidFill>
-            </a:endParaRPr>
-          </a:p>
-        </p:txBody>
-      </p:sp>
-      <p:sp>
-        <p:nvSpPr>
-          <p:cNvPr id="35" name="Ellipse 34"/>
-          <p:cNvSpPr/>
-          <p:nvPr/>
-        </p:nvSpPr>
-        <p:spPr>
-          <a:xfrm>
-            <a:off x="3672511" y="2964389"/>
-            <a:ext cx="360000" cy="360000"/>
-          </a:xfrm>
-          <a:prstGeom prst="ellipse">
-            <a:avLst/>
-          </a:prstGeom>
-          <a:noFill/>
-          <a:ln w="28575">
-            <a:solidFill>
-              <a:schemeClr val="accent2"/>
-            </a:solidFill>
-          </a:ln>
-        </p:spPr>
-        <p:style>
-          <a:lnRef idx="2">
-            <a:schemeClr val="accent1">
-              <a:shade val="50000"/>
-            </a:schemeClr>
-          </a:lnRef>
-          <a:fillRef idx="1">
-            <a:schemeClr val="accent1"/>
-          </a:fillRef>
-          <a:effectRef idx="0">
-            <a:schemeClr val="accent1"/>
-          </a:effectRef>
-          <a:fontRef idx="minor">
-            <a:schemeClr val="lt1"/>
-          </a:fontRef>
-        </p:style>
-        <p:txBody>
-          <a:bodyPr lIns="0" tIns="0" rIns="0" bIns="0" rtlCol="0" anchor="ctr"/>
-          <a:lstStyle/>
-          <a:p>
-            <a:pPr algn="ctr"/>
-            <a:r>
-              <a:rPr lang="fr-FR" sz="1400" b="1" dirty="0" smtClean="0">
-                <a:solidFill>
-                  <a:schemeClr val="accent2"/>
-                </a:solidFill>
-              </a:rPr>
-              <a:t>T2</a:t>
-            </a:r>
-            <a:endParaRPr lang="fr-FR" sz="1400" b="1" dirty="0">
-              <a:solidFill>
-                <a:schemeClr val="accent2"/>
-              </a:solidFill>
-            </a:endParaRPr>
-          </a:p>
-        </p:txBody>
-      </p:sp>
-      <p:cxnSp>
-        <p:nvCxnSpPr>
-          <p:cNvPr id="36" name="Connecteur droit 35"/>
-          <p:cNvCxnSpPr>
-            <a:stCxn id="34" idx="3"/>
-            <a:endCxn id="32" idx="6"/>
-          </p:cNvCxnSpPr>
-          <p:nvPr/>
-        </p:nvCxnSpPr>
-        <p:spPr>
-          <a:xfrm flipH="1">
-            <a:off x="2591760" y="4096359"/>
-            <a:ext cx="1133472" cy="385865"/>
-          </a:xfrm>
-          <a:prstGeom prst="line">
-            <a:avLst/>
-          </a:prstGeom>
-          <a:noFill/>
-          <a:ln w="28575">
-            <a:solidFill>
-              <a:schemeClr val="tx1"/>
-            </a:solidFill>
-          </a:ln>
-        </p:spPr>
-        <p:style>
-          <a:lnRef idx="2">
-            <a:schemeClr val="accent1">
-              <a:shade val="50000"/>
-            </a:schemeClr>
-          </a:lnRef>
-          <a:fillRef idx="1">
-            <a:schemeClr val="accent1"/>
-          </a:fillRef>
-          <a:effectRef idx="0">
-            <a:schemeClr val="accent1"/>
-          </a:effectRef>
-          <a:fontRef idx="minor">
-            <a:schemeClr val="lt1"/>
-          </a:fontRef>
-        </p:style>
-      </p:cxnSp>
-      <p:cxnSp>
-        <p:nvCxnSpPr>
-          <p:cNvPr id="37" name="Connecteur droit 36"/>
-          <p:cNvCxnSpPr>
-            <a:stCxn id="35" idx="4"/>
-            <a:endCxn id="34" idx="0"/>
-          </p:cNvCxnSpPr>
-          <p:nvPr/>
-        </p:nvCxnSpPr>
-        <p:spPr>
-          <a:xfrm>
-            <a:off x="3852511" y="3324389"/>
-            <a:ext cx="0" cy="464691"/>
-          </a:xfrm>
-          <a:prstGeom prst="line">
-            <a:avLst/>
-          </a:prstGeom>
-          <a:noFill/>
-          <a:ln w="28575">
-            <a:solidFill>
-              <a:schemeClr val="tx1"/>
-            </a:solidFill>
-          </a:ln>
-        </p:spPr>
-        <p:style>
-          <a:lnRef idx="2">
-            <a:schemeClr val="accent1">
-              <a:shade val="50000"/>
-            </a:schemeClr>
-          </a:lnRef>
-          <a:fillRef idx="1">
-            <a:schemeClr val="accent1"/>
-          </a:fillRef>
-          <a:effectRef idx="0">
-            <a:schemeClr val="accent1"/>
-          </a:effectRef>
-          <a:fontRef idx="minor">
-            <a:schemeClr val="lt1"/>
-          </a:fontRef>
-        </p:style>
-      </p:cxnSp>
-      <p:sp>
-        <p:nvSpPr>
-          <p:cNvPr id="38" name="Forme libre 37"/>
-          <p:cNvSpPr/>
-          <p:nvPr/>
-        </p:nvSpPr>
-        <p:spPr>
-          <a:xfrm>
-            <a:off x="2213666" y="3284462"/>
-            <a:ext cx="108723" cy="1046136"/>
-          </a:xfrm>
-          <a:custGeom>
-            <a:avLst/>
-            <a:gdLst>
-              <a:gd name="connsiteX0" fmla="*/ 0 w 7315"/>
-              <a:gd name="connsiteY0" fmla="*/ 0 h 1038758"/>
-              <a:gd name="connsiteX1" fmla="*/ 7315 w 7315"/>
-              <a:gd name="connsiteY1" fmla="*/ 1038758 h 1038758"/>
-              <a:gd name="connsiteX2" fmla="*/ 7315 w 7315"/>
-              <a:gd name="connsiteY2" fmla="*/ 1038758 h 1038758"/>
-              <a:gd name="connsiteX0" fmla="*/ 0 w 1239"/>
-              <a:gd name="connsiteY0" fmla="*/ 0 h 10141"/>
-              <a:gd name="connsiteX1" fmla="*/ 1239 w 1239"/>
-              <a:gd name="connsiteY1" fmla="*/ 10141 h 10141"/>
-              <a:gd name="connsiteX2" fmla="*/ 1239 w 1239"/>
-              <a:gd name="connsiteY2" fmla="*/ 10141 h 10141"/>
-              <a:gd name="connsiteX0" fmla="*/ 0 w 1161"/>
-              <a:gd name="connsiteY0" fmla="*/ 0 h 10000"/>
-              <a:gd name="connsiteX1" fmla="*/ 1161 w 1161"/>
-              <a:gd name="connsiteY1" fmla="*/ 10000 h 10000"/>
-              <a:gd name="connsiteX2" fmla="*/ 1161 w 1161"/>
-              <a:gd name="connsiteY2" fmla="*/ 10000 h 10000"/>
-              <a:gd name="connsiteX0" fmla="*/ 104181 w 104181"/>
-              <a:gd name="connsiteY0" fmla="*/ 0 h 10000"/>
-              <a:gd name="connsiteX1" fmla="*/ 0 w 104181"/>
-              <a:gd name="connsiteY1" fmla="*/ 10000 h 10000"/>
-              <a:gd name="connsiteX2" fmla="*/ 0 w 104181"/>
-              <a:gd name="connsiteY2" fmla="*/ 10000 h 10000"/>
-              <a:gd name="connsiteX0" fmla="*/ 9030 w 9030"/>
-              <a:gd name="connsiteY0" fmla="*/ 0 h 9931"/>
-              <a:gd name="connsiteX1" fmla="*/ 0 w 9030"/>
-              <a:gd name="connsiteY1" fmla="*/ 9931 h 9931"/>
-              <a:gd name="connsiteX2" fmla="*/ 0 w 9030"/>
-              <a:gd name="connsiteY2" fmla="*/ 9931 h 9931"/>
-              <a:gd name="connsiteX0" fmla="*/ 190689 w 190689"/>
-              <a:gd name="connsiteY0" fmla="*/ 0 h 10000"/>
-              <a:gd name="connsiteX1" fmla="*/ 180689 w 190689"/>
-              <a:gd name="connsiteY1" fmla="*/ 10000 h 10000"/>
-              <a:gd name="connsiteX2" fmla="*/ 180689 w 190689"/>
-              <a:gd name="connsiteY2" fmla="*/ 10000 h 10000"/>
-              <a:gd name="connsiteX0" fmla="*/ 313233 w 313233"/>
-              <a:gd name="connsiteY0" fmla="*/ 0 h 10000"/>
-              <a:gd name="connsiteX1" fmla="*/ 303233 w 313233"/>
-              <a:gd name="connsiteY1" fmla="*/ 10000 h 10000"/>
-              <a:gd name="connsiteX2" fmla="*/ 303233 w 313233"/>
-              <a:gd name="connsiteY2" fmla="*/ 10000 h 10000"/>
-            </a:gdLst>
-            <a:ahLst/>
-            <a:cxnLst>
-              <a:cxn ang="0">
-                <a:pos x="connsiteX0" y="connsiteY0"/>
-              </a:cxn>
-              <a:cxn ang="0">
-                <a:pos x="connsiteX1" y="connsiteY1"/>
-              </a:cxn>
-              <a:cxn ang="0">
-                <a:pos x="connsiteX2" y="connsiteY2"/>
-              </a:cxn>
-            </a:cxnLst>
-            <a:rect l="l" t="t" r="r" b="b"/>
-            <a:pathLst>
-              <a:path w="313233" h="10000">
-                <a:moveTo>
-                  <a:pt x="313233" y="0"/>
-                </a:moveTo>
-                <a:cubicBezTo>
-                  <a:pt x="-111604" y="2983"/>
-                  <a:pt x="-93864" y="7017"/>
-                  <a:pt x="303233" y="10000"/>
-                </a:cubicBezTo>
-                <a:lnTo>
-                  <a:pt x="303233" y="10000"/>
-                </a:lnTo>
-              </a:path>
-            </a:pathLst>
-          </a:custGeom>
-          <a:noFill/>
-          <a:ln w="28575">
-            <a:solidFill>
-              <a:schemeClr val="tx1"/>
-            </a:solidFill>
-          </a:ln>
-        </p:spPr>
-        <p:style>
-          <a:lnRef idx="2">
-            <a:schemeClr val="accent1">
-              <a:shade val="50000"/>
-            </a:schemeClr>
-          </a:lnRef>
-          <a:fillRef idx="1">
-            <a:schemeClr val="accent1"/>
-          </a:fillRef>
-          <a:effectRef idx="0">
-            <a:schemeClr val="accent1"/>
-          </a:effectRef>
-          <a:fontRef idx="minor">
-            <a:schemeClr val="lt1"/>
-          </a:fontRef>
-        </p:style>
-        <p:txBody>
-          <a:bodyPr rtlCol="0" anchor="ctr"/>
-          <a:lstStyle/>
-          <a:p>
-            <a:pPr algn="ctr"/>
-            <a:endParaRPr lang="fr-FR"/>
-          </a:p>
-        </p:txBody>
-      </p:sp>
-      <p:sp>
-        <p:nvSpPr>
-          <p:cNvPr id="39" name="Ellipse 38"/>
-          <p:cNvSpPr/>
-          <p:nvPr/>
-        </p:nvSpPr>
-        <p:spPr>
-          <a:xfrm>
-            <a:off x="2231760" y="2964389"/>
-            <a:ext cx="360000" cy="360000"/>
-          </a:xfrm>
-          <a:prstGeom prst="ellipse">
-            <a:avLst/>
-          </a:prstGeom>
-          <a:solidFill>
-            <a:schemeClr val="bg1"/>
-          </a:solidFill>
-          <a:ln w="28575">
-            <a:solidFill>
-              <a:srgbClr val="00B050"/>
-            </a:solidFill>
-          </a:ln>
-        </p:spPr>
-        <p:style>
-          <a:lnRef idx="2">
-            <a:schemeClr val="accent1">
-              <a:shade val="50000"/>
-            </a:schemeClr>
-          </a:lnRef>
-          <a:fillRef idx="1">
-            <a:schemeClr val="accent1"/>
-          </a:fillRef>
-          <a:effectRef idx="0">
-            <a:schemeClr val="accent1"/>
-          </a:effectRef>
-          <a:fontRef idx="minor">
-            <a:schemeClr val="lt1"/>
-          </a:fontRef>
-        </p:style>
-        <p:txBody>
-          <a:bodyPr lIns="0" tIns="0" rIns="0" bIns="0" rtlCol="0" anchor="ctr"/>
-          <a:lstStyle/>
-          <a:p>
-            <a:pPr algn="ctr"/>
-            <a:r>
-              <a:rPr lang="fr-FR" sz="1400" b="1" dirty="0" smtClean="0">
-                <a:solidFill>
-                  <a:srgbClr val="00B050"/>
-                </a:solidFill>
-              </a:rPr>
-              <a:t>S2</a:t>
-            </a:r>
-            <a:endParaRPr lang="fr-FR" sz="1400" b="1" dirty="0">
-              <a:solidFill>
-                <a:srgbClr val="00B050"/>
-              </a:solidFill>
-            </a:endParaRPr>
-          </a:p>
-        </p:txBody>
-      </p:sp>
-      <p:cxnSp>
-        <p:nvCxnSpPr>
-          <p:cNvPr id="41" name="Connecteur droit 40"/>
-          <p:cNvCxnSpPr>
-            <a:stCxn id="39" idx="6"/>
-            <a:endCxn id="35" idx="2"/>
-          </p:cNvCxnSpPr>
-          <p:nvPr/>
-        </p:nvCxnSpPr>
-        <p:spPr>
-          <a:xfrm>
-            <a:off x="2591760" y="3144389"/>
-            <a:ext cx="1080751" cy="0"/>
-          </a:xfrm>
-          <a:prstGeom prst="line">
-            <a:avLst/>
-          </a:prstGeom>
-          <a:noFill/>
-          <a:ln w="28575">
-            <a:solidFill>
-              <a:schemeClr val="tx1"/>
-            </a:solidFill>
-          </a:ln>
-        </p:spPr>
-        <p:style>
-          <a:lnRef idx="2">
-            <a:schemeClr val="accent1">
-              <a:shade val="50000"/>
-            </a:schemeClr>
-          </a:lnRef>
-          <a:fillRef idx="1">
-            <a:schemeClr val="accent1"/>
-          </a:fillRef>
-          <a:effectRef idx="0">
-            <a:schemeClr val="accent1"/>
-          </a:effectRef>
-          <a:fontRef idx="minor">
-            <a:schemeClr val="lt1"/>
-          </a:fontRef>
-        </p:style>
-      </p:cxnSp>
-      <mc:AlternateContent xmlns:mc="http://schemas.openxmlformats.org/markup-compatibility/2006">
-        <mc:Choice xmlns:a14="http://schemas.microsoft.com/office/drawing/2010/main" Requires="a14">
-          <p:sp>
-            <p:nvSpPr>
-              <p:cNvPr id="42" name="ZoneTexte 41"/>
-              <p:cNvSpPr txBox="1"/>
-              <p:nvPr/>
-            </p:nvSpPr>
-            <p:spPr>
-              <a:xfrm rot="16200000">
-                <a:off x="1427417" y="3684417"/>
-                <a:ext cx="1326276" cy="246221"/>
-              </a:xfrm>
-              <a:prstGeom prst="rect">
-                <a:avLst/>
-              </a:prstGeom>
-              <a:noFill/>
-            </p:spPr>
-            <p:txBody>
-              <a:bodyPr wrap="square" rtlCol="0">
-                <a:spAutoFit/>
-              </a:bodyPr>
-              <a:lstStyle/>
-              <a:p>
-                <a:pPr algn="ctr"/>
-                <a:r>
-                  <a:rPr lang="fr-FR" sz="1000" dirty="0" smtClean="0"/>
-                  <a:t>Pivot  </a:t>
-                </a:r>
-                <a14:m>
-                  <m:oMath xmlns:m="http://schemas.openxmlformats.org/officeDocument/2006/math">
-                    <m:d>
-                      <m:dPr>
-                        <m:ctrlPr>
-                          <a:rPr lang="fr-FR" sz="1000" b="0" i="1" smtClean="0">
-                            <a:latin typeface="Cambria Math"/>
-                          </a:rPr>
-                        </m:ctrlPr>
-                      </m:dPr>
-                      <m:e>
-                        <m:sSub>
-                          <m:sSubPr>
-                            <m:ctrlPr>
-                              <a:rPr lang="fr-FR" sz="1000" b="0" i="1" smtClean="0">
-                                <a:latin typeface="Cambria Math"/>
-                              </a:rPr>
-                            </m:ctrlPr>
-                          </m:sSubPr>
-                          <m:e>
-                            <m:r>
-                              <a:rPr lang="fr-FR" sz="1000" b="0" i="1" smtClean="0">
-                                <a:latin typeface="Cambria Math"/>
-                              </a:rPr>
-                              <m:t>𝑂</m:t>
-                            </m:r>
-                          </m:e>
-                          <m:sub>
-                            <m:r>
-                              <a:rPr lang="fr-FR" sz="1000" b="0" i="1" smtClean="0">
-                                <a:latin typeface="Cambria Math"/>
-                              </a:rPr>
-                              <m:t>1</m:t>
-                            </m:r>
-                          </m:sub>
-                        </m:sSub>
-                        <m:r>
-                          <a:rPr lang="fr-FR" sz="1000" b="0" i="1" smtClean="0">
-                            <a:latin typeface="Cambria Math"/>
-                          </a:rPr>
-                          <m:t>;</m:t>
-                        </m:r>
-                        <m:acc>
-                          <m:accPr>
-                            <m:chr m:val="⃗"/>
-                            <m:ctrlPr>
-                              <a:rPr lang="fr-FR" sz="1000" i="1">
-                                <a:latin typeface="Cambria Math"/>
-                              </a:rPr>
-                            </m:ctrlPr>
-                          </m:accPr>
-                          <m:e>
-                            <m:sSub>
-                              <m:sSubPr>
-                                <m:ctrlPr>
-                                  <a:rPr lang="fr-FR" sz="1000" i="1">
-                                    <a:latin typeface="Cambria Math"/>
-                                  </a:rPr>
-                                </m:ctrlPr>
-                              </m:sSubPr>
-                              <m:e>
-                                <m:r>
-                                  <a:rPr lang="fr-FR" sz="1000" i="1">
-                                    <a:latin typeface="Cambria Math"/>
-                                  </a:rPr>
-                                  <m:t>𝑦</m:t>
-                                </m:r>
-                              </m:e>
-                              <m:sub>
-                                <m:r>
-                                  <a:rPr lang="fr-FR" sz="1000" i="1">
-                                    <a:latin typeface="Cambria Math"/>
-                                  </a:rPr>
-                                  <m:t>1</m:t>
-                                </m:r>
-                              </m:sub>
-                            </m:sSub>
-                          </m:e>
-                        </m:acc>
-                      </m:e>
-                    </m:d>
-                  </m:oMath>
-                </a14:m>
-                <a:endParaRPr lang="fr-FR" sz="1000" dirty="0"/>
-              </a:p>
-            </p:txBody>
-          </p:sp>
-        </mc:Choice>
-        <mc:Fallback>
-          <p:sp>
-            <p:nvSpPr>
-              <p:cNvPr id="42" name="ZoneTexte 41"/>
-              <p:cNvSpPr txBox="1">
-                <a:spLocks noRot="1" noChangeAspect="1" noMove="1" noResize="1" noEditPoints="1" noAdjustHandles="1" noChangeArrowheads="1" noChangeShapeType="1" noTextEdit="1"/>
-              </p:cNvSpPr>
-              <p:nvPr/>
-            </p:nvSpPr>
-            <p:spPr>
-              <a:xfrm rot="16200000">
-                <a:off x="1427417" y="3684417"/>
-                <a:ext cx="1326276" cy="246221"/>
-              </a:xfrm>
-              <a:prstGeom prst="rect">
-                <a:avLst/>
-              </a:prstGeom>
-              <a:blipFill rotWithShape="1">
-                <a:blip r:embed="rId3"/>
-                <a:stretch>
-                  <a:fillRect r="-15000"/>
-                </a:stretch>
-              </a:blipFill>
-            </p:spPr>
-            <p:txBody>
-              <a:bodyPr/>
-              <a:lstStyle/>
-              <a:p>
-                <a:r>
-                  <a:rPr lang="fr-FR">
-                    <a:noFill/>
-                  </a:rPr>
-                  <a:t> </a:t>
-                </a:r>
-              </a:p>
-            </p:txBody>
-          </p:sp>
-        </mc:Fallback>
-      </mc:AlternateContent>
-      <mc:AlternateContent xmlns:mc="http://schemas.openxmlformats.org/markup-compatibility/2006">
-        <mc:Choice xmlns:a14="http://schemas.microsoft.com/office/drawing/2010/main" Requires="a14">
-          <p:sp>
-            <p:nvSpPr>
-              <p:cNvPr id="45" name="ZoneTexte 44"/>
-              <p:cNvSpPr txBox="1"/>
-              <p:nvPr/>
-            </p:nvSpPr>
-            <p:spPr>
-              <a:xfrm>
-                <a:off x="2915816" y="3365004"/>
-                <a:ext cx="900711" cy="400110"/>
-              </a:xfrm>
-              <a:prstGeom prst="rect">
-                <a:avLst/>
-              </a:prstGeom>
-              <a:noFill/>
-            </p:spPr>
-            <p:txBody>
-              <a:bodyPr wrap="square" rtlCol="0">
-                <a:spAutoFit/>
-              </a:bodyPr>
-              <a:lstStyle/>
-              <a:p>
-                <a:pPr algn="ctr"/>
-                <a:r>
-                  <a:rPr lang="fr-FR" sz="1000" dirty="0" smtClean="0"/>
-                  <a:t>Pivot glissant</a:t>
-                </a:r>
-              </a:p>
-              <a:p>
-                <a:pPr algn="ctr"/>
-                <a:r>
-                  <a:rPr lang="fr-FR" sz="1000" dirty="0"/>
-                  <a:t> </a:t>
-                </a:r>
-                <a14:m>
-                  <m:oMath xmlns:m="http://schemas.openxmlformats.org/officeDocument/2006/math">
-                    <m:d>
-                      <m:dPr>
-                        <m:ctrlPr>
-                          <a:rPr lang="fr-FR" sz="1000" i="1">
-                            <a:latin typeface="Cambria Math"/>
-                          </a:rPr>
-                        </m:ctrlPr>
-                      </m:dPr>
-                      <m:e>
-                        <m:sSub>
-                          <m:sSubPr>
-                            <m:ctrlPr>
-                              <a:rPr lang="fr-FR" sz="1000" i="1">
-                                <a:latin typeface="Cambria Math"/>
-                              </a:rPr>
-                            </m:ctrlPr>
-                          </m:sSubPr>
-                          <m:e>
-                            <m:r>
-                              <a:rPr lang="fr-FR" sz="1000" i="1">
-                                <a:latin typeface="Cambria Math"/>
-                              </a:rPr>
-                              <m:t>𝐵</m:t>
-                            </m:r>
-                          </m:e>
-                          <m:sub>
-                            <m:r>
-                              <a:rPr lang="fr-FR" sz="1000" i="1">
-                                <a:latin typeface="Cambria Math"/>
-                              </a:rPr>
-                              <m:t>1</m:t>
-                            </m:r>
-                          </m:sub>
-                        </m:sSub>
-                        <m:r>
-                          <a:rPr lang="fr-FR" sz="1000" i="1">
-                            <a:latin typeface="Cambria Math"/>
-                          </a:rPr>
-                          <m:t>;</m:t>
-                        </m:r>
-                        <m:acc>
-                          <m:accPr>
-                            <m:chr m:val="⃗"/>
-                            <m:ctrlPr>
-                              <a:rPr lang="fr-FR" sz="1000" i="1">
-                                <a:latin typeface="Cambria Math"/>
-                              </a:rPr>
-                            </m:ctrlPr>
-                          </m:accPr>
-                          <m:e>
-                            <m:sSub>
-                              <m:sSubPr>
-                                <m:ctrlPr>
-                                  <a:rPr lang="fr-FR" sz="1000" b="0" i="1" smtClean="0">
-                                    <a:latin typeface="Cambria Math"/>
-                                  </a:rPr>
-                                </m:ctrlPr>
-                              </m:sSubPr>
-                              <m:e>
-                                <m:r>
-                                  <a:rPr lang="fr-FR" sz="1000" b="0" i="1" smtClean="0">
-                                    <a:latin typeface="Cambria Math"/>
-                                  </a:rPr>
-                                  <m:t>𝑧</m:t>
-                                </m:r>
-                              </m:e>
-                              <m:sub>
-                                <m:r>
-                                  <a:rPr lang="fr-FR" sz="1000" b="0" i="1" smtClean="0">
-                                    <a:latin typeface="Cambria Math"/>
-                                  </a:rPr>
-                                  <m:t>𝑇</m:t>
-                                </m:r>
-                                <m:r>
-                                  <a:rPr lang="fr-FR" sz="1000" b="0" i="1" smtClean="0">
-                                    <a:latin typeface="Cambria Math"/>
-                                  </a:rPr>
-                                  <m:t>2</m:t>
-                                </m:r>
-                              </m:sub>
-                            </m:sSub>
-                          </m:e>
-                        </m:acc>
-                      </m:e>
-                    </m:d>
-                  </m:oMath>
-                </a14:m>
-                <a:endParaRPr lang="fr-FR" sz="1000" dirty="0"/>
-              </a:p>
-            </p:txBody>
-          </p:sp>
-        </mc:Choice>
-        <mc:Fallback>
-          <p:sp>
-            <p:nvSpPr>
-              <p:cNvPr id="45" name="ZoneTexte 44"/>
-              <p:cNvSpPr txBox="1">
-                <a:spLocks noRot="1" noChangeAspect="1" noMove="1" noResize="1" noEditPoints="1" noAdjustHandles="1" noChangeArrowheads="1" noChangeShapeType="1" noTextEdit="1"/>
-              </p:cNvSpPr>
-              <p:nvPr/>
-            </p:nvSpPr>
-            <p:spPr>
-              <a:xfrm>
-                <a:off x="2915816" y="3365004"/>
-                <a:ext cx="900711" cy="400110"/>
-              </a:xfrm>
-              <a:prstGeom prst="rect">
-                <a:avLst/>
-              </a:prstGeom>
-              <a:blipFill rotWithShape="1">
-                <a:blip r:embed="rId4"/>
-                <a:stretch>
-                  <a:fillRect/>
-                </a:stretch>
-              </a:blipFill>
-            </p:spPr>
-            <p:txBody>
-              <a:bodyPr/>
-              <a:lstStyle/>
-              <a:p>
-                <a:r>
-                  <a:rPr lang="fr-FR">
-                    <a:noFill/>
-                  </a:rPr>
-                  <a:t> </a:t>
-                </a:r>
-              </a:p>
-            </p:txBody>
-          </p:sp>
-        </mc:Fallback>
-      </mc:AlternateContent>
-      <mc:AlternateContent xmlns:mc="http://schemas.openxmlformats.org/markup-compatibility/2006">
-        <mc:Choice xmlns:a14="http://schemas.microsoft.com/office/drawing/2010/main" Requires="a14">
-          <p:sp>
-            <p:nvSpPr>
-              <p:cNvPr id="49" name="ZoneTexte 48"/>
-              <p:cNvSpPr txBox="1"/>
-              <p:nvPr/>
-            </p:nvSpPr>
-            <p:spPr>
-              <a:xfrm>
-                <a:off x="2462176" y="2898168"/>
-                <a:ext cx="1326276" cy="246221"/>
-              </a:xfrm>
-              <a:prstGeom prst="rect">
-                <a:avLst/>
-              </a:prstGeom>
-              <a:noFill/>
-            </p:spPr>
-            <p:txBody>
-              <a:bodyPr wrap="square" rtlCol="0">
-                <a:spAutoFit/>
-              </a:bodyPr>
-              <a:lstStyle/>
-              <a:p>
-                <a:pPr algn="ctr"/>
-                <a:r>
-                  <a:rPr lang="fr-FR" sz="1000" dirty="0" smtClean="0"/>
-                  <a:t>Pivot  </a:t>
-                </a:r>
-                <a14:m>
-                  <m:oMath xmlns:m="http://schemas.openxmlformats.org/officeDocument/2006/math">
-                    <m:d>
-                      <m:dPr>
-                        <m:ctrlPr>
-                          <a:rPr lang="fr-FR" sz="1000" b="0" i="1" smtClean="0">
-                            <a:latin typeface="Cambria Math"/>
-                          </a:rPr>
-                        </m:ctrlPr>
-                      </m:dPr>
-                      <m:e>
-                        <m:sSub>
-                          <m:sSubPr>
-                            <m:ctrlPr>
-                              <a:rPr lang="fr-FR" sz="1000" b="0" i="1" smtClean="0">
-                                <a:latin typeface="Cambria Math"/>
-                              </a:rPr>
-                            </m:ctrlPr>
-                          </m:sSubPr>
-                          <m:e>
-                            <m:r>
-                              <a:rPr lang="fr-FR" sz="1000" b="0" i="1" smtClean="0">
-                                <a:latin typeface="Cambria Math"/>
-                              </a:rPr>
-                              <m:t>𝐵</m:t>
-                            </m:r>
-                          </m:e>
-                          <m:sub>
-                            <m:r>
-                              <a:rPr lang="fr-FR" sz="1000" b="0" i="1" smtClean="0">
-                                <a:latin typeface="Cambria Math"/>
-                              </a:rPr>
-                              <m:t>1</m:t>
-                            </m:r>
-                          </m:sub>
-                        </m:sSub>
-                        <m:r>
-                          <a:rPr lang="fr-FR" sz="1000" b="0" i="1" smtClean="0">
-                            <a:latin typeface="Cambria Math"/>
-                          </a:rPr>
-                          <m:t>;</m:t>
-                        </m:r>
-                        <m:acc>
-                          <m:accPr>
-                            <m:chr m:val="⃗"/>
-                            <m:ctrlPr>
-                              <a:rPr lang="fr-FR" sz="1000" i="1">
-                                <a:latin typeface="Cambria Math"/>
-                              </a:rPr>
-                            </m:ctrlPr>
-                          </m:accPr>
-                          <m:e>
-                            <m:sSub>
-                              <m:sSubPr>
-                                <m:ctrlPr>
-                                  <a:rPr lang="fr-FR" sz="1000" i="1">
-                                    <a:latin typeface="Cambria Math"/>
-                                  </a:rPr>
-                                </m:ctrlPr>
-                              </m:sSubPr>
-                              <m:e>
-                                <m:r>
-                                  <a:rPr lang="fr-FR" sz="1000" i="1">
-                                    <a:latin typeface="Cambria Math"/>
-                                  </a:rPr>
-                                  <m:t>𝑦</m:t>
-                                </m:r>
-                              </m:e>
-                              <m:sub>
-                                <m:r>
-                                  <a:rPr lang="fr-FR" sz="1000" i="1">
-                                    <a:latin typeface="Cambria Math"/>
-                                  </a:rPr>
-                                  <m:t>1</m:t>
-                                </m:r>
-                              </m:sub>
-                            </m:sSub>
-                          </m:e>
-                        </m:acc>
-                      </m:e>
-                    </m:d>
-                  </m:oMath>
-                </a14:m>
-                <a:endParaRPr lang="fr-FR" sz="1000" dirty="0"/>
-              </a:p>
-            </p:txBody>
-          </p:sp>
-        </mc:Choice>
-        <mc:Fallback>
-          <p:sp>
-            <p:nvSpPr>
-              <p:cNvPr id="49" name="ZoneTexte 48"/>
-              <p:cNvSpPr txBox="1">
-                <a:spLocks noRot="1" noChangeAspect="1" noMove="1" noResize="1" noEditPoints="1" noAdjustHandles="1" noChangeArrowheads="1" noChangeShapeType="1" noTextEdit="1"/>
-              </p:cNvSpPr>
-              <p:nvPr/>
-            </p:nvSpPr>
-            <p:spPr>
-              <a:xfrm>
-                <a:off x="2462176" y="2898168"/>
-                <a:ext cx="1326276" cy="246221"/>
-              </a:xfrm>
-              <a:prstGeom prst="rect">
-                <a:avLst/>
-              </a:prstGeom>
-              <a:blipFill rotWithShape="1">
-                <a:blip r:embed="rId5"/>
-                <a:stretch>
-                  <a:fillRect b="-12195"/>
-                </a:stretch>
-              </a:blipFill>
-            </p:spPr>
-            <p:txBody>
-              <a:bodyPr/>
-              <a:lstStyle/>
-              <a:p>
-                <a:r>
-                  <a:rPr lang="fr-FR">
-                    <a:noFill/>
-                  </a:rPr>
-                  <a:t> </a:t>
-                </a:r>
-              </a:p>
-            </p:txBody>
-          </p:sp>
-        </mc:Fallback>
-      </mc:AlternateContent>
-      <mc:AlternateContent xmlns:mc="http://schemas.openxmlformats.org/markup-compatibility/2006">
-        <mc:Choice xmlns:a14="http://schemas.microsoft.com/office/drawing/2010/main" Requires="a14">
-          <p:sp>
-            <p:nvSpPr>
-              <p:cNvPr id="51" name="ZoneTexte 50"/>
-              <p:cNvSpPr txBox="1"/>
-              <p:nvPr/>
-            </p:nvSpPr>
-            <p:spPr>
-              <a:xfrm>
-                <a:off x="2683539" y="4330598"/>
-                <a:ext cx="1326276" cy="246221"/>
-              </a:xfrm>
-              <a:prstGeom prst="rect">
-                <a:avLst/>
-              </a:prstGeom>
-              <a:noFill/>
-            </p:spPr>
-            <p:txBody>
-              <a:bodyPr wrap="square" rtlCol="0">
-                <a:spAutoFit/>
-              </a:bodyPr>
-              <a:lstStyle/>
-              <a:p>
-                <a:pPr algn="ctr"/>
-                <a:r>
-                  <a:rPr lang="fr-FR" sz="1000" dirty="0" smtClean="0"/>
-                  <a:t>Pivot  </a:t>
-                </a:r>
-                <a14:m>
-                  <m:oMath xmlns:m="http://schemas.openxmlformats.org/officeDocument/2006/math">
-                    <m:d>
-                      <m:dPr>
-                        <m:ctrlPr>
-                          <a:rPr lang="fr-FR" sz="1000" b="0" i="1" smtClean="0">
-                            <a:latin typeface="Cambria Math"/>
-                          </a:rPr>
-                        </m:ctrlPr>
-                      </m:dPr>
-                      <m:e>
-                        <m:sSub>
-                          <m:sSubPr>
-                            <m:ctrlPr>
-                              <a:rPr lang="fr-FR" sz="1000" b="0" i="1" smtClean="0">
-                                <a:latin typeface="Cambria Math"/>
-                              </a:rPr>
-                            </m:ctrlPr>
-                          </m:sSubPr>
-                          <m:e>
-                            <m:r>
-                              <a:rPr lang="fr-FR" sz="1000" b="0" i="1" smtClean="0">
-                                <a:latin typeface="Cambria Math"/>
-                              </a:rPr>
-                              <m:t>𝐴</m:t>
-                            </m:r>
-                          </m:e>
-                          <m:sub>
-                            <m:r>
-                              <a:rPr lang="fr-FR" sz="1000" b="0" i="1" smtClean="0">
-                                <a:latin typeface="Cambria Math"/>
-                              </a:rPr>
-                              <m:t>1</m:t>
-                            </m:r>
-                          </m:sub>
-                        </m:sSub>
-                        <m:r>
-                          <a:rPr lang="fr-FR" sz="1000" b="0" i="1" smtClean="0">
-                            <a:latin typeface="Cambria Math"/>
-                          </a:rPr>
-                          <m:t>;</m:t>
-                        </m:r>
-                        <m:acc>
-                          <m:accPr>
-                            <m:chr m:val="⃗"/>
-                            <m:ctrlPr>
-                              <a:rPr lang="fr-FR" sz="1000" i="1">
-                                <a:latin typeface="Cambria Math"/>
-                              </a:rPr>
-                            </m:ctrlPr>
-                          </m:accPr>
-                          <m:e>
-                            <m:sSub>
-                              <m:sSubPr>
-                                <m:ctrlPr>
-                                  <a:rPr lang="fr-FR" sz="1000" i="1">
-                                    <a:latin typeface="Cambria Math"/>
-                                  </a:rPr>
-                                </m:ctrlPr>
-                              </m:sSubPr>
-                              <m:e>
-                                <m:r>
-                                  <a:rPr lang="fr-FR" sz="1000" i="1">
-                                    <a:latin typeface="Cambria Math"/>
-                                  </a:rPr>
-                                  <m:t>𝑦</m:t>
-                                </m:r>
-                              </m:e>
-                              <m:sub>
-                                <m:r>
-                                  <a:rPr lang="fr-FR" sz="1000" i="1">
-                                    <a:latin typeface="Cambria Math"/>
-                                  </a:rPr>
-                                  <m:t>1</m:t>
-                                </m:r>
-                              </m:sub>
-                            </m:sSub>
-                          </m:e>
-                        </m:acc>
-                      </m:e>
-                    </m:d>
-                  </m:oMath>
-                </a14:m>
-                <a:endParaRPr lang="fr-FR" sz="1000" dirty="0"/>
-              </a:p>
-            </p:txBody>
-          </p:sp>
-        </mc:Choice>
-        <mc:Fallback>
-          <p:sp>
-            <p:nvSpPr>
-              <p:cNvPr id="51" name="ZoneTexte 50"/>
-              <p:cNvSpPr txBox="1">
-                <a:spLocks noRot="1" noChangeAspect="1" noMove="1" noResize="1" noEditPoints="1" noAdjustHandles="1" noChangeArrowheads="1" noChangeShapeType="1" noTextEdit="1"/>
-              </p:cNvSpPr>
-              <p:nvPr/>
-            </p:nvSpPr>
-            <p:spPr>
-              <a:xfrm>
-                <a:off x="2683539" y="4330598"/>
-                <a:ext cx="1326276" cy="246221"/>
-              </a:xfrm>
-              <a:prstGeom prst="rect">
-                <a:avLst/>
-              </a:prstGeom>
-              <a:blipFill rotWithShape="1">
-                <a:blip r:embed="rId6"/>
-                <a:stretch>
-                  <a:fillRect b="-12195"/>
-                </a:stretch>
-              </a:blipFill>
-            </p:spPr>
-            <p:txBody>
-              <a:bodyPr/>
-              <a:lstStyle/>
-              <a:p>
-                <a:r>
-                  <a:rPr lang="fr-FR">
-                    <a:noFill/>
-                  </a:rPr>
-                  <a:t> </a:t>
-                </a:r>
-              </a:p>
-            </p:txBody>
-          </p:sp>
-        </mc:Fallback>
-      </mc:AlternateContent>
     </p:spTree>
     <p:extLst>
       <p:ext uri="{BB962C8B-B14F-4D97-AF65-F5344CB8AC3E}">
@@ -11392,8 +12205,8 @@
           </a:fontRef>
         </p:style>
       </p:cxnSp>
-      <mc:AlternateContent xmlns:mc="http://schemas.openxmlformats.org/markup-compatibility/2006">
-        <mc:Choice xmlns:a14="http://schemas.microsoft.com/office/drawing/2010/main" Requires="a14">
+      <mc:AlternateContent xmlns:mc="http://schemas.openxmlformats.org/markup-compatibility/2006" xmlns:a14="http://schemas.microsoft.com/office/drawing/2010/main">
+        <mc:Choice Requires="a14">
           <p:sp>
             <p:nvSpPr>
               <p:cNvPr id="42" name="ZoneTexte 41"/>
@@ -11509,7 +12322,7 @@
             </p:txBody>
           </p:sp>
         </mc:Choice>
-        <mc:Fallback>
+        <mc:Fallback xmlns="">
           <p:sp>
             <p:nvSpPr>
               <p:cNvPr id="42" name="ZoneTexte 41"/>
@@ -11548,8 +12361,8 @@
           </p:sp>
         </mc:Fallback>
       </mc:AlternateContent>
-      <mc:AlternateContent xmlns:mc="http://schemas.openxmlformats.org/markup-compatibility/2006">
-        <mc:Choice xmlns:a14="http://schemas.microsoft.com/office/drawing/2010/main" Requires="a14">
+      <mc:AlternateContent xmlns:mc="http://schemas.openxmlformats.org/markup-compatibility/2006" xmlns:a14="http://schemas.microsoft.com/office/drawing/2010/main">
+        <mc:Choice Requires="a14">
           <p:sp>
             <p:nvSpPr>
               <p:cNvPr id="45" name="ZoneTexte 44"/>
@@ -11678,7 +12491,7 @@
             </p:txBody>
           </p:sp>
         </mc:Choice>
-        <mc:Fallback>
+        <mc:Fallback xmlns="">
           <p:sp>
             <p:nvSpPr>
               <p:cNvPr id="45" name="ZoneTexte 44"/>
@@ -11717,8 +12530,8 @@
           </p:sp>
         </mc:Fallback>
       </mc:AlternateContent>
-      <mc:AlternateContent xmlns:mc="http://schemas.openxmlformats.org/markup-compatibility/2006">
-        <mc:Choice xmlns:a14="http://schemas.microsoft.com/office/drawing/2010/main" Requires="a14">
+      <mc:AlternateContent xmlns:mc="http://schemas.openxmlformats.org/markup-compatibility/2006" xmlns:a14="http://schemas.microsoft.com/office/drawing/2010/main">
+        <mc:Choice Requires="a14">
           <p:sp>
             <p:nvSpPr>
               <p:cNvPr id="49" name="ZoneTexte 48"/>
@@ -11834,7 +12647,7 @@
             </p:txBody>
           </p:sp>
         </mc:Choice>
-        <mc:Fallback>
+        <mc:Fallback xmlns="">
           <p:sp>
             <p:nvSpPr>
               <p:cNvPr id="49" name="ZoneTexte 48"/>
@@ -11873,8 +12686,8 @@
           </p:sp>
         </mc:Fallback>
       </mc:AlternateContent>
-      <mc:AlternateContent xmlns:mc="http://schemas.openxmlformats.org/markup-compatibility/2006">
-        <mc:Choice xmlns:a14="http://schemas.microsoft.com/office/drawing/2010/main" Requires="a14">
+      <mc:AlternateContent xmlns:mc="http://schemas.openxmlformats.org/markup-compatibility/2006" xmlns:a14="http://schemas.microsoft.com/office/drawing/2010/main">
+        <mc:Choice Requires="a14">
           <p:sp>
             <p:nvSpPr>
               <p:cNvPr id="51" name="ZoneTexte 50"/>
@@ -11990,7 +12803,7 @@
             </p:txBody>
           </p:sp>
         </mc:Choice>
-        <mc:Fallback>
+        <mc:Fallback xmlns="">
           <p:sp>
             <p:nvSpPr>
               <p:cNvPr id="51" name="ZoneTexte 50"/>
@@ -12371,4 +13184,289 @@
   <a:objectDefaults/>
   <a:extraClrSchemeLst/>
 </a:theme>
+</file>
+
+<file path=ppt/theme/theme2.xml><?xml version="1.0" encoding="utf-8"?>
+<a:theme xmlns:a="http://schemas.openxmlformats.org/drawingml/2006/main" name="Thème Office">
+  <a:themeElements>
+    <a:clrScheme name="Office">
+      <a:dk1>
+        <a:sysClr val="windowText" lastClr="000000"/>
+      </a:dk1>
+      <a:lt1>
+        <a:sysClr val="window" lastClr="FFFFFF"/>
+      </a:lt1>
+      <a:dk2>
+        <a:srgbClr val="1F497D"/>
+      </a:dk2>
+      <a:lt2>
+        <a:srgbClr val="EEECE1"/>
+      </a:lt2>
+      <a:accent1>
+        <a:srgbClr val="4F81BD"/>
+      </a:accent1>
+      <a:accent2>
+        <a:srgbClr val="C0504D"/>
+      </a:accent2>
+      <a:accent3>
+        <a:srgbClr val="9BBB59"/>
+      </a:accent3>
+      <a:accent4>
+        <a:srgbClr val="8064A2"/>
+      </a:accent4>
+      <a:accent5>
+        <a:srgbClr val="4BACC6"/>
+      </a:accent5>
+      <a:accent6>
+        <a:srgbClr val="F79646"/>
+      </a:accent6>
+      <a:hlink>
+        <a:srgbClr val="0000FF"/>
+      </a:hlink>
+      <a:folHlink>
+        <a:srgbClr val="800080"/>
+      </a:folHlink>
+    </a:clrScheme>
+    <a:fontScheme name="Office">
+      <a:majorFont>
+        <a:latin typeface="Calibri"/>
+        <a:ea typeface=""/>
+        <a:cs typeface=""/>
+        <a:font script="Jpan" typeface="ＭＳ Ｐゴシック"/>
+        <a:font script="Hang" typeface="맑은 고딕"/>
+        <a:font script="Hans" typeface="宋体"/>
+        <a:font script="Hant" typeface="新細明體"/>
+        <a:font script="Arab" typeface="Times New Roman"/>
+        <a:font script="Hebr" typeface="Times New Roman"/>
+        <a:font script="Thai" typeface="Angsana New"/>
+        <a:font script="Ethi" typeface="Nyala"/>
+        <a:font script="Beng" typeface="Vrinda"/>
+        <a:font script="Gujr" typeface="Shruti"/>
+        <a:font script="Khmr" typeface="MoolBoran"/>
+        <a:font script="Knda" typeface="Tunga"/>
+        <a:font script="Guru" typeface="Raavi"/>
+        <a:font script="Cans" typeface="Euphemia"/>
+        <a:font script="Cher" typeface="Plantagenet Cherokee"/>
+        <a:font script="Yiii" typeface="Microsoft Yi Baiti"/>
+        <a:font script="Tibt" typeface="Microsoft Himalaya"/>
+        <a:font script="Thaa" typeface="MV Boli"/>
+        <a:font script="Deva" typeface="Mangal"/>
+        <a:font script="Telu" typeface="Gautami"/>
+        <a:font script="Taml" typeface="Latha"/>
+        <a:font script="Syrc" typeface="Estrangelo Edessa"/>
+        <a:font script="Orya" typeface="Kalinga"/>
+        <a:font script="Mlym" typeface="Kartika"/>
+        <a:font script="Laoo" typeface="DokChampa"/>
+        <a:font script="Sinh" typeface="Iskoola Pota"/>
+        <a:font script="Mong" typeface="Mongolian Baiti"/>
+        <a:font script="Viet" typeface="Times New Roman"/>
+        <a:font script="Uigh" typeface="Microsoft Uighur"/>
+        <a:font script="Geor" typeface="Sylfaen"/>
+      </a:majorFont>
+      <a:minorFont>
+        <a:latin typeface="Calibri"/>
+        <a:ea typeface=""/>
+        <a:cs typeface=""/>
+        <a:font script="Jpan" typeface="ＭＳ Ｐゴシック"/>
+        <a:font script="Hang" typeface="맑은 고딕"/>
+        <a:font script="Hans" typeface="宋体"/>
+        <a:font script="Hant" typeface="新細明體"/>
+        <a:font script="Arab" typeface="Arial"/>
+        <a:font script="Hebr" typeface="Arial"/>
+        <a:font script="Thai" typeface="Cordia New"/>
+        <a:font script="Ethi" typeface="Nyala"/>
+        <a:font script="Beng" typeface="Vrinda"/>
+        <a:font script="Gujr" typeface="Shruti"/>
+        <a:font script="Khmr" typeface="DaunPenh"/>
+        <a:font script="Knda" typeface="Tunga"/>
+        <a:font script="Guru" typeface="Raavi"/>
+        <a:font script="Cans" typeface="Euphemia"/>
+        <a:font script="Cher" typeface="Plantagenet Cherokee"/>
+        <a:font script="Yiii" typeface="Microsoft Yi Baiti"/>
+        <a:font script="Tibt" typeface="Microsoft Himalaya"/>
+        <a:font script="Thaa" typeface="MV Boli"/>
+        <a:font script="Deva" typeface="Mangal"/>
+        <a:font script="Telu" typeface="Gautami"/>
+        <a:font script="Taml" typeface="Latha"/>
+        <a:font script="Syrc" typeface="Estrangelo Edessa"/>
+        <a:font script="Orya" typeface="Kalinga"/>
+        <a:font script="Mlym" typeface="Kartika"/>
+        <a:font script="Laoo" typeface="DokChampa"/>
+        <a:font script="Sinh" typeface="Iskoola Pota"/>
+        <a:font script="Mong" typeface="Mongolian Baiti"/>
+        <a:font script="Viet" typeface="Arial"/>
+        <a:font script="Uigh" typeface="Microsoft Uighur"/>
+        <a:font script="Geor" typeface="Sylfaen"/>
+      </a:minorFont>
+    </a:fontScheme>
+    <a:fmtScheme name="Office">
+      <a:fillStyleLst>
+        <a:solidFill>
+          <a:schemeClr val="phClr"/>
+        </a:solidFill>
+        <a:gradFill rotWithShape="1">
+          <a:gsLst>
+            <a:gs pos="0">
+              <a:schemeClr val="phClr">
+                <a:tint val="50000"/>
+                <a:satMod val="300000"/>
+              </a:schemeClr>
+            </a:gs>
+            <a:gs pos="35000">
+              <a:schemeClr val="phClr">
+                <a:tint val="37000"/>
+                <a:satMod val="300000"/>
+              </a:schemeClr>
+            </a:gs>
+            <a:gs pos="100000">
+              <a:schemeClr val="phClr">
+                <a:tint val="15000"/>
+                <a:satMod val="350000"/>
+              </a:schemeClr>
+            </a:gs>
+          </a:gsLst>
+          <a:lin ang="16200000" scaled="1"/>
+        </a:gradFill>
+        <a:gradFill rotWithShape="1">
+          <a:gsLst>
+            <a:gs pos="0">
+              <a:schemeClr val="phClr">
+                <a:shade val="51000"/>
+                <a:satMod val="130000"/>
+              </a:schemeClr>
+            </a:gs>
+            <a:gs pos="80000">
+              <a:schemeClr val="phClr">
+                <a:shade val="93000"/>
+                <a:satMod val="130000"/>
+              </a:schemeClr>
+            </a:gs>
+            <a:gs pos="100000">
+              <a:schemeClr val="phClr">
+                <a:shade val="94000"/>
+                <a:satMod val="135000"/>
+              </a:schemeClr>
+            </a:gs>
+          </a:gsLst>
+          <a:lin ang="16200000" scaled="0"/>
+        </a:gradFill>
+      </a:fillStyleLst>
+      <a:lnStyleLst>
+        <a:ln w="9525" cap="flat" cmpd="sng" algn="ctr">
+          <a:solidFill>
+            <a:schemeClr val="phClr">
+              <a:shade val="95000"/>
+              <a:satMod val="105000"/>
+            </a:schemeClr>
+          </a:solidFill>
+          <a:prstDash val="solid"/>
+        </a:ln>
+        <a:ln w="25400" cap="flat" cmpd="sng" algn="ctr">
+          <a:solidFill>
+            <a:schemeClr val="phClr"/>
+          </a:solidFill>
+          <a:prstDash val="solid"/>
+        </a:ln>
+        <a:ln w="38100" cap="flat" cmpd="sng" algn="ctr">
+          <a:solidFill>
+            <a:schemeClr val="phClr"/>
+          </a:solidFill>
+          <a:prstDash val="solid"/>
+        </a:ln>
+      </a:lnStyleLst>
+      <a:effectStyleLst>
+        <a:effectStyle>
+          <a:effectLst>
+            <a:outerShdw blurRad="40000" dist="20000" dir="5400000" rotWithShape="0">
+              <a:srgbClr val="000000">
+                <a:alpha val="38000"/>
+              </a:srgbClr>
+            </a:outerShdw>
+          </a:effectLst>
+        </a:effectStyle>
+        <a:effectStyle>
+          <a:effectLst>
+            <a:outerShdw blurRad="40000" dist="23000" dir="5400000" rotWithShape="0">
+              <a:srgbClr val="000000">
+                <a:alpha val="35000"/>
+              </a:srgbClr>
+            </a:outerShdw>
+          </a:effectLst>
+        </a:effectStyle>
+        <a:effectStyle>
+          <a:effectLst>
+            <a:outerShdw blurRad="40000" dist="23000" dir="5400000" rotWithShape="0">
+              <a:srgbClr val="000000">
+                <a:alpha val="35000"/>
+              </a:srgbClr>
+            </a:outerShdw>
+          </a:effectLst>
+          <a:scene3d>
+            <a:camera prst="orthographicFront">
+              <a:rot lat="0" lon="0" rev="0"/>
+            </a:camera>
+            <a:lightRig rig="threePt" dir="t">
+              <a:rot lat="0" lon="0" rev="1200000"/>
+            </a:lightRig>
+          </a:scene3d>
+          <a:sp3d>
+            <a:bevelT w="63500" h="25400"/>
+          </a:sp3d>
+        </a:effectStyle>
+      </a:effectStyleLst>
+      <a:bgFillStyleLst>
+        <a:solidFill>
+          <a:schemeClr val="phClr"/>
+        </a:solidFill>
+        <a:gradFill rotWithShape="1">
+          <a:gsLst>
+            <a:gs pos="0">
+              <a:schemeClr val="phClr">
+                <a:tint val="40000"/>
+                <a:satMod val="350000"/>
+              </a:schemeClr>
+            </a:gs>
+            <a:gs pos="40000">
+              <a:schemeClr val="phClr">
+                <a:tint val="45000"/>
+                <a:shade val="99000"/>
+                <a:satMod val="350000"/>
+              </a:schemeClr>
+            </a:gs>
+            <a:gs pos="100000">
+              <a:schemeClr val="phClr">
+                <a:shade val="20000"/>
+                <a:satMod val="255000"/>
+              </a:schemeClr>
+            </a:gs>
+          </a:gsLst>
+          <a:path path="circle">
+            <a:fillToRect l="50000" t="-80000" r="50000" b="180000"/>
+          </a:path>
+        </a:gradFill>
+        <a:gradFill rotWithShape="1">
+          <a:gsLst>
+            <a:gs pos="0">
+              <a:schemeClr val="phClr">
+                <a:tint val="80000"/>
+                <a:satMod val="300000"/>
+              </a:schemeClr>
+            </a:gs>
+            <a:gs pos="100000">
+              <a:schemeClr val="phClr">
+                <a:shade val="30000"/>
+                <a:satMod val="200000"/>
+              </a:schemeClr>
+            </a:gs>
+          </a:gsLst>
+          <a:path path="circle">
+            <a:fillToRect l="50000" t="50000" r="50000" b="50000"/>
+          </a:path>
+        </a:gradFill>
+      </a:bgFillStyleLst>
+    </a:fmtScheme>
+  </a:themeElements>
+  <a:objectDefaults/>
+  <a:extraClrSchemeLst/>
+</a:theme>
 </file>
--- a/Chapitre_01_Energetique/Application_03_ElevateurBateaux/Figures.pptx
+++ b/Chapitre_01_Energetique/Application_03_ElevateurBateaux/Figures.pptx
@@ -5,13 +5,14 @@
     <p:sldMasterId id="2147483648" r:id="rId1"/>
   </p:sldMasterIdLst>
   <p:notesMasterIdLst>
-    <p:notesMasterId r:id="rId6"/>
+    <p:notesMasterId r:id="rId7"/>
   </p:notesMasterIdLst>
   <p:sldIdLst>
     <p:sldId id="256" r:id="rId2"/>
     <p:sldId id="257" r:id="rId3"/>
     <p:sldId id="258" r:id="rId4"/>
     <p:sldId id="259" r:id="rId5"/>
+    <p:sldId id="260" r:id="rId6"/>
   </p:sldIdLst>
   <p:sldSz cx="9144000" cy="6858000" type="screen4x3"/>
   <p:notesSz cx="6858000" cy="9144000"/>
@@ -195,7 +196,7 @@
           <a:p>
             <a:fld id="{C50573B8-97CE-41AB-B56B-21583D30804E}" type="datetimeFigureOut">
               <a:rPr lang="fr-FR" smtClean="0"/>
-              <a:t>31/01/2018</a:t>
+              <a:t>01/02/2018</a:t>
             </a:fld>
             <a:endParaRPr lang="fr-FR"/>
           </a:p>
@@ -728,7 +729,7 @@
           <a:p>
             <a:fld id="{AA309A6D-C09C-4548-B29A-6CF363A7E532}" type="datetimeFigureOut">
               <a:rPr lang="fr-FR" smtClean="0"/>
-              <a:t>31/01/2018</a:t>
+              <a:t>01/02/2018</a:t>
             </a:fld>
             <a:endParaRPr lang="fr-BE"/>
           </a:p>
@@ -893,7 +894,7 @@
           <a:p>
             <a:fld id="{AA309A6D-C09C-4548-B29A-6CF363A7E532}" type="datetimeFigureOut">
               <a:rPr lang="fr-FR" smtClean="0"/>
-              <a:t>31/01/2018</a:t>
+              <a:t>01/02/2018</a:t>
             </a:fld>
             <a:endParaRPr lang="fr-BE"/>
           </a:p>
@@ -1068,7 +1069,7 @@
           <a:p>
             <a:fld id="{AA309A6D-C09C-4548-B29A-6CF363A7E532}" type="datetimeFigureOut">
               <a:rPr lang="fr-FR" smtClean="0"/>
-              <a:t>31/01/2018</a:t>
+              <a:t>01/02/2018</a:t>
             </a:fld>
             <a:endParaRPr lang="fr-BE"/>
           </a:p>
@@ -1233,7 +1234,7 @@
           <a:p>
             <a:fld id="{AA309A6D-C09C-4548-B29A-6CF363A7E532}" type="datetimeFigureOut">
               <a:rPr lang="fr-FR" smtClean="0"/>
-              <a:t>31/01/2018</a:t>
+              <a:t>01/02/2018</a:t>
             </a:fld>
             <a:endParaRPr lang="fr-BE"/>
           </a:p>
@@ -1474,7 +1475,7 @@
           <a:p>
             <a:fld id="{AA309A6D-C09C-4548-B29A-6CF363A7E532}" type="datetimeFigureOut">
               <a:rPr lang="fr-FR" smtClean="0"/>
-              <a:t>31/01/2018</a:t>
+              <a:t>01/02/2018</a:t>
             </a:fld>
             <a:endParaRPr lang="fr-BE"/>
           </a:p>
@@ -1757,7 +1758,7 @@
           <a:p>
             <a:fld id="{AA309A6D-C09C-4548-B29A-6CF363A7E532}" type="datetimeFigureOut">
               <a:rPr lang="fr-FR" smtClean="0"/>
-              <a:t>31/01/2018</a:t>
+              <a:t>01/02/2018</a:t>
             </a:fld>
             <a:endParaRPr lang="fr-BE"/>
           </a:p>
@@ -2174,7 +2175,7 @@
           <a:p>
             <a:fld id="{AA309A6D-C09C-4548-B29A-6CF363A7E532}" type="datetimeFigureOut">
               <a:rPr lang="fr-FR" smtClean="0"/>
-              <a:t>31/01/2018</a:t>
+              <a:t>01/02/2018</a:t>
             </a:fld>
             <a:endParaRPr lang="fr-BE"/>
           </a:p>
@@ -2287,7 +2288,7 @@
           <a:p>
             <a:fld id="{AA309A6D-C09C-4548-B29A-6CF363A7E532}" type="datetimeFigureOut">
               <a:rPr lang="fr-FR" smtClean="0"/>
-              <a:t>31/01/2018</a:t>
+              <a:t>01/02/2018</a:t>
             </a:fld>
             <a:endParaRPr lang="fr-BE"/>
           </a:p>
@@ -2377,7 +2378,7 @@
           <a:p>
             <a:fld id="{AA309A6D-C09C-4548-B29A-6CF363A7E532}" type="datetimeFigureOut">
               <a:rPr lang="fr-FR" smtClean="0"/>
-              <a:t>31/01/2018</a:t>
+              <a:t>01/02/2018</a:t>
             </a:fld>
             <a:endParaRPr lang="fr-BE"/>
           </a:p>
@@ -2649,7 +2650,7 @@
           <a:p>
             <a:fld id="{AA309A6D-C09C-4548-B29A-6CF363A7E532}" type="datetimeFigureOut">
               <a:rPr lang="fr-FR" smtClean="0"/>
-              <a:t>31/01/2018</a:t>
+              <a:t>01/02/2018</a:t>
             </a:fld>
             <a:endParaRPr lang="fr-BE"/>
           </a:p>
@@ -2897,7 +2898,7 @@
           <a:p>
             <a:fld id="{AA309A6D-C09C-4548-B29A-6CF363A7E532}" type="datetimeFigureOut">
               <a:rPr lang="fr-FR" smtClean="0"/>
-              <a:t>31/01/2018</a:t>
+              <a:t>01/02/2018</a:t>
             </a:fld>
             <a:endParaRPr lang="fr-BE"/>
           </a:p>
@@ -3105,7 +3106,7 @@
           <a:p>
             <a:fld id="{AA309A6D-C09C-4548-B29A-6CF363A7E532}" type="datetimeFigureOut">
               <a:rPr lang="fr-FR" smtClean="0"/>
-              <a:t>31/01/2018</a:t>
+              <a:t>01/02/2018</a:t>
             </a:fld>
             <a:endParaRPr lang="fr-BE"/>
           </a:p>
@@ -10573,8 +10574,8 @@
             </a:fontRef>
           </p:style>
         </p:cxnSp>
-        <mc:AlternateContent xmlns:mc="http://schemas.openxmlformats.org/markup-compatibility/2006">
-          <mc:Choice xmlns:a14="http://schemas.microsoft.com/office/drawing/2010/main" Requires="a14">
+        <mc:AlternateContent xmlns:mc="http://schemas.openxmlformats.org/markup-compatibility/2006" xmlns:a14="http://schemas.microsoft.com/office/drawing/2010/main">
+          <mc:Choice Requires="a14">
             <p:sp>
               <p:nvSpPr>
                 <p:cNvPr id="42" name="ZoneTexte 41"/>
@@ -10600,11 +10601,7 @@
                   <a:pPr algn="ctr"/>
                   <a:r>
                     <a:rPr lang="fr-FR" sz="1000" dirty="0" smtClean="0"/>
-                    <a:t>Pivot </a:t>
-                  </a:r>
-                  <a:r>
-                    <a:rPr lang="fr-FR" sz="1000" dirty="0" smtClean="0"/>
-                    <a:t>avec frottement </a:t>
+                    <a:t>Pivot avec frottement </a:t>
                   </a:r>
                   <a14:m>
                     <m:oMath xmlns:m="http://schemas.openxmlformats.org/officeDocument/2006/math">
@@ -10694,7 +10691,7 @@
               </p:txBody>
             </p:sp>
           </mc:Choice>
-          <mc:Fallback>
+          <mc:Fallback xmlns="">
             <p:sp>
               <p:nvSpPr>
                 <p:cNvPr id="42" name="ZoneTexte 41"/>
@@ -10733,8 +10730,8 @@
             </p:sp>
           </mc:Fallback>
         </mc:AlternateContent>
-        <mc:AlternateContent xmlns:mc="http://schemas.openxmlformats.org/markup-compatibility/2006">
-          <mc:Choice xmlns:a14="http://schemas.microsoft.com/office/drawing/2010/main" Requires="a14">
+        <mc:AlternateContent xmlns:mc="http://schemas.openxmlformats.org/markup-compatibility/2006" xmlns:a14="http://schemas.microsoft.com/office/drawing/2010/main">
+          <mc:Choice Requires="a14">
             <p:sp>
               <p:nvSpPr>
                 <p:cNvPr id="45" name="ZoneTexte 44"/>
@@ -10863,7 +10860,7 @@
               </p:txBody>
             </p:sp>
           </mc:Choice>
-          <mc:Fallback>
+          <mc:Fallback xmlns="">
             <p:sp>
               <p:nvSpPr>
                 <p:cNvPr id="45" name="ZoneTexte 44"/>
@@ -11058,8 +11055,8 @@
             </p:sp>
           </mc:Fallback>
         </mc:AlternateContent>
-        <mc:AlternateContent xmlns:mc="http://schemas.openxmlformats.org/markup-compatibility/2006">
-          <mc:Choice xmlns:a14="http://schemas.microsoft.com/office/drawing/2010/main" Requires="a14">
+        <mc:AlternateContent xmlns:mc="http://schemas.openxmlformats.org/markup-compatibility/2006" xmlns:a14="http://schemas.microsoft.com/office/drawing/2010/main">
+          <mc:Choice Requires="a14">
             <p:sp>
               <p:nvSpPr>
                 <p:cNvPr id="51" name="ZoneTexte 50"/>
@@ -11175,7 +11172,7 @@
               </p:txBody>
             </p:sp>
           </mc:Choice>
-          <mc:Fallback>
+          <mc:Fallback xmlns="">
             <p:sp>
               <p:nvSpPr>
                 <p:cNvPr id="51" name="ZoneTexte 50"/>
@@ -11450,157 +11447,6 @@
           <a:chExt cx="0" cy="0"/>
         </a:xfrm>
       </p:grpSpPr>
-      <p:sp>
-        <p:nvSpPr>
-          <p:cNvPr id="70" name="Forme libre 69"/>
-          <p:cNvSpPr/>
-          <p:nvPr/>
-        </p:nvSpPr>
-        <p:spPr>
-          <a:xfrm flipH="1">
-            <a:off x="4034556" y="3255415"/>
-            <a:ext cx="108723" cy="619288"/>
-          </a:xfrm>
-          <a:custGeom>
-            <a:avLst/>
-            <a:gdLst>
-              <a:gd name="connsiteX0" fmla="*/ 0 w 7315"/>
-              <a:gd name="connsiteY0" fmla="*/ 0 h 1038758"/>
-              <a:gd name="connsiteX1" fmla="*/ 7315 w 7315"/>
-              <a:gd name="connsiteY1" fmla="*/ 1038758 h 1038758"/>
-              <a:gd name="connsiteX2" fmla="*/ 7315 w 7315"/>
-              <a:gd name="connsiteY2" fmla="*/ 1038758 h 1038758"/>
-              <a:gd name="connsiteX0" fmla="*/ 0 w 1239"/>
-              <a:gd name="connsiteY0" fmla="*/ 0 h 10141"/>
-              <a:gd name="connsiteX1" fmla="*/ 1239 w 1239"/>
-              <a:gd name="connsiteY1" fmla="*/ 10141 h 10141"/>
-              <a:gd name="connsiteX2" fmla="*/ 1239 w 1239"/>
-              <a:gd name="connsiteY2" fmla="*/ 10141 h 10141"/>
-              <a:gd name="connsiteX0" fmla="*/ 0 w 1161"/>
-              <a:gd name="connsiteY0" fmla="*/ 0 h 10000"/>
-              <a:gd name="connsiteX1" fmla="*/ 1161 w 1161"/>
-              <a:gd name="connsiteY1" fmla="*/ 10000 h 10000"/>
-              <a:gd name="connsiteX2" fmla="*/ 1161 w 1161"/>
-              <a:gd name="connsiteY2" fmla="*/ 10000 h 10000"/>
-              <a:gd name="connsiteX0" fmla="*/ 104181 w 104181"/>
-              <a:gd name="connsiteY0" fmla="*/ 0 h 10000"/>
-              <a:gd name="connsiteX1" fmla="*/ 0 w 104181"/>
-              <a:gd name="connsiteY1" fmla="*/ 10000 h 10000"/>
-              <a:gd name="connsiteX2" fmla="*/ 0 w 104181"/>
-              <a:gd name="connsiteY2" fmla="*/ 10000 h 10000"/>
-              <a:gd name="connsiteX0" fmla="*/ 9030 w 9030"/>
-              <a:gd name="connsiteY0" fmla="*/ 0 h 9931"/>
-              <a:gd name="connsiteX1" fmla="*/ 0 w 9030"/>
-              <a:gd name="connsiteY1" fmla="*/ 9931 h 9931"/>
-              <a:gd name="connsiteX2" fmla="*/ 0 w 9030"/>
-              <a:gd name="connsiteY2" fmla="*/ 9931 h 9931"/>
-              <a:gd name="connsiteX0" fmla="*/ 190689 w 190689"/>
-              <a:gd name="connsiteY0" fmla="*/ 0 h 10000"/>
-              <a:gd name="connsiteX1" fmla="*/ 180689 w 190689"/>
-              <a:gd name="connsiteY1" fmla="*/ 10000 h 10000"/>
-              <a:gd name="connsiteX2" fmla="*/ 180689 w 190689"/>
-              <a:gd name="connsiteY2" fmla="*/ 10000 h 10000"/>
-              <a:gd name="connsiteX0" fmla="*/ 313233 w 313233"/>
-              <a:gd name="connsiteY0" fmla="*/ 0 h 10000"/>
-              <a:gd name="connsiteX1" fmla="*/ 303233 w 313233"/>
-              <a:gd name="connsiteY1" fmla="*/ 10000 h 10000"/>
-              <a:gd name="connsiteX2" fmla="*/ 303233 w 313233"/>
-              <a:gd name="connsiteY2" fmla="*/ 10000 h 10000"/>
-            </a:gdLst>
-            <a:ahLst/>
-            <a:cxnLst>
-              <a:cxn ang="0">
-                <a:pos x="connsiteX0" y="connsiteY0"/>
-              </a:cxn>
-              <a:cxn ang="0">
-                <a:pos x="connsiteX1" y="connsiteY1"/>
-              </a:cxn>
-              <a:cxn ang="0">
-                <a:pos x="connsiteX2" y="connsiteY2"/>
-              </a:cxn>
-            </a:cxnLst>
-            <a:rect l="l" t="t" r="r" b="b"/>
-            <a:pathLst>
-              <a:path w="313233" h="10000">
-                <a:moveTo>
-                  <a:pt x="313233" y="0"/>
-                </a:moveTo>
-                <a:cubicBezTo>
-                  <a:pt x="-111604" y="2983"/>
-                  <a:pt x="-93864" y="7017"/>
-                  <a:pt x="303233" y="10000"/>
-                </a:cubicBezTo>
-                <a:lnTo>
-                  <a:pt x="303233" y="10000"/>
-                </a:lnTo>
-              </a:path>
-            </a:pathLst>
-          </a:custGeom>
-          <a:noFill/>
-          <a:ln w="28575">
-            <a:solidFill>
-              <a:srgbClr val="FF0000"/>
-            </a:solidFill>
-            <a:headEnd type="stealth" w="med" len="lg"/>
-            <a:tailEnd type="stealth" w="med" len="lg"/>
-          </a:ln>
-        </p:spPr>
-        <p:style>
-          <a:lnRef idx="2">
-            <a:schemeClr val="accent1">
-              <a:shade val="50000"/>
-            </a:schemeClr>
-          </a:lnRef>
-          <a:fillRef idx="1">
-            <a:schemeClr val="accent1"/>
-          </a:fillRef>
-          <a:effectRef idx="0">
-            <a:schemeClr val="accent1"/>
-          </a:effectRef>
-          <a:fontRef idx="minor">
-            <a:schemeClr val="lt1"/>
-          </a:fontRef>
-        </p:style>
-        <p:txBody>
-          <a:bodyPr rtlCol="0" anchor="ctr"/>
-          <a:lstStyle/>
-          <a:p>
-            <a:pPr algn="ctr"/>
-            <a:endParaRPr lang="fr-FR"/>
-          </a:p>
-        </p:txBody>
-      </p:sp>
-      <p:sp>
-        <p:nvSpPr>
-          <p:cNvPr id="74" name="ZoneTexte 73"/>
-          <p:cNvSpPr txBox="1"/>
-          <p:nvPr/>
-        </p:nvSpPr>
-        <p:spPr>
-          <a:xfrm>
-            <a:off x="4035184" y="3441948"/>
-            <a:ext cx="769120" cy="246221"/>
-          </a:xfrm>
-          <a:prstGeom prst="rect">
-            <a:avLst/>
-          </a:prstGeom>
-          <a:noFill/>
-        </p:spPr>
-        <p:txBody>
-          <a:bodyPr wrap="square" rtlCol="0">
-            <a:spAutoFit/>
-          </a:bodyPr>
-          <a:lstStyle/>
-          <a:p>
-            <a:pPr algn="ctr"/>
-            <a:r>
-              <a:rPr lang="fr-FR" sz="1000" dirty="0" smtClean="0"/>
-              <a:t>Pression</a:t>
-            </a:r>
-            <a:endParaRPr lang="fr-FR" sz="1000" dirty="0"/>
-          </a:p>
-        </p:txBody>
-      </p:sp>
       <p:cxnSp>
         <p:nvCxnSpPr>
           <p:cNvPr id="30" name="Connecteur droit 29"/>
@@ -11740,7 +11586,7 @@
                   <a:schemeClr val="tx1"/>
                 </a:solidFill>
               </a:rPr>
-              <a:t>1</a:t>
+              <a:t>0</a:t>
             </a:r>
             <a:endParaRPr lang="fr-FR" b="1" dirty="0">
               <a:solidFill>
@@ -11760,204 +11606,6 @@
           <a:xfrm>
             <a:off x="2267760" y="4869160"/>
             <a:ext cx="296400" cy="0"/>
-          </a:xfrm>
-          <a:prstGeom prst="line">
-            <a:avLst/>
-          </a:prstGeom>
-          <a:noFill/>
-          <a:ln w="28575">
-            <a:solidFill>
-              <a:schemeClr val="tx1"/>
-            </a:solidFill>
-          </a:ln>
-        </p:spPr>
-        <p:style>
-          <a:lnRef idx="2">
-            <a:schemeClr val="accent1">
-              <a:shade val="50000"/>
-            </a:schemeClr>
-          </a:lnRef>
-          <a:fillRef idx="1">
-            <a:schemeClr val="accent1"/>
-          </a:fillRef>
-          <a:effectRef idx="0">
-            <a:schemeClr val="accent1"/>
-          </a:effectRef>
-          <a:fontRef idx="minor">
-            <a:schemeClr val="lt1"/>
-          </a:fontRef>
-        </p:style>
-      </p:cxnSp>
-      <p:sp>
-        <p:nvSpPr>
-          <p:cNvPr id="34" name="Ellipse 33"/>
-          <p:cNvSpPr/>
-          <p:nvPr/>
-        </p:nvSpPr>
-        <p:spPr>
-          <a:xfrm>
-            <a:off x="3672511" y="3789080"/>
-            <a:ext cx="360000" cy="360000"/>
-          </a:xfrm>
-          <a:prstGeom prst="ellipse">
-            <a:avLst/>
-          </a:prstGeom>
-          <a:noFill/>
-          <a:ln w="28575">
-            <a:solidFill>
-              <a:srgbClr val="0070C0"/>
-            </a:solidFill>
-          </a:ln>
-        </p:spPr>
-        <p:style>
-          <a:lnRef idx="2">
-            <a:schemeClr val="accent1">
-              <a:shade val="50000"/>
-            </a:schemeClr>
-          </a:lnRef>
-          <a:fillRef idx="1">
-            <a:schemeClr val="accent1"/>
-          </a:fillRef>
-          <a:effectRef idx="0">
-            <a:schemeClr val="accent1"/>
-          </a:effectRef>
-          <a:fontRef idx="minor">
-            <a:schemeClr val="lt1"/>
-          </a:fontRef>
-        </p:style>
-        <p:txBody>
-          <a:bodyPr lIns="0" tIns="0" rIns="0" bIns="0" rtlCol="0" anchor="ctr"/>
-          <a:lstStyle/>
-          <a:p>
-            <a:pPr algn="ctr"/>
-            <a:r>
-              <a:rPr lang="fr-FR" sz="1400" b="1" dirty="0" smtClean="0">
-                <a:solidFill>
-                  <a:srgbClr val="0070C0"/>
-                </a:solidFill>
-              </a:rPr>
-              <a:t>T1</a:t>
-            </a:r>
-            <a:endParaRPr lang="fr-FR" sz="1400" b="1" dirty="0">
-              <a:solidFill>
-                <a:srgbClr val="0070C0"/>
-              </a:solidFill>
-            </a:endParaRPr>
-          </a:p>
-        </p:txBody>
-      </p:sp>
-      <p:sp>
-        <p:nvSpPr>
-          <p:cNvPr id="35" name="Ellipse 34"/>
-          <p:cNvSpPr/>
-          <p:nvPr/>
-        </p:nvSpPr>
-        <p:spPr>
-          <a:xfrm>
-            <a:off x="3672511" y="2964389"/>
-            <a:ext cx="360000" cy="360000"/>
-          </a:xfrm>
-          <a:prstGeom prst="ellipse">
-            <a:avLst/>
-          </a:prstGeom>
-          <a:noFill/>
-          <a:ln w="28575">
-            <a:solidFill>
-              <a:schemeClr val="accent2"/>
-            </a:solidFill>
-          </a:ln>
-        </p:spPr>
-        <p:style>
-          <a:lnRef idx="2">
-            <a:schemeClr val="accent1">
-              <a:shade val="50000"/>
-            </a:schemeClr>
-          </a:lnRef>
-          <a:fillRef idx="1">
-            <a:schemeClr val="accent1"/>
-          </a:fillRef>
-          <a:effectRef idx="0">
-            <a:schemeClr val="accent1"/>
-          </a:effectRef>
-          <a:fontRef idx="minor">
-            <a:schemeClr val="lt1"/>
-          </a:fontRef>
-        </p:style>
-        <p:txBody>
-          <a:bodyPr lIns="0" tIns="0" rIns="0" bIns="0" rtlCol="0" anchor="ctr"/>
-          <a:lstStyle/>
-          <a:p>
-            <a:pPr algn="ctr"/>
-            <a:r>
-              <a:rPr lang="fr-FR" sz="1400" b="1" dirty="0" smtClean="0">
-                <a:solidFill>
-                  <a:schemeClr val="accent2"/>
-                </a:solidFill>
-              </a:rPr>
-              <a:t>T2</a:t>
-            </a:r>
-            <a:endParaRPr lang="fr-FR" sz="1400" b="1" dirty="0">
-              <a:solidFill>
-                <a:schemeClr val="accent2"/>
-              </a:solidFill>
-            </a:endParaRPr>
-          </a:p>
-        </p:txBody>
-      </p:sp>
-      <p:cxnSp>
-        <p:nvCxnSpPr>
-          <p:cNvPr id="36" name="Connecteur droit 35"/>
-          <p:cNvCxnSpPr>
-            <a:stCxn id="34" idx="3"/>
-            <a:endCxn id="32" idx="6"/>
-          </p:cNvCxnSpPr>
-          <p:nvPr/>
-        </p:nvCxnSpPr>
-        <p:spPr>
-          <a:xfrm flipH="1">
-            <a:off x="2591760" y="4096359"/>
-            <a:ext cx="1133472" cy="385865"/>
-          </a:xfrm>
-          <a:prstGeom prst="line">
-            <a:avLst/>
-          </a:prstGeom>
-          <a:noFill/>
-          <a:ln w="28575">
-            <a:solidFill>
-              <a:schemeClr val="tx1"/>
-            </a:solidFill>
-          </a:ln>
-        </p:spPr>
-        <p:style>
-          <a:lnRef idx="2">
-            <a:schemeClr val="accent1">
-              <a:shade val="50000"/>
-            </a:schemeClr>
-          </a:lnRef>
-          <a:fillRef idx="1">
-            <a:schemeClr val="accent1"/>
-          </a:fillRef>
-          <a:effectRef idx="0">
-            <a:schemeClr val="accent1"/>
-          </a:effectRef>
-          <a:fontRef idx="minor">
-            <a:schemeClr val="lt1"/>
-          </a:fontRef>
-        </p:style>
-      </p:cxnSp>
-      <p:cxnSp>
-        <p:nvCxnSpPr>
-          <p:cNvPr id="37" name="Connecteur droit 36"/>
-          <p:cNvCxnSpPr>
-            <a:stCxn id="35" idx="4"/>
-            <a:endCxn id="34" idx="0"/>
-          </p:cNvCxnSpPr>
-          <p:nvPr/>
-        </p:nvCxnSpPr>
-        <p:spPr>
-          <a:xfrm>
-            <a:off x="3852511" y="3324389"/>
-            <a:ext cx="0" cy="464691"/>
           </a:xfrm>
           <a:prstGeom prst="line">
             <a:avLst/>
@@ -12104,109 +11752,8 @@
           </a:p>
         </p:txBody>
       </p:sp>
-      <p:sp>
-        <p:nvSpPr>
-          <p:cNvPr id="39" name="Ellipse 38"/>
-          <p:cNvSpPr/>
-          <p:nvPr/>
-        </p:nvSpPr>
-        <p:spPr>
-          <a:xfrm>
-            <a:off x="2231760" y="2964389"/>
-            <a:ext cx="360000" cy="360000"/>
-          </a:xfrm>
-          <a:prstGeom prst="ellipse">
-            <a:avLst/>
-          </a:prstGeom>
-          <a:solidFill>
-            <a:schemeClr val="bg1"/>
-          </a:solidFill>
-          <a:ln w="28575">
-            <a:solidFill>
-              <a:srgbClr val="00B050"/>
-            </a:solidFill>
-          </a:ln>
-        </p:spPr>
-        <p:style>
-          <a:lnRef idx="2">
-            <a:schemeClr val="accent1">
-              <a:shade val="50000"/>
-            </a:schemeClr>
-          </a:lnRef>
-          <a:fillRef idx="1">
-            <a:schemeClr val="accent1"/>
-          </a:fillRef>
-          <a:effectRef idx="0">
-            <a:schemeClr val="accent1"/>
-          </a:effectRef>
-          <a:fontRef idx="minor">
-            <a:schemeClr val="lt1"/>
-          </a:fontRef>
-        </p:style>
-        <p:txBody>
-          <a:bodyPr lIns="0" tIns="0" rIns="0" bIns="0" rtlCol="0" anchor="ctr"/>
-          <a:lstStyle/>
-          <a:p>
-            <a:pPr algn="ctr"/>
-            <a:r>
-              <a:rPr lang="fr-FR" sz="1400" b="1" dirty="0" smtClean="0">
-                <a:solidFill>
-                  <a:srgbClr val="00B050"/>
-                </a:solidFill>
-              </a:rPr>
-              <a:t>S2</a:t>
-            </a:r>
-            <a:endParaRPr lang="fr-FR" sz="1400" b="1" dirty="0">
-              <a:solidFill>
-                <a:srgbClr val="00B050"/>
-              </a:solidFill>
-            </a:endParaRPr>
-          </a:p>
-        </p:txBody>
-      </p:sp>
-      <p:cxnSp>
-        <p:nvCxnSpPr>
-          <p:cNvPr id="41" name="Connecteur droit 40"/>
-          <p:cNvCxnSpPr>
-            <a:stCxn id="39" idx="6"/>
-            <a:endCxn id="35" idx="2"/>
-          </p:cNvCxnSpPr>
-          <p:nvPr/>
-        </p:nvCxnSpPr>
-        <p:spPr>
-          <a:xfrm>
-            <a:off x="2591760" y="3144389"/>
-            <a:ext cx="1080751" cy="0"/>
-          </a:xfrm>
-          <a:prstGeom prst="line">
-            <a:avLst/>
-          </a:prstGeom>
-          <a:noFill/>
-          <a:ln w="28575">
-            <a:solidFill>
-              <a:schemeClr val="tx1"/>
-            </a:solidFill>
-          </a:ln>
-        </p:spPr>
-        <p:style>
-          <a:lnRef idx="2">
-            <a:schemeClr val="accent1">
-              <a:shade val="50000"/>
-            </a:schemeClr>
-          </a:lnRef>
-          <a:fillRef idx="1">
-            <a:schemeClr val="accent1"/>
-          </a:fillRef>
-          <a:effectRef idx="0">
-            <a:schemeClr val="accent1"/>
-          </a:effectRef>
-          <a:fontRef idx="minor">
-            <a:schemeClr val="lt1"/>
-          </a:fontRef>
-        </p:style>
-      </p:cxnSp>
-      <mc:AlternateContent xmlns:mc="http://schemas.openxmlformats.org/markup-compatibility/2006" xmlns:a14="http://schemas.microsoft.com/office/drawing/2010/main">
-        <mc:Choice Requires="a14">
+      <mc:AlternateContent xmlns:mc="http://schemas.openxmlformats.org/markup-compatibility/2006">
+        <mc:Choice xmlns:a14="http://schemas.microsoft.com/office/drawing/2010/main" Requires="a14">
           <p:sp>
             <p:nvSpPr>
               <p:cNvPr id="42" name="ZoneTexte 41"/>
@@ -12231,8 +11778,8 @@
               <a:p>
                 <a:pPr algn="ctr"/>
                 <a:r>
-                  <a:rPr lang="fr-FR" sz="1000" dirty="0" smtClean="0"/>
-                  <a:t>Pivot  </a:t>
+                  <a:rPr lang="fr-FR" sz="1000" b="0" dirty="0" smtClean="0"/>
+                  <a:t>CP </a:t>
                 </a:r>
                 <a14:m>
                   <m:oMath xmlns:m="http://schemas.openxmlformats.org/officeDocument/2006/math">
@@ -12258,7 +11805,7 @@
                               <a:rPr lang="fr-FR" sz="1000" b="0" i="1" smtClean="0">
                                 <a:latin typeface="Cambria Math"/>
                               </a:rPr>
-                              <m:t>𝑂</m:t>
+                              <m:t>𝐼</m:t>
                             </m:r>
                           </m:e>
                           <m:sub>
@@ -12286,31 +11833,12 @@
                             </m:ctrlPr>
                           </m:accPr>
                           <m:e>
-                            <m:sSub>
-                              <m:sSubPr>
-                                <m:ctrlPr>
-                                  <a:rPr lang="fr-FR" sz="1000" i="1">
-                                    <a:latin typeface="Cambria Math"/>
-                                  </a:rPr>
-                                </m:ctrlPr>
-                              </m:sSubPr>
-                              <m:e>
-                                <m:r>
-                                  <a:rPr lang="fr-FR" sz="1000" i="1">
-                                    <a:latin typeface="Cambria Math"/>
-                                  </a:rPr>
-                                  <m:t>𝑦</m:t>
-                                </m:r>
-                              </m:e>
-                              <m:sub>
-                                <m:r>
-                                  <a:rPr lang="fr-FR" sz="1000" i="1">
-                                    <a:latin typeface="Cambria Math"/>
-                                  </a:rPr>
-                                  <m:t>1</m:t>
-                                </m:r>
-                              </m:sub>
-                            </m:sSub>
+                            <m:r>
+                              <a:rPr lang="fr-FR" sz="1000" i="1" smtClean="0">
+                                <a:latin typeface="Cambria Math"/>
+                              </a:rPr>
+                              <m:t>𝑧</m:t>
+                            </m:r>
                           </m:e>
                         </m:acc>
                       </m:e>
@@ -12322,7 +11850,7 @@
             </p:txBody>
           </p:sp>
         </mc:Choice>
-        <mc:Fallback xmlns="">
+        <mc:Fallback>
           <p:sp>
             <p:nvSpPr>
               <p:cNvPr id="42" name="ZoneTexte 41"/>
@@ -12342,7 +11870,7 @@
               <a:blipFill rotWithShape="1">
                 <a:blip r:embed="rId2"/>
                 <a:stretch>
-                  <a:fillRect r="-15000"/>
+                  <a:fillRect l="-5000" r="-15000"/>
                 </a:stretch>
               </a:blipFill>
             </p:spPr>
@@ -12361,186 +11889,317 @@
           </p:sp>
         </mc:Fallback>
       </mc:AlternateContent>
-      <mc:AlternateContent xmlns:mc="http://schemas.openxmlformats.org/markup-compatibility/2006" xmlns:a14="http://schemas.microsoft.com/office/drawing/2010/main">
-        <mc:Choice Requires="a14">
+      <p:pic>
+        <p:nvPicPr>
+          <p:cNvPr id="1026" name="Picture 2"/>
+          <p:cNvPicPr>
+            <a:picLocks noChangeAspect="1" noChangeArrowheads="1"/>
+          </p:cNvPicPr>
+          <p:nvPr/>
+        </p:nvPicPr>
+        <p:blipFill>
+          <a:blip r:embed="rId3" cstate="print">
+            <a:extLst>
+              <a:ext uri="{28A0092B-C50C-407E-A947-70E740481C1C}">
+                <a14:useLocalDpi xmlns:a14="http://schemas.microsoft.com/office/drawing/2010/main" val="0"/>
+              </a:ext>
+            </a:extLst>
+          </a:blip>
+          <a:srcRect/>
+          <a:stretch>
+            <a:fillRect/>
+          </a:stretch>
+        </p:blipFill>
+        <p:spPr bwMode="auto">
+          <a:xfrm>
+            <a:off x="5021725" y="2137793"/>
+            <a:ext cx="3814926" cy="3254642"/>
+          </a:xfrm>
+          <a:prstGeom prst="rect">
+            <a:avLst/>
+          </a:prstGeom>
+          <a:noFill/>
+          <a:ln>
+            <a:noFill/>
+          </a:ln>
+          <a:effectLst/>
+          <a:extLst>
+            <a:ext uri="{909E8E84-426E-40DD-AFC4-6F175D3DCCD1}">
+              <a14:hiddenFill xmlns:a14="http://schemas.microsoft.com/office/drawing/2010/main">
+                <a:solidFill>
+                  <a:schemeClr val="accent1"/>
+                </a:solidFill>
+              </a14:hiddenFill>
+            </a:ext>
+            <a:ext uri="{91240B29-F687-4F45-9708-019B960494DF}">
+              <a14:hiddenLine xmlns:a14="http://schemas.microsoft.com/office/drawing/2010/main" w="9525">
+                <a:solidFill>
+                  <a:schemeClr val="tx1"/>
+                </a:solidFill>
+                <a:miter lim="800000"/>
+                <a:headEnd/>
+                <a:tailEnd/>
+              </a14:hiddenLine>
+            </a:ext>
+            <a:ext uri="{AF507438-7753-43E0-B8FC-AC1667EBCBE1}">
+              <a14:hiddenEffects xmlns:a14="http://schemas.microsoft.com/office/drawing/2010/main">
+                <a:effectLst>
+                  <a:outerShdw dist="35921" dir="2700000" algn="ctr" rotWithShape="0">
+                    <a:schemeClr val="bg2"/>
+                  </a:outerShdw>
+                </a:effectLst>
+              </a14:hiddenEffects>
+            </a:ext>
+          </a:extLst>
+        </p:spPr>
+      </p:pic>
+      <p:sp>
+        <p:nvSpPr>
+          <p:cNvPr id="21" name="Forme libre 20"/>
+          <p:cNvSpPr/>
+          <p:nvPr/>
+        </p:nvSpPr>
+        <p:spPr>
+          <a:xfrm>
+            <a:off x="1907704" y="3296519"/>
+            <a:ext cx="414685" cy="1046136"/>
+          </a:xfrm>
+          <a:custGeom>
+            <a:avLst/>
+            <a:gdLst>
+              <a:gd name="connsiteX0" fmla="*/ 0 w 7315"/>
+              <a:gd name="connsiteY0" fmla="*/ 0 h 1038758"/>
+              <a:gd name="connsiteX1" fmla="*/ 7315 w 7315"/>
+              <a:gd name="connsiteY1" fmla="*/ 1038758 h 1038758"/>
+              <a:gd name="connsiteX2" fmla="*/ 7315 w 7315"/>
+              <a:gd name="connsiteY2" fmla="*/ 1038758 h 1038758"/>
+              <a:gd name="connsiteX0" fmla="*/ 0 w 1239"/>
+              <a:gd name="connsiteY0" fmla="*/ 0 h 10141"/>
+              <a:gd name="connsiteX1" fmla="*/ 1239 w 1239"/>
+              <a:gd name="connsiteY1" fmla="*/ 10141 h 10141"/>
+              <a:gd name="connsiteX2" fmla="*/ 1239 w 1239"/>
+              <a:gd name="connsiteY2" fmla="*/ 10141 h 10141"/>
+              <a:gd name="connsiteX0" fmla="*/ 0 w 1161"/>
+              <a:gd name="connsiteY0" fmla="*/ 0 h 10000"/>
+              <a:gd name="connsiteX1" fmla="*/ 1161 w 1161"/>
+              <a:gd name="connsiteY1" fmla="*/ 10000 h 10000"/>
+              <a:gd name="connsiteX2" fmla="*/ 1161 w 1161"/>
+              <a:gd name="connsiteY2" fmla="*/ 10000 h 10000"/>
+              <a:gd name="connsiteX0" fmla="*/ 104181 w 104181"/>
+              <a:gd name="connsiteY0" fmla="*/ 0 h 10000"/>
+              <a:gd name="connsiteX1" fmla="*/ 0 w 104181"/>
+              <a:gd name="connsiteY1" fmla="*/ 10000 h 10000"/>
+              <a:gd name="connsiteX2" fmla="*/ 0 w 104181"/>
+              <a:gd name="connsiteY2" fmla="*/ 10000 h 10000"/>
+              <a:gd name="connsiteX0" fmla="*/ 9030 w 9030"/>
+              <a:gd name="connsiteY0" fmla="*/ 0 h 9931"/>
+              <a:gd name="connsiteX1" fmla="*/ 0 w 9030"/>
+              <a:gd name="connsiteY1" fmla="*/ 9931 h 9931"/>
+              <a:gd name="connsiteX2" fmla="*/ 0 w 9030"/>
+              <a:gd name="connsiteY2" fmla="*/ 9931 h 9931"/>
+              <a:gd name="connsiteX0" fmla="*/ 190689 w 190689"/>
+              <a:gd name="connsiteY0" fmla="*/ 0 h 10000"/>
+              <a:gd name="connsiteX1" fmla="*/ 180689 w 190689"/>
+              <a:gd name="connsiteY1" fmla="*/ 10000 h 10000"/>
+              <a:gd name="connsiteX2" fmla="*/ 180689 w 190689"/>
+              <a:gd name="connsiteY2" fmla="*/ 10000 h 10000"/>
+              <a:gd name="connsiteX0" fmla="*/ 313233 w 313233"/>
+              <a:gd name="connsiteY0" fmla="*/ 0 h 10000"/>
+              <a:gd name="connsiteX1" fmla="*/ 303233 w 313233"/>
+              <a:gd name="connsiteY1" fmla="*/ 10000 h 10000"/>
+              <a:gd name="connsiteX2" fmla="*/ 303233 w 313233"/>
+              <a:gd name="connsiteY2" fmla="*/ 10000 h 10000"/>
+            </a:gdLst>
+            <a:ahLst/>
+            <a:cxnLst>
+              <a:cxn ang="0">
+                <a:pos x="connsiteX0" y="connsiteY0"/>
+              </a:cxn>
+              <a:cxn ang="0">
+                <a:pos x="connsiteX1" y="connsiteY1"/>
+              </a:cxn>
+              <a:cxn ang="0">
+                <a:pos x="connsiteX2" y="connsiteY2"/>
+              </a:cxn>
+            </a:cxnLst>
+            <a:rect l="l" t="t" r="r" b="b"/>
+            <a:pathLst>
+              <a:path w="313233" h="10000">
+                <a:moveTo>
+                  <a:pt x="313233" y="0"/>
+                </a:moveTo>
+                <a:cubicBezTo>
+                  <a:pt x="-111604" y="2983"/>
+                  <a:pt x="-93864" y="7017"/>
+                  <a:pt x="303233" y="10000"/>
+                </a:cubicBezTo>
+                <a:lnTo>
+                  <a:pt x="303233" y="10000"/>
+                </a:lnTo>
+              </a:path>
+            </a:pathLst>
+          </a:custGeom>
+          <a:noFill/>
+          <a:ln w="28575">
+            <a:solidFill>
+              <a:schemeClr val="tx1"/>
+            </a:solidFill>
+          </a:ln>
+        </p:spPr>
+        <p:style>
+          <a:lnRef idx="2">
+            <a:schemeClr val="accent1">
+              <a:shade val="50000"/>
+            </a:schemeClr>
+          </a:lnRef>
+          <a:fillRef idx="1">
+            <a:schemeClr val="accent1"/>
+          </a:fillRef>
+          <a:effectRef idx="0">
+            <a:schemeClr val="accent1"/>
+          </a:effectRef>
+          <a:fontRef idx="minor">
+            <a:schemeClr val="lt1"/>
+          </a:fontRef>
+        </p:style>
+        <p:txBody>
+          <a:bodyPr rtlCol="0" anchor="ctr"/>
+          <a:lstStyle/>
+          <a:p>
+            <a:pPr algn="ctr"/>
+            <a:endParaRPr lang="fr-FR"/>
+          </a:p>
+        </p:txBody>
+      </p:sp>
+      <p:sp>
+        <p:nvSpPr>
+          <p:cNvPr id="22" name="Forme libre 21"/>
+          <p:cNvSpPr/>
+          <p:nvPr/>
+        </p:nvSpPr>
+        <p:spPr>
+          <a:xfrm flipH="1">
+            <a:off x="2509798" y="3296519"/>
+            <a:ext cx="108723" cy="1046136"/>
+          </a:xfrm>
+          <a:custGeom>
+            <a:avLst/>
+            <a:gdLst>
+              <a:gd name="connsiteX0" fmla="*/ 0 w 7315"/>
+              <a:gd name="connsiteY0" fmla="*/ 0 h 1038758"/>
+              <a:gd name="connsiteX1" fmla="*/ 7315 w 7315"/>
+              <a:gd name="connsiteY1" fmla="*/ 1038758 h 1038758"/>
+              <a:gd name="connsiteX2" fmla="*/ 7315 w 7315"/>
+              <a:gd name="connsiteY2" fmla="*/ 1038758 h 1038758"/>
+              <a:gd name="connsiteX0" fmla="*/ 0 w 1239"/>
+              <a:gd name="connsiteY0" fmla="*/ 0 h 10141"/>
+              <a:gd name="connsiteX1" fmla="*/ 1239 w 1239"/>
+              <a:gd name="connsiteY1" fmla="*/ 10141 h 10141"/>
+              <a:gd name="connsiteX2" fmla="*/ 1239 w 1239"/>
+              <a:gd name="connsiteY2" fmla="*/ 10141 h 10141"/>
+              <a:gd name="connsiteX0" fmla="*/ 0 w 1161"/>
+              <a:gd name="connsiteY0" fmla="*/ 0 h 10000"/>
+              <a:gd name="connsiteX1" fmla="*/ 1161 w 1161"/>
+              <a:gd name="connsiteY1" fmla="*/ 10000 h 10000"/>
+              <a:gd name="connsiteX2" fmla="*/ 1161 w 1161"/>
+              <a:gd name="connsiteY2" fmla="*/ 10000 h 10000"/>
+              <a:gd name="connsiteX0" fmla="*/ 104181 w 104181"/>
+              <a:gd name="connsiteY0" fmla="*/ 0 h 10000"/>
+              <a:gd name="connsiteX1" fmla="*/ 0 w 104181"/>
+              <a:gd name="connsiteY1" fmla="*/ 10000 h 10000"/>
+              <a:gd name="connsiteX2" fmla="*/ 0 w 104181"/>
+              <a:gd name="connsiteY2" fmla="*/ 10000 h 10000"/>
+              <a:gd name="connsiteX0" fmla="*/ 9030 w 9030"/>
+              <a:gd name="connsiteY0" fmla="*/ 0 h 9931"/>
+              <a:gd name="connsiteX1" fmla="*/ 0 w 9030"/>
+              <a:gd name="connsiteY1" fmla="*/ 9931 h 9931"/>
+              <a:gd name="connsiteX2" fmla="*/ 0 w 9030"/>
+              <a:gd name="connsiteY2" fmla="*/ 9931 h 9931"/>
+              <a:gd name="connsiteX0" fmla="*/ 190689 w 190689"/>
+              <a:gd name="connsiteY0" fmla="*/ 0 h 10000"/>
+              <a:gd name="connsiteX1" fmla="*/ 180689 w 190689"/>
+              <a:gd name="connsiteY1" fmla="*/ 10000 h 10000"/>
+              <a:gd name="connsiteX2" fmla="*/ 180689 w 190689"/>
+              <a:gd name="connsiteY2" fmla="*/ 10000 h 10000"/>
+              <a:gd name="connsiteX0" fmla="*/ 313233 w 313233"/>
+              <a:gd name="connsiteY0" fmla="*/ 0 h 10000"/>
+              <a:gd name="connsiteX1" fmla="*/ 303233 w 313233"/>
+              <a:gd name="connsiteY1" fmla="*/ 10000 h 10000"/>
+              <a:gd name="connsiteX2" fmla="*/ 303233 w 313233"/>
+              <a:gd name="connsiteY2" fmla="*/ 10000 h 10000"/>
+            </a:gdLst>
+            <a:ahLst/>
+            <a:cxnLst>
+              <a:cxn ang="0">
+                <a:pos x="connsiteX0" y="connsiteY0"/>
+              </a:cxn>
+              <a:cxn ang="0">
+                <a:pos x="connsiteX1" y="connsiteY1"/>
+              </a:cxn>
+              <a:cxn ang="0">
+                <a:pos x="connsiteX2" y="connsiteY2"/>
+              </a:cxn>
+            </a:cxnLst>
+            <a:rect l="l" t="t" r="r" b="b"/>
+            <a:pathLst>
+              <a:path w="313233" h="10000">
+                <a:moveTo>
+                  <a:pt x="313233" y="0"/>
+                </a:moveTo>
+                <a:cubicBezTo>
+                  <a:pt x="-111604" y="2983"/>
+                  <a:pt x="-93864" y="7017"/>
+                  <a:pt x="303233" y="10000"/>
+                </a:cubicBezTo>
+                <a:lnTo>
+                  <a:pt x="303233" y="10000"/>
+                </a:lnTo>
+              </a:path>
+            </a:pathLst>
+          </a:custGeom>
+          <a:noFill/>
+          <a:ln w="28575">
+            <a:solidFill>
+              <a:schemeClr val="tx1"/>
+            </a:solidFill>
+          </a:ln>
+        </p:spPr>
+        <p:style>
+          <a:lnRef idx="2">
+            <a:schemeClr val="accent1">
+              <a:shade val="50000"/>
+            </a:schemeClr>
+          </a:lnRef>
+          <a:fillRef idx="1">
+            <a:schemeClr val="accent1"/>
+          </a:fillRef>
+          <a:effectRef idx="0">
+            <a:schemeClr val="accent1"/>
+          </a:effectRef>
+          <a:fontRef idx="minor">
+            <a:schemeClr val="lt1"/>
+          </a:fontRef>
+        </p:style>
+        <p:txBody>
+          <a:bodyPr rtlCol="0" anchor="ctr"/>
+          <a:lstStyle/>
+          <a:p>
+            <a:pPr algn="ctr"/>
+            <a:endParaRPr lang="fr-FR"/>
+          </a:p>
+        </p:txBody>
+      </p:sp>
+      <mc:AlternateContent xmlns:mc="http://schemas.openxmlformats.org/markup-compatibility/2006">
+        <mc:Choice xmlns:a14="http://schemas.microsoft.com/office/drawing/2010/main" Requires="a14">
           <p:sp>
             <p:nvSpPr>
-              <p:cNvPr id="45" name="ZoneTexte 44"/>
+              <p:cNvPr id="23" name="ZoneTexte 22"/>
               <p:cNvSpPr txBox="1"/>
               <p:nvPr/>
             </p:nvSpPr>
             <p:spPr>
-              <a:xfrm>
-                <a:off x="2915816" y="3365004"/>
-                <a:ext cx="900711" cy="400110"/>
-              </a:xfrm>
-              <a:prstGeom prst="rect">
-                <a:avLst/>
-              </a:prstGeom>
-              <a:noFill/>
-            </p:spPr>
-            <p:txBody>
-              <a:bodyPr wrap="square" rtlCol="0">
-                <a:spAutoFit/>
-              </a:bodyPr>
-              <a:lstStyle/>
-              <a:p>
-                <a:pPr algn="ctr"/>
-                <a:r>
-                  <a:rPr lang="fr-FR" sz="1000" dirty="0" smtClean="0"/>
-                  <a:t>Pivot glissant</a:t>
-                </a:r>
-              </a:p>
-              <a:p>
-                <a:pPr algn="ctr"/>
-                <a:r>
-                  <a:rPr lang="fr-FR" sz="1000" dirty="0"/>
-                  <a:t> </a:t>
-                </a:r>
-                <a14:m>
-                  <m:oMath xmlns:m="http://schemas.openxmlformats.org/officeDocument/2006/math">
-                    <m:d>
-                      <m:dPr>
-                        <m:ctrlPr>
-                          <a:rPr lang="fr-FR" sz="1000" i="1">
-                            <a:latin typeface="Cambria Math"/>
-                          </a:rPr>
-                        </m:ctrlPr>
-                      </m:dPr>
-                      <m:e>
-                        <m:sSub>
-                          <m:sSubPr>
-                            <m:ctrlPr>
-                              <a:rPr lang="fr-FR" sz="1000" i="1">
-                                <a:latin typeface="Cambria Math"/>
-                              </a:rPr>
-                            </m:ctrlPr>
-                          </m:sSubPr>
-                          <m:e>
-                            <m:r>
-                              <a:rPr lang="fr-FR" sz="1000" i="1">
-                                <a:latin typeface="Cambria Math"/>
-                              </a:rPr>
-                              <m:t>𝐵</m:t>
-                            </m:r>
-                          </m:e>
-                          <m:sub>
-                            <m:r>
-                              <a:rPr lang="fr-FR" sz="1000" i="1">
-                                <a:latin typeface="Cambria Math"/>
-                              </a:rPr>
-                              <m:t>1</m:t>
-                            </m:r>
-                          </m:sub>
-                        </m:sSub>
-                        <m:r>
-                          <a:rPr lang="fr-FR" sz="1000" i="1">
-                            <a:latin typeface="Cambria Math"/>
-                          </a:rPr>
-                          <m:t>;</m:t>
-                        </m:r>
-                        <m:acc>
-                          <m:accPr>
-                            <m:chr m:val="⃗"/>
-                            <m:ctrlPr>
-                              <a:rPr lang="fr-FR" sz="1000" i="1">
-                                <a:latin typeface="Cambria Math"/>
-                              </a:rPr>
-                            </m:ctrlPr>
-                          </m:accPr>
-                          <m:e>
-                            <m:sSub>
-                              <m:sSubPr>
-                                <m:ctrlPr>
-                                  <a:rPr lang="fr-FR" sz="1000" b="0" i="1" smtClean="0">
-                                    <a:latin typeface="Cambria Math"/>
-                                  </a:rPr>
-                                </m:ctrlPr>
-                              </m:sSubPr>
-                              <m:e>
-                                <m:r>
-                                  <a:rPr lang="fr-FR" sz="1000" b="0" i="1" smtClean="0">
-                                    <a:latin typeface="Cambria Math"/>
-                                  </a:rPr>
-                                  <m:t>𝑧</m:t>
-                                </m:r>
-                              </m:e>
-                              <m:sub>
-                                <m:r>
-                                  <a:rPr lang="fr-FR" sz="1000" b="0" i="1" smtClean="0">
-                                    <a:latin typeface="Cambria Math"/>
-                                  </a:rPr>
-                                  <m:t>𝑇</m:t>
-                                </m:r>
-                                <m:r>
-                                  <a:rPr lang="fr-FR" sz="1000" b="0" i="1" smtClean="0">
-                                    <a:latin typeface="Cambria Math"/>
-                                  </a:rPr>
-                                  <m:t>2</m:t>
-                                </m:r>
-                              </m:sub>
-                            </m:sSub>
-                          </m:e>
-                        </m:acc>
-                      </m:e>
-                    </m:d>
-                  </m:oMath>
-                </a14:m>
-                <a:endParaRPr lang="fr-FR" sz="1000" dirty="0"/>
-              </a:p>
-            </p:txBody>
-          </p:sp>
-        </mc:Choice>
-        <mc:Fallback xmlns="">
-          <p:sp>
-            <p:nvSpPr>
-              <p:cNvPr id="45" name="ZoneTexte 44"/>
-              <p:cNvSpPr txBox="1">
-                <a:spLocks noRot="1" noChangeAspect="1" noMove="1" noResize="1" noEditPoints="1" noAdjustHandles="1" noChangeArrowheads="1" noChangeShapeType="1" noTextEdit="1"/>
-              </p:cNvSpPr>
-              <p:nvPr/>
-            </p:nvSpPr>
-            <p:spPr>
-              <a:xfrm>
-                <a:off x="2915816" y="3365004"/>
-                <a:ext cx="900711" cy="400110"/>
-              </a:xfrm>
-              <a:prstGeom prst="rect">
-                <a:avLst/>
-              </a:prstGeom>
-              <a:blipFill rotWithShape="1">
-                <a:blip r:embed="rId3"/>
-                <a:stretch>
-                  <a:fillRect/>
-                </a:stretch>
-              </a:blipFill>
-            </p:spPr>
-            <p:txBody>
-              <a:bodyPr/>
-              <a:lstStyle/>
-              <a:p>
-                <a:r>
-                  <a:rPr lang="fr-FR">
-                    <a:noFill/>
-                  </a:rPr>
-                  <a:t> </a:t>
-                </a:r>
-              </a:p>
-            </p:txBody>
-          </p:sp>
-        </mc:Fallback>
-      </mc:AlternateContent>
-      <mc:AlternateContent xmlns:mc="http://schemas.openxmlformats.org/markup-compatibility/2006" xmlns:a14="http://schemas.microsoft.com/office/drawing/2010/main">
-        <mc:Choice Requires="a14">
-          <p:sp>
-            <p:nvSpPr>
-              <p:cNvPr id="49" name="ZoneTexte 48"/>
-              <p:cNvSpPr txBox="1"/>
-              <p:nvPr/>
-            </p:nvSpPr>
-            <p:spPr>
-              <a:xfrm>
-                <a:off x="2462176" y="2898168"/>
+              <a:xfrm rot="16200000">
+                <a:off x="2099294" y="3695976"/>
                 <a:ext cx="1326276" cy="246221"/>
               </a:xfrm>
               <a:prstGeom prst="rect">
@@ -12556,8 +12215,8 @@
               <a:p>
                 <a:pPr algn="ctr"/>
                 <a:r>
-                  <a:rPr lang="fr-FR" sz="1000" dirty="0" smtClean="0"/>
-                  <a:t>Pivot  </a:t>
+                  <a:rPr lang="fr-FR" sz="1000" b="0" dirty="0" smtClean="0"/>
+                  <a:t>CP </a:t>
                 </a:r>
                 <a14:m>
                   <m:oMath xmlns:m="http://schemas.openxmlformats.org/officeDocument/2006/math">
@@ -12583,7 +12242,7 @@
                               <a:rPr lang="fr-FR" sz="1000" b="0" i="1" smtClean="0">
                                 <a:latin typeface="Cambria Math"/>
                               </a:rPr>
-                              <m:t>𝐵</m:t>
+                              <m:t>𝐼</m:t>
                             </m:r>
                           </m:e>
                           <m:sub>
@@ -12591,7 +12250,7 @@
                               <a:rPr lang="fr-FR" sz="1000" b="0" i="1" smtClean="0">
                                 <a:latin typeface="Cambria Math"/>
                               </a:rPr>
-                              <m:t>1</m:t>
+                              <m:t>3</m:t>
                             </m:r>
                           </m:sub>
                         </m:sSub>
@@ -12611,31 +12270,12 @@
                             </m:ctrlPr>
                           </m:accPr>
                           <m:e>
-                            <m:sSub>
-                              <m:sSubPr>
-                                <m:ctrlPr>
-                                  <a:rPr lang="fr-FR" sz="1000" i="1">
-                                    <a:latin typeface="Cambria Math"/>
-                                  </a:rPr>
-                                </m:ctrlPr>
-                              </m:sSubPr>
-                              <m:e>
-                                <m:r>
-                                  <a:rPr lang="fr-FR" sz="1000" i="1">
-                                    <a:latin typeface="Cambria Math"/>
-                                  </a:rPr>
-                                  <m:t>𝑦</m:t>
-                                </m:r>
-                              </m:e>
-                              <m:sub>
-                                <m:r>
-                                  <a:rPr lang="fr-FR" sz="1000" i="1">
-                                    <a:latin typeface="Cambria Math"/>
-                                  </a:rPr>
-                                  <m:t>1</m:t>
-                                </m:r>
-                              </m:sub>
-                            </m:sSub>
+                            <m:r>
+                              <a:rPr lang="fr-FR" sz="1000" i="1" smtClean="0">
+                                <a:latin typeface="Cambria Math"/>
+                              </a:rPr>
+                              <m:t>𝑧</m:t>
+                            </m:r>
                           </m:e>
                         </m:acc>
                       </m:e>
@@ -12647,18 +12287,18 @@
             </p:txBody>
           </p:sp>
         </mc:Choice>
-        <mc:Fallback xmlns="">
+        <mc:Fallback>
           <p:sp>
             <p:nvSpPr>
-              <p:cNvPr id="49" name="ZoneTexte 48"/>
+              <p:cNvPr id="23" name="ZoneTexte 22"/>
               <p:cNvSpPr txBox="1">
                 <a:spLocks noRot="1" noChangeAspect="1" noMove="1" noResize="1" noEditPoints="1" noAdjustHandles="1" noChangeArrowheads="1" noChangeShapeType="1" noTextEdit="1"/>
               </p:cNvSpPr>
               <p:nvPr/>
             </p:nvSpPr>
             <p:spPr>
-              <a:xfrm>
-                <a:off x="2462176" y="2898168"/>
+              <a:xfrm rot="16200000">
+                <a:off x="2099294" y="3695976"/>
                 <a:ext cx="1326276" cy="246221"/>
               </a:xfrm>
               <a:prstGeom prst="rect">
@@ -12667,7 +12307,7 @@
               <a:blipFill rotWithShape="1">
                 <a:blip r:embed="rId4"/>
                 <a:stretch>
-                  <a:fillRect b="-12195"/>
+                  <a:fillRect l="-5000" r="-15000"/>
                 </a:stretch>
               </a:blipFill>
             </p:spPr>
@@ -12686,17 +12326,135 @@
           </p:sp>
         </mc:Fallback>
       </mc:AlternateContent>
-      <mc:AlternateContent xmlns:mc="http://schemas.openxmlformats.org/markup-compatibility/2006" xmlns:a14="http://schemas.microsoft.com/office/drawing/2010/main">
-        <mc:Choice Requires="a14">
+      <p:sp>
+        <p:nvSpPr>
+          <p:cNvPr id="25" name="Forme libre 24"/>
+          <p:cNvSpPr/>
+          <p:nvPr/>
+        </p:nvSpPr>
+        <p:spPr>
+          <a:xfrm flipH="1">
+            <a:off x="2515949" y="3296519"/>
+            <a:ext cx="414685" cy="1046136"/>
+          </a:xfrm>
+          <a:custGeom>
+            <a:avLst/>
+            <a:gdLst>
+              <a:gd name="connsiteX0" fmla="*/ 0 w 7315"/>
+              <a:gd name="connsiteY0" fmla="*/ 0 h 1038758"/>
+              <a:gd name="connsiteX1" fmla="*/ 7315 w 7315"/>
+              <a:gd name="connsiteY1" fmla="*/ 1038758 h 1038758"/>
+              <a:gd name="connsiteX2" fmla="*/ 7315 w 7315"/>
+              <a:gd name="connsiteY2" fmla="*/ 1038758 h 1038758"/>
+              <a:gd name="connsiteX0" fmla="*/ 0 w 1239"/>
+              <a:gd name="connsiteY0" fmla="*/ 0 h 10141"/>
+              <a:gd name="connsiteX1" fmla="*/ 1239 w 1239"/>
+              <a:gd name="connsiteY1" fmla="*/ 10141 h 10141"/>
+              <a:gd name="connsiteX2" fmla="*/ 1239 w 1239"/>
+              <a:gd name="connsiteY2" fmla="*/ 10141 h 10141"/>
+              <a:gd name="connsiteX0" fmla="*/ 0 w 1161"/>
+              <a:gd name="connsiteY0" fmla="*/ 0 h 10000"/>
+              <a:gd name="connsiteX1" fmla="*/ 1161 w 1161"/>
+              <a:gd name="connsiteY1" fmla="*/ 10000 h 10000"/>
+              <a:gd name="connsiteX2" fmla="*/ 1161 w 1161"/>
+              <a:gd name="connsiteY2" fmla="*/ 10000 h 10000"/>
+              <a:gd name="connsiteX0" fmla="*/ 104181 w 104181"/>
+              <a:gd name="connsiteY0" fmla="*/ 0 h 10000"/>
+              <a:gd name="connsiteX1" fmla="*/ 0 w 104181"/>
+              <a:gd name="connsiteY1" fmla="*/ 10000 h 10000"/>
+              <a:gd name="connsiteX2" fmla="*/ 0 w 104181"/>
+              <a:gd name="connsiteY2" fmla="*/ 10000 h 10000"/>
+              <a:gd name="connsiteX0" fmla="*/ 9030 w 9030"/>
+              <a:gd name="connsiteY0" fmla="*/ 0 h 9931"/>
+              <a:gd name="connsiteX1" fmla="*/ 0 w 9030"/>
+              <a:gd name="connsiteY1" fmla="*/ 9931 h 9931"/>
+              <a:gd name="connsiteX2" fmla="*/ 0 w 9030"/>
+              <a:gd name="connsiteY2" fmla="*/ 9931 h 9931"/>
+              <a:gd name="connsiteX0" fmla="*/ 190689 w 190689"/>
+              <a:gd name="connsiteY0" fmla="*/ 0 h 10000"/>
+              <a:gd name="connsiteX1" fmla="*/ 180689 w 190689"/>
+              <a:gd name="connsiteY1" fmla="*/ 10000 h 10000"/>
+              <a:gd name="connsiteX2" fmla="*/ 180689 w 190689"/>
+              <a:gd name="connsiteY2" fmla="*/ 10000 h 10000"/>
+              <a:gd name="connsiteX0" fmla="*/ 313233 w 313233"/>
+              <a:gd name="connsiteY0" fmla="*/ 0 h 10000"/>
+              <a:gd name="connsiteX1" fmla="*/ 303233 w 313233"/>
+              <a:gd name="connsiteY1" fmla="*/ 10000 h 10000"/>
+              <a:gd name="connsiteX2" fmla="*/ 303233 w 313233"/>
+              <a:gd name="connsiteY2" fmla="*/ 10000 h 10000"/>
+            </a:gdLst>
+            <a:ahLst/>
+            <a:cxnLst>
+              <a:cxn ang="0">
+                <a:pos x="connsiteX0" y="connsiteY0"/>
+              </a:cxn>
+              <a:cxn ang="0">
+                <a:pos x="connsiteX1" y="connsiteY1"/>
+              </a:cxn>
+              <a:cxn ang="0">
+                <a:pos x="connsiteX2" y="connsiteY2"/>
+              </a:cxn>
+            </a:cxnLst>
+            <a:rect l="l" t="t" r="r" b="b"/>
+            <a:pathLst>
+              <a:path w="313233" h="10000">
+                <a:moveTo>
+                  <a:pt x="313233" y="0"/>
+                </a:moveTo>
+                <a:cubicBezTo>
+                  <a:pt x="-111604" y="2983"/>
+                  <a:pt x="-93864" y="7017"/>
+                  <a:pt x="303233" y="10000"/>
+                </a:cubicBezTo>
+                <a:lnTo>
+                  <a:pt x="303233" y="10000"/>
+                </a:lnTo>
+              </a:path>
+            </a:pathLst>
+          </a:custGeom>
+          <a:noFill/>
+          <a:ln w="28575">
+            <a:solidFill>
+              <a:schemeClr val="tx1"/>
+            </a:solidFill>
+          </a:ln>
+        </p:spPr>
+        <p:style>
+          <a:lnRef idx="2">
+            <a:schemeClr val="accent1">
+              <a:shade val="50000"/>
+            </a:schemeClr>
+          </a:lnRef>
+          <a:fillRef idx="1">
+            <a:schemeClr val="accent1"/>
+          </a:fillRef>
+          <a:effectRef idx="0">
+            <a:schemeClr val="accent1"/>
+          </a:effectRef>
+          <a:fontRef idx="minor">
+            <a:schemeClr val="lt1"/>
+          </a:fontRef>
+        </p:style>
+        <p:txBody>
+          <a:bodyPr rtlCol="0" anchor="ctr"/>
+          <a:lstStyle/>
+          <a:p>
+            <a:pPr algn="ctr"/>
+            <a:endParaRPr lang="fr-FR"/>
+          </a:p>
+        </p:txBody>
+      </p:sp>
+      <mc:AlternateContent xmlns:mc="http://schemas.openxmlformats.org/markup-compatibility/2006">
+        <mc:Choice xmlns:a14="http://schemas.microsoft.com/office/drawing/2010/main" Requires="a14">
           <p:sp>
             <p:nvSpPr>
-              <p:cNvPr id="51" name="ZoneTexte 50"/>
+              <p:cNvPr id="26" name="ZoneTexte 25"/>
               <p:cNvSpPr txBox="1"/>
               <p:nvPr/>
             </p:nvSpPr>
             <p:spPr>
-              <a:xfrm>
-                <a:off x="2683539" y="4330598"/>
+              <a:xfrm rot="16200000">
+                <a:off x="2390608" y="3696476"/>
                 <a:ext cx="1326276" cy="246221"/>
               </a:xfrm>
               <a:prstGeom prst="rect">
@@ -12712,8 +12470,8 @@
               <a:p>
                 <a:pPr algn="ctr"/>
                 <a:r>
-                  <a:rPr lang="fr-FR" sz="1000" dirty="0" smtClean="0"/>
-                  <a:t>Pivot  </a:t>
+                  <a:rPr lang="fr-FR" sz="1000" b="0" dirty="0" smtClean="0"/>
+                  <a:t>CP </a:t>
                 </a:r>
                 <a14:m>
                   <m:oMath xmlns:m="http://schemas.openxmlformats.org/officeDocument/2006/math">
@@ -12739,7 +12497,7 @@
                               <a:rPr lang="fr-FR" sz="1000" b="0" i="1" smtClean="0">
                                 <a:latin typeface="Cambria Math"/>
                               </a:rPr>
-                              <m:t>𝐴</m:t>
+                              <m:t>𝐼</m:t>
                             </m:r>
                           </m:e>
                           <m:sub>
@@ -12747,7 +12505,7 @@
                               <a:rPr lang="fr-FR" sz="1000" b="0" i="1" smtClean="0">
                                 <a:latin typeface="Cambria Math"/>
                               </a:rPr>
-                              <m:t>1</m:t>
+                              <m:t>4</m:t>
                             </m:r>
                           </m:sub>
                         </m:sSub>
@@ -12767,31 +12525,12 @@
                             </m:ctrlPr>
                           </m:accPr>
                           <m:e>
-                            <m:sSub>
-                              <m:sSubPr>
-                                <m:ctrlPr>
-                                  <a:rPr lang="fr-FR" sz="1000" i="1">
-                                    <a:latin typeface="Cambria Math"/>
-                                  </a:rPr>
-                                </m:ctrlPr>
-                              </m:sSubPr>
-                              <m:e>
-                                <m:r>
-                                  <a:rPr lang="fr-FR" sz="1000" i="1">
-                                    <a:latin typeface="Cambria Math"/>
-                                  </a:rPr>
-                                  <m:t>𝑦</m:t>
-                                </m:r>
-                              </m:e>
-                              <m:sub>
-                                <m:r>
-                                  <a:rPr lang="fr-FR" sz="1000" i="1">
-                                    <a:latin typeface="Cambria Math"/>
-                                  </a:rPr>
-                                  <m:t>1</m:t>
-                                </m:r>
-                              </m:sub>
-                            </m:sSub>
+                            <m:r>
+                              <a:rPr lang="fr-FR" sz="1000" i="1" smtClean="0">
+                                <a:latin typeface="Cambria Math"/>
+                              </a:rPr>
+                              <m:t>𝑧</m:t>
+                            </m:r>
                           </m:e>
                         </m:acc>
                       </m:e>
@@ -12803,18 +12542,18 @@
             </p:txBody>
           </p:sp>
         </mc:Choice>
-        <mc:Fallback xmlns="">
+        <mc:Fallback>
           <p:sp>
             <p:nvSpPr>
-              <p:cNvPr id="51" name="ZoneTexte 50"/>
+              <p:cNvPr id="26" name="ZoneTexte 25"/>
               <p:cNvSpPr txBox="1">
                 <a:spLocks noRot="1" noChangeAspect="1" noMove="1" noResize="1" noEditPoints="1" noAdjustHandles="1" noChangeArrowheads="1" noChangeShapeType="1" noTextEdit="1"/>
               </p:cNvSpPr>
               <p:nvPr/>
             </p:nvSpPr>
             <p:spPr>
-              <a:xfrm>
-                <a:off x="2683539" y="4330598"/>
+              <a:xfrm rot="16200000">
+                <a:off x="2390608" y="3696476"/>
                 <a:ext cx="1326276" cy="246221"/>
               </a:xfrm>
               <a:prstGeom prst="rect">
@@ -12823,7 +12562,7 @@
               <a:blipFill rotWithShape="1">
                 <a:blip r:embed="rId5"/>
                 <a:stretch>
-                  <a:fillRect b="-12195"/>
+                  <a:fillRect l="-5000" r="-15000"/>
                 </a:stretch>
               </a:blipFill>
             </p:spPr>
@@ -12842,6 +12581,497 @@
           </p:sp>
         </mc:Fallback>
       </mc:AlternateContent>
+      <mc:AlternateContent xmlns:mc="http://schemas.openxmlformats.org/markup-compatibility/2006">
+        <mc:Choice xmlns:a14="http://schemas.microsoft.com/office/drawing/2010/main" Requires="a14">
+          <p:sp>
+            <p:nvSpPr>
+              <p:cNvPr id="27" name="ZoneTexte 26"/>
+              <p:cNvSpPr txBox="1"/>
+              <p:nvPr/>
+            </p:nvSpPr>
+            <p:spPr>
+              <a:xfrm rot="16200000">
+                <a:off x="1121456" y="3696476"/>
+                <a:ext cx="1326276" cy="246221"/>
+              </a:xfrm>
+              <a:prstGeom prst="rect">
+                <a:avLst/>
+              </a:prstGeom>
+              <a:noFill/>
+            </p:spPr>
+            <p:txBody>
+              <a:bodyPr wrap="square" rtlCol="0">
+                <a:spAutoFit/>
+              </a:bodyPr>
+              <a:lstStyle/>
+              <a:p>
+                <a:pPr algn="ctr"/>
+                <a:r>
+                  <a:rPr lang="fr-FR" sz="1000" b="0" dirty="0" smtClean="0"/>
+                  <a:t>CP </a:t>
+                </a:r>
+                <a14:m>
+                  <m:oMath xmlns:m="http://schemas.openxmlformats.org/officeDocument/2006/math">
+                    <m:d>
+                      <m:dPr>
+                        <m:ctrlPr>
+                          <a:rPr lang="fr-FR" sz="1000" b="0" i="1" smtClean="0">
+                            <a:latin typeface="Cambria Math"/>
+                          </a:rPr>
+                        </m:ctrlPr>
+                      </m:dPr>
+                      <m:e>
+                        <m:sSub>
+                          <m:sSubPr>
+                            <m:ctrlPr>
+                              <a:rPr lang="fr-FR" sz="1000" b="0" i="1" smtClean="0">
+                                <a:latin typeface="Cambria Math"/>
+                              </a:rPr>
+                            </m:ctrlPr>
+                          </m:sSubPr>
+                          <m:e>
+                            <m:r>
+                              <a:rPr lang="fr-FR" sz="1000" b="0" i="1" smtClean="0">
+                                <a:latin typeface="Cambria Math"/>
+                              </a:rPr>
+                              <m:t>𝐼</m:t>
+                            </m:r>
+                          </m:e>
+                          <m:sub>
+                            <m:r>
+                              <a:rPr lang="fr-FR" sz="1000" b="0" i="1" smtClean="0">
+                                <a:latin typeface="Cambria Math"/>
+                              </a:rPr>
+                              <m:t>2</m:t>
+                            </m:r>
+                          </m:sub>
+                        </m:sSub>
+                        <m:r>
+                          <a:rPr lang="fr-FR" sz="1000" b="0" i="1" smtClean="0">
+                            <a:latin typeface="Cambria Math"/>
+                          </a:rPr>
+                          <m:t>;</m:t>
+                        </m:r>
+                        <m:acc>
+                          <m:accPr>
+                            <m:chr m:val="⃗"/>
+                            <m:ctrlPr>
+                              <a:rPr lang="fr-FR" sz="1000" i="1">
+                                <a:latin typeface="Cambria Math"/>
+                              </a:rPr>
+                            </m:ctrlPr>
+                          </m:accPr>
+                          <m:e>
+                            <m:r>
+                              <a:rPr lang="fr-FR" sz="1000" i="1" smtClean="0">
+                                <a:latin typeface="Cambria Math"/>
+                              </a:rPr>
+                              <m:t>𝑧</m:t>
+                            </m:r>
+                          </m:e>
+                        </m:acc>
+                      </m:e>
+                    </m:d>
+                  </m:oMath>
+                </a14:m>
+                <a:endParaRPr lang="fr-FR" sz="1000" dirty="0"/>
+              </a:p>
+            </p:txBody>
+          </p:sp>
+        </mc:Choice>
+        <mc:Fallback>
+          <p:sp>
+            <p:nvSpPr>
+              <p:cNvPr id="27" name="ZoneTexte 26"/>
+              <p:cNvSpPr txBox="1">
+                <a:spLocks noRot="1" noChangeAspect="1" noMove="1" noResize="1" noEditPoints="1" noAdjustHandles="1" noChangeArrowheads="1" noChangeShapeType="1" noTextEdit="1"/>
+              </p:cNvSpPr>
+              <p:nvPr/>
+            </p:nvSpPr>
+            <p:spPr>
+              <a:xfrm rot="16200000">
+                <a:off x="1121456" y="3696476"/>
+                <a:ext cx="1326276" cy="246221"/>
+              </a:xfrm>
+              <a:prstGeom prst="rect">
+                <a:avLst/>
+              </a:prstGeom>
+              <a:blipFill rotWithShape="1">
+                <a:blip r:embed="rId6"/>
+                <a:stretch>
+                  <a:fillRect l="-5000" r="-15000"/>
+                </a:stretch>
+              </a:blipFill>
+            </p:spPr>
+            <p:txBody>
+              <a:bodyPr/>
+              <a:lstStyle/>
+              <a:p>
+                <a:r>
+                  <a:rPr lang="fr-FR">
+                    <a:noFill/>
+                  </a:rPr>
+                  <a:t> </a:t>
+                </a:r>
+              </a:p>
+            </p:txBody>
+          </p:sp>
+        </mc:Fallback>
+      </mc:AlternateContent>
+      <p:sp>
+        <p:nvSpPr>
+          <p:cNvPr id="28" name="Forme libre 27"/>
+          <p:cNvSpPr/>
+          <p:nvPr/>
+        </p:nvSpPr>
+        <p:spPr>
+          <a:xfrm rot="3241520">
+            <a:off x="2582741" y="2425944"/>
+            <a:ext cx="108723" cy="619288"/>
+          </a:xfrm>
+          <a:custGeom>
+            <a:avLst/>
+            <a:gdLst>
+              <a:gd name="connsiteX0" fmla="*/ 0 w 7315"/>
+              <a:gd name="connsiteY0" fmla="*/ 0 h 1038758"/>
+              <a:gd name="connsiteX1" fmla="*/ 7315 w 7315"/>
+              <a:gd name="connsiteY1" fmla="*/ 1038758 h 1038758"/>
+              <a:gd name="connsiteX2" fmla="*/ 7315 w 7315"/>
+              <a:gd name="connsiteY2" fmla="*/ 1038758 h 1038758"/>
+              <a:gd name="connsiteX0" fmla="*/ 0 w 1239"/>
+              <a:gd name="connsiteY0" fmla="*/ 0 h 10141"/>
+              <a:gd name="connsiteX1" fmla="*/ 1239 w 1239"/>
+              <a:gd name="connsiteY1" fmla="*/ 10141 h 10141"/>
+              <a:gd name="connsiteX2" fmla="*/ 1239 w 1239"/>
+              <a:gd name="connsiteY2" fmla="*/ 10141 h 10141"/>
+              <a:gd name="connsiteX0" fmla="*/ 0 w 1161"/>
+              <a:gd name="connsiteY0" fmla="*/ 0 h 10000"/>
+              <a:gd name="connsiteX1" fmla="*/ 1161 w 1161"/>
+              <a:gd name="connsiteY1" fmla="*/ 10000 h 10000"/>
+              <a:gd name="connsiteX2" fmla="*/ 1161 w 1161"/>
+              <a:gd name="connsiteY2" fmla="*/ 10000 h 10000"/>
+              <a:gd name="connsiteX0" fmla="*/ 104181 w 104181"/>
+              <a:gd name="connsiteY0" fmla="*/ 0 h 10000"/>
+              <a:gd name="connsiteX1" fmla="*/ 0 w 104181"/>
+              <a:gd name="connsiteY1" fmla="*/ 10000 h 10000"/>
+              <a:gd name="connsiteX2" fmla="*/ 0 w 104181"/>
+              <a:gd name="connsiteY2" fmla="*/ 10000 h 10000"/>
+              <a:gd name="connsiteX0" fmla="*/ 9030 w 9030"/>
+              <a:gd name="connsiteY0" fmla="*/ 0 h 9931"/>
+              <a:gd name="connsiteX1" fmla="*/ 0 w 9030"/>
+              <a:gd name="connsiteY1" fmla="*/ 9931 h 9931"/>
+              <a:gd name="connsiteX2" fmla="*/ 0 w 9030"/>
+              <a:gd name="connsiteY2" fmla="*/ 9931 h 9931"/>
+              <a:gd name="connsiteX0" fmla="*/ 190689 w 190689"/>
+              <a:gd name="connsiteY0" fmla="*/ 0 h 10000"/>
+              <a:gd name="connsiteX1" fmla="*/ 180689 w 190689"/>
+              <a:gd name="connsiteY1" fmla="*/ 10000 h 10000"/>
+              <a:gd name="connsiteX2" fmla="*/ 180689 w 190689"/>
+              <a:gd name="connsiteY2" fmla="*/ 10000 h 10000"/>
+              <a:gd name="connsiteX0" fmla="*/ 313233 w 313233"/>
+              <a:gd name="connsiteY0" fmla="*/ 0 h 10000"/>
+              <a:gd name="connsiteX1" fmla="*/ 303233 w 313233"/>
+              <a:gd name="connsiteY1" fmla="*/ 10000 h 10000"/>
+              <a:gd name="connsiteX2" fmla="*/ 303233 w 313233"/>
+              <a:gd name="connsiteY2" fmla="*/ 10000 h 10000"/>
+            </a:gdLst>
+            <a:ahLst/>
+            <a:cxnLst>
+              <a:cxn ang="0">
+                <a:pos x="connsiteX0" y="connsiteY0"/>
+              </a:cxn>
+              <a:cxn ang="0">
+                <a:pos x="connsiteX1" y="connsiteY1"/>
+              </a:cxn>
+              <a:cxn ang="0">
+                <a:pos x="connsiteX2" y="connsiteY2"/>
+              </a:cxn>
+            </a:cxnLst>
+            <a:rect l="l" t="t" r="r" b="b"/>
+            <a:pathLst>
+              <a:path w="313233" h="10000">
+                <a:moveTo>
+                  <a:pt x="313233" y="0"/>
+                </a:moveTo>
+                <a:cubicBezTo>
+                  <a:pt x="-111604" y="2983"/>
+                  <a:pt x="-93864" y="7017"/>
+                  <a:pt x="303233" y="10000"/>
+                </a:cubicBezTo>
+                <a:lnTo>
+                  <a:pt x="303233" y="10000"/>
+                </a:lnTo>
+              </a:path>
+            </a:pathLst>
+          </a:custGeom>
+          <a:noFill/>
+          <a:ln w="28575">
+            <a:solidFill>
+              <a:srgbClr val="FF0000"/>
+            </a:solidFill>
+            <a:headEnd type="none" w="med" len="lg"/>
+            <a:tailEnd type="stealth" w="med" len="lg"/>
+          </a:ln>
+        </p:spPr>
+        <p:style>
+          <a:lnRef idx="2">
+            <a:schemeClr val="accent1">
+              <a:shade val="50000"/>
+            </a:schemeClr>
+          </a:lnRef>
+          <a:fillRef idx="1">
+            <a:schemeClr val="accent1"/>
+          </a:fillRef>
+          <a:effectRef idx="0">
+            <a:schemeClr val="accent1"/>
+          </a:effectRef>
+          <a:fontRef idx="minor">
+            <a:schemeClr val="lt1"/>
+          </a:fontRef>
+        </p:style>
+        <p:txBody>
+          <a:bodyPr rtlCol="0" anchor="ctr"/>
+          <a:lstStyle/>
+          <a:p>
+            <a:pPr algn="ctr"/>
+            <a:endParaRPr lang="fr-FR"/>
+          </a:p>
+        </p:txBody>
+      </p:sp>
+      <p:sp>
+        <p:nvSpPr>
+          <p:cNvPr id="29" name="ZoneTexte 28"/>
+          <p:cNvSpPr txBox="1"/>
+          <p:nvPr/>
+        </p:nvSpPr>
+        <p:spPr>
+          <a:xfrm>
+            <a:off x="2267099" y="2386590"/>
+            <a:ext cx="936117" cy="246221"/>
+          </a:xfrm>
+          <a:prstGeom prst="rect">
+            <a:avLst/>
+          </a:prstGeom>
+          <a:noFill/>
+        </p:spPr>
+        <p:txBody>
+          <a:bodyPr wrap="square" rtlCol="0">
+            <a:spAutoFit/>
+          </a:bodyPr>
+          <a:lstStyle/>
+          <a:p>
+            <a:pPr algn="ctr"/>
+            <a:r>
+              <a:rPr lang="fr-FR" sz="1000" dirty="0" smtClean="0"/>
+              <a:t>Pesanteur</a:t>
+            </a:r>
+            <a:endParaRPr lang="fr-FR" sz="1000" dirty="0"/>
+          </a:p>
+        </p:txBody>
+      </p:sp>
+      <mc:AlternateContent xmlns:mc="http://schemas.openxmlformats.org/markup-compatibility/2006">
+        <mc:Choice xmlns:a14="http://schemas.microsoft.com/office/drawing/2010/main" Requires="a14">
+          <p:sp>
+            <p:nvSpPr>
+              <p:cNvPr id="39" name="Ellipse 38"/>
+              <p:cNvSpPr/>
+              <p:nvPr/>
+            </p:nvSpPr>
+            <p:spPr>
+              <a:xfrm>
+                <a:off x="2065288" y="2976448"/>
+                <a:ext cx="701344" cy="360000"/>
+              </a:xfrm>
+              <a:prstGeom prst="ellipse">
+                <a:avLst/>
+              </a:prstGeom>
+              <a:solidFill>
+                <a:schemeClr val="bg1"/>
+              </a:solidFill>
+              <a:ln w="28575">
+                <a:solidFill>
+                  <a:srgbClr val="00B050"/>
+                </a:solidFill>
+              </a:ln>
+            </p:spPr>
+            <p:style>
+              <a:lnRef idx="2">
+                <a:schemeClr val="accent1">
+                  <a:shade val="50000"/>
+                </a:schemeClr>
+              </a:lnRef>
+              <a:fillRef idx="1">
+                <a:schemeClr val="accent1"/>
+              </a:fillRef>
+              <a:effectRef idx="0">
+                <a:schemeClr val="accent1"/>
+              </a:effectRef>
+              <a:fontRef idx="minor">
+                <a:schemeClr val="lt1"/>
+              </a:fontRef>
+            </p:style>
+            <p:txBody>
+              <a:bodyPr lIns="0" tIns="0" rIns="0" bIns="0" rtlCol="0" anchor="ctr"/>
+              <a:lstStyle/>
+              <a:p>
+                <a:pPr algn="ctr"/>
+                <a14:m>
+                  <m:oMathPara xmlns:m="http://schemas.openxmlformats.org/officeDocument/2006/math">
+                    <m:oMathParaPr>
+                      <m:jc m:val="centerGroup"/>
+                    </m:oMathParaPr>
+                    <m:oMath xmlns:m="http://schemas.openxmlformats.org/officeDocument/2006/math">
+                      <m:r>
+                        <a:rPr lang="fr-FR" sz="1400" b="1" i="0" smtClean="0">
+                          <a:solidFill>
+                            <a:srgbClr val="00B050"/>
+                          </a:solidFill>
+                          <a:latin typeface="Cambria Math"/>
+                        </a:rPr>
+                        <m:t>𝚺</m:t>
+                      </m:r>
+                      <m:r>
+                        <a:rPr lang="fr-FR" sz="1400" b="1" i="0" smtClean="0">
+                          <a:solidFill>
+                            <a:srgbClr val="00B050"/>
+                          </a:solidFill>
+                          <a:latin typeface="Cambria Math"/>
+                        </a:rPr>
+                        <m:t>+</m:t>
+                      </m:r>
+                      <m:r>
+                        <a:rPr lang="fr-FR" sz="1400" b="1" i="0" smtClean="0">
+                          <a:solidFill>
+                            <a:srgbClr val="00B050"/>
+                          </a:solidFill>
+                          <a:latin typeface="Cambria Math"/>
+                        </a:rPr>
+                        <m:t>𝐁</m:t>
+                      </m:r>
+                    </m:oMath>
+                  </m:oMathPara>
+                </a14:m>
+                <a:endParaRPr lang="fr-FR" sz="1400" b="1" dirty="0">
+                  <a:solidFill>
+                    <a:srgbClr val="00B050"/>
+                  </a:solidFill>
+                </a:endParaRPr>
+              </a:p>
+            </p:txBody>
+          </p:sp>
+        </mc:Choice>
+        <mc:Fallback>
+          <p:sp>
+            <p:nvSpPr>
+              <p:cNvPr id="39" name="Ellipse 38"/>
+              <p:cNvSpPr>
+                <a:spLocks noRot="1" noChangeAspect="1" noMove="1" noResize="1" noEditPoints="1" noAdjustHandles="1" noChangeArrowheads="1" noChangeShapeType="1" noTextEdit="1"/>
+              </p:cNvSpPr>
+              <p:nvPr/>
+            </p:nvSpPr>
+            <p:spPr>
+              <a:xfrm>
+                <a:off x="2065288" y="2976448"/>
+                <a:ext cx="701344" cy="360000"/>
+              </a:xfrm>
+              <a:prstGeom prst="ellipse">
+                <a:avLst/>
+              </a:prstGeom>
+              <a:blipFill rotWithShape="1">
+                <a:blip r:embed="rId7"/>
+                <a:stretch>
+                  <a:fillRect/>
+                </a:stretch>
+              </a:blipFill>
+              <a:ln w="28575">
+                <a:solidFill>
+                  <a:srgbClr val="00B050"/>
+                </a:solidFill>
+              </a:ln>
+            </p:spPr>
+            <p:txBody>
+              <a:bodyPr/>
+              <a:lstStyle/>
+              <a:p>
+                <a:r>
+                  <a:rPr lang="fr-FR">
+                    <a:noFill/>
+                  </a:rPr>
+                  <a:t> </a:t>
+                </a:r>
+              </a:p>
+            </p:txBody>
+          </p:sp>
+        </mc:Fallback>
+      </mc:AlternateContent>
+    </p:spTree>
+    <p:extLst>
+      <p:ext uri="{BB962C8B-B14F-4D97-AF65-F5344CB8AC3E}">
+        <p14:creationId xmlns:p14="http://schemas.microsoft.com/office/powerpoint/2010/main" val="1007127406"/>
+      </p:ext>
+    </p:extLst>
+  </p:cSld>
+  <p:clrMapOvr>
+    <a:masterClrMapping/>
+  </p:clrMapOvr>
+  <p:timing>
+    <p:tnLst>
+      <p:par>
+        <p:cTn id="1" dur="indefinite" restart="never" nodeType="tmRoot"/>
+      </p:par>
+    </p:tnLst>
+  </p:timing>
+</p:sld>
+</file>
+
+<file path=ppt/slides/slide5.xml><?xml version="1.0" encoding="utf-8"?>
+<p:sld xmlns:a="http://schemas.openxmlformats.org/drawingml/2006/main" xmlns:r="http://schemas.openxmlformats.org/officeDocument/2006/relationships" xmlns:p="http://schemas.openxmlformats.org/presentationml/2006/main">
+  <p:cSld>
+    <p:spTree>
+      <p:nvGrpSpPr>
+        <p:cNvPr id="1" name=""/>
+        <p:cNvGrpSpPr/>
+        <p:nvPr/>
+      </p:nvGrpSpPr>
+      <p:grpSpPr>
+        <a:xfrm>
+          <a:off x="0" y="0"/>
+          <a:ext cx="0" cy="0"/>
+          <a:chOff x="0" y="0"/>
+          <a:chExt cx="0" cy="0"/>
+        </a:xfrm>
+      </p:grpSpPr>
+      <p:sp>
+        <p:nvSpPr>
+          <p:cNvPr id="74" name="ZoneTexte 73"/>
+          <p:cNvSpPr txBox="1"/>
+          <p:nvPr/>
+        </p:nvSpPr>
+        <p:spPr>
+          <a:xfrm>
+            <a:off x="4035184" y="3441948"/>
+            <a:ext cx="769120" cy="246221"/>
+          </a:xfrm>
+          <a:prstGeom prst="rect">
+            <a:avLst/>
+          </a:prstGeom>
+          <a:noFill/>
+        </p:spPr>
+        <p:txBody>
+          <a:bodyPr wrap="square" rtlCol="0">
+            <a:spAutoFit/>
+          </a:bodyPr>
+          <a:lstStyle/>
+          <a:p>
+            <a:pPr algn="ctr"/>
+            <a:r>
+              <a:rPr lang="fr-FR" sz="1000" dirty="0" smtClean="0"/>
+              <a:t>Pression</a:t>
+            </a:r>
+            <a:endParaRPr lang="fr-FR" sz="1000" dirty="0"/>
+          </a:p>
+        </p:txBody>
+      </p:sp>
       <p:pic>
         <p:nvPicPr>
           <p:cNvPr id="4098" name="Picture 2" descr="C:\Users\Xavier\Dropbox\PSI_MP_2017_2018\PSI_Etoile\DS_SII\DS_05\DS_05\images\fig_24.png"/>
@@ -12851,7 +13081,7 @@
           <p:nvPr/>
         </p:nvPicPr>
         <p:blipFill>
-          <a:blip r:embed="rId6">
+          <a:blip r:embed="rId2">
             <a:extLst>
               <a:ext uri="{28A0092B-C50C-407E-A947-70E740481C1C}">
                 <a14:useLocalDpi xmlns:a14="http://schemas.microsoft.com/office/drawing/2010/main" val="0"/>
@@ -12886,7 +13116,7 @@
     </p:spTree>
     <p:extLst>
       <p:ext uri="{BB962C8B-B14F-4D97-AF65-F5344CB8AC3E}">
-        <p14:creationId xmlns:p14="http://schemas.microsoft.com/office/powerpoint/2010/main" val="1007127406"/>
+        <p14:creationId xmlns:p14="http://schemas.microsoft.com/office/powerpoint/2010/main" val="829308390"/>
       </p:ext>
     </p:extLst>
   </p:cSld>

--- a/Chapitre_01_Energetique/Application_03_ElevateurBateaux/Figures.pptx
+++ b/Chapitre_01_Energetique/Application_03_ElevateurBateaux/Figures.pptx
@@ -11752,8 +11752,8 @@
           </a:p>
         </p:txBody>
       </p:sp>
-      <mc:AlternateContent xmlns:mc="http://schemas.openxmlformats.org/markup-compatibility/2006">
-        <mc:Choice xmlns:a14="http://schemas.microsoft.com/office/drawing/2010/main" Requires="a14">
+      <mc:AlternateContent xmlns:mc="http://schemas.openxmlformats.org/markup-compatibility/2006" xmlns:a14="http://schemas.microsoft.com/office/drawing/2010/main">
+        <mc:Choice Requires="a14">
           <p:sp>
             <p:nvSpPr>
               <p:cNvPr id="42" name="ZoneTexte 41"/>
@@ -11850,7 +11850,7 @@
             </p:txBody>
           </p:sp>
         </mc:Choice>
-        <mc:Fallback>
+        <mc:Fallback xmlns="">
           <p:sp>
             <p:nvSpPr>
               <p:cNvPr id="42" name="ZoneTexte 41"/>
@@ -11912,8 +11912,8 @@
         </p:blipFill>
         <p:spPr bwMode="auto">
           <a:xfrm>
-            <a:off x="5021725" y="2137793"/>
-            <a:ext cx="3814926" cy="3254642"/>
+            <a:off x="3995936" y="1393246"/>
+            <a:ext cx="5659794" cy="4828561"/>
           </a:xfrm>
           <a:prstGeom prst="rect">
             <a:avLst/>
@@ -12189,8 +12189,8 @@
           </a:p>
         </p:txBody>
       </p:sp>
-      <mc:AlternateContent xmlns:mc="http://schemas.openxmlformats.org/markup-compatibility/2006">
-        <mc:Choice xmlns:a14="http://schemas.microsoft.com/office/drawing/2010/main" Requires="a14">
+      <mc:AlternateContent xmlns:mc="http://schemas.openxmlformats.org/markup-compatibility/2006" xmlns:a14="http://schemas.microsoft.com/office/drawing/2010/main">
+        <mc:Choice Requires="a14">
           <p:sp>
             <p:nvSpPr>
               <p:cNvPr id="23" name="ZoneTexte 22"/>
@@ -12287,7 +12287,7 @@
             </p:txBody>
           </p:sp>
         </mc:Choice>
-        <mc:Fallback>
+        <mc:Fallback xmlns="">
           <p:sp>
             <p:nvSpPr>
               <p:cNvPr id="23" name="ZoneTexte 22"/>
@@ -12444,8 +12444,8 @@
           </a:p>
         </p:txBody>
       </p:sp>
-      <mc:AlternateContent xmlns:mc="http://schemas.openxmlformats.org/markup-compatibility/2006">
-        <mc:Choice xmlns:a14="http://schemas.microsoft.com/office/drawing/2010/main" Requires="a14">
+      <mc:AlternateContent xmlns:mc="http://schemas.openxmlformats.org/markup-compatibility/2006" xmlns:a14="http://schemas.microsoft.com/office/drawing/2010/main">
+        <mc:Choice Requires="a14">
           <p:sp>
             <p:nvSpPr>
               <p:cNvPr id="26" name="ZoneTexte 25"/>
@@ -12542,7 +12542,7 @@
             </p:txBody>
           </p:sp>
         </mc:Choice>
-        <mc:Fallback>
+        <mc:Fallback xmlns="">
           <p:sp>
             <p:nvSpPr>
               <p:cNvPr id="26" name="ZoneTexte 25"/>
@@ -12581,8 +12581,8 @@
           </p:sp>
         </mc:Fallback>
       </mc:AlternateContent>
-      <mc:AlternateContent xmlns:mc="http://schemas.openxmlformats.org/markup-compatibility/2006">
-        <mc:Choice xmlns:a14="http://schemas.microsoft.com/office/drawing/2010/main" Requires="a14">
+      <mc:AlternateContent xmlns:mc="http://schemas.openxmlformats.org/markup-compatibility/2006" xmlns:a14="http://schemas.microsoft.com/office/drawing/2010/main">
+        <mc:Choice Requires="a14">
           <p:sp>
             <p:nvSpPr>
               <p:cNvPr id="27" name="ZoneTexte 26"/>
@@ -12679,7 +12679,7 @@
             </p:txBody>
           </p:sp>
         </mc:Choice>
-        <mc:Fallback>
+        <mc:Fallback xmlns="">
           <p:sp>
             <p:nvSpPr>
               <p:cNvPr id="27" name="ZoneTexte 26"/>
@@ -12869,8 +12869,8 @@
           </a:p>
         </p:txBody>
       </p:sp>
-      <mc:AlternateContent xmlns:mc="http://schemas.openxmlformats.org/markup-compatibility/2006">
-        <mc:Choice xmlns:a14="http://schemas.microsoft.com/office/drawing/2010/main" Requires="a14">
+      <mc:AlternateContent xmlns:mc="http://schemas.openxmlformats.org/markup-compatibility/2006" xmlns:a14="http://schemas.microsoft.com/office/drawing/2010/main">
+        <mc:Choice Requires="a14">
           <p:sp>
             <p:nvSpPr>
               <p:cNvPr id="39" name="Ellipse 38"/>
@@ -12960,7 +12960,7 @@
             </p:txBody>
           </p:sp>
         </mc:Choice>
-        <mc:Fallback>
+        <mc:Fallback xmlns="">
           <p:sp>
             <p:nvSpPr>
               <p:cNvPr id="39" name="Ellipse 38"/>

--- a/Chapitre_01_Energetique/Application_03_ElevateurBateaux/Figures.pptx
+++ b/Chapitre_01_Energetique/Application_03_ElevateurBateaux/Figures.pptx
@@ -5,14 +5,15 @@
     <p:sldMasterId id="2147483648" r:id="rId1"/>
   </p:sldMasterIdLst>
   <p:notesMasterIdLst>
-    <p:notesMasterId r:id="rId7"/>
+    <p:notesMasterId r:id="rId8"/>
   </p:notesMasterIdLst>
   <p:sldIdLst>
     <p:sldId id="256" r:id="rId2"/>
-    <p:sldId id="257" r:id="rId3"/>
-    <p:sldId id="258" r:id="rId4"/>
-    <p:sldId id="259" r:id="rId5"/>
-    <p:sldId id="260" r:id="rId6"/>
+    <p:sldId id="261" r:id="rId3"/>
+    <p:sldId id="257" r:id="rId4"/>
+    <p:sldId id="258" r:id="rId5"/>
+    <p:sldId id="259" r:id="rId6"/>
+    <p:sldId id="260" r:id="rId7"/>
   </p:sldIdLst>
   <p:sldSz cx="9144000" cy="6858000" type="screen4x3"/>
   <p:notesSz cx="6858000" cy="9144000"/>
@@ -196,7 +197,7 @@
           <a:p>
             <a:fld id="{C50573B8-97CE-41AB-B56B-21583D30804E}" type="datetimeFigureOut">
               <a:rPr lang="fr-FR" smtClean="0"/>
-              <a:t>01/02/2018</a:t>
+              <a:t>05/02/2018</a:t>
             </a:fld>
             <a:endParaRPr lang="fr-FR"/>
           </a:p>
@@ -529,7 +530,7 @@
           <a:p>
             <a:fld id="{97986314-9AE6-44D4-B112-1CBB800900E8}" type="slidenum">
               <a:rPr lang="fr-FR" smtClean="0"/>
-              <a:t>3</a:t>
+              <a:t>4</a:t>
             </a:fld>
             <a:endParaRPr lang="fr-FR"/>
           </a:p>
@@ -729,7 +730,7 @@
           <a:p>
             <a:fld id="{AA309A6D-C09C-4548-B29A-6CF363A7E532}" type="datetimeFigureOut">
               <a:rPr lang="fr-FR" smtClean="0"/>
-              <a:t>01/02/2018</a:t>
+              <a:t>05/02/2018</a:t>
             </a:fld>
             <a:endParaRPr lang="fr-BE"/>
           </a:p>
@@ -894,7 +895,7 @@
           <a:p>
             <a:fld id="{AA309A6D-C09C-4548-B29A-6CF363A7E532}" type="datetimeFigureOut">
               <a:rPr lang="fr-FR" smtClean="0"/>
-              <a:t>01/02/2018</a:t>
+              <a:t>05/02/2018</a:t>
             </a:fld>
             <a:endParaRPr lang="fr-BE"/>
           </a:p>
@@ -1069,7 +1070,7 @@
           <a:p>
             <a:fld id="{AA309A6D-C09C-4548-B29A-6CF363A7E532}" type="datetimeFigureOut">
               <a:rPr lang="fr-FR" smtClean="0"/>
-              <a:t>01/02/2018</a:t>
+              <a:t>05/02/2018</a:t>
             </a:fld>
             <a:endParaRPr lang="fr-BE"/>
           </a:p>
@@ -1234,7 +1235,7 @@
           <a:p>
             <a:fld id="{AA309A6D-C09C-4548-B29A-6CF363A7E532}" type="datetimeFigureOut">
               <a:rPr lang="fr-FR" smtClean="0"/>
-              <a:t>01/02/2018</a:t>
+              <a:t>05/02/2018</a:t>
             </a:fld>
             <a:endParaRPr lang="fr-BE"/>
           </a:p>
@@ -1475,7 +1476,7 @@
           <a:p>
             <a:fld id="{AA309A6D-C09C-4548-B29A-6CF363A7E532}" type="datetimeFigureOut">
               <a:rPr lang="fr-FR" smtClean="0"/>
-              <a:t>01/02/2018</a:t>
+              <a:t>05/02/2018</a:t>
             </a:fld>
             <a:endParaRPr lang="fr-BE"/>
           </a:p>
@@ -1758,7 +1759,7 @@
           <a:p>
             <a:fld id="{AA309A6D-C09C-4548-B29A-6CF363A7E532}" type="datetimeFigureOut">
               <a:rPr lang="fr-FR" smtClean="0"/>
-              <a:t>01/02/2018</a:t>
+              <a:t>05/02/2018</a:t>
             </a:fld>
             <a:endParaRPr lang="fr-BE"/>
           </a:p>
@@ -2175,7 +2176,7 @@
           <a:p>
             <a:fld id="{AA309A6D-C09C-4548-B29A-6CF363A7E532}" type="datetimeFigureOut">
               <a:rPr lang="fr-FR" smtClean="0"/>
-              <a:t>01/02/2018</a:t>
+              <a:t>05/02/2018</a:t>
             </a:fld>
             <a:endParaRPr lang="fr-BE"/>
           </a:p>
@@ -2288,7 +2289,7 @@
           <a:p>
             <a:fld id="{AA309A6D-C09C-4548-B29A-6CF363A7E532}" type="datetimeFigureOut">
               <a:rPr lang="fr-FR" smtClean="0"/>
-              <a:t>01/02/2018</a:t>
+              <a:t>05/02/2018</a:t>
             </a:fld>
             <a:endParaRPr lang="fr-BE"/>
           </a:p>
@@ -2378,7 +2379,7 @@
           <a:p>
             <a:fld id="{AA309A6D-C09C-4548-B29A-6CF363A7E532}" type="datetimeFigureOut">
               <a:rPr lang="fr-FR" smtClean="0"/>
-              <a:t>01/02/2018</a:t>
+              <a:t>05/02/2018</a:t>
             </a:fld>
             <a:endParaRPr lang="fr-BE"/>
           </a:p>
@@ -2650,7 +2651,7 @@
           <a:p>
             <a:fld id="{AA309A6D-C09C-4548-B29A-6CF363A7E532}" type="datetimeFigureOut">
               <a:rPr lang="fr-FR" smtClean="0"/>
-              <a:t>01/02/2018</a:t>
+              <a:t>05/02/2018</a:t>
             </a:fld>
             <a:endParaRPr lang="fr-BE"/>
           </a:p>
@@ -2898,7 +2899,7 @@
           <a:p>
             <a:fld id="{AA309A6D-C09C-4548-B29A-6CF363A7E532}" type="datetimeFigureOut">
               <a:rPr lang="fr-FR" smtClean="0"/>
-              <a:t>01/02/2018</a:t>
+              <a:t>05/02/2018</a:t>
             </a:fld>
             <a:endParaRPr lang="fr-BE"/>
           </a:p>
@@ -3106,7 +3107,7 @@
           <a:p>
             <a:fld id="{AA309A6D-C09C-4548-B29A-6CF363A7E532}" type="datetimeFigureOut">
               <a:rPr lang="fr-FR" smtClean="0"/>
-              <a:t>01/02/2018</a:t>
+              <a:t>05/02/2018</a:t>
             </a:fld>
             <a:endParaRPr lang="fr-BE"/>
           </a:p>
@@ -3648,7 +3649,7 @@
         </p:blipFill>
         <p:spPr bwMode="auto">
           <a:xfrm>
-            <a:off x="4932040" y="-59960"/>
+            <a:off x="4932040" y="-119074"/>
             <a:ext cx="4493060" cy="7096148"/>
           </a:xfrm>
           <a:prstGeom prst="rect">
@@ -7324,6 +7325,3868 @@
 </file>
 
 <file path=ppt/slides/slide2.xml><?xml version="1.0" encoding="utf-8"?>
+<p:sld xmlns:a="http://schemas.openxmlformats.org/drawingml/2006/main" xmlns:r="http://schemas.openxmlformats.org/officeDocument/2006/relationships" xmlns:p="http://schemas.openxmlformats.org/presentationml/2006/main">
+  <p:cSld>
+    <p:spTree>
+      <p:nvGrpSpPr>
+        <p:cNvPr id="1" name=""/>
+        <p:cNvGrpSpPr/>
+        <p:nvPr/>
+      </p:nvGrpSpPr>
+      <p:grpSpPr>
+        <a:xfrm>
+          <a:off x="0" y="0"/>
+          <a:ext cx="0" cy="0"/>
+          <a:chOff x="0" y="0"/>
+          <a:chExt cx="0" cy="0"/>
+        </a:xfrm>
+      </p:grpSpPr>
+      <p:sp>
+        <p:nvSpPr>
+          <p:cNvPr id="116" name="ZoneTexte 115"/>
+          <p:cNvSpPr txBox="1"/>
+          <p:nvPr/>
+        </p:nvSpPr>
+        <p:spPr>
+          <a:xfrm>
+            <a:off x="205847" y="1189613"/>
+            <a:ext cx="900711" cy="246221"/>
+          </a:xfrm>
+          <a:prstGeom prst="rect">
+            <a:avLst/>
+          </a:prstGeom>
+          <a:noFill/>
+        </p:spPr>
+        <p:txBody>
+          <a:bodyPr wrap="square" rtlCol="0">
+            <a:spAutoFit/>
+          </a:bodyPr>
+          <a:lstStyle/>
+          <a:p>
+            <a:pPr algn="ctr"/>
+            <a:r>
+              <a:rPr lang="fr-FR" sz="1000" dirty="0" smtClean="0"/>
+              <a:t>Rotule B</a:t>
+            </a:r>
+            <a:endParaRPr lang="fr-FR" sz="1000" dirty="0"/>
+          </a:p>
+        </p:txBody>
+      </p:sp>
+      <p:sp>
+        <p:nvSpPr>
+          <p:cNvPr id="57" name="Forme libre 56"/>
+          <p:cNvSpPr/>
+          <p:nvPr/>
+        </p:nvSpPr>
+        <p:spPr>
+          <a:xfrm flipH="1">
+            <a:off x="2474789" y="3290238"/>
+            <a:ext cx="108723" cy="1046136"/>
+          </a:xfrm>
+          <a:custGeom>
+            <a:avLst/>
+            <a:gdLst>
+              <a:gd name="connsiteX0" fmla="*/ 0 w 7315"/>
+              <a:gd name="connsiteY0" fmla="*/ 0 h 1038758"/>
+              <a:gd name="connsiteX1" fmla="*/ 7315 w 7315"/>
+              <a:gd name="connsiteY1" fmla="*/ 1038758 h 1038758"/>
+              <a:gd name="connsiteX2" fmla="*/ 7315 w 7315"/>
+              <a:gd name="connsiteY2" fmla="*/ 1038758 h 1038758"/>
+              <a:gd name="connsiteX0" fmla="*/ 0 w 1239"/>
+              <a:gd name="connsiteY0" fmla="*/ 0 h 10141"/>
+              <a:gd name="connsiteX1" fmla="*/ 1239 w 1239"/>
+              <a:gd name="connsiteY1" fmla="*/ 10141 h 10141"/>
+              <a:gd name="connsiteX2" fmla="*/ 1239 w 1239"/>
+              <a:gd name="connsiteY2" fmla="*/ 10141 h 10141"/>
+              <a:gd name="connsiteX0" fmla="*/ 0 w 1161"/>
+              <a:gd name="connsiteY0" fmla="*/ 0 h 10000"/>
+              <a:gd name="connsiteX1" fmla="*/ 1161 w 1161"/>
+              <a:gd name="connsiteY1" fmla="*/ 10000 h 10000"/>
+              <a:gd name="connsiteX2" fmla="*/ 1161 w 1161"/>
+              <a:gd name="connsiteY2" fmla="*/ 10000 h 10000"/>
+              <a:gd name="connsiteX0" fmla="*/ 104181 w 104181"/>
+              <a:gd name="connsiteY0" fmla="*/ 0 h 10000"/>
+              <a:gd name="connsiteX1" fmla="*/ 0 w 104181"/>
+              <a:gd name="connsiteY1" fmla="*/ 10000 h 10000"/>
+              <a:gd name="connsiteX2" fmla="*/ 0 w 104181"/>
+              <a:gd name="connsiteY2" fmla="*/ 10000 h 10000"/>
+              <a:gd name="connsiteX0" fmla="*/ 9030 w 9030"/>
+              <a:gd name="connsiteY0" fmla="*/ 0 h 9931"/>
+              <a:gd name="connsiteX1" fmla="*/ 0 w 9030"/>
+              <a:gd name="connsiteY1" fmla="*/ 9931 h 9931"/>
+              <a:gd name="connsiteX2" fmla="*/ 0 w 9030"/>
+              <a:gd name="connsiteY2" fmla="*/ 9931 h 9931"/>
+              <a:gd name="connsiteX0" fmla="*/ 190689 w 190689"/>
+              <a:gd name="connsiteY0" fmla="*/ 0 h 10000"/>
+              <a:gd name="connsiteX1" fmla="*/ 180689 w 190689"/>
+              <a:gd name="connsiteY1" fmla="*/ 10000 h 10000"/>
+              <a:gd name="connsiteX2" fmla="*/ 180689 w 190689"/>
+              <a:gd name="connsiteY2" fmla="*/ 10000 h 10000"/>
+              <a:gd name="connsiteX0" fmla="*/ 313233 w 313233"/>
+              <a:gd name="connsiteY0" fmla="*/ 0 h 10000"/>
+              <a:gd name="connsiteX1" fmla="*/ 303233 w 313233"/>
+              <a:gd name="connsiteY1" fmla="*/ 10000 h 10000"/>
+              <a:gd name="connsiteX2" fmla="*/ 303233 w 313233"/>
+              <a:gd name="connsiteY2" fmla="*/ 10000 h 10000"/>
+            </a:gdLst>
+            <a:ahLst/>
+            <a:cxnLst>
+              <a:cxn ang="0">
+                <a:pos x="connsiteX0" y="connsiteY0"/>
+              </a:cxn>
+              <a:cxn ang="0">
+                <a:pos x="connsiteX1" y="connsiteY1"/>
+              </a:cxn>
+              <a:cxn ang="0">
+                <a:pos x="connsiteX2" y="connsiteY2"/>
+              </a:cxn>
+            </a:cxnLst>
+            <a:rect l="l" t="t" r="r" b="b"/>
+            <a:pathLst>
+              <a:path w="313233" h="10000">
+                <a:moveTo>
+                  <a:pt x="313233" y="0"/>
+                </a:moveTo>
+                <a:cubicBezTo>
+                  <a:pt x="-111604" y="2983"/>
+                  <a:pt x="-93864" y="7017"/>
+                  <a:pt x="303233" y="10000"/>
+                </a:cubicBezTo>
+                <a:lnTo>
+                  <a:pt x="303233" y="10000"/>
+                </a:lnTo>
+              </a:path>
+            </a:pathLst>
+          </a:custGeom>
+          <a:noFill/>
+          <a:ln w="28575">
+            <a:solidFill>
+              <a:schemeClr val="tx1"/>
+            </a:solidFill>
+          </a:ln>
+        </p:spPr>
+        <p:style>
+          <a:lnRef idx="2">
+            <a:schemeClr val="accent1">
+              <a:shade val="50000"/>
+            </a:schemeClr>
+          </a:lnRef>
+          <a:fillRef idx="1">
+            <a:schemeClr val="accent1"/>
+          </a:fillRef>
+          <a:effectRef idx="0">
+            <a:schemeClr val="accent1"/>
+          </a:effectRef>
+          <a:fontRef idx="minor">
+            <a:schemeClr val="lt1"/>
+          </a:fontRef>
+        </p:style>
+        <p:txBody>
+          <a:bodyPr rtlCol="0" anchor="ctr"/>
+          <a:lstStyle/>
+          <a:p>
+            <a:pPr algn="ctr"/>
+            <a:endParaRPr lang="fr-FR"/>
+          </a:p>
+        </p:txBody>
+      </p:sp>
+      <p:pic>
+        <p:nvPicPr>
+          <p:cNvPr id="1027" name="Picture 3" descr="C:\Users\Xavier\Dropbox\PSI_MP_2017_2018\PSI_Etoile\DS_SII\DS_05\DS_05\images\ann_03.png"/>
+          <p:cNvPicPr>
+            <a:picLocks noChangeAspect="1" noChangeArrowheads="1"/>
+          </p:cNvPicPr>
+          <p:nvPr/>
+        </p:nvPicPr>
+        <p:blipFill rotWithShape="1">
+          <a:blip r:embed="rId2">
+            <a:extLst>
+              <a:ext uri="{28A0092B-C50C-407E-A947-70E740481C1C}">
+                <a14:useLocalDpi xmlns:a14="http://schemas.microsoft.com/office/drawing/2010/main" val="0"/>
+              </a:ext>
+            </a:extLst>
+          </a:blip>
+          <a:srcRect b="22960"/>
+          <a:stretch/>
+        </p:blipFill>
+        <p:spPr bwMode="auto">
+          <a:xfrm>
+            <a:off x="-4385556" y="-309737"/>
+            <a:ext cx="4493060" cy="5466929"/>
+          </a:xfrm>
+          <a:prstGeom prst="rect">
+            <a:avLst/>
+          </a:prstGeom>
+          <a:noFill/>
+          <a:extLst>
+            <a:ext uri="{909E8E84-426E-40DD-AFC4-6F175D3DCCD1}">
+              <a14:hiddenFill xmlns:a14="http://schemas.microsoft.com/office/drawing/2010/main">
+                <a:solidFill>
+                  <a:srgbClr val="FFFFFF"/>
+                </a:solidFill>
+              </a14:hiddenFill>
+            </a:ext>
+          </a:extLst>
+        </p:spPr>
+      </p:pic>
+      <p:cxnSp>
+        <p:nvCxnSpPr>
+          <p:cNvPr id="6" name="Connecteur droit 5"/>
+          <p:cNvCxnSpPr>
+            <a:stCxn id="4" idx="4"/>
+            <a:endCxn id="7" idx="2"/>
+          </p:cNvCxnSpPr>
+          <p:nvPr/>
+        </p:nvCxnSpPr>
+        <p:spPr>
+          <a:xfrm>
+            <a:off x="2411760" y="4662224"/>
+            <a:ext cx="0" cy="359336"/>
+          </a:xfrm>
+          <a:prstGeom prst="line">
+            <a:avLst/>
+          </a:prstGeom>
+          <a:noFill/>
+          <a:ln w="28575">
+            <a:solidFill>
+              <a:schemeClr val="tx1"/>
+            </a:solidFill>
+          </a:ln>
+        </p:spPr>
+        <p:style>
+          <a:lnRef idx="2">
+            <a:schemeClr val="accent1">
+              <a:shade val="50000"/>
+            </a:schemeClr>
+          </a:lnRef>
+          <a:fillRef idx="1">
+            <a:schemeClr val="accent1"/>
+          </a:fillRef>
+          <a:effectRef idx="0">
+            <a:schemeClr val="accent1"/>
+          </a:effectRef>
+          <a:fontRef idx="minor">
+            <a:schemeClr val="lt1"/>
+          </a:fontRef>
+        </p:style>
+      </p:cxnSp>
+      <p:sp>
+        <p:nvSpPr>
+          <p:cNvPr id="7" name="Rectangle 6"/>
+          <p:cNvSpPr/>
+          <p:nvPr/>
+        </p:nvSpPr>
+        <p:spPr>
+          <a:xfrm>
+            <a:off x="2267760" y="4877544"/>
+            <a:ext cx="288000" cy="144016"/>
+          </a:xfrm>
+          <a:prstGeom prst="rect">
+            <a:avLst/>
+          </a:prstGeom>
+          <a:solidFill>
+            <a:schemeClr val="bg1">
+              <a:lumMod val="85000"/>
+            </a:schemeClr>
+          </a:solidFill>
+          <a:ln>
+            <a:noFill/>
+          </a:ln>
+        </p:spPr>
+        <p:style>
+          <a:lnRef idx="2">
+            <a:schemeClr val="accent1">
+              <a:shade val="50000"/>
+            </a:schemeClr>
+          </a:lnRef>
+          <a:fillRef idx="1">
+            <a:schemeClr val="accent1"/>
+          </a:fillRef>
+          <a:effectRef idx="0">
+            <a:schemeClr val="accent1"/>
+          </a:effectRef>
+          <a:fontRef idx="minor">
+            <a:schemeClr val="lt1"/>
+          </a:fontRef>
+        </p:style>
+        <p:txBody>
+          <a:bodyPr rtlCol="0" anchor="ctr"/>
+          <a:lstStyle/>
+          <a:p>
+            <a:pPr algn="ctr"/>
+            <a:endParaRPr lang="fr-FR"/>
+          </a:p>
+        </p:txBody>
+      </p:sp>
+      <p:sp>
+        <p:nvSpPr>
+          <p:cNvPr id="4" name="Ellipse 3"/>
+          <p:cNvSpPr/>
+          <p:nvPr/>
+        </p:nvSpPr>
+        <p:spPr>
+          <a:xfrm>
+            <a:off x="2231760" y="4302224"/>
+            <a:ext cx="360000" cy="360000"/>
+          </a:xfrm>
+          <a:prstGeom prst="ellipse">
+            <a:avLst/>
+          </a:prstGeom>
+          <a:solidFill>
+            <a:schemeClr val="bg1"/>
+          </a:solidFill>
+          <a:ln w="28575">
+            <a:solidFill>
+              <a:schemeClr val="tx1"/>
+            </a:solidFill>
+          </a:ln>
+        </p:spPr>
+        <p:style>
+          <a:lnRef idx="2">
+            <a:schemeClr val="accent1">
+              <a:shade val="50000"/>
+            </a:schemeClr>
+          </a:lnRef>
+          <a:fillRef idx="1">
+            <a:schemeClr val="accent1"/>
+          </a:fillRef>
+          <a:effectRef idx="0">
+            <a:schemeClr val="accent1"/>
+          </a:effectRef>
+          <a:fontRef idx="minor">
+            <a:schemeClr val="lt1"/>
+          </a:fontRef>
+        </p:style>
+        <p:txBody>
+          <a:bodyPr lIns="0" tIns="0" rIns="0" bIns="0" rtlCol="0" anchor="ctr"/>
+          <a:lstStyle/>
+          <a:p>
+            <a:pPr algn="ctr"/>
+            <a:r>
+              <a:rPr lang="fr-FR" b="1" dirty="0" smtClean="0">
+                <a:solidFill>
+                  <a:schemeClr val="tx1"/>
+                </a:solidFill>
+              </a:rPr>
+              <a:t>1</a:t>
+            </a:r>
+            <a:endParaRPr lang="fr-FR" b="1" dirty="0">
+              <a:solidFill>
+                <a:schemeClr val="tx1"/>
+              </a:solidFill>
+            </a:endParaRPr>
+          </a:p>
+        </p:txBody>
+      </p:sp>
+      <p:cxnSp>
+        <p:nvCxnSpPr>
+          <p:cNvPr id="9" name="Connecteur droit 8"/>
+          <p:cNvCxnSpPr/>
+          <p:nvPr/>
+        </p:nvCxnSpPr>
+        <p:spPr>
+          <a:xfrm>
+            <a:off x="2267760" y="4869160"/>
+            <a:ext cx="296400" cy="0"/>
+          </a:xfrm>
+          <a:prstGeom prst="line">
+            <a:avLst/>
+          </a:prstGeom>
+          <a:noFill/>
+          <a:ln w="28575">
+            <a:solidFill>
+              <a:schemeClr val="tx1"/>
+            </a:solidFill>
+          </a:ln>
+        </p:spPr>
+        <p:style>
+          <a:lnRef idx="2">
+            <a:schemeClr val="accent1">
+              <a:shade val="50000"/>
+            </a:schemeClr>
+          </a:lnRef>
+          <a:fillRef idx="1">
+            <a:schemeClr val="accent1"/>
+          </a:fillRef>
+          <a:effectRef idx="0">
+            <a:schemeClr val="accent1"/>
+          </a:effectRef>
+          <a:fontRef idx="minor">
+            <a:schemeClr val="lt1"/>
+          </a:fontRef>
+        </p:style>
+      </p:cxnSp>
+      <p:sp>
+        <p:nvSpPr>
+          <p:cNvPr id="15" name="Ellipse 14"/>
+          <p:cNvSpPr/>
+          <p:nvPr/>
+        </p:nvSpPr>
+        <p:spPr>
+          <a:xfrm>
+            <a:off x="3672511" y="3645024"/>
+            <a:ext cx="360000" cy="360000"/>
+          </a:xfrm>
+          <a:prstGeom prst="ellipse">
+            <a:avLst/>
+          </a:prstGeom>
+          <a:noFill/>
+          <a:ln w="28575">
+            <a:solidFill>
+              <a:srgbClr val="0070C0"/>
+            </a:solidFill>
+          </a:ln>
+        </p:spPr>
+        <p:style>
+          <a:lnRef idx="2">
+            <a:schemeClr val="accent1">
+              <a:shade val="50000"/>
+            </a:schemeClr>
+          </a:lnRef>
+          <a:fillRef idx="1">
+            <a:schemeClr val="accent1"/>
+          </a:fillRef>
+          <a:effectRef idx="0">
+            <a:schemeClr val="accent1"/>
+          </a:effectRef>
+          <a:fontRef idx="minor">
+            <a:schemeClr val="lt1"/>
+          </a:fontRef>
+        </p:style>
+        <p:txBody>
+          <a:bodyPr lIns="0" tIns="0" rIns="0" bIns="0" rtlCol="0" anchor="ctr"/>
+          <a:lstStyle/>
+          <a:p>
+            <a:pPr algn="ctr"/>
+            <a:r>
+              <a:rPr lang="fr-FR" sz="1400" b="1" dirty="0" smtClean="0">
+                <a:solidFill>
+                  <a:srgbClr val="0070C0"/>
+                </a:solidFill>
+              </a:rPr>
+              <a:t>T1</a:t>
+            </a:r>
+            <a:endParaRPr lang="fr-FR" sz="1400" b="1" dirty="0">
+              <a:solidFill>
+                <a:srgbClr val="0070C0"/>
+              </a:solidFill>
+            </a:endParaRPr>
+          </a:p>
+        </p:txBody>
+      </p:sp>
+      <p:sp>
+        <p:nvSpPr>
+          <p:cNvPr id="16" name="Ellipse 15"/>
+          <p:cNvSpPr/>
+          <p:nvPr/>
+        </p:nvSpPr>
+        <p:spPr>
+          <a:xfrm>
+            <a:off x="785975" y="3645024"/>
+            <a:ext cx="360000" cy="360000"/>
+          </a:xfrm>
+          <a:prstGeom prst="ellipse">
+            <a:avLst/>
+          </a:prstGeom>
+          <a:noFill/>
+          <a:ln w="28575">
+            <a:solidFill>
+              <a:srgbClr val="0070C0"/>
+            </a:solidFill>
+          </a:ln>
+        </p:spPr>
+        <p:style>
+          <a:lnRef idx="2">
+            <a:schemeClr val="accent1">
+              <a:shade val="50000"/>
+            </a:schemeClr>
+          </a:lnRef>
+          <a:fillRef idx="1">
+            <a:schemeClr val="accent1"/>
+          </a:fillRef>
+          <a:effectRef idx="0">
+            <a:schemeClr val="accent1"/>
+          </a:effectRef>
+          <a:fontRef idx="minor">
+            <a:schemeClr val="lt1"/>
+          </a:fontRef>
+        </p:style>
+        <p:txBody>
+          <a:bodyPr lIns="0" tIns="0" rIns="0" bIns="0" rtlCol="0" anchor="ctr"/>
+          <a:lstStyle/>
+          <a:p>
+            <a:pPr algn="ctr"/>
+            <a:r>
+              <a:rPr lang="fr-FR" sz="1400" b="1" dirty="0" smtClean="0">
+                <a:solidFill>
+                  <a:srgbClr val="0070C0"/>
+                </a:solidFill>
+              </a:rPr>
+              <a:t>T1’</a:t>
+            </a:r>
+            <a:endParaRPr lang="fr-FR" sz="1400" b="1" dirty="0">
+              <a:solidFill>
+                <a:srgbClr val="0070C0"/>
+              </a:solidFill>
+            </a:endParaRPr>
+          </a:p>
+        </p:txBody>
+      </p:sp>
+      <p:sp>
+        <p:nvSpPr>
+          <p:cNvPr id="21" name="Ellipse 20"/>
+          <p:cNvSpPr/>
+          <p:nvPr/>
+        </p:nvSpPr>
+        <p:spPr>
+          <a:xfrm>
+            <a:off x="3672511" y="2964389"/>
+            <a:ext cx="360000" cy="360000"/>
+          </a:xfrm>
+          <a:prstGeom prst="ellipse">
+            <a:avLst/>
+          </a:prstGeom>
+          <a:noFill/>
+          <a:ln w="28575">
+            <a:solidFill>
+              <a:schemeClr val="accent2"/>
+            </a:solidFill>
+          </a:ln>
+        </p:spPr>
+        <p:style>
+          <a:lnRef idx="2">
+            <a:schemeClr val="accent1">
+              <a:shade val="50000"/>
+            </a:schemeClr>
+          </a:lnRef>
+          <a:fillRef idx="1">
+            <a:schemeClr val="accent1"/>
+          </a:fillRef>
+          <a:effectRef idx="0">
+            <a:schemeClr val="accent1"/>
+          </a:effectRef>
+          <a:fontRef idx="minor">
+            <a:schemeClr val="lt1"/>
+          </a:fontRef>
+        </p:style>
+        <p:txBody>
+          <a:bodyPr lIns="0" tIns="0" rIns="0" bIns="0" rtlCol="0" anchor="ctr"/>
+          <a:lstStyle/>
+          <a:p>
+            <a:pPr algn="ctr"/>
+            <a:r>
+              <a:rPr lang="fr-FR" sz="1400" b="1" dirty="0" smtClean="0">
+                <a:solidFill>
+                  <a:schemeClr val="accent2"/>
+                </a:solidFill>
+              </a:rPr>
+              <a:t>T2</a:t>
+            </a:r>
+            <a:endParaRPr lang="fr-FR" sz="1400" b="1" dirty="0">
+              <a:solidFill>
+                <a:schemeClr val="accent2"/>
+              </a:solidFill>
+            </a:endParaRPr>
+          </a:p>
+        </p:txBody>
+      </p:sp>
+      <p:sp>
+        <p:nvSpPr>
+          <p:cNvPr id="22" name="Ellipse 21"/>
+          <p:cNvSpPr/>
+          <p:nvPr/>
+        </p:nvSpPr>
+        <p:spPr>
+          <a:xfrm>
+            <a:off x="785975" y="2964389"/>
+            <a:ext cx="360000" cy="360000"/>
+          </a:xfrm>
+          <a:prstGeom prst="ellipse">
+            <a:avLst/>
+          </a:prstGeom>
+          <a:noFill/>
+          <a:ln w="28575">
+            <a:solidFill>
+              <a:schemeClr val="accent2"/>
+            </a:solidFill>
+          </a:ln>
+        </p:spPr>
+        <p:style>
+          <a:lnRef idx="2">
+            <a:schemeClr val="accent1">
+              <a:shade val="50000"/>
+            </a:schemeClr>
+          </a:lnRef>
+          <a:fillRef idx="1">
+            <a:schemeClr val="accent1"/>
+          </a:fillRef>
+          <a:effectRef idx="0">
+            <a:schemeClr val="accent1"/>
+          </a:effectRef>
+          <a:fontRef idx="minor">
+            <a:schemeClr val="lt1"/>
+          </a:fontRef>
+        </p:style>
+        <p:txBody>
+          <a:bodyPr lIns="0" tIns="0" rIns="0" bIns="0" rtlCol="0" anchor="ctr"/>
+          <a:lstStyle/>
+          <a:p>
+            <a:pPr algn="ctr"/>
+            <a:r>
+              <a:rPr lang="fr-FR" sz="1400" b="1" dirty="0" smtClean="0">
+                <a:solidFill>
+                  <a:schemeClr val="accent2"/>
+                </a:solidFill>
+              </a:rPr>
+              <a:t>T2’</a:t>
+            </a:r>
+            <a:endParaRPr lang="fr-FR" sz="1400" b="1" dirty="0">
+              <a:solidFill>
+                <a:schemeClr val="accent2"/>
+              </a:solidFill>
+            </a:endParaRPr>
+          </a:p>
+        </p:txBody>
+      </p:sp>
+      <p:cxnSp>
+        <p:nvCxnSpPr>
+          <p:cNvPr id="23" name="Connecteur droit 22"/>
+          <p:cNvCxnSpPr>
+            <a:stCxn id="16" idx="5"/>
+            <a:endCxn id="4" idx="1"/>
+          </p:cNvCxnSpPr>
+          <p:nvPr/>
+        </p:nvCxnSpPr>
+        <p:spPr>
+          <a:xfrm>
+            <a:off x="1093254" y="3952303"/>
+            <a:ext cx="1191227" cy="402642"/>
+          </a:xfrm>
+          <a:prstGeom prst="line">
+            <a:avLst/>
+          </a:prstGeom>
+          <a:noFill/>
+          <a:ln w="28575">
+            <a:solidFill>
+              <a:schemeClr val="tx1"/>
+            </a:solidFill>
+          </a:ln>
+        </p:spPr>
+        <p:style>
+          <a:lnRef idx="2">
+            <a:schemeClr val="accent1">
+              <a:shade val="50000"/>
+            </a:schemeClr>
+          </a:lnRef>
+          <a:fillRef idx="1">
+            <a:schemeClr val="accent1"/>
+          </a:fillRef>
+          <a:effectRef idx="0">
+            <a:schemeClr val="accent1"/>
+          </a:effectRef>
+          <a:fontRef idx="minor">
+            <a:schemeClr val="lt1"/>
+          </a:fontRef>
+        </p:style>
+      </p:cxnSp>
+      <p:cxnSp>
+        <p:nvCxnSpPr>
+          <p:cNvPr id="26" name="Connecteur droit 25"/>
+          <p:cNvCxnSpPr>
+            <a:stCxn id="22" idx="4"/>
+            <a:endCxn id="16" idx="0"/>
+          </p:cNvCxnSpPr>
+          <p:nvPr/>
+        </p:nvCxnSpPr>
+        <p:spPr>
+          <a:xfrm>
+            <a:off x="965975" y="3324389"/>
+            <a:ext cx="0" cy="320635"/>
+          </a:xfrm>
+          <a:prstGeom prst="line">
+            <a:avLst/>
+          </a:prstGeom>
+          <a:noFill/>
+          <a:ln w="28575">
+            <a:solidFill>
+              <a:schemeClr val="tx1"/>
+            </a:solidFill>
+          </a:ln>
+        </p:spPr>
+        <p:style>
+          <a:lnRef idx="2">
+            <a:schemeClr val="accent1">
+              <a:shade val="50000"/>
+            </a:schemeClr>
+          </a:lnRef>
+          <a:fillRef idx="1">
+            <a:schemeClr val="accent1"/>
+          </a:fillRef>
+          <a:effectRef idx="0">
+            <a:schemeClr val="accent1"/>
+          </a:effectRef>
+          <a:fontRef idx="minor">
+            <a:schemeClr val="lt1"/>
+          </a:fontRef>
+        </p:style>
+      </p:cxnSp>
+      <p:cxnSp>
+        <p:nvCxnSpPr>
+          <p:cNvPr id="29" name="Connecteur droit 28"/>
+          <p:cNvCxnSpPr>
+            <a:stCxn id="15" idx="3"/>
+            <a:endCxn id="4" idx="7"/>
+          </p:cNvCxnSpPr>
+          <p:nvPr/>
+        </p:nvCxnSpPr>
+        <p:spPr>
+          <a:xfrm flipH="1">
+            <a:off x="2539039" y="3952303"/>
+            <a:ext cx="1186193" cy="402642"/>
+          </a:xfrm>
+          <a:prstGeom prst="line">
+            <a:avLst/>
+          </a:prstGeom>
+          <a:noFill/>
+          <a:ln w="28575">
+            <a:solidFill>
+              <a:schemeClr val="tx1"/>
+            </a:solidFill>
+          </a:ln>
+        </p:spPr>
+        <p:style>
+          <a:lnRef idx="2">
+            <a:schemeClr val="accent1">
+              <a:shade val="50000"/>
+            </a:schemeClr>
+          </a:lnRef>
+          <a:fillRef idx="1">
+            <a:schemeClr val="accent1"/>
+          </a:fillRef>
+          <a:effectRef idx="0">
+            <a:schemeClr val="accent1"/>
+          </a:effectRef>
+          <a:fontRef idx="minor">
+            <a:schemeClr val="lt1"/>
+          </a:fontRef>
+        </p:style>
+      </p:cxnSp>
+      <p:cxnSp>
+        <p:nvCxnSpPr>
+          <p:cNvPr id="37" name="Connecteur droit 36"/>
+          <p:cNvCxnSpPr>
+            <a:stCxn id="21" idx="4"/>
+            <a:endCxn id="15" idx="0"/>
+          </p:cNvCxnSpPr>
+          <p:nvPr/>
+        </p:nvCxnSpPr>
+        <p:spPr>
+          <a:xfrm>
+            <a:off x="3852511" y="3324389"/>
+            <a:ext cx="0" cy="320635"/>
+          </a:xfrm>
+          <a:prstGeom prst="line">
+            <a:avLst/>
+          </a:prstGeom>
+          <a:noFill/>
+          <a:ln w="28575">
+            <a:solidFill>
+              <a:schemeClr val="tx1"/>
+            </a:solidFill>
+          </a:ln>
+        </p:spPr>
+        <p:style>
+          <a:lnRef idx="2">
+            <a:schemeClr val="accent1">
+              <a:shade val="50000"/>
+            </a:schemeClr>
+          </a:lnRef>
+          <a:fillRef idx="1">
+            <a:schemeClr val="accent1"/>
+          </a:fillRef>
+          <a:effectRef idx="0">
+            <a:schemeClr val="accent1"/>
+          </a:effectRef>
+          <a:fontRef idx="minor">
+            <a:schemeClr val="lt1"/>
+          </a:fontRef>
+        </p:style>
+      </p:cxnSp>
+      <p:sp>
+        <p:nvSpPr>
+          <p:cNvPr id="1042" name="Forme libre 1041"/>
+          <p:cNvSpPr/>
+          <p:nvPr/>
+        </p:nvSpPr>
+        <p:spPr>
+          <a:xfrm>
+            <a:off x="2213666" y="3284462"/>
+            <a:ext cx="108723" cy="1046136"/>
+          </a:xfrm>
+          <a:custGeom>
+            <a:avLst/>
+            <a:gdLst>
+              <a:gd name="connsiteX0" fmla="*/ 0 w 7315"/>
+              <a:gd name="connsiteY0" fmla="*/ 0 h 1038758"/>
+              <a:gd name="connsiteX1" fmla="*/ 7315 w 7315"/>
+              <a:gd name="connsiteY1" fmla="*/ 1038758 h 1038758"/>
+              <a:gd name="connsiteX2" fmla="*/ 7315 w 7315"/>
+              <a:gd name="connsiteY2" fmla="*/ 1038758 h 1038758"/>
+              <a:gd name="connsiteX0" fmla="*/ 0 w 1239"/>
+              <a:gd name="connsiteY0" fmla="*/ 0 h 10141"/>
+              <a:gd name="connsiteX1" fmla="*/ 1239 w 1239"/>
+              <a:gd name="connsiteY1" fmla="*/ 10141 h 10141"/>
+              <a:gd name="connsiteX2" fmla="*/ 1239 w 1239"/>
+              <a:gd name="connsiteY2" fmla="*/ 10141 h 10141"/>
+              <a:gd name="connsiteX0" fmla="*/ 0 w 1161"/>
+              <a:gd name="connsiteY0" fmla="*/ 0 h 10000"/>
+              <a:gd name="connsiteX1" fmla="*/ 1161 w 1161"/>
+              <a:gd name="connsiteY1" fmla="*/ 10000 h 10000"/>
+              <a:gd name="connsiteX2" fmla="*/ 1161 w 1161"/>
+              <a:gd name="connsiteY2" fmla="*/ 10000 h 10000"/>
+              <a:gd name="connsiteX0" fmla="*/ 104181 w 104181"/>
+              <a:gd name="connsiteY0" fmla="*/ 0 h 10000"/>
+              <a:gd name="connsiteX1" fmla="*/ 0 w 104181"/>
+              <a:gd name="connsiteY1" fmla="*/ 10000 h 10000"/>
+              <a:gd name="connsiteX2" fmla="*/ 0 w 104181"/>
+              <a:gd name="connsiteY2" fmla="*/ 10000 h 10000"/>
+              <a:gd name="connsiteX0" fmla="*/ 9030 w 9030"/>
+              <a:gd name="connsiteY0" fmla="*/ 0 h 9931"/>
+              <a:gd name="connsiteX1" fmla="*/ 0 w 9030"/>
+              <a:gd name="connsiteY1" fmla="*/ 9931 h 9931"/>
+              <a:gd name="connsiteX2" fmla="*/ 0 w 9030"/>
+              <a:gd name="connsiteY2" fmla="*/ 9931 h 9931"/>
+              <a:gd name="connsiteX0" fmla="*/ 190689 w 190689"/>
+              <a:gd name="connsiteY0" fmla="*/ 0 h 10000"/>
+              <a:gd name="connsiteX1" fmla="*/ 180689 w 190689"/>
+              <a:gd name="connsiteY1" fmla="*/ 10000 h 10000"/>
+              <a:gd name="connsiteX2" fmla="*/ 180689 w 190689"/>
+              <a:gd name="connsiteY2" fmla="*/ 10000 h 10000"/>
+              <a:gd name="connsiteX0" fmla="*/ 313233 w 313233"/>
+              <a:gd name="connsiteY0" fmla="*/ 0 h 10000"/>
+              <a:gd name="connsiteX1" fmla="*/ 303233 w 313233"/>
+              <a:gd name="connsiteY1" fmla="*/ 10000 h 10000"/>
+              <a:gd name="connsiteX2" fmla="*/ 303233 w 313233"/>
+              <a:gd name="connsiteY2" fmla="*/ 10000 h 10000"/>
+            </a:gdLst>
+            <a:ahLst/>
+            <a:cxnLst>
+              <a:cxn ang="0">
+                <a:pos x="connsiteX0" y="connsiteY0"/>
+              </a:cxn>
+              <a:cxn ang="0">
+                <a:pos x="connsiteX1" y="connsiteY1"/>
+              </a:cxn>
+              <a:cxn ang="0">
+                <a:pos x="connsiteX2" y="connsiteY2"/>
+              </a:cxn>
+            </a:cxnLst>
+            <a:rect l="l" t="t" r="r" b="b"/>
+            <a:pathLst>
+              <a:path w="313233" h="10000">
+                <a:moveTo>
+                  <a:pt x="313233" y="0"/>
+                </a:moveTo>
+                <a:cubicBezTo>
+                  <a:pt x="-111604" y="2983"/>
+                  <a:pt x="-93864" y="7017"/>
+                  <a:pt x="303233" y="10000"/>
+                </a:cubicBezTo>
+                <a:lnTo>
+                  <a:pt x="303233" y="10000"/>
+                </a:lnTo>
+              </a:path>
+            </a:pathLst>
+          </a:custGeom>
+          <a:noFill/>
+          <a:ln w="28575">
+            <a:solidFill>
+              <a:schemeClr val="tx1"/>
+            </a:solidFill>
+          </a:ln>
+        </p:spPr>
+        <p:style>
+          <a:lnRef idx="2">
+            <a:schemeClr val="accent1">
+              <a:shade val="50000"/>
+            </a:schemeClr>
+          </a:lnRef>
+          <a:fillRef idx="1">
+            <a:schemeClr val="accent1"/>
+          </a:fillRef>
+          <a:effectRef idx="0">
+            <a:schemeClr val="accent1"/>
+          </a:effectRef>
+          <a:fontRef idx="minor">
+            <a:schemeClr val="lt1"/>
+          </a:fontRef>
+        </p:style>
+        <p:txBody>
+          <a:bodyPr rtlCol="0" anchor="ctr"/>
+          <a:lstStyle/>
+          <a:p>
+            <a:pPr algn="ctr"/>
+            <a:endParaRPr lang="fr-FR"/>
+          </a:p>
+        </p:txBody>
+      </p:sp>
+      <p:sp>
+        <p:nvSpPr>
+          <p:cNvPr id="40" name="Ellipse 39"/>
+          <p:cNvSpPr/>
+          <p:nvPr/>
+        </p:nvSpPr>
+        <p:spPr>
+          <a:xfrm>
+            <a:off x="2231760" y="2964389"/>
+            <a:ext cx="360000" cy="360000"/>
+          </a:xfrm>
+          <a:prstGeom prst="ellipse">
+            <a:avLst/>
+          </a:prstGeom>
+          <a:solidFill>
+            <a:schemeClr val="bg1"/>
+          </a:solidFill>
+          <a:ln w="28575">
+            <a:solidFill>
+              <a:srgbClr val="00B050"/>
+            </a:solidFill>
+          </a:ln>
+        </p:spPr>
+        <p:style>
+          <a:lnRef idx="2">
+            <a:schemeClr val="accent1">
+              <a:shade val="50000"/>
+            </a:schemeClr>
+          </a:lnRef>
+          <a:fillRef idx="1">
+            <a:schemeClr val="accent1"/>
+          </a:fillRef>
+          <a:effectRef idx="0">
+            <a:schemeClr val="accent1"/>
+          </a:effectRef>
+          <a:fontRef idx="minor">
+            <a:schemeClr val="lt1"/>
+          </a:fontRef>
+        </p:style>
+        <p:txBody>
+          <a:bodyPr lIns="0" tIns="0" rIns="0" bIns="0" rtlCol="0" anchor="ctr"/>
+          <a:lstStyle/>
+          <a:p>
+            <a:pPr algn="ctr"/>
+            <a:r>
+              <a:rPr lang="fr-FR" sz="1400" b="1" dirty="0" smtClean="0">
+                <a:solidFill>
+                  <a:srgbClr val="00B050"/>
+                </a:solidFill>
+              </a:rPr>
+              <a:t>T3</a:t>
+            </a:r>
+            <a:endParaRPr lang="fr-FR" sz="1400" b="1" dirty="0">
+              <a:solidFill>
+                <a:srgbClr val="00B050"/>
+              </a:solidFill>
+            </a:endParaRPr>
+          </a:p>
+        </p:txBody>
+      </p:sp>
+      <p:cxnSp>
+        <p:nvCxnSpPr>
+          <p:cNvPr id="44" name="Connecteur droit 43"/>
+          <p:cNvCxnSpPr>
+            <a:stCxn id="22" idx="6"/>
+            <a:endCxn id="40" idx="2"/>
+          </p:cNvCxnSpPr>
+          <p:nvPr/>
+        </p:nvCxnSpPr>
+        <p:spPr>
+          <a:xfrm>
+            <a:off x="1145975" y="3144389"/>
+            <a:ext cx="1085785" cy="0"/>
+          </a:xfrm>
+          <a:prstGeom prst="line">
+            <a:avLst/>
+          </a:prstGeom>
+          <a:noFill/>
+          <a:ln w="28575">
+            <a:solidFill>
+              <a:schemeClr val="tx1"/>
+            </a:solidFill>
+          </a:ln>
+        </p:spPr>
+        <p:style>
+          <a:lnRef idx="2">
+            <a:schemeClr val="accent1">
+              <a:shade val="50000"/>
+            </a:schemeClr>
+          </a:lnRef>
+          <a:fillRef idx="1">
+            <a:schemeClr val="accent1"/>
+          </a:fillRef>
+          <a:effectRef idx="0">
+            <a:schemeClr val="accent1"/>
+          </a:effectRef>
+          <a:fontRef idx="minor">
+            <a:schemeClr val="lt1"/>
+          </a:fontRef>
+        </p:style>
+      </p:cxnSp>
+      <p:cxnSp>
+        <p:nvCxnSpPr>
+          <p:cNvPr id="47" name="Connecteur droit 46"/>
+          <p:cNvCxnSpPr>
+            <a:stCxn id="40" idx="6"/>
+            <a:endCxn id="21" idx="2"/>
+          </p:cNvCxnSpPr>
+          <p:nvPr/>
+        </p:nvCxnSpPr>
+        <p:spPr>
+          <a:xfrm>
+            <a:off x="2591760" y="3144389"/>
+            <a:ext cx="1080751" cy="0"/>
+          </a:xfrm>
+          <a:prstGeom prst="line">
+            <a:avLst/>
+          </a:prstGeom>
+          <a:noFill/>
+          <a:ln w="28575">
+            <a:solidFill>
+              <a:schemeClr val="tx1"/>
+            </a:solidFill>
+          </a:ln>
+        </p:spPr>
+        <p:style>
+          <a:lnRef idx="2">
+            <a:schemeClr val="accent1">
+              <a:shade val="50000"/>
+            </a:schemeClr>
+          </a:lnRef>
+          <a:fillRef idx="1">
+            <a:schemeClr val="accent1"/>
+          </a:fillRef>
+          <a:effectRef idx="0">
+            <a:schemeClr val="accent1"/>
+          </a:effectRef>
+          <a:fontRef idx="minor">
+            <a:schemeClr val="lt1"/>
+          </a:fontRef>
+        </p:style>
+      </p:cxnSp>
+      <mc:AlternateContent xmlns:mc="http://schemas.openxmlformats.org/markup-compatibility/2006" xmlns:a14="http://schemas.microsoft.com/office/drawing/2010/main">
+        <mc:Choice Requires="a14">
+          <p:sp>
+            <p:nvSpPr>
+              <p:cNvPr id="58" name="ZoneTexte 57"/>
+              <p:cNvSpPr txBox="1"/>
+              <p:nvPr/>
+            </p:nvSpPr>
+            <p:spPr>
+              <a:xfrm rot="16200000">
+                <a:off x="1640199" y="3684417"/>
+                <a:ext cx="900711" cy="246221"/>
+              </a:xfrm>
+              <a:prstGeom prst="rect">
+                <a:avLst/>
+              </a:prstGeom>
+              <a:noFill/>
+            </p:spPr>
+            <p:txBody>
+              <a:bodyPr wrap="square" rtlCol="0">
+                <a:spAutoFit/>
+              </a:bodyPr>
+              <a:lstStyle/>
+              <a:p>
+                <a:pPr algn="ctr"/>
+                <a:r>
+                  <a:rPr lang="fr-FR" sz="1000" dirty="0" smtClean="0"/>
+                  <a:t>Pivot </a:t>
+                </a:r>
+                <a14:m>
+                  <m:oMath xmlns:m="http://schemas.openxmlformats.org/officeDocument/2006/math">
+                    <m:acc>
+                      <m:accPr>
+                        <m:chr m:val="⃗"/>
+                        <m:ctrlPr>
+                          <a:rPr lang="fr-FR" sz="1000" b="0" i="1" smtClean="0">
+                            <a:latin typeface="Cambria Math"/>
+                          </a:rPr>
+                        </m:ctrlPr>
+                      </m:accPr>
+                      <m:e>
+                        <m:sSub>
+                          <m:sSubPr>
+                            <m:ctrlPr>
+                              <a:rPr lang="fr-FR" sz="1000" i="1">
+                                <a:latin typeface="Cambria Math"/>
+                              </a:rPr>
+                            </m:ctrlPr>
+                          </m:sSubPr>
+                          <m:e>
+                            <m:r>
+                              <a:rPr lang="fr-FR" sz="1000" i="1">
+                                <a:latin typeface="Cambria Math"/>
+                              </a:rPr>
+                              <m:t>𝑦</m:t>
+                            </m:r>
+                          </m:e>
+                          <m:sub>
+                            <m:r>
+                              <a:rPr lang="fr-FR" sz="1000" i="1">
+                                <a:latin typeface="Cambria Math"/>
+                              </a:rPr>
+                              <m:t>𝑇</m:t>
+                            </m:r>
+                            <m:r>
+                              <a:rPr lang="fr-FR" sz="1000" i="1">
+                                <a:latin typeface="Cambria Math"/>
+                              </a:rPr>
+                              <m:t>7</m:t>
+                            </m:r>
+                          </m:sub>
+                        </m:sSub>
+                      </m:e>
+                    </m:acc>
+                  </m:oMath>
+                </a14:m>
+                <a:endParaRPr lang="fr-FR" sz="1000" dirty="0"/>
+              </a:p>
+            </p:txBody>
+          </p:sp>
+        </mc:Choice>
+        <mc:Fallback xmlns="">
+          <p:sp>
+            <p:nvSpPr>
+              <p:cNvPr id="58" name="ZoneTexte 57"/>
+              <p:cNvSpPr txBox="1">
+                <a:spLocks noRot="1" noChangeAspect="1" noMove="1" noResize="1" noEditPoints="1" noAdjustHandles="1" noChangeArrowheads="1" noChangeShapeType="1" noTextEdit="1"/>
+              </p:cNvSpPr>
+              <p:nvPr/>
+            </p:nvSpPr>
+            <p:spPr>
+              <a:xfrm rot="16200000">
+                <a:off x="1640199" y="3684417"/>
+                <a:ext cx="900711" cy="246221"/>
+              </a:xfrm>
+              <a:prstGeom prst="rect">
+                <a:avLst/>
+              </a:prstGeom>
+              <a:blipFill rotWithShape="1">
+                <a:blip r:embed="rId3"/>
+                <a:stretch>
+                  <a:fillRect r="-15000"/>
+                </a:stretch>
+              </a:blipFill>
+            </p:spPr>
+            <p:txBody>
+              <a:bodyPr/>
+              <a:lstStyle/>
+              <a:p>
+                <a:r>
+                  <a:rPr lang="fr-FR">
+                    <a:noFill/>
+                  </a:rPr>
+                  <a:t> </a:t>
+                </a:r>
+              </a:p>
+            </p:txBody>
+          </p:sp>
+        </mc:Fallback>
+      </mc:AlternateContent>
+      <mc:AlternateContent xmlns:mc="http://schemas.openxmlformats.org/markup-compatibility/2006" xmlns:a14="http://schemas.microsoft.com/office/drawing/2010/main">
+        <mc:Choice Requires="a14">
+          <p:sp>
+            <p:nvSpPr>
+              <p:cNvPr id="59" name="ZoneTexte 58"/>
+              <p:cNvSpPr txBox="1"/>
+              <p:nvPr/>
+            </p:nvSpPr>
+            <p:spPr>
+              <a:xfrm rot="16200000">
+                <a:off x="2285240" y="3690195"/>
+                <a:ext cx="900711" cy="246221"/>
+              </a:xfrm>
+              <a:prstGeom prst="rect">
+                <a:avLst/>
+              </a:prstGeom>
+              <a:noFill/>
+            </p:spPr>
+            <p:txBody>
+              <a:bodyPr wrap="square" rtlCol="0">
+                <a:spAutoFit/>
+              </a:bodyPr>
+              <a:lstStyle/>
+              <a:p>
+                <a:pPr algn="ctr"/>
+                <a:r>
+                  <a:rPr lang="fr-FR" sz="1000" dirty="0" smtClean="0"/>
+                  <a:t>Pivot </a:t>
+                </a:r>
+                <a14:m>
+                  <m:oMath xmlns:m="http://schemas.openxmlformats.org/officeDocument/2006/math">
+                    <m:acc>
+                      <m:accPr>
+                        <m:chr m:val="⃗"/>
+                        <m:ctrlPr>
+                          <a:rPr lang="fr-FR" sz="1000" b="0" i="1" smtClean="0">
+                            <a:latin typeface="Cambria Math"/>
+                          </a:rPr>
+                        </m:ctrlPr>
+                      </m:accPr>
+                      <m:e>
+                        <m:sSub>
+                          <m:sSubPr>
+                            <m:ctrlPr>
+                              <a:rPr lang="fr-FR" sz="1000" i="1">
+                                <a:latin typeface="Cambria Math"/>
+                              </a:rPr>
+                            </m:ctrlPr>
+                          </m:sSubPr>
+                          <m:e>
+                            <m:r>
+                              <a:rPr lang="fr-FR" sz="1000" i="1">
+                                <a:latin typeface="Cambria Math"/>
+                              </a:rPr>
+                              <m:t>𝑦</m:t>
+                            </m:r>
+                          </m:e>
+                          <m:sub>
+                            <m:r>
+                              <a:rPr lang="fr-FR" sz="1000" i="1">
+                                <a:latin typeface="Cambria Math"/>
+                              </a:rPr>
+                              <m:t>𝑇</m:t>
+                            </m:r>
+                            <m:r>
+                              <a:rPr lang="fr-FR" sz="1000" i="1">
+                                <a:latin typeface="Cambria Math"/>
+                              </a:rPr>
+                              <m:t>7</m:t>
+                            </m:r>
+                          </m:sub>
+                        </m:sSub>
+                      </m:e>
+                    </m:acc>
+                  </m:oMath>
+                </a14:m>
+                <a:endParaRPr lang="fr-FR" sz="1000" dirty="0"/>
+              </a:p>
+            </p:txBody>
+          </p:sp>
+        </mc:Choice>
+        <mc:Fallback xmlns="">
+          <p:sp>
+            <p:nvSpPr>
+              <p:cNvPr id="59" name="ZoneTexte 58"/>
+              <p:cNvSpPr txBox="1">
+                <a:spLocks noRot="1" noChangeAspect="1" noMove="1" noResize="1" noEditPoints="1" noAdjustHandles="1" noChangeArrowheads="1" noChangeShapeType="1" noTextEdit="1"/>
+              </p:cNvSpPr>
+              <p:nvPr/>
+            </p:nvSpPr>
+            <p:spPr>
+              <a:xfrm rot="16200000">
+                <a:off x="2285240" y="3690195"/>
+                <a:ext cx="900711" cy="246221"/>
+              </a:xfrm>
+              <a:prstGeom prst="rect">
+                <a:avLst/>
+              </a:prstGeom>
+              <a:blipFill rotWithShape="1">
+                <a:blip r:embed="rId4"/>
+                <a:stretch>
+                  <a:fillRect r="-15000"/>
+                </a:stretch>
+              </a:blipFill>
+            </p:spPr>
+            <p:txBody>
+              <a:bodyPr/>
+              <a:lstStyle/>
+              <a:p>
+                <a:r>
+                  <a:rPr lang="fr-FR">
+                    <a:noFill/>
+                  </a:rPr>
+                  <a:t> </a:t>
+                </a:r>
+              </a:p>
+            </p:txBody>
+          </p:sp>
+        </mc:Fallback>
+      </mc:AlternateContent>
+      <p:sp>
+        <p:nvSpPr>
+          <p:cNvPr id="60" name="ZoneTexte 59"/>
+          <p:cNvSpPr txBox="1"/>
+          <p:nvPr/>
+        </p:nvSpPr>
+        <p:spPr>
+          <a:xfrm>
+            <a:off x="2812420" y="4198923"/>
+            <a:ext cx="900711" cy="246221"/>
+          </a:xfrm>
+          <a:prstGeom prst="rect">
+            <a:avLst/>
+          </a:prstGeom>
+          <a:noFill/>
+        </p:spPr>
+        <p:txBody>
+          <a:bodyPr wrap="square" rtlCol="0">
+            <a:spAutoFit/>
+          </a:bodyPr>
+          <a:lstStyle/>
+          <a:p>
+            <a:pPr algn="ctr"/>
+            <a:r>
+              <a:rPr lang="fr-FR" sz="1000" dirty="0" smtClean="0"/>
+              <a:t>Rotule</a:t>
+            </a:r>
+            <a:endParaRPr lang="fr-FR" sz="1000" dirty="0"/>
+          </a:p>
+        </p:txBody>
+      </p:sp>
+      <p:sp>
+        <p:nvSpPr>
+          <p:cNvPr id="61" name="ZoneTexte 60"/>
+          <p:cNvSpPr txBox="1"/>
+          <p:nvPr/>
+        </p:nvSpPr>
+        <p:spPr>
+          <a:xfrm>
+            <a:off x="1066733" y="4134772"/>
+            <a:ext cx="900711" cy="246221"/>
+          </a:xfrm>
+          <a:prstGeom prst="rect">
+            <a:avLst/>
+          </a:prstGeom>
+          <a:noFill/>
+        </p:spPr>
+        <p:txBody>
+          <a:bodyPr wrap="square" rtlCol="0">
+            <a:spAutoFit/>
+          </a:bodyPr>
+          <a:lstStyle/>
+          <a:p>
+            <a:pPr algn="ctr"/>
+            <a:r>
+              <a:rPr lang="fr-FR" sz="1000" dirty="0" smtClean="0"/>
+              <a:t>Rotule</a:t>
+            </a:r>
+            <a:endParaRPr lang="fr-FR" sz="1000" dirty="0"/>
+          </a:p>
+        </p:txBody>
+      </p:sp>
+      <p:sp>
+        <p:nvSpPr>
+          <p:cNvPr id="62" name="ZoneTexte 61"/>
+          <p:cNvSpPr txBox="1"/>
+          <p:nvPr/>
+        </p:nvSpPr>
+        <p:spPr>
+          <a:xfrm>
+            <a:off x="3852511" y="3365004"/>
+            <a:ext cx="900711" cy="246221"/>
+          </a:xfrm>
+          <a:prstGeom prst="rect">
+            <a:avLst/>
+          </a:prstGeom>
+          <a:noFill/>
+        </p:spPr>
+        <p:txBody>
+          <a:bodyPr wrap="square" rtlCol="0">
+            <a:spAutoFit/>
+          </a:bodyPr>
+          <a:lstStyle/>
+          <a:p>
+            <a:pPr algn="ctr"/>
+            <a:r>
+              <a:rPr lang="fr-FR" sz="1000" dirty="0" smtClean="0"/>
+              <a:t>Pivot glissant</a:t>
+            </a:r>
+            <a:endParaRPr lang="fr-FR" sz="1000" dirty="0"/>
+          </a:p>
+        </p:txBody>
+      </p:sp>
+      <p:sp>
+        <p:nvSpPr>
+          <p:cNvPr id="63" name="ZoneTexte 62"/>
+          <p:cNvSpPr txBox="1"/>
+          <p:nvPr/>
+        </p:nvSpPr>
+        <p:spPr>
+          <a:xfrm>
+            <a:off x="65264" y="3365004"/>
+            <a:ext cx="900711" cy="246221"/>
+          </a:xfrm>
+          <a:prstGeom prst="rect">
+            <a:avLst/>
+          </a:prstGeom>
+          <a:noFill/>
+        </p:spPr>
+        <p:txBody>
+          <a:bodyPr wrap="square" rtlCol="0">
+            <a:spAutoFit/>
+          </a:bodyPr>
+          <a:lstStyle/>
+          <a:p>
+            <a:pPr algn="ctr"/>
+            <a:r>
+              <a:rPr lang="fr-FR" sz="1000" dirty="0" smtClean="0"/>
+              <a:t>Pivot glissant</a:t>
+            </a:r>
+            <a:endParaRPr lang="fr-FR" sz="1000" dirty="0"/>
+          </a:p>
+        </p:txBody>
+      </p:sp>
+      <p:sp>
+        <p:nvSpPr>
+          <p:cNvPr id="64" name="ZoneTexte 63"/>
+          <p:cNvSpPr txBox="1"/>
+          <p:nvPr/>
+        </p:nvSpPr>
+        <p:spPr>
+          <a:xfrm>
+            <a:off x="2681779" y="2898168"/>
+            <a:ext cx="900711" cy="246221"/>
+          </a:xfrm>
+          <a:prstGeom prst="rect">
+            <a:avLst/>
+          </a:prstGeom>
+          <a:noFill/>
+        </p:spPr>
+        <p:txBody>
+          <a:bodyPr wrap="square" rtlCol="0">
+            <a:spAutoFit/>
+          </a:bodyPr>
+          <a:lstStyle/>
+          <a:p>
+            <a:pPr algn="ctr"/>
+            <a:r>
+              <a:rPr lang="fr-FR" sz="1000" dirty="0" smtClean="0"/>
+              <a:t>Rotule</a:t>
+            </a:r>
+            <a:endParaRPr lang="fr-FR" sz="1000" dirty="0"/>
+          </a:p>
+        </p:txBody>
+      </p:sp>
+      <p:sp>
+        <p:nvSpPr>
+          <p:cNvPr id="65" name="ZoneTexte 64"/>
+          <p:cNvSpPr txBox="1"/>
+          <p:nvPr/>
+        </p:nvSpPr>
+        <p:spPr>
+          <a:xfrm>
+            <a:off x="1238511" y="2898168"/>
+            <a:ext cx="900711" cy="246221"/>
+          </a:xfrm>
+          <a:prstGeom prst="rect">
+            <a:avLst/>
+          </a:prstGeom>
+          <a:noFill/>
+        </p:spPr>
+        <p:txBody>
+          <a:bodyPr wrap="square" rtlCol="0">
+            <a:spAutoFit/>
+          </a:bodyPr>
+          <a:lstStyle/>
+          <a:p>
+            <a:pPr algn="ctr"/>
+            <a:r>
+              <a:rPr lang="fr-FR" sz="1000" dirty="0" smtClean="0"/>
+              <a:t>Rotule</a:t>
+            </a:r>
+            <a:endParaRPr lang="fr-FR" sz="1000" dirty="0"/>
+          </a:p>
+        </p:txBody>
+      </p:sp>
+      <p:sp>
+        <p:nvSpPr>
+          <p:cNvPr id="66" name="Ellipse 65"/>
+          <p:cNvSpPr/>
+          <p:nvPr/>
+        </p:nvSpPr>
+        <p:spPr>
+          <a:xfrm>
+            <a:off x="2231760" y="2220707"/>
+            <a:ext cx="360000" cy="360000"/>
+          </a:xfrm>
+          <a:prstGeom prst="ellipse">
+            <a:avLst/>
+          </a:prstGeom>
+          <a:solidFill>
+            <a:schemeClr val="bg1"/>
+          </a:solidFill>
+          <a:ln w="28575">
+            <a:solidFill>
+              <a:schemeClr val="accent4"/>
+            </a:solidFill>
+          </a:ln>
+        </p:spPr>
+        <p:style>
+          <a:lnRef idx="2">
+            <a:schemeClr val="accent1">
+              <a:shade val="50000"/>
+            </a:schemeClr>
+          </a:lnRef>
+          <a:fillRef idx="1">
+            <a:schemeClr val="accent1"/>
+          </a:fillRef>
+          <a:effectRef idx="0">
+            <a:schemeClr val="accent1"/>
+          </a:effectRef>
+          <a:fontRef idx="minor">
+            <a:schemeClr val="lt1"/>
+          </a:fontRef>
+        </p:style>
+        <p:txBody>
+          <a:bodyPr lIns="0" tIns="0" rIns="0" bIns="0" rtlCol="0" anchor="ctr"/>
+          <a:lstStyle/>
+          <a:p>
+            <a:pPr algn="ctr"/>
+            <a:r>
+              <a:rPr lang="fr-FR" sz="1400" b="1" dirty="0" smtClean="0">
+                <a:solidFill>
+                  <a:srgbClr val="7030A0"/>
+                </a:solidFill>
+              </a:rPr>
+              <a:t>T4</a:t>
+            </a:r>
+            <a:endParaRPr lang="fr-FR" sz="1400" b="1" dirty="0">
+              <a:solidFill>
+                <a:srgbClr val="7030A0"/>
+              </a:solidFill>
+            </a:endParaRPr>
+          </a:p>
+        </p:txBody>
+      </p:sp>
+      <p:cxnSp>
+        <p:nvCxnSpPr>
+          <p:cNvPr id="67" name="Connecteur droit 66"/>
+          <p:cNvCxnSpPr>
+            <a:stCxn id="66" idx="4"/>
+            <a:endCxn id="40" idx="0"/>
+          </p:cNvCxnSpPr>
+          <p:nvPr/>
+        </p:nvCxnSpPr>
+        <p:spPr>
+          <a:xfrm>
+            <a:off x="2411760" y="2580707"/>
+            <a:ext cx="0" cy="360000"/>
+          </a:xfrm>
+          <a:prstGeom prst="line">
+            <a:avLst/>
+          </a:prstGeom>
+          <a:noFill/>
+          <a:ln w="28575">
+            <a:solidFill>
+              <a:schemeClr val="tx1"/>
+            </a:solidFill>
+          </a:ln>
+        </p:spPr>
+        <p:style>
+          <a:lnRef idx="2">
+            <a:schemeClr val="accent1">
+              <a:shade val="50000"/>
+            </a:schemeClr>
+          </a:lnRef>
+          <a:fillRef idx="1">
+            <a:schemeClr val="accent1"/>
+          </a:fillRef>
+          <a:effectRef idx="0">
+            <a:schemeClr val="accent1"/>
+          </a:effectRef>
+          <a:fontRef idx="minor">
+            <a:schemeClr val="lt1"/>
+          </a:fontRef>
+        </p:style>
+      </p:cxnSp>
+      <mc:AlternateContent xmlns:mc="http://schemas.openxmlformats.org/markup-compatibility/2006" xmlns:a14="http://schemas.microsoft.com/office/drawing/2010/main">
+        <mc:Choice Requires="a14">
+          <p:sp>
+            <p:nvSpPr>
+              <p:cNvPr id="71" name="ZoneTexte 70"/>
+              <p:cNvSpPr txBox="1"/>
+              <p:nvPr/>
+            </p:nvSpPr>
+            <p:spPr>
+              <a:xfrm>
+                <a:off x="2421738" y="2638464"/>
+                <a:ext cx="926126" cy="246221"/>
+              </a:xfrm>
+              <a:prstGeom prst="rect">
+                <a:avLst/>
+              </a:prstGeom>
+              <a:noFill/>
+            </p:spPr>
+            <p:txBody>
+              <a:bodyPr wrap="square" rtlCol="0">
+                <a:spAutoFit/>
+              </a:bodyPr>
+              <a:lstStyle/>
+              <a:p>
+                <a:pPr algn="ctr"/>
+                <a:r>
+                  <a:rPr lang="fr-FR" sz="1000" dirty="0" smtClean="0"/>
+                  <a:t>Glissière  </a:t>
+                </a:r>
+                <a14:m>
+                  <m:oMath xmlns:m="http://schemas.openxmlformats.org/officeDocument/2006/math">
+                    <m:acc>
+                      <m:accPr>
+                        <m:chr m:val="⃗"/>
+                        <m:ctrlPr>
+                          <a:rPr lang="fr-FR" sz="1000" b="0" i="1" smtClean="0">
+                            <a:latin typeface="Cambria Math"/>
+                          </a:rPr>
+                        </m:ctrlPr>
+                      </m:accPr>
+                      <m:e>
+                        <m:sSub>
+                          <m:sSubPr>
+                            <m:ctrlPr>
+                              <a:rPr lang="fr-FR" sz="1000" i="1">
+                                <a:latin typeface="Cambria Math"/>
+                              </a:rPr>
+                            </m:ctrlPr>
+                          </m:sSubPr>
+                          <m:e>
+                            <m:r>
+                              <a:rPr lang="fr-FR" sz="1000" b="0" i="1" smtClean="0">
+                                <a:latin typeface="Cambria Math"/>
+                              </a:rPr>
+                              <m:t>𝑧</m:t>
+                            </m:r>
+                          </m:e>
+                          <m:sub>
+                            <m:r>
+                              <a:rPr lang="fr-FR" sz="1000" i="1">
+                                <a:latin typeface="Cambria Math"/>
+                              </a:rPr>
+                              <m:t>𝑇</m:t>
+                            </m:r>
+                            <m:r>
+                              <a:rPr lang="fr-FR" sz="1000" b="0" i="1" smtClean="0">
+                                <a:latin typeface="Cambria Math"/>
+                              </a:rPr>
+                              <m:t>6</m:t>
+                            </m:r>
+                          </m:sub>
+                        </m:sSub>
+                      </m:e>
+                    </m:acc>
+                  </m:oMath>
+                </a14:m>
+                <a:endParaRPr lang="fr-FR" sz="1000" dirty="0"/>
+              </a:p>
+            </p:txBody>
+          </p:sp>
+        </mc:Choice>
+        <mc:Fallback xmlns="">
+          <p:sp>
+            <p:nvSpPr>
+              <p:cNvPr id="71" name="ZoneTexte 70"/>
+              <p:cNvSpPr txBox="1">
+                <a:spLocks noRot="1" noChangeAspect="1" noMove="1" noResize="1" noEditPoints="1" noAdjustHandles="1" noChangeArrowheads="1" noChangeShapeType="1" noTextEdit="1"/>
+              </p:cNvSpPr>
+              <p:nvPr/>
+            </p:nvSpPr>
+            <p:spPr>
+              <a:xfrm>
+                <a:off x="2421738" y="2638464"/>
+                <a:ext cx="926126" cy="246221"/>
+              </a:xfrm>
+              <a:prstGeom prst="rect">
+                <a:avLst/>
+              </a:prstGeom>
+              <a:blipFill rotWithShape="1">
+                <a:blip r:embed="rId5"/>
+                <a:stretch>
+                  <a:fillRect b="-15000"/>
+                </a:stretch>
+              </a:blipFill>
+            </p:spPr>
+            <p:txBody>
+              <a:bodyPr/>
+              <a:lstStyle/>
+              <a:p>
+                <a:r>
+                  <a:rPr lang="fr-FR">
+                    <a:noFill/>
+                  </a:rPr>
+                  <a:t> </a:t>
+                </a:r>
+              </a:p>
+            </p:txBody>
+          </p:sp>
+        </mc:Fallback>
+      </mc:AlternateContent>
+      <p:sp>
+        <p:nvSpPr>
+          <p:cNvPr id="72" name="Ellipse 71"/>
+          <p:cNvSpPr/>
+          <p:nvPr/>
+        </p:nvSpPr>
+        <p:spPr>
+          <a:xfrm>
+            <a:off x="2231760" y="1500707"/>
+            <a:ext cx="360000" cy="360000"/>
+          </a:xfrm>
+          <a:prstGeom prst="ellipse">
+            <a:avLst/>
+          </a:prstGeom>
+          <a:solidFill>
+            <a:schemeClr val="bg1"/>
+          </a:solidFill>
+          <a:ln w="28575">
+            <a:solidFill>
+              <a:srgbClr val="FF5BE0"/>
+            </a:solidFill>
+          </a:ln>
+        </p:spPr>
+        <p:style>
+          <a:lnRef idx="2">
+            <a:schemeClr val="accent1">
+              <a:shade val="50000"/>
+            </a:schemeClr>
+          </a:lnRef>
+          <a:fillRef idx="1">
+            <a:schemeClr val="accent1"/>
+          </a:fillRef>
+          <a:effectRef idx="0">
+            <a:schemeClr val="accent1"/>
+          </a:effectRef>
+          <a:fontRef idx="minor">
+            <a:schemeClr val="lt1"/>
+          </a:fontRef>
+        </p:style>
+        <p:txBody>
+          <a:bodyPr lIns="0" tIns="0" rIns="0" bIns="0" rtlCol="0" anchor="ctr"/>
+          <a:lstStyle/>
+          <a:p>
+            <a:pPr algn="ctr"/>
+            <a:r>
+              <a:rPr lang="fr-FR" sz="1400" b="1" dirty="0" smtClean="0">
+                <a:solidFill>
+                  <a:srgbClr val="FF5BE0"/>
+                </a:solidFill>
+              </a:rPr>
+              <a:t>T5</a:t>
+            </a:r>
+            <a:endParaRPr lang="fr-FR" sz="1400" b="1" dirty="0">
+              <a:solidFill>
+                <a:srgbClr val="FF5BE0"/>
+              </a:solidFill>
+            </a:endParaRPr>
+          </a:p>
+        </p:txBody>
+      </p:sp>
+      <p:cxnSp>
+        <p:nvCxnSpPr>
+          <p:cNvPr id="73" name="Connecteur droit 72"/>
+          <p:cNvCxnSpPr/>
+          <p:nvPr/>
+        </p:nvCxnSpPr>
+        <p:spPr>
+          <a:xfrm>
+            <a:off x="2421738" y="1860707"/>
+            <a:ext cx="0" cy="360000"/>
+          </a:xfrm>
+          <a:prstGeom prst="line">
+            <a:avLst/>
+          </a:prstGeom>
+          <a:noFill/>
+          <a:ln w="28575">
+            <a:solidFill>
+              <a:schemeClr val="tx1"/>
+            </a:solidFill>
+          </a:ln>
+        </p:spPr>
+        <p:style>
+          <a:lnRef idx="2">
+            <a:schemeClr val="accent1">
+              <a:shade val="50000"/>
+            </a:schemeClr>
+          </a:lnRef>
+          <a:fillRef idx="1">
+            <a:schemeClr val="accent1"/>
+          </a:fillRef>
+          <a:effectRef idx="0">
+            <a:schemeClr val="accent1"/>
+          </a:effectRef>
+          <a:fontRef idx="minor">
+            <a:schemeClr val="lt1"/>
+          </a:fontRef>
+        </p:style>
+      </p:cxnSp>
+      <p:sp>
+        <p:nvSpPr>
+          <p:cNvPr id="77" name="Ellipse 76"/>
+          <p:cNvSpPr/>
+          <p:nvPr/>
+        </p:nvSpPr>
+        <p:spPr>
+          <a:xfrm>
+            <a:off x="2231760" y="764744"/>
+            <a:ext cx="360000" cy="360000"/>
+          </a:xfrm>
+          <a:prstGeom prst="ellipse">
+            <a:avLst/>
+          </a:prstGeom>
+          <a:solidFill>
+            <a:schemeClr val="bg1"/>
+          </a:solidFill>
+          <a:ln w="28575">
+            <a:solidFill>
+              <a:schemeClr val="bg1">
+                <a:lumMod val="50000"/>
+              </a:schemeClr>
+            </a:solidFill>
+          </a:ln>
+        </p:spPr>
+        <p:style>
+          <a:lnRef idx="2">
+            <a:schemeClr val="accent1">
+              <a:shade val="50000"/>
+            </a:schemeClr>
+          </a:lnRef>
+          <a:fillRef idx="1">
+            <a:schemeClr val="accent1"/>
+          </a:fillRef>
+          <a:effectRef idx="0">
+            <a:schemeClr val="accent1"/>
+          </a:effectRef>
+          <a:fontRef idx="minor">
+            <a:schemeClr val="lt1"/>
+          </a:fontRef>
+        </p:style>
+        <p:txBody>
+          <a:bodyPr lIns="0" tIns="0" rIns="0" bIns="0" rtlCol="0" anchor="ctr"/>
+          <a:lstStyle/>
+          <a:p>
+            <a:pPr algn="ctr"/>
+            <a:r>
+              <a:rPr lang="fr-FR" sz="1400" b="1" dirty="0" smtClean="0">
+                <a:solidFill>
+                  <a:schemeClr val="bg1">
+                    <a:lumMod val="50000"/>
+                  </a:schemeClr>
+                </a:solidFill>
+              </a:rPr>
+              <a:t>T6</a:t>
+            </a:r>
+            <a:endParaRPr lang="fr-FR" sz="1400" b="1" dirty="0">
+              <a:solidFill>
+                <a:schemeClr val="bg1">
+                  <a:lumMod val="50000"/>
+                </a:schemeClr>
+              </a:solidFill>
+            </a:endParaRPr>
+          </a:p>
+        </p:txBody>
+      </p:sp>
+      <p:cxnSp>
+        <p:nvCxnSpPr>
+          <p:cNvPr id="78" name="Connecteur droit 77"/>
+          <p:cNvCxnSpPr>
+            <a:stCxn id="77" idx="4"/>
+            <a:endCxn id="72" idx="0"/>
+          </p:cNvCxnSpPr>
+          <p:nvPr/>
+        </p:nvCxnSpPr>
+        <p:spPr>
+          <a:xfrm>
+            <a:off x="2411760" y="1124744"/>
+            <a:ext cx="0" cy="375963"/>
+          </a:xfrm>
+          <a:prstGeom prst="line">
+            <a:avLst/>
+          </a:prstGeom>
+          <a:noFill/>
+          <a:ln w="28575">
+            <a:solidFill>
+              <a:schemeClr val="tx1"/>
+            </a:solidFill>
+          </a:ln>
+        </p:spPr>
+        <p:style>
+          <a:lnRef idx="2">
+            <a:schemeClr val="accent1">
+              <a:shade val="50000"/>
+            </a:schemeClr>
+          </a:lnRef>
+          <a:fillRef idx="1">
+            <a:schemeClr val="accent1"/>
+          </a:fillRef>
+          <a:effectRef idx="0">
+            <a:schemeClr val="accent1"/>
+          </a:effectRef>
+          <a:fontRef idx="minor">
+            <a:schemeClr val="lt1"/>
+          </a:fontRef>
+        </p:style>
+      </p:cxnSp>
+      <mc:AlternateContent xmlns:mc="http://schemas.openxmlformats.org/markup-compatibility/2006" xmlns:a14="http://schemas.microsoft.com/office/drawing/2010/main">
+        <mc:Choice Requires="a14">
+          <p:sp>
+            <p:nvSpPr>
+              <p:cNvPr id="82" name="ZoneTexte 81"/>
+              <p:cNvSpPr txBox="1"/>
+              <p:nvPr/>
+            </p:nvSpPr>
+            <p:spPr>
+              <a:xfrm>
+                <a:off x="2408350" y="1197596"/>
+                <a:ext cx="900711" cy="246221"/>
+              </a:xfrm>
+              <a:prstGeom prst="rect">
+                <a:avLst/>
+              </a:prstGeom>
+              <a:noFill/>
+            </p:spPr>
+            <p:txBody>
+              <a:bodyPr wrap="square" rtlCol="0">
+                <a:spAutoFit/>
+              </a:bodyPr>
+              <a:lstStyle/>
+              <a:p>
+                <a:pPr algn="ctr"/>
+                <a:r>
+                  <a:rPr lang="fr-FR" sz="1000" dirty="0" smtClean="0"/>
+                  <a:t>Glissière  </a:t>
+                </a:r>
+                <a14:m>
+                  <m:oMath xmlns:m="http://schemas.openxmlformats.org/officeDocument/2006/math">
+                    <m:acc>
+                      <m:accPr>
+                        <m:chr m:val="⃗"/>
+                        <m:ctrlPr>
+                          <a:rPr lang="fr-FR" sz="1000" b="0" i="1" smtClean="0">
+                            <a:latin typeface="Cambria Math"/>
+                          </a:rPr>
+                        </m:ctrlPr>
+                      </m:accPr>
+                      <m:e>
+                        <m:sSub>
+                          <m:sSubPr>
+                            <m:ctrlPr>
+                              <a:rPr lang="fr-FR" sz="1000" i="1">
+                                <a:latin typeface="Cambria Math"/>
+                              </a:rPr>
+                            </m:ctrlPr>
+                          </m:sSubPr>
+                          <m:e>
+                            <m:r>
+                              <a:rPr lang="fr-FR" sz="1000" b="0" i="1" smtClean="0">
+                                <a:latin typeface="Cambria Math"/>
+                              </a:rPr>
+                              <m:t>𝑦</m:t>
+                            </m:r>
+                          </m:e>
+                          <m:sub>
+                            <m:r>
+                              <a:rPr lang="fr-FR" sz="1000" i="1">
+                                <a:latin typeface="Cambria Math"/>
+                              </a:rPr>
+                              <m:t>𝑇</m:t>
+                            </m:r>
+                            <m:r>
+                              <a:rPr lang="fr-FR" sz="1000" b="0" i="1" smtClean="0">
+                                <a:latin typeface="Cambria Math"/>
+                              </a:rPr>
+                              <m:t>6</m:t>
+                            </m:r>
+                          </m:sub>
+                        </m:sSub>
+                      </m:e>
+                    </m:acc>
+                  </m:oMath>
+                </a14:m>
+                <a:endParaRPr lang="fr-FR" sz="1000" dirty="0"/>
+              </a:p>
+            </p:txBody>
+          </p:sp>
+        </mc:Choice>
+        <mc:Fallback xmlns="">
+          <p:sp>
+            <p:nvSpPr>
+              <p:cNvPr id="82" name="ZoneTexte 81"/>
+              <p:cNvSpPr txBox="1">
+                <a:spLocks noRot="1" noChangeAspect="1" noMove="1" noResize="1" noEditPoints="1" noAdjustHandles="1" noChangeArrowheads="1" noChangeShapeType="1" noTextEdit="1"/>
+              </p:cNvSpPr>
+              <p:nvPr/>
+            </p:nvSpPr>
+            <p:spPr>
+              <a:xfrm>
+                <a:off x="2408350" y="1197596"/>
+                <a:ext cx="900711" cy="246221"/>
+              </a:xfrm>
+              <a:prstGeom prst="rect">
+                <a:avLst/>
+              </a:prstGeom>
+              <a:blipFill rotWithShape="1">
+                <a:blip r:embed="rId6"/>
+                <a:stretch>
+                  <a:fillRect b="-12195"/>
+                </a:stretch>
+              </a:blipFill>
+            </p:spPr>
+            <p:txBody>
+              <a:bodyPr/>
+              <a:lstStyle/>
+              <a:p>
+                <a:r>
+                  <a:rPr lang="fr-FR">
+                    <a:noFill/>
+                  </a:rPr>
+                  <a:t> </a:t>
+                </a:r>
+              </a:p>
+            </p:txBody>
+          </p:sp>
+        </mc:Fallback>
+      </mc:AlternateContent>
+      <p:sp>
+        <p:nvSpPr>
+          <p:cNvPr id="83" name="Ellipse 82"/>
+          <p:cNvSpPr/>
+          <p:nvPr/>
+        </p:nvSpPr>
+        <p:spPr>
+          <a:xfrm>
+            <a:off x="3672511" y="764744"/>
+            <a:ext cx="360000" cy="360000"/>
+          </a:xfrm>
+          <a:prstGeom prst="ellipse">
+            <a:avLst/>
+          </a:prstGeom>
+          <a:solidFill>
+            <a:schemeClr val="bg1"/>
+          </a:solidFill>
+          <a:ln w="28575">
+            <a:solidFill>
+              <a:srgbClr val="C00000"/>
+            </a:solidFill>
+          </a:ln>
+        </p:spPr>
+        <p:style>
+          <a:lnRef idx="2">
+            <a:schemeClr val="accent1">
+              <a:shade val="50000"/>
+            </a:schemeClr>
+          </a:lnRef>
+          <a:fillRef idx="1">
+            <a:schemeClr val="accent1"/>
+          </a:fillRef>
+          <a:effectRef idx="0">
+            <a:schemeClr val="accent1"/>
+          </a:effectRef>
+          <a:fontRef idx="minor">
+            <a:schemeClr val="lt1"/>
+          </a:fontRef>
+        </p:style>
+        <p:txBody>
+          <a:bodyPr lIns="0" tIns="0" rIns="0" bIns="0" rtlCol="0" anchor="ctr"/>
+          <a:lstStyle/>
+          <a:p>
+            <a:pPr algn="ctr"/>
+            <a:r>
+              <a:rPr lang="fr-FR" sz="1400" b="1" dirty="0" smtClean="0">
+                <a:solidFill>
+                  <a:schemeClr val="accent2"/>
+                </a:solidFill>
+              </a:rPr>
+              <a:t>T7</a:t>
+            </a:r>
+            <a:endParaRPr lang="fr-FR" sz="1400" b="1" dirty="0">
+              <a:solidFill>
+                <a:schemeClr val="accent2"/>
+              </a:solidFill>
+            </a:endParaRPr>
+          </a:p>
+        </p:txBody>
+      </p:sp>
+      <p:cxnSp>
+        <p:nvCxnSpPr>
+          <p:cNvPr id="84" name="Connecteur droit 83"/>
+          <p:cNvCxnSpPr>
+            <a:stCxn id="77" idx="6"/>
+            <a:endCxn id="83" idx="2"/>
+          </p:cNvCxnSpPr>
+          <p:nvPr/>
+        </p:nvCxnSpPr>
+        <p:spPr>
+          <a:xfrm>
+            <a:off x="2591760" y="944744"/>
+            <a:ext cx="1080751" cy="0"/>
+          </a:xfrm>
+          <a:prstGeom prst="line">
+            <a:avLst/>
+          </a:prstGeom>
+          <a:noFill/>
+          <a:ln w="28575">
+            <a:solidFill>
+              <a:schemeClr val="tx1"/>
+            </a:solidFill>
+          </a:ln>
+        </p:spPr>
+        <p:style>
+          <a:lnRef idx="2">
+            <a:schemeClr val="accent1">
+              <a:shade val="50000"/>
+            </a:schemeClr>
+          </a:lnRef>
+          <a:fillRef idx="1">
+            <a:schemeClr val="accent1"/>
+          </a:fillRef>
+          <a:effectRef idx="0">
+            <a:schemeClr val="accent1"/>
+          </a:effectRef>
+          <a:fontRef idx="minor">
+            <a:schemeClr val="lt1"/>
+          </a:fontRef>
+        </p:style>
+      </p:cxnSp>
+      <mc:AlternateContent xmlns:mc="http://schemas.openxmlformats.org/markup-compatibility/2006" xmlns:a14="http://schemas.microsoft.com/office/drawing/2010/main">
+        <mc:Choice Requires="a14">
+          <p:sp>
+            <p:nvSpPr>
+              <p:cNvPr id="87" name="ZoneTexte 86"/>
+              <p:cNvSpPr txBox="1"/>
+              <p:nvPr/>
+            </p:nvSpPr>
+            <p:spPr>
+              <a:xfrm>
+                <a:off x="2681778" y="692356"/>
+                <a:ext cx="900711" cy="246221"/>
+              </a:xfrm>
+              <a:prstGeom prst="rect">
+                <a:avLst/>
+              </a:prstGeom>
+              <a:noFill/>
+            </p:spPr>
+            <p:txBody>
+              <a:bodyPr wrap="square" rtlCol="0">
+                <a:spAutoFit/>
+              </a:bodyPr>
+              <a:lstStyle/>
+              <a:p>
+                <a:pPr algn="ctr"/>
+                <a:r>
+                  <a:rPr lang="fr-FR" sz="1000" b="0" dirty="0" smtClean="0"/>
+                  <a:t>Pivot </a:t>
+                </a:r>
+                <a14:m>
+                  <m:oMath xmlns:m="http://schemas.openxmlformats.org/officeDocument/2006/math">
+                    <m:acc>
+                      <m:accPr>
+                        <m:chr m:val="⃗"/>
+                        <m:ctrlPr>
+                          <a:rPr lang="fr-FR" sz="1000" b="0" i="1" smtClean="0">
+                            <a:latin typeface="Cambria Math"/>
+                          </a:rPr>
+                        </m:ctrlPr>
+                      </m:accPr>
+                      <m:e>
+                        <m:sSub>
+                          <m:sSubPr>
+                            <m:ctrlPr>
+                              <a:rPr lang="fr-FR" sz="1000" i="1">
+                                <a:latin typeface="Cambria Math"/>
+                              </a:rPr>
+                            </m:ctrlPr>
+                          </m:sSubPr>
+                          <m:e>
+                            <m:r>
+                              <a:rPr lang="fr-FR" sz="1000" b="0" i="1" smtClean="0">
+                                <a:latin typeface="Cambria Math"/>
+                              </a:rPr>
+                              <m:t>𝑥</m:t>
+                            </m:r>
+                          </m:e>
+                          <m:sub>
+                            <m:r>
+                              <a:rPr lang="fr-FR" sz="1000" i="1">
+                                <a:latin typeface="Cambria Math"/>
+                              </a:rPr>
+                              <m:t>𝑇</m:t>
+                            </m:r>
+                            <m:r>
+                              <a:rPr lang="fr-FR" sz="1000" b="0" i="1" smtClean="0">
+                                <a:latin typeface="Cambria Math"/>
+                              </a:rPr>
+                              <m:t>6</m:t>
+                            </m:r>
+                          </m:sub>
+                        </m:sSub>
+                      </m:e>
+                    </m:acc>
+                  </m:oMath>
+                </a14:m>
+                <a:endParaRPr lang="fr-FR" sz="1000" dirty="0"/>
+              </a:p>
+            </p:txBody>
+          </p:sp>
+        </mc:Choice>
+        <mc:Fallback xmlns="">
+          <p:sp>
+            <p:nvSpPr>
+              <p:cNvPr id="87" name="ZoneTexte 86"/>
+              <p:cNvSpPr txBox="1">
+                <a:spLocks noRot="1" noChangeAspect="1" noMove="1" noResize="1" noEditPoints="1" noAdjustHandles="1" noChangeArrowheads="1" noChangeShapeType="1" noTextEdit="1"/>
+              </p:cNvSpPr>
+              <p:nvPr/>
+            </p:nvSpPr>
+            <p:spPr>
+              <a:xfrm>
+                <a:off x="2681778" y="692356"/>
+                <a:ext cx="900711" cy="246221"/>
+              </a:xfrm>
+              <a:prstGeom prst="rect">
+                <a:avLst/>
+              </a:prstGeom>
+              <a:blipFill rotWithShape="1">
+                <a:blip r:embed="rId7"/>
+                <a:stretch>
+                  <a:fillRect b="-15000"/>
+                </a:stretch>
+              </a:blipFill>
+            </p:spPr>
+            <p:txBody>
+              <a:bodyPr/>
+              <a:lstStyle/>
+              <a:p>
+                <a:r>
+                  <a:rPr lang="fr-FR">
+                    <a:noFill/>
+                  </a:rPr>
+                  <a:t> </a:t>
+                </a:r>
+              </a:p>
+            </p:txBody>
+          </p:sp>
+        </mc:Fallback>
+      </mc:AlternateContent>
+      <p:sp>
+        <p:nvSpPr>
+          <p:cNvPr id="88" name="Ellipse 87"/>
+          <p:cNvSpPr/>
+          <p:nvPr/>
+        </p:nvSpPr>
+        <p:spPr>
+          <a:xfrm>
+            <a:off x="785975" y="764744"/>
+            <a:ext cx="360000" cy="360000"/>
+          </a:xfrm>
+          <a:prstGeom prst="ellipse">
+            <a:avLst/>
+          </a:prstGeom>
+          <a:solidFill>
+            <a:schemeClr val="bg1"/>
+          </a:solidFill>
+          <a:ln w="28575">
+            <a:solidFill>
+              <a:srgbClr val="0070C0"/>
+            </a:solidFill>
+          </a:ln>
+        </p:spPr>
+        <p:style>
+          <a:lnRef idx="2">
+            <a:schemeClr val="accent1">
+              <a:shade val="50000"/>
+            </a:schemeClr>
+          </a:lnRef>
+          <a:fillRef idx="1">
+            <a:schemeClr val="accent1"/>
+          </a:fillRef>
+          <a:effectRef idx="0">
+            <a:schemeClr val="accent1"/>
+          </a:effectRef>
+          <a:fontRef idx="minor">
+            <a:schemeClr val="lt1"/>
+          </a:fontRef>
+        </p:style>
+        <p:txBody>
+          <a:bodyPr lIns="0" tIns="0" rIns="0" bIns="0" rtlCol="0" anchor="ctr"/>
+          <a:lstStyle/>
+          <a:p>
+            <a:pPr algn="ctr"/>
+            <a:r>
+              <a:rPr lang="fr-FR" sz="1400" b="1" dirty="0" smtClean="0">
+                <a:solidFill>
+                  <a:srgbClr val="0070C0"/>
+                </a:solidFill>
+              </a:rPr>
+              <a:t>T8</a:t>
+            </a:r>
+            <a:endParaRPr lang="fr-FR" sz="1400" b="1" dirty="0">
+              <a:solidFill>
+                <a:srgbClr val="0070C0"/>
+              </a:solidFill>
+            </a:endParaRPr>
+          </a:p>
+        </p:txBody>
+      </p:sp>
+      <p:cxnSp>
+        <p:nvCxnSpPr>
+          <p:cNvPr id="89" name="Connecteur droit 88"/>
+          <p:cNvCxnSpPr>
+            <a:stCxn id="88" idx="6"/>
+            <a:endCxn id="77" idx="2"/>
+          </p:cNvCxnSpPr>
+          <p:nvPr/>
+        </p:nvCxnSpPr>
+        <p:spPr>
+          <a:xfrm>
+            <a:off x="1145975" y="944744"/>
+            <a:ext cx="1085785" cy="0"/>
+          </a:xfrm>
+          <a:prstGeom prst="line">
+            <a:avLst/>
+          </a:prstGeom>
+          <a:noFill/>
+          <a:ln w="28575">
+            <a:solidFill>
+              <a:schemeClr val="tx1"/>
+            </a:solidFill>
+          </a:ln>
+        </p:spPr>
+        <p:style>
+          <a:lnRef idx="2">
+            <a:schemeClr val="accent1">
+              <a:shade val="50000"/>
+            </a:schemeClr>
+          </a:lnRef>
+          <a:fillRef idx="1">
+            <a:schemeClr val="accent1"/>
+          </a:fillRef>
+          <a:effectRef idx="0">
+            <a:schemeClr val="accent1"/>
+          </a:effectRef>
+          <a:fontRef idx="minor">
+            <a:schemeClr val="lt1"/>
+          </a:fontRef>
+        </p:style>
+      </p:cxnSp>
+      <mc:AlternateContent xmlns:mc="http://schemas.openxmlformats.org/markup-compatibility/2006" xmlns:a14="http://schemas.microsoft.com/office/drawing/2010/main">
+        <mc:Choice Requires="a14">
+          <p:sp>
+            <p:nvSpPr>
+              <p:cNvPr id="92" name="ZoneTexte 91"/>
+              <p:cNvSpPr txBox="1"/>
+              <p:nvPr/>
+            </p:nvSpPr>
+            <p:spPr>
+              <a:xfrm>
+                <a:off x="1238511" y="698523"/>
+                <a:ext cx="900711" cy="246221"/>
+              </a:xfrm>
+              <a:prstGeom prst="rect">
+                <a:avLst/>
+              </a:prstGeom>
+              <a:noFill/>
+            </p:spPr>
+            <p:txBody>
+              <a:bodyPr wrap="square" rtlCol="0">
+                <a:spAutoFit/>
+              </a:bodyPr>
+              <a:lstStyle/>
+              <a:p>
+                <a:pPr algn="ctr"/>
+                <a:r>
+                  <a:rPr lang="fr-FR" sz="1000" b="0" dirty="0" smtClean="0"/>
+                  <a:t>Pivot </a:t>
+                </a:r>
+                <a14:m>
+                  <m:oMath xmlns:m="http://schemas.openxmlformats.org/officeDocument/2006/math">
+                    <m:acc>
+                      <m:accPr>
+                        <m:chr m:val="⃗"/>
+                        <m:ctrlPr>
+                          <a:rPr lang="fr-FR" sz="1000" b="0" i="1" smtClean="0">
+                            <a:latin typeface="Cambria Math"/>
+                          </a:rPr>
+                        </m:ctrlPr>
+                      </m:accPr>
+                      <m:e>
+                        <m:sSub>
+                          <m:sSubPr>
+                            <m:ctrlPr>
+                              <a:rPr lang="fr-FR" sz="1000" i="1">
+                                <a:latin typeface="Cambria Math"/>
+                              </a:rPr>
+                            </m:ctrlPr>
+                          </m:sSubPr>
+                          <m:e>
+                            <m:r>
+                              <a:rPr lang="fr-FR" sz="1000" b="0" i="1" smtClean="0">
+                                <a:latin typeface="Cambria Math"/>
+                              </a:rPr>
+                              <m:t>𝑥</m:t>
+                            </m:r>
+                          </m:e>
+                          <m:sub>
+                            <m:r>
+                              <a:rPr lang="fr-FR" sz="1000" i="1">
+                                <a:latin typeface="Cambria Math"/>
+                              </a:rPr>
+                              <m:t>𝑇</m:t>
+                            </m:r>
+                            <m:r>
+                              <a:rPr lang="fr-FR" sz="1000" b="0" i="1" smtClean="0">
+                                <a:latin typeface="Cambria Math"/>
+                              </a:rPr>
+                              <m:t>8</m:t>
+                            </m:r>
+                          </m:sub>
+                        </m:sSub>
+                      </m:e>
+                    </m:acc>
+                  </m:oMath>
+                </a14:m>
+                <a:endParaRPr lang="fr-FR" sz="1000" dirty="0"/>
+              </a:p>
+            </p:txBody>
+          </p:sp>
+        </mc:Choice>
+        <mc:Fallback xmlns="">
+          <p:sp>
+            <p:nvSpPr>
+              <p:cNvPr id="92" name="ZoneTexte 91"/>
+              <p:cNvSpPr txBox="1">
+                <a:spLocks noRot="1" noChangeAspect="1" noMove="1" noResize="1" noEditPoints="1" noAdjustHandles="1" noChangeArrowheads="1" noChangeShapeType="1" noTextEdit="1"/>
+              </p:cNvSpPr>
+              <p:nvPr/>
+            </p:nvSpPr>
+            <p:spPr>
+              <a:xfrm>
+                <a:off x="1238511" y="698523"/>
+                <a:ext cx="900711" cy="246221"/>
+              </a:xfrm>
+              <a:prstGeom prst="rect">
+                <a:avLst/>
+              </a:prstGeom>
+              <a:blipFill rotWithShape="1">
+                <a:blip r:embed="rId8"/>
+                <a:stretch>
+                  <a:fillRect b="-15000"/>
+                </a:stretch>
+              </a:blipFill>
+            </p:spPr>
+            <p:txBody>
+              <a:bodyPr/>
+              <a:lstStyle/>
+              <a:p>
+                <a:r>
+                  <a:rPr lang="fr-FR">
+                    <a:noFill/>
+                  </a:rPr>
+                  <a:t> </a:t>
+                </a:r>
+              </a:p>
+            </p:txBody>
+          </p:sp>
+        </mc:Fallback>
+      </mc:AlternateContent>
+      <mc:AlternateContent xmlns:mc="http://schemas.openxmlformats.org/markup-compatibility/2006" xmlns:a14="http://schemas.microsoft.com/office/drawing/2010/main">
+        <mc:Choice Requires="a14">
+          <p:sp>
+            <p:nvSpPr>
+              <p:cNvPr id="97" name="ZoneTexte 96"/>
+              <p:cNvSpPr txBox="1"/>
+              <p:nvPr/>
+            </p:nvSpPr>
+            <p:spPr>
+              <a:xfrm>
+                <a:off x="2411760" y="1917596"/>
+                <a:ext cx="926126" cy="246221"/>
+              </a:xfrm>
+              <a:prstGeom prst="rect">
+                <a:avLst/>
+              </a:prstGeom>
+              <a:noFill/>
+            </p:spPr>
+            <p:txBody>
+              <a:bodyPr wrap="square" rtlCol="0">
+                <a:spAutoFit/>
+              </a:bodyPr>
+              <a:lstStyle/>
+              <a:p>
+                <a:pPr algn="ctr"/>
+                <a:r>
+                  <a:rPr lang="fr-FR" sz="1000" dirty="0" smtClean="0"/>
+                  <a:t>Glissière  </a:t>
+                </a:r>
+                <a14:m>
+                  <m:oMath xmlns:m="http://schemas.openxmlformats.org/officeDocument/2006/math">
+                    <m:acc>
+                      <m:accPr>
+                        <m:chr m:val="⃗"/>
+                        <m:ctrlPr>
+                          <a:rPr lang="fr-FR" sz="1000" b="0" i="1" smtClean="0">
+                            <a:latin typeface="Cambria Math"/>
+                          </a:rPr>
+                        </m:ctrlPr>
+                      </m:accPr>
+                      <m:e>
+                        <m:sSub>
+                          <m:sSubPr>
+                            <m:ctrlPr>
+                              <a:rPr lang="fr-FR" sz="1000" i="1">
+                                <a:latin typeface="Cambria Math"/>
+                              </a:rPr>
+                            </m:ctrlPr>
+                          </m:sSubPr>
+                          <m:e>
+                            <m:r>
+                              <a:rPr lang="fr-FR" sz="1000" b="0" i="1" smtClean="0">
+                                <a:latin typeface="Cambria Math"/>
+                              </a:rPr>
+                              <m:t>𝑧</m:t>
+                            </m:r>
+                          </m:e>
+                          <m:sub>
+                            <m:r>
+                              <a:rPr lang="fr-FR" sz="1000" i="1">
+                                <a:latin typeface="Cambria Math"/>
+                              </a:rPr>
+                              <m:t>𝑇</m:t>
+                            </m:r>
+                            <m:r>
+                              <a:rPr lang="fr-FR" sz="1000" b="0" i="1" smtClean="0">
+                                <a:latin typeface="Cambria Math"/>
+                              </a:rPr>
+                              <m:t>6</m:t>
+                            </m:r>
+                          </m:sub>
+                        </m:sSub>
+                      </m:e>
+                    </m:acc>
+                  </m:oMath>
+                </a14:m>
+                <a:endParaRPr lang="fr-FR" sz="1000" dirty="0"/>
+              </a:p>
+            </p:txBody>
+          </p:sp>
+        </mc:Choice>
+        <mc:Fallback xmlns="">
+          <p:sp>
+            <p:nvSpPr>
+              <p:cNvPr id="97" name="ZoneTexte 96"/>
+              <p:cNvSpPr txBox="1">
+                <a:spLocks noRot="1" noChangeAspect="1" noMove="1" noResize="1" noEditPoints="1" noAdjustHandles="1" noChangeArrowheads="1" noChangeShapeType="1" noTextEdit="1"/>
+              </p:cNvSpPr>
+              <p:nvPr/>
+            </p:nvSpPr>
+            <p:spPr>
+              <a:xfrm>
+                <a:off x="2411760" y="1917596"/>
+                <a:ext cx="926126" cy="246221"/>
+              </a:xfrm>
+              <a:prstGeom prst="rect">
+                <a:avLst/>
+              </a:prstGeom>
+              <a:blipFill rotWithShape="1">
+                <a:blip r:embed="rId9"/>
+                <a:stretch>
+                  <a:fillRect b="-15000"/>
+                </a:stretch>
+              </a:blipFill>
+            </p:spPr>
+            <p:txBody>
+              <a:bodyPr/>
+              <a:lstStyle/>
+              <a:p>
+                <a:r>
+                  <a:rPr lang="fr-FR">
+                    <a:noFill/>
+                  </a:rPr>
+                  <a:t> </a:t>
+                </a:r>
+              </a:p>
+            </p:txBody>
+          </p:sp>
+        </mc:Fallback>
+      </mc:AlternateContent>
+      <p:sp>
+        <p:nvSpPr>
+          <p:cNvPr id="103" name="Ellipse 102"/>
+          <p:cNvSpPr/>
+          <p:nvPr/>
+        </p:nvSpPr>
+        <p:spPr>
+          <a:xfrm>
+            <a:off x="2231760" y="188640"/>
+            <a:ext cx="360000" cy="360000"/>
+          </a:xfrm>
+          <a:prstGeom prst="ellipse">
+            <a:avLst/>
+          </a:prstGeom>
+          <a:solidFill>
+            <a:schemeClr val="bg1"/>
+          </a:solidFill>
+          <a:ln w="28575">
+            <a:solidFill>
+              <a:srgbClr val="FFC000"/>
+            </a:solidFill>
+          </a:ln>
+        </p:spPr>
+        <p:style>
+          <a:lnRef idx="2">
+            <a:schemeClr val="accent1">
+              <a:shade val="50000"/>
+            </a:schemeClr>
+          </a:lnRef>
+          <a:fillRef idx="1">
+            <a:schemeClr val="accent1"/>
+          </a:fillRef>
+          <a:effectRef idx="0">
+            <a:schemeClr val="accent1"/>
+          </a:effectRef>
+          <a:fontRef idx="minor">
+            <a:schemeClr val="lt1"/>
+          </a:fontRef>
+        </p:style>
+        <p:txBody>
+          <a:bodyPr lIns="0" tIns="0" rIns="0" bIns="0" rtlCol="0" anchor="ctr"/>
+          <a:lstStyle/>
+          <a:p>
+            <a:pPr algn="ctr"/>
+            <a:r>
+              <a:rPr lang="fr-FR" sz="1400" b="1" dirty="0" smtClean="0">
+                <a:solidFill>
+                  <a:srgbClr val="FFC000"/>
+                </a:solidFill>
+              </a:rPr>
+              <a:t>T9</a:t>
+            </a:r>
+            <a:endParaRPr lang="fr-FR" sz="1400" b="1" dirty="0">
+              <a:solidFill>
+                <a:srgbClr val="FFC000"/>
+              </a:solidFill>
+            </a:endParaRPr>
+          </a:p>
+        </p:txBody>
+      </p:sp>
+      <p:cxnSp>
+        <p:nvCxnSpPr>
+          <p:cNvPr id="104" name="Connecteur droit 103"/>
+          <p:cNvCxnSpPr>
+            <a:stCxn id="88" idx="7"/>
+            <a:endCxn id="103" idx="2"/>
+          </p:cNvCxnSpPr>
+          <p:nvPr/>
+        </p:nvCxnSpPr>
+        <p:spPr>
+          <a:xfrm flipV="1">
+            <a:off x="1093254" y="368640"/>
+            <a:ext cx="1138506" cy="448825"/>
+          </a:xfrm>
+          <a:prstGeom prst="line">
+            <a:avLst/>
+          </a:prstGeom>
+          <a:noFill/>
+          <a:ln w="28575">
+            <a:solidFill>
+              <a:schemeClr val="tx1"/>
+            </a:solidFill>
+          </a:ln>
+        </p:spPr>
+        <p:style>
+          <a:lnRef idx="2">
+            <a:schemeClr val="accent1">
+              <a:shade val="50000"/>
+            </a:schemeClr>
+          </a:lnRef>
+          <a:fillRef idx="1">
+            <a:schemeClr val="accent1"/>
+          </a:fillRef>
+          <a:effectRef idx="0">
+            <a:schemeClr val="accent1"/>
+          </a:effectRef>
+          <a:fontRef idx="minor">
+            <a:schemeClr val="lt1"/>
+          </a:fontRef>
+        </p:style>
+      </p:cxnSp>
+      <p:cxnSp>
+        <p:nvCxnSpPr>
+          <p:cNvPr id="107" name="Connecteur droit 106"/>
+          <p:cNvCxnSpPr>
+            <a:stCxn id="103" idx="6"/>
+            <a:endCxn id="83" idx="1"/>
+          </p:cNvCxnSpPr>
+          <p:nvPr/>
+        </p:nvCxnSpPr>
+        <p:spPr>
+          <a:xfrm>
+            <a:off x="2591760" y="368640"/>
+            <a:ext cx="1133472" cy="448825"/>
+          </a:xfrm>
+          <a:prstGeom prst="line">
+            <a:avLst/>
+          </a:prstGeom>
+          <a:noFill/>
+          <a:ln w="28575">
+            <a:solidFill>
+              <a:schemeClr val="tx1"/>
+            </a:solidFill>
+          </a:ln>
+        </p:spPr>
+        <p:style>
+          <a:lnRef idx="2">
+            <a:schemeClr val="accent1">
+              <a:shade val="50000"/>
+            </a:schemeClr>
+          </a:lnRef>
+          <a:fillRef idx="1">
+            <a:schemeClr val="accent1"/>
+          </a:fillRef>
+          <a:effectRef idx="0">
+            <a:schemeClr val="accent1"/>
+          </a:effectRef>
+          <a:fontRef idx="minor">
+            <a:schemeClr val="lt1"/>
+          </a:fontRef>
+        </p:style>
+      </p:cxnSp>
+      <p:sp>
+        <p:nvSpPr>
+          <p:cNvPr id="110" name="ZoneTexte 109"/>
+          <p:cNvSpPr txBox="1"/>
+          <p:nvPr/>
+        </p:nvSpPr>
+        <p:spPr>
+          <a:xfrm>
+            <a:off x="2858705" y="302419"/>
+            <a:ext cx="900711" cy="246221"/>
+          </a:xfrm>
+          <a:prstGeom prst="rect">
+            <a:avLst/>
+          </a:prstGeom>
+          <a:noFill/>
+        </p:spPr>
+        <p:txBody>
+          <a:bodyPr wrap="square" rtlCol="0">
+            <a:spAutoFit/>
+          </a:bodyPr>
+          <a:lstStyle/>
+          <a:p>
+            <a:pPr algn="ctr"/>
+            <a:r>
+              <a:rPr lang="fr-FR" sz="1000" dirty="0" smtClean="0"/>
+              <a:t>Rotule E</a:t>
+            </a:r>
+            <a:endParaRPr lang="fr-FR" sz="1000" dirty="0"/>
+          </a:p>
+        </p:txBody>
+      </p:sp>
+      <p:sp>
+        <p:nvSpPr>
+          <p:cNvPr id="111" name="ZoneTexte 110"/>
+          <p:cNvSpPr txBox="1"/>
+          <p:nvPr/>
+        </p:nvSpPr>
+        <p:spPr>
+          <a:xfrm>
+            <a:off x="1066732" y="366052"/>
+            <a:ext cx="900711" cy="246221"/>
+          </a:xfrm>
+          <a:prstGeom prst="rect">
+            <a:avLst/>
+          </a:prstGeom>
+          <a:noFill/>
+        </p:spPr>
+        <p:txBody>
+          <a:bodyPr wrap="square" rtlCol="0">
+            <a:spAutoFit/>
+          </a:bodyPr>
+          <a:lstStyle/>
+          <a:p>
+            <a:pPr algn="ctr"/>
+            <a:r>
+              <a:rPr lang="fr-FR" sz="1000" dirty="0" smtClean="0"/>
+              <a:t>Rotule D</a:t>
+            </a:r>
+            <a:endParaRPr lang="fr-FR" sz="1000" dirty="0"/>
+          </a:p>
+        </p:txBody>
+      </p:sp>
+      <p:sp>
+        <p:nvSpPr>
+          <p:cNvPr id="112" name="Ellipse 111"/>
+          <p:cNvSpPr/>
+          <p:nvPr/>
+        </p:nvSpPr>
+        <p:spPr>
+          <a:xfrm>
+            <a:off x="785975" y="1500707"/>
+            <a:ext cx="360000" cy="360000"/>
+          </a:xfrm>
+          <a:prstGeom prst="ellipse">
+            <a:avLst/>
+          </a:prstGeom>
+          <a:solidFill>
+            <a:schemeClr val="bg1"/>
+          </a:solidFill>
+          <a:ln w="28575">
+            <a:solidFill>
+              <a:schemeClr val="tx1"/>
+            </a:solidFill>
+          </a:ln>
+        </p:spPr>
+        <p:style>
+          <a:lnRef idx="2">
+            <a:schemeClr val="accent1">
+              <a:shade val="50000"/>
+            </a:schemeClr>
+          </a:lnRef>
+          <a:fillRef idx="1">
+            <a:schemeClr val="accent1"/>
+          </a:fillRef>
+          <a:effectRef idx="0">
+            <a:schemeClr val="accent1"/>
+          </a:effectRef>
+          <a:fontRef idx="minor">
+            <a:schemeClr val="lt1"/>
+          </a:fontRef>
+        </p:style>
+        <p:txBody>
+          <a:bodyPr lIns="0" tIns="0" rIns="0" bIns="0" rtlCol="0" anchor="ctr"/>
+          <a:lstStyle/>
+          <a:p>
+            <a:pPr algn="ctr"/>
+            <a:r>
+              <a:rPr lang="fr-FR" sz="1200" b="1" dirty="0" smtClean="0">
+                <a:solidFill>
+                  <a:schemeClr val="tx1"/>
+                </a:solidFill>
+              </a:rPr>
+              <a:t>T11</a:t>
+            </a:r>
+            <a:endParaRPr lang="fr-FR" sz="1200" b="1" dirty="0">
+              <a:solidFill>
+                <a:schemeClr val="tx1"/>
+              </a:solidFill>
+            </a:endParaRPr>
+          </a:p>
+        </p:txBody>
+      </p:sp>
+      <p:cxnSp>
+        <p:nvCxnSpPr>
+          <p:cNvPr id="113" name="Connecteur droit 112"/>
+          <p:cNvCxnSpPr>
+            <a:stCxn id="88" idx="4"/>
+            <a:endCxn id="112" idx="0"/>
+          </p:cNvCxnSpPr>
+          <p:nvPr/>
+        </p:nvCxnSpPr>
+        <p:spPr>
+          <a:xfrm>
+            <a:off x="965975" y="1124744"/>
+            <a:ext cx="0" cy="375963"/>
+          </a:xfrm>
+          <a:prstGeom prst="line">
+            <a:avLst/>
+          </a:prstGeom>
+          <a:noFill/>
+          <a:ln w="28575">
+            <a:solidFill>
+              <a:schemeClr val="tx1"/>
+            </a:solidFill>
+          </a:ln>
+        </p:spPr>
+        <p:style>
+          <a:lnRef idx="2">
+            <a:schemeClr val="accent1">
+              <a:shade val="50000"/>
+            </a:schemeClr>
+          </a:lnRef>
+          <a:fillRef idx="1">
+            <a:schemeClr val="accent1"/>
+          </a:fillRef>
+          <a:effectRef idx="0">
+            <a:schemeClr val="accent1"/>
+          </a:effectRef>
+          <a:fontRef idx="minor">
+            <a:schemeClr val="lt1"/>
+          </a:fontRef>
+        </p:style>
+      </p:cxnSp>
+      <p:sp>
+        <p:nvSpPr>
+          <p:cNvPr id="118" name="Ellipse 117"/>
+          <p:cNvSpPr/>
+          <p:nvPr/>
+        </p:nvSpPr>
+        <p:spPr>
+          <a:xfrm>
+            <a:off x="1607443" y="1500707"/>
+            <a:ext cx="360000" cy="360000"/>
+          </a:xfrm>
+          <a:prstGeom prst="ellipse">
+            <a:avLst/>
+          </a:prstGeom>
+          <a:solidFill>
+            <a:schemeClr val="bg1"/>
+          </a:solidFill>
+          <a:ln w="28575">
+            <a:solidFill>
+              <a:srgbClr val="FF0000"/>
+            </a:solidFill>
+          </a:ln>
+        </p:spPr>
+        <p:style>
+          <a:lnRef idx="2">
+            <a:schemeClr val="accent1">
+              <a:shade val="50000"/>
+            </a:schemeClr>
+          </a:lnRef>
+          <a:fillRef idx="1">
+            <a:schemeClr val="accent1"/>
+          </a:fillRef>
+          <a:effectRef idx="0">
+            <a:schemeClr val="accent1"/>
+          </a:effectRef>
+          <a:fontRef idx="minor">
+            <a:schemeClr val="lt1"/>
+          </a:fontRef>
+        </p:style>
+        <p:txBody>
+          <a:bodyPr lIns="0" tIns="0" rIns="0" bIns="0" rtlCol="0" anchor="ctr"/>
+          <a:lstStyle/>
+          <a:p>
+            <a:pPr algn="ctr"/>
+            <a:r>
+              <a:rPr lang="fr-FR" sz="1200" b="1" dirty="0" smtClean="0">
+                <a:solidFill>
+                  <a:srgbClr val="FF0000"/>
+                </a:solidFill>
+              </a:rPr>
+              <a:t>T10</a:t>
+            </a:r>
+            <a:endParaRPr lang="fr-FR" sz="1200" b="1" dirty="0">
+              <a:solidFill>
+                <a:srgbClr val="FF0000"/>
+              </a:solidFill>
+            </a:endParaRPr>
+          </a:p>
+        </p:txBody>
+      </p:sp>
+      <p:cxnSp>
+        <p:nvCxnSpPr>
+          <p:cNvPr id="119" name="Connecteur droit 118"/>
+          <p:cNvCxnSpPr>
+            <a:stCxn id="118" idx="2"/>
+            <a:endCxn id="112" idx="6"/>
+          </p:cNvCxnSpPr>
+          <p:nvPr/>
+        </p:nvCxnSpPr>
+        <p:spPr>
+          <a:xfrm flipH="1">
+            <a:off x="1145975" y="1680707"/>
+            <a:ext cx="461468" cy="0"/>
+          </a:xfrm>
+          <a:prstGeom prst="line">
+            <a:avLst/>
+          </a:prstGeom>
+          <a:noFill/>
+          <a:ln w="28575">
+            <a:solidFill>
+              <a:schemeClr val="tx1"/>
+            </a:solidFill>
+          </a:ln>
+        </p:spPr>
+        <p:style>
+          <a:lnRef idx="2">
+            <a:schemeClr val="accent1">
+              <a:shade val="50000"/>
+            </a:schemeClr>
+          </a:lnRef>
+          <a:fillRef idx="1">
+            <a:schemeClr val="accent1"/>
+          </a:fillRef>
+          <a:effectRef idx="0">
+            <a:schemeClr val="accent1"/>
+          </a:effectRef>
+          <a:fontRef idx="minor">
+            <a:schemeClr val="lt1"/>
+          </a:fontRef>
+        </p:style>
+      </p:cxnSp>
+      <mc:AlternateContent xmlns:mc="http://schemas.openxmlformats.org/markup-compatibility/2006" xmlns:a14="http://schemas.microsoft.com/office/drawing/2010/main">
+        <mc:Choice Requires="a14">
+          <p:sp>
+            <p:nvSpPr>
+              <p:cNvPr id="123" name="ZoneTexte 122"/>
+              <p:cNvSpPr txBox="1"/>
+              <p:nvPr/>
+            </p:nvSpPr>
+            <p:spPr>
+              <a:xfrm>
+                <a:off x="937572" y="1786147"/>
+                <a:ext cx="900711" cy="400110"/>
+              </a:xfrm>
+              <a:prstGeom prst="rect">
+                <a:avLst/>
+              </a:prstGeom>
+              <a:noFill/>
+            </p:spPr>
+            <p:txBody>
+              <a:bodyPr wrap="square" rtlCol="0">
+                <a:spAutoFit/>
+              </a:bodyPr>
+              <a:lstStyle/>
+              <a:p>
+                <a:pPr algn="ctr"/>
+                <a:r>
+                  <a:rPr lang="fr-FR" sz="1000" b="0" dirty="0" smtClean="0"/>
+                  <a:t>Pivot glissant </a:t>
+                </a:r>
+                <a14:m>
+                  <m:oMath xmlns:m="http://schemas.openxmlformats.org/officeDocument/2006/math">
+                    <m:acc>
+                      <m:accPr>
+                        <m:chr m:val="⃗"/>
+                        <m:ctrlPr>
+                          <a:rPr lang="fr-FR" sz="1000" b="0" i="1" smtClean="0">
+                            <a:latin typeface="Cambria Math"/>
+                          </a:rPr>
+                        </m:ctrlPr>
+                      </m:accPr>
+                      <m:e>
+                        <m:sSub>
+                          <m:sSubPr>
+                            <m:ctrlPr>
+                              <a:rPr lang="fr-FR" sz="1000" b="0" i="1" smtClean="0">
+                                <a:latin typeface="Cambria Math"/>
+                              </a:rPr>
+                            </m:ctrlPr>
+                          </m:sSubPr>
+                          <m:e>
+                            <m:r>
+                              <a:rPr lang="fr-FR" sz="1000" i="1" smtClean="0">
+                                <a:latin typeface="Cambria Math"/>
+                              </a:rPr>
+                              <m:t>𝑧</m:t>
+                            </m:r>
+                          </m:e>
+                          <m:sub>
+                            <m:r>
+                              <a:rPr lang="fr-FR" sz="1000" b="0" i="1" smtClean="0">
+                                <a:latin typeface="Cambria Math"/>
+                              </a:rPr>
+                              <m:t>𝑇</m:t>
+                            </m:r>
+                            <m:r>
+                              <a:rPr lang="fr-FR" sz="1000" b="0" i="1" smtClean="0">
+                                <a:latin typeface="Cambria Math"/>
+                              </a:rPr>
+                              <m:t>10</m:t>
+                            </m:r>
+                          </m:sub>
+                        </m:sSub>
+                      </m:e>
+                    </m:acc>
+                  </m:oMath>
+                </a14:m>
+                <a:endParaRPr lang="fr-FR" sz="1000" dirty="0"/>
+              </a:p>
+            </p:txBody>
+          </p:sp>
+        </mc:Choice>
+        <mc:Fallback xmlns="">
+          <p:sp>
+            <p:nvSpPr>
+              <p:cNvPr id="123" name="ZoneTexte 122"/>
+              <p:cNvSpPr txBox="1">
+                <a:spLocks noRot="1" noChangeAspect="1" noMove="1" noResize="1" noEditPoints="1" noAdjustHandles="1" noChangeArrowheads="1" noChangeShapeType="1" noTextEdit="1"/>
+              </p:cNvSpPr>
+              <p:nvPr/>
+            </p:nvSpPr>
+            <p:spPr>
+              <a:xfrm>
+                <a:off x="937572" y="1786147"/>
+                <a:ext cx="900711" cy="400110"/>
+              </a:xfrm>
+              <a:prstGeom prst="rect">
+                <a:avLst/>
+              </a:prstGeom>
+              <a:blipFill rotWithShape="1">
+                <a:blip r:embed="rId10"/>
+                <a:stretch>
+                  <a:fillRect/>
+                </a:stretch>
+              </a:blipFill>
+            </p:spPr>
+            <p:txBody>
+              <a:bodyPr/>
+              <a:lstStyle/>
+              <a:p>
+                <a:r>
+                  <a:rPr lang="fr-FR">
+                    <a:noFill/>
+                  </a:rPr>
+                  <a:t> </a:t>
+                </a:r>
+              </a:p>
+            </p:txBody>
+          </p:sp>
+        </mc:Fallback>
+      </mc:AlternateContent>
+      <p:cxnSp>
+        <p:nvCxnSpPr>
+          <p:cNvPr id="124" name="Connecteur droit 123"/>
+          <p:cNvCxnSpPr>
+            <a:stCxn id="118" idx="7"/>
+            <a:endCxn id="77" idx="3"/>
+          </p:cNvCxnSpPr>
+          <p:nvPr/>
+        </p:nvCxnSpPr>
+        <p:spPr>
+          <a:xfrm flipV="1">
+            <a:off x="1914722" y="1072023"/>
+            <a:ext cx="369759" cy="481405"/>
+          </a:xfrm>
+          <a:prstGeom prst="line">
+            <a:avLst/>
+          </a:prstGeom>
+          <a:noFill/>
+          <a:ln w="28575">
+            <a:solidFill>
+              <a:schemeClr val="tx1"/>
+            </a:solidFill>
+          </a:ln>
+        </p:spPr>
+        <p:style>
+          <a:lnRef idx="2">
+            <a:schemeClr val="accent1">
+              <a:shade val="50000"/>
+            </a:schemeClr>
+          </a:lnRef>
+          <a:fillRef idx="1">
+            <a:schemeClr val="accent1"/>
+          </a:fillRef>
+          <a:effectRef idx="0">
+            <a:schemeClr val="accent1"/>
+          </a:effectRef>
+          <a:fontRef idx="minor">
+            <a:schemeClr val="lt1"/>
+          </a:fontRef>
+        </p:style>
+      </p:cxnSp>
+      <p:sp>
+        <p:nvSpPr>
+          <p:cNvPr id="127" name="ZoneTexte 126"/>
+          <p:cNvSpPr txBox="1"/>
+          <p:nvPr/>
+        </p:nvSpPr>
+        <p:spPr>
+          <a:xfrm>
+            <a:off x="1365489" y="1197595"/>
+            <a:ext cx="900711" cy="246221"/>
+          </a:xfrm>
+          <a:prstGeom prst="rect">
+            <a:avLst/>
+          </a:prstGeom>
+          <a:noFill/>
+        </p:spPr>
+        <p:txBody>
+          <a:bodyPr wrap="square" rtlCol="0">
+            <a:spAutoFit/>
+          </a:bodyPr>
+          <a:lstStyle/>
+          <a:p>
+            <a:pPr algn="ctr"/>
+            <a:r>
+              <a:rPr lang="fr-FR" sz="1000" dirty="0" smtClean="0"/>
+              <a:t>Rotule A</a:t>
+            </a:r>
+            <a:endParaRPr lang="fr-FR" sz="1000" dirty="0"/>
+          </a:p>
+        </p:txBody>
+      </p:sp>
+      <p:sp>
+        <p:nvSpPr>
+          <p:cNvPr id="128" name="Forme libre 127"/>
+          <p:cNvSpPr/>
+          <p:nvPr/>
+        </p:nvSpPr>
+        <p:spPr>
+          <a:xfrm flipH="1">
+            <a:off x="1184149" y="3181650"/>
+            <a:ext cx="108723" cy="619288"/>
+          </a:xfrm>
+          <a:custGeom>
+            <a:avLst/>
+            <a:gdLst>
+              <a:gd name="connsiteX0" fmla="*/ 0 w 7315"/>
+              <a:gd name="connsiteY0" fmla="*/ 0 h 1038758"/>
+              <a:gd name="connsiteX1" fmla="*/ 7315 w 7315"/>
+              <a:gd name="connsiteY1" fmla="*/ 1038758 h 1038758"/>
+              <a:gd name="connsiteX2" fmla="*/ 7315 w 7315"/>
+              <a:gd name="connsiteY2" fmla="*/ 1038758 h 1038758"/>
+              <a:gd name="connsiteX0" fmla="*/ 0 w 1239"/>
+              <a:gd name="connsiteY0" fmla="*/ 0 h 10141"/>
+              <a:gd name="connsiteX1" fmla="*/ 1239 w 1239"/>
+              <a:gd name="connsiteY1" fmla="*/ 10141 h 10141"/>
+              <a:gd name="connsiteX2" fmla="*/ 1239 w 1239"/>
+              <a:gd name="connsiteY2" fmla="*/ 10141 h 10141"/>
+              <a:gd name="connsiteX0" fmla="*/ 0 w 1161"/>
+              <a:gd name="connsiteY0" fmla="*/ 0 h 10000"/>
+              <a:gd name="connsiteX1" fmla="*/ 1161 w 1161"/>
+              <a:gd name="connsiteY1" fmla="*/ 10000 h 10000"/>
+              <a:gd name="connsiteX2" fmla="*/ 1161 w 1161"/>
+              <a:gd name="connsiteY2" fmla="*/ 10000 h 10000"/>
+              <a:gd name="connsiteX0" fmla="*/ 104181 w 104181"/>
+              <a:gd name="connsiteY0" fmla="*/ 0 h 10000"/>
+              <a:gd name="connsiteX1" fmla="*/ 0 w 104181"/>
+              <a:gd name="connsiteY1" fmla="*/ 10000 h 10000"/>
+              <a:gd name="connsiteX2" fmla="*/ 0 w 104181"/>
+              <a:gd name="connsiteY2" fmla="*/ 10000 h 10000"/>
+              <a:gd name="connsiteX0" fmla="*/ 9030 w 9030"/>
+              <a:gd name="connsiteY0" fmla="*/ 0 h 9931"/>
+              <a:gd name="connsiteX1" fmla="*/ 0 w 9030"/>
+              <a:gd name="connsiteY1" fmla="*/ 9931 h 9931"/>
+              <a:gd name="connsiteX2" fmla="*/ 0 w 9030"/>
+              <a:gd name="connsiteY2" fmla="*/ 9931 h 9931"/>
+              <a:gd name="connsiteX0" fmla="*/ 190689 w 190689"/>
+              <a:gd name="connsiteY0" fmla="*/ 0 h 10000"/>
+              <a:gd name="connsiteX1" fmla="*/ 180689 w 190689"/>
+              <a:gd name="connsiteY1" fmla="*/ 10000 h 10000"/>
+              <a:gd name="connsiteX2" fmla="*/ 180689 w 190689"/>
+              <a:gd name="connsiteY2" fmla="*/ 10000 h 10000"/>
+              <a:gd name="connsiteX0" fmla="*/ 313233 w 313233"/>
+              <a:gd name="connsiteY0" fmla="*/ 0 h 10000"/>
+              <a:gd name="connsiteX1" fmla="*/ 303233 w 313233"/>
+              <a:gd name="connsiteY1" fmla="*/ 10000 h 10000"/>
+              <a:gd name="connsiteX2" fmla="*/ 303233 w 313233"/>
+              <a:gd name="connsiteY2" fmla="*/ 10000 h 10000"/>
+            </a:gdLst>
+            <a:ahLst/>
+            <a:cxnLst>
+              <a:cxn ang="0">
+                <a:pos x="connsiteX0" y="connsiteY0"/>
+              </a:cxn>
+              <a:cxn ang="0">
+                <a:pos x="connsiteX1" y="connsiteY1"/>
+              </a:cxn>
+              <a:cxn ang="0">
+                <a:pos x="connsiteX2" y="connsiteY2"/>
+              </a:cxn>
+            </a:cxnLst>
+            <a:rect l="l" t="t" r="r" b="b"/>
+            <a:pathLst>
+              <a:path w="313233" h="10000">
+                <a:moveTo>
+                  <a:pt x="313233" y="0"/>
+                </a:moveTo>
+                <a:cubicBezTo>
+                  <a:pt x="-111604" y="2983"/>
+                  <a:pt x="-93864" y="7017"/>
+                  <a:pt x="303233" y="10000"/>
+                </a:cubicBezTo>
+                <a:lnTo>
+                  <a:pt x="303233" y="10000"/>
+                </a:lnTo>
+              </a:path>
+            </a:pathLst>
+          </a:custGeom>
+          <a:noFill/>
+          <a:ln w="28575">
+            <a:solidFill>
+              <a:srgbClr val="FF0000"/>
+            </a:solidFill>
+            <a:headEnd type="stealth" w="med" len="lg"/>
+            <a:tailEnd type="stealth" w="med" len="lg"/>
+          </a:ln>
+        </p:spPr>
+        <p:style>
+          <a:lnRef idx="2">
+            <a:schemeClr val="accent1">
+              <a:shade val="50000"/>
+            </a:schemeClr>
+          </a:lnRef>
+          <a:fillRef idx="1">
+            <a:schemeClr val="accent1"/>
+          </a:fillRef>
+          <a:effectRef idx="0">
+            <a:schemeClr val="accent1"/>
+          </a:effectRef>
+          <a:fontRef idx="minor">
+            <a:schemeClr val="lt1"/>
+          </a:fontRef>
+        </p:style>
+        <p:txBody>
+          <a:bodyPr rtlCol="0" anchor="ctr"/>
+          <a:lstStyle/>
+          <a:p>
+            <a:pPr algn="ctr"/>
+            <a:endParaRPr lang="fr-FR"/>
+          </a:p>
+        </p:txBody>
+      </p:sp>
+      <p:sp>
+        <p:nvSpPr>
+          <p:cNvPr id="129" name="Forme libre 128"/>
+          <p:cNvSpPr/>
+          <p:nvPr/>
+        </p:nvSpPr>
+        <p:spPr>
+          <a:xfrm>
+            <a:off x="3528127" y="3175062"/>
+            <a:ext cx="108723" cy="619288"/>
+          </a:xfrm>
+          <a:custGeom>
+            <a:avLst/>
+            <a:gdLst>
+              <a:gd name="connsiteX0" fmla="*/ 0 w 7315"/>
+              <a:gd name="connsiteY0" fmla="*/ 0 h 1038758"/>
+              <a:gd name="connsiteX1" fmla="*/ 7315 w 7315"/>
+              <a:gd name="connsiteY1" fmla="*/ 1038758 h 1038758"/>
+              <a:gd name="connsiteX2" fmla="*/ 7315 w 7315"/>
+              <a:gd name="connsiteY2" fmla="*/ 1038758 h 1038758"/>
+              <a:gd name="connsiteX0" fmla="*/ 0 w 1239"/>
+              <a:gd name="connsiteY0" fmla="*/ 0 h 10141"/>
+              <a:gd name="connsiteX1" fmla="*/ 1239 w 1239"/>
+              <a:gd name="connsiteY1" fmla="*/ 10141 h 10141"/>
+              <a:gd name="connsiteX2" fmla="*/ 1239 w 1239"/>
+              <a:gd name="connsiteY2" fmla="*/ 10141 h 10141"/>
+              <a:gd name="connsiteX0" fmla="*/ 0 w 1161"/>
+              <a:gd name="connsiteY0" fmla="*/ 0 h 10000"/>
+              <a:gd name="connsiteX1" fmla="*/ 1161 w 1161"/>
+              <a:gd name="connsiteY1" fmla="*/ 10000 h 10000"/>
+              <a:gd name="connsiteX2" fmla="*/ 1161 w 1161"/>
+              <a:gd name="connsiteY2" fmla="*/ 10000 h 10000"/>
+              <a:gd name="connsiteX0" fmla="*/ 104181 w 104181"/>
+              <a:gd name="connsiteY0" fmla="*/ 0 h 10000"/>
+              <a:gd name="connsiteX1" fmla="*/ 0 w 104181"/>
+              <a:gd name="connsiteY1" fmla="*/ 10000 h 10000"/>
+              <a:gd name="connsiteX2" fmla="*/ 0 w 104181"/>
+              <a:gd name="connsiteY2" fmla="*/ 10000 h 10000"/>
+              <a:gd name="connsiteX0" fmla="*/ 9030 w 9030"/>
+              <a:gd name="connsiteY0" fmla="*/ 0 h 9931"/>
+              <a:gd name="connsiteX1" fmla="*/ 0 w 9030"/>
+              <a:gd name="connsiteY1" fmla="*/ 9931 h 9931"/>
+              <a:gd name="connsiteX2" fmla="*/ 0 w 9030"/>
+              <a:gd name="connsiteY2" fmla="*/ 9931 h 9931"/>
+              <a:gd name="connsiteX0" fmla="*/ 190689 w 190689"/>
+              <a:gd name="connsiteY0" fmla="*/ 0 h 10000"/>
+              <a:gd name="connsiteX1" fmla="*/ 180689 w 190689"/>
+              <a:gd name="connsiteY1" fmla="*/ 10000 h 10000"/>
+              <a:gd name="connsiteX2" fmla="*/ 180689 w 190689"/>
+              <a:gd name="connsiteY2" fmla="*/ 10000 h 10000"/>
+              <a:gd name="connsiteX0" fmla="*/ 313233 w 313233"/>
+              <a:gd name="connsiteY0" fmla="*/ 0 h 10000"/>
+              <a:gd name="connsiteX1" fmla="*/ 303233 w 313233"/>
+              <a:gd name="connsiteY1" fmla="*/ 10000 h 10000"/>
+              <a:gd name="connsiteX2" fmla="*/ 303233 w 313233"/>
+              <a:gd name="connsiteY2" fmla="*/ 10000 h 10000"/>
+            </a:gdLst>
+            <a:ahLst/>
+            <a:cxnLst>
+              <a:cxn ang="0">
+                <a:pos x="connsiteX0" y="connsiteY0"/>
+              </a:cxn>
+              <a:cxn ang="0">
+                <a:pos x="connsiteX1" y="connsiteY1"/>
+              </a:cxn>
+              <a:cxn ang="0">
+                <a:pos x="connsiteX2" y="connsiteY2"/>
+              </a:cxn>
+            </a:cxnLst>
+            <a:rect l="l" t="t" r="r" b="b"/>
+            <a:pathLst>
+              <a:path w="313233" h="10000">
+                <a:moveTo>
+                  <a:pt x="313233" y="0"/>
+                </a:moveTo>
+                <a:cubicBezTo>
+                  <a:pt x="-111604" y="2983"/>
+                  <a:pt x="-93864" y="7017"/>
+                  <a:pt x="303233" y="10000"/>
+                </a:cubicBezTo>
+                <a:lnTo>
+                  <a:pt x="303233" y="10000"/>
+                </a:lnTo>
+              </a:path>
+            </a:pathLst>
+          </a:custGeom>
+          <a:noFill/>
+          <a:ln w="28575">
+            <a:solidFill>
+              <a:srgbClr val="FF0000"/>
+            </a:solidFill>
+            <a:headEnd type="stealth" w="med" len="lg"/>
+            <a:tailEnd type="stealth" w="med" len="lg"/>
+          </a:ln>
+        </p:spPr>
+        <p:style>
+          <a:lnRef idx="2">
+            <a:schemeClr val="accent1">
+              <a:shade val="50000"/>
+            </a:schemeClr>
+          </a:lnRef>
+          <a:fillRef idx="1">
+            <a:schemeClr val="accent1"/>
+          </a:fillRef>
+          <a:effectRef idx="0">
+            <a:schemeClr val="accent1"/>
+          </a:effectRef>
+          <a:fontRef idx="minor">
+            <a:schemeClr val="lt1"/>
+          </a:fontRef>
+        </p:style>
+        <p:txBody>
+          <a:bodyPr rtlCol="0" anchor="ctr"/>
+          <a:lstStyle/>
+          <a:p>
+            <a:pPr algn="ctr"/>
+            <a:endParaRPr lang="fr-FR"/>
+          </a:p>
+        </p:txBody>
+      </p:sp>
+      <p:sp>
+        <p:nvSpPr>
+          <p:cNvPr id="130" name="Forme libre 129"/>
+          <p:cNvSpPr/>
+          <p:nvPr/>
+        </p:nvSpPr>
+        <p:spPr>
+          <a:xfrm rot="5400000">
+            <a:off x="1311127" y="1134172"/>
+            <a:ext cx="108723" cy="619288"/>
+          </a:xfrm>
+          <a:custGeom>
+            <a:avLst/>
+            <a:gdLst>
+              <a:gd name="connsiteX0" fmla="*/ 0 w 7315"/>
+              <a:gd name="connsiteY0" fmla="*/ 0 h 1038758"/>
+              <a:gd name="connsiteX1" fmla="*/ 7315 w 7315"/>
+              <a:gd name="connsiteY1" fmla="*/ 1038758 h 1038758"/>
+              <a:gd name="connsiteX2" fmla="*/ 7315 w 7315"/>
+              <a:gd name="connsiteY2" fmla="*/ 1038758 h 1038758"/>
+              <a:gd name="connsiteX0" fmla="*/ 0 w 1239"/>
+              <a:gd name="connsiteY0" fmla="*/ 0 h 10141"/>
+              <a:gd name="connsiteX1" fmla="*/ 1239 w 1239"/>
+              <a:gd name="connsiteY1" fmla="*/ 10141 h 10141"/>
+              <a:gd name="connsiteX2" fmla="*/ 1239 w 1239"/>
+              <a:gd name="connsiteY2" fmla="*/ 10141 h 10141"/>
+              <a:gd name="connsiteX0" fmla="*/ 0 w 1161"/>
+              <a:gd name="connsiteY0" fmla="*/ 0 h 10000"/>
+              <a:gd name="connsiteX1" fmla="*/ 1161 w 1161"/>
+              <a:gd name="connsiteY1" fmla="*/ 10000 h 10000"/>
+              <a:gd name="connsiteX2" fmla="*/ 1161 w 1161"/>
+              <a:gd name="connsiteY2" fmla="*/ 10000 h 10000"/>
+              <a:gd name="connsiteX0" fmla="*/ 104181 w 104181"/>
+              <a:gd name="connsiteY0" fmla="*/ 0 h 10000"/>
+              <a:gd name="connsiteX1" fmla="*/ 0 w 104181"/>
+              <a:gd name="connsiteY1" fmla="*/ 10000 h 10000"/>
+              <a:gd name="connsiteX2" fmla="*/ 0 w 104181"/>
+              <a:gd name="connsiteY2" fmla="*/ 10000 h 10000"/>
+              <a:gd name="connsiteX0" fmla="*/ 9030 w 9030"/>
+              <a:gd name="connsiteY0" fmla="*/ 0 h 9931"/>
+              <a:gd name="connsiteX1" fmla="*/ 0 w 9030"/>
+              <a:gd name="connsiteY1" fmla="*/ 9931 h 9931"/>
+              <a:gd name="connsiteX2" fmla="*/ 0 w 9030"/>
+              <a:gd name="connsiteY2" fmla="*/ 9931 h 9931"/>
+              <a:gd name="connsiteX0" fmla="*/ 190689 w 190689"/>
+              <a:gd name="connsiteY0" fmla="*/ 0 h 10000"/>
+              <a:gd name="connsiteX1" fmla="*/ 180689 w 190689"/>
+              <a:gd name="connsiteY1" fmla="*/ 10000 h 10000"/>
+              <a:gd name="connsiteX2" fmla="*/ 180689 w 190689"/>
+              <a:gd name="connsiteY2" fmla="*/ 10000 h 10000"/>
+              <a:gd name="connsiteX0" fmla="*/ 313233 w 313233"/>
+              <a:gd name="connsiteY0" fmla="*/ 0 h 10000"/>
+              <a:gd name="connsiteX1" fmla="*/ 303233 w 313233"/>
+              <a:gd name="connsiteY1" fmla="*/ 10000 h 10000"/>
+              <a:gd name="connsiteX2" fmla="*/ 303233 w 313233"/>
+              <a:gd name="connsiteY2" fmla="*/ 10000 h 10000"/>
+            </a:gdLst>
+            <a:ahLst/>
+            <a:cxnLst>
+              <a:cxn ang="0">
+                <a:pos x="connsiteX0" y="connsiteY0"/>
+              </a:cxn>
+              <a:cxn ang="0">
+                <a:pos x="connsiteX1" y="connsiteY1"/>
+              </a:cxn>
+              <a:cxn ang="0">
+                <a:pos x="connsiteX2" y="connsiteY2"/>
+              </a:cxn>
+            </a:cxnLst>
+            <a:rect l="l" t="t" r="r" b="b"/>
+            <a:pathLst>
+              <a:path w="313233" h="10000">
+                <a:moveTo>
+                  <a:pt x="313233" y="0"/>
+                </a:moveTo>
+                <a:cubicBezTo>
+                  <a:pt x="-111604" y="2983"/>
+                  <a:pt x="-93864" y="7017"/>
+                  <a:pt x="303233" y="10000"/>
+                </a:cubicBezTo>
+                <a:lnTo>
+                  <a:pt x="303233" y="10000"/>
+                </a:lnTo>
+              </a:path>
+            </a:pathLst>
+          </a:custGeom>
+          <a:noFill/>
+          <a:ln w="28575">
+            <a:solidFill>
+              <a:srgbClr val="FF0000"/>
+            </a:solidFill>
+            <a:headEnd type="stealth" w="med" len="lg"/>
+            <a:tailEnd type="stealth" w="med" len="lg"/>
+          </a:ln>
+        </p:spPr>
+        <p:style>
+          <a:lnRef idx="2">
+            <a:schemeClr val="accent1">
+              <a:shade val="50000"/>
+            </a:schemeClr>
+          </a:lnRef>
+          <a:fillRef idx="1">
+            <a:schemeClr val="accent1"/>
+          </a:fillRef>
+          <a:effectRef idx="0">
+            <a:schemeClr val="accent1"/>
+          </a:effectRef>
+          <a:fontRef idx="minor">
+            <a:schemeClr val="lt1"/>
+          </a:fontRef>
+        </p:style>
+        <p:txBody>
+          <a:bodyPr rtlCol="0" anchor="ctr"/>
+          <a:lstStyle/>
+          <a:p>
+            <a:pPr algn="ctr"/>
+            <a:endParaRPr lang="fr-FR"/>
+          </a:p>
+        </p:txBody>
+      </p:sp>
+      <p:sp>
+        <p:nvSpPr>
+          <p:cNvPr id="131" name="Forme libre 130"/>
+          <p:cNvSpPr/>
+          <p:nvPr/>
+        </p:nvSpPr>
+        <p:spPr>
+          <a:xfrm rot="17327051" flipH="1">
+            <a:off x="601839" y="283408"/>
+            <a:ext cx="108723" cy="619288"/>
+          </a:xfrm>
+          <a:custGeom>
+            <a:avLst/>
+            <a:gdLst>
+              <a:gd name="connsiteX0" fmla="*/ 0 w 7315"/>
+              <a:gd name="connsiteY0" fmla="*/ 0 h 1038758"/>
+              <a:gd name="connsiteX1" fmla="*/ 7315 w 7315"/>
+              <a:gd name="connsiteY1" fmla="*/ 1038758 h 1038758"/>
+              <a:gd name="connsiteX2" fmla="*/ 7315 w 7315"/>
+              <a:gd name="connsiteY2" fmla="*/ 1038758 h 1038758"/>
+              <a:gd name="connsiteX0" fmla="*/ 0 w 1239"/>
+              <a:gd name="connsiteY0" fmla="*/ 0 h 10141"/>
+              <a:gd name="connsiteX1" fmla="*/ 1239 w 1239"/>
+              <a:gd name="connsiteY1" fmla="*/ 10141 h 10141"/>
+              <a:gd name="connsiteX2" fmla="*/ 1239 w 1239"/>
+              <a:gd name="connsiteY2" fmla="*/ 10141 h 10141"/>
+              <a:gd name="connsiteX0" fmla="*/ 0 w 1161"/>
+              <a:gd name="connsiteY0" fmla="*/ 0 h 10000"/>
+              <a:gd name="connsiteX1" fmla="*/ 1161 w 1161"/>
+              <a:gd name="connsiteY1" fmla="*/ 10000 h 10000"/>
+              <a:gd name="connsiteX2" fmla="*/ 1161 w 1161"/>
+              <a:gd name="connsiteY2" fmla="*/ 10000 h 10000"/>
+              <a:gd name="connsiteX0" fmla="*/ 104181 w 104181"/>
+              <a:gd name="connsiteY0" fmla="*/ 0 h 10000"/>
+              <a:gd name="connsiteX1" fmla="*/ 0 w 104181"/>
+              <a:gd name="connsiteY1" fmla="*/ 10000 h 10000"/>
+              <a:gd name="connsiteX2" fmla="*/ 0 w 104181"/>
+              <a:gd name="connsiteY2" fmla="*/ 10000 h 10000"/>
+              <a:gd name="connsiteX0" fmla="*/ 9030 w 9030"/>
+              <a:gd name="connsiteY0" fmla="*/ 0 h 9931"/>
+              <a:gd name="connsiteX1" fmla="*/ 0 w 9030"/>
+              <a:gd name="connsiteY1" fmla="*/ 9931 h 9931"/>
+              <a:gd name="connsiteX2" fmla="*/ 0 w 9030"/>
+              <a:gd name="connsiteY2" fmla="*/ 9931 h 9931"/>
+              <a:gd name="connsiteX0" fmla="*/ 190689 w 190689"/>
+              <a:gd name="connsiteY0" fmla="*/ 0 h 10000"/>
+              <a:gd name="connsiteX1" fmla="*/ 180689 w 190689"/>
+              <a:gd name="connsiteY1" fmla="*/ 10000 h 10000"/>
+              <a:gd name="connsiteX2" fmla="*/ 180689 w 190689"/>
+              <a:gd name="connsiteY2" fmla="*/ 10000 h 10000"/>
+              <a:gd name="connsiteX0" fmla="*/ 313233 w 313233"/>
+              <a:gd name="connsiteY0" fmla="*/ 0 h 10000"/>
+              <a:gd name="connsiteX1" fmla="*/ 303233 w 313233"/>
+              <a:gd name="connsiteY1" fmla="*/ 10000 h 10000"/>
+              <a:gd name="connsiteX2" fmla="*/ 303233 w 313233"/>
+              <a:gd name="connsiteY2" fmla="*/ 10000 h 10000"/>
+            </a:gdLst>
+            <a:ahLst/>
+            <a:cxnLst>
+              <a:cxn ang="0">
+                <a:pos x="connsiteX0" y="connsiteY0"/>
+              </a:cxn>
+              <a:cxn ang="0">
+                <a:pos x="connsiteX1" y="connsiteY1"/>
+              </a:cxn>
+              <a:cxn ang="0">
+                <a:pos x="connsiteX2" y="connsiteY2"/>
+              </a:cxn>
+            </a:cxnLst>
+            <a:rect l="l" t="t" r="r" b="b"/>
+            <a:pathLst>
+              <a:path w="313233" h="10000">
+                <a:moveTo>
+                  <a:pt x="313233" y="0"/>
+                </a:moveTo>
+                <a:cubicBezTo>
+                  <a:pt x="-111604" y="2983"/>
+                  <a:pt x="-93864" y="7017"/>
+                  <a:pt x="303233" y="10000"/>
+                </a:cubicBezTo>
+                <a:lnTo>
+                  <a:pt x="303233" y="10000"/>
+                </a:lnTo>
+              </a:path>
+            </a:pathLst>
+          </a:custGeom>
+          <a:noFill/>
+          <a:ln w="28575">
+            <a:solidFill>
+              <a:srgbClr val="FF0000"/>
+            </a:solidFill>
+            <a:headEnd type="none" w="med" len="lg"/>
+            <a:tailEnd type="stealth" w="med" len="lg"/>
+          </a:ln>
+        </p:spPr>
+        <p:style>
+          <a:lnRef idx="2">
+            <a:schemeClr val="accent1">
+              <a:shade val="50000"/>
+            </a:schemeClr>
+          </a:lnRef>
+          <a:fillRef idx="1">
+            <a:schemeClr val="accent1"/>
+          </a:fillRef>
+          <a:effectRef idx="0">
+            <a:schemeClr val="accent1"/>
+          </a:effectRef>
+          <a:fontRef idx="minor">
+            <a:schemeClr val="lt1"/>
+          </a:fontRef>
+        </p:style>
+        <p:txBody>
+          <a:bodyPr rtlCol="0" anchor="ctr"/>
+          <a:lstStyle/>
+          <a:p>
+            <a:pPr algn="ctr"/>
+            <a:endParaRPr lang="fr-FR"/>
+          </a:p>
+        </p:txBody>
+      </p:sp>
+      <p:sp>
+        <p:nvSpPr>
+          <p:cNvPr id="132" name="ZoneTexte 131"/>
+          <p:cNvSpPr txBox="1"/>
+          <p:nvPr/>
+        </p:nvSpPr>
+        <p:spPr>
+          <a:xfrm>
+            <a:off x="-37444" y="249503"/>
+            <a:ext cx="1106126" cy="246221"/>
+          </a:xfrm>
+          <a:prstGeom prst="rect">
+            <a:avLst/>
+          </a:prstGeom>
+          <a:noFill/>
+        </p:spPr>
+        <p:txBody>
+          <a:bodyPr wrap="square" rtlCol="0">
+            <a:spAutoFit/>
+          </a:bodyPr>
+          <a:lstStyle/>
+          <a:p>
+            <a:pPr algn="ctr"/>
+            <a:r>
+              <a:rPr lang="fr-FR" sz="1000" dirty="0" smtClean="0"/>
+              <a:t>Pesanteur</a:t>
+            </a:r>
+            <a:endParaRPr lang="fr-FR" sz="1000" dirty="0"/>
+          </a:p>
+        </p:txBody>
+      </p:sp>
+      <p:sp>
+        <p:nvSpPr>
+          <p:cNvPr id="133" name="Forme libre 132"/>
+          <p:cNvSpPr/>
+          <p:nvPr/>
+        </p:nvSpPr>
+        <p:spPr>
+          <a:xfrm rot="4272949">
+            <a:off x="4108340" y="267057"/>
+            <a:ext cx="108723" cy="619288"/>
+          </a:xfrm>
+          <a:custGeom>
+            <a:avLst/>
+            <a:gdLst>
+              <a:gd name="connsiteX0" fmla="*/ 0 w 7315"/>
+              <a:gd name="connsiteY0" fmla="*/ 0 h 1038758"/>
+              <a:gd name="connsiteX1" fmla="*/ 7315 w 7315"/>
+              <a:gd name="connsiteY1" fmla="*/ 1038758 h 1038758"/>
+              <a:gd name="connsiteX2" fmla="*/ 7315 w 7315"/>
+              <a:gd name="connsiteY2" fmla="*/ 1038758 h 1038758"/>
+              <a:gd name="connsiteX0" fmla="*/ 0 w 1239"/>
+              <a:gd name="connsiteY0" fmla="*/ 0 h 10141"/>
+              <a:gd name="connsiteX1" fmla="*/ 1239 w 1239"/>
+              <a:gd name="connsiteY1" fmla="*/ 10141 h 10141"/>
+              <a:gd name="connsiteX2" fmla="*/ 1239 w 1239"/>
+              <a:gd name="connsiteY2" fmla="*/ 10141 h 10141"/>
+              <a:gd name="connsiteX0" fmla="*/ 0 w 1161"/>
+              <a:gd name="connsiteY0" fmla="*/ 0 h 10000"/>
+              <a:gd name="connsiteX1" fmla="*/ 1161 w 1161"/>
+              <a:gd name="connsiteY1" fmla="*/ 10000 h 10000"/>
+              <a:gd name="connsiteX2" fmla="*/ 1161 w 1161"/>
+              <a:gd name="connsiteY2" fmla="*/ 10000 h 10000"/>
+              <a:gd name="connsiteX0" fmla="*/ 104181 w 104181"/>
+              <a:gd name="connsiteY0" fmla="*/ 0 h 10000"/>
+              <a:gd name="connsiteX1" fmla="*/ 0 w 104181"/>
+              <a:gd name="connsiteY1" fmla="*/ 10000 h 10000"/>
+              <a:gd name="connsiteX2" fmla="*/ 0 w 104181"/>
+              <a:gd name="connsiteY2" fmla="*/ 10000 h 10000"/>
+              <a:gd name="connsiteX0" fmla="*/ 9030 w 9030"/>
+              <a:gd name="connsiteY0" fmla="*/ 0 h 9931"/>
+              <a:gd name="connsiteX1" fmla="*/ 0 w 9030"/>
+              <a:gd name="connsiteY1" fmla="*/ 9931 h 9931"/>
+              <a:gd name="connsiteX2" fmla="*/ 0 w 9030"/>
+              <a:gd name="connsiteY2" fmla="*/ 9931 h 9931"/>
+              <a:gd name="connsiteX0" fmla="*/ 190689 w 190689"/>
+              <a:gd name="connsiteY0" fmla="*/ 0 h 10000"/>
+              <a:gd name="connsiteX1" fmla="*/ 180689 w 190689"/>
+              <a:gd name="connsiteY1" fmla="*/ 10000 h 10000"/>
+              <a:gd name="connsiteX2" fmla="*/ 180689 w 190689"/>
+              <a:gd name="connsiteY2" fmla="*/ 10000 h 10000"/>
+              <a:gd name="connsiteX0" fmla="*/ 313233 w 313233"/>
+              <a:gd name="connsiteY0" fmla="*/ 0 h 10000"/>
+              <a:gd name="connsiteX1" fmla="*/ 303233 w 313233"/>
+              <a:gd name="connsiteY1" fmla="*/ 10000 h 10000"/>
+              <a:gd name="connsiteX2" fmla="*/ 303233 w 313233"/>
+              <a:gd name="connsiteY2" fmla="*/ 10000 h 10000"/>
+            </a:gdLst>
+            <a:ahLst/>
+            <a:cxnLst>
+              <a:cxn ang="0">
+                <a:pos x="connsiteX0" y="connsiteY0"/>
+              </a:cxn>
+              <a:cxn ang="0">
+                <a:pos x="connsiteX1" y="connsiteY1"/>
+              </a:cxn>
+              <a:cxn ang="0">
+                <a:pos x="connsiteX2" y="connsiteY2"/>
+              </a:cxn>
+            </a:cxnLst>
+            <a:rect l="l" t="t" r="r" b="b"/>
+            <a:pathLst>
+              <a:path w="313233" h="10000">
+                <a:moveTo>
+                  <a:pt x="313233" y="0"/>
+                </a:moveTo>
+                <a:cubicBezTo>
+                  <a:pt x="-111604" y="2983"/>
+                  <a:pt x="-93864" y="7017"/>
+                  <a:pt x="303233" y="10000"/>
+                </a:cubicBezTo>
+                <a:lnTo>
+                  <a:pt x="303233" y="10000"/>
+                </a:lnTo>
+              </a:path>
+            </a:pathLst>
+          </a:custGeom>
+          <a:noFill/>
+          <a:ln w="28575">
+            <a:solidFill>
+              <a:srgbClr val="FF0000"/>
+            </a:solidFill>
+            <a:headEnd type="none" w="med" len="lg"/>
+            <a:tailEnd type="stealth" w="med" len="lg"/>
+          </a:ln>
+        </p:spPr>
+        <p:style>
+          <a:lnRef idx="2">
+            <a:schemeClr val="accent1">
+              <a:shade val="50000"/>
+            </a:schemeClr>
+          </a:lnRef>
+          <a:fillRef idx="1">
+            <a:schemeClr val="accent1"/>
+          </a:fillRef>
+          <a:effectRef idx="0">
+            <a:schemeClr val="accent1"/>
+          </a:effectRef>
+          <a:fontRef idx="minor">
+            <a:schemeClr val="lt1"/>
+          </a:fontRef>
+        </p:style>
+        <p:txBody>
+          <a:bodyPr rtlCol="0" anchor="ctr"/>
+          <a:lstStyle/>
+          <a:p>
+            <a:pPr algn="ctr"/>
+            <a:endParaRPr lang="fr-FR"/>
+          </a:p>
+        </p:txBody>
+      </p:sp>
+      <p:sp>
+        <p:nvSpPr>
+          <p:cNvPr id="134" name="ZoneTexte 133"/>
+          <p:cNvSpPr txBox="1"/>
+          <p:nvPr/>
+        </p:nvSpPr>
+        <p:spPr>
+          <a:xfrm>
+            <a:off x="3749803" y="249503"/>
+            <a:ext cx="1106126" cy="246221"/>
+          </a:xfrm>
+          <a:prstGeom prst="rect">
+            <a:avLst/>
+          </a:prstGeom>
+          <a:noFill/>
+        </p:spPr>
+        <p:txBody>
+          <a:bodyPr wrap="square" rtlCol="0">
+            <a:spAutoFit/>
+          </a:bodyPr>
+          <a:lstStyle/>
+          <a:p>
+            <a:pPr algn="ctr"/>
+            <a:r>
+              <a:rPr lang="fr-FR" sz="1000" dirty="0" smtClean="0"/>
+              <a:t>Pesanteur</a:t>
+            </a:r>
+            <a:endParaRPr lang="fr-FR" sz="1000" dirty="0"/>
+          </a:p>
+        </p:txBody>
+      </p:sp>
+    </p:spTree>
+    <p:extLst>
+      <p:ext uri="{BB962C8B-B14F-4D97-AF65-F5344CB8AC3E}">
+        <p14:creationId xmlns:p14="http://schemas.microsoft.com/office/powerpoint/2010/main" val="241835218"/>
+      </p:ext>
+    </p:extLst>
+  </p:cSld>
+  <p:clrMapOvr>
+    <a:masterClrMapping/>
+  </p:clrMapOvr>
+  <p:timing>
+    <p:tnLst>
+      <p:par>
+        <p:cTn id="1" dur="indefinite" restart="never" nodeType="tmRoot"/>
+      </p:par>
+    </p:tnLst>
+  </p:timing>
+</p:sld>
+</file>
+
+<file path=ppt/slides/slide3.xml><?xml version="1.0" encoding="utf-8"?>
 <p:sld xmlns:a="http://schemas.openxmlformats.org/drawingml/2006/main" xmlns:r="http://schemas.openxmlformats.org/officeDocument/2006/relationships" xmlns:p="http://schemas.openxmlformats.org/presentationml/2006/main">
   <p:cSld>
     <p:spTree>
@@ -9747,7 +13610,7 @@
 </p:sld>
 </file>
 
-<file path=ppt/slides/slide3.xml><?xml version="1.0" encoding="utf-8"?>
+<file path=ppt/slides/slide4.xml><?xml version="1.0" encoding="utf-8"?>
 <p:sld xmlns:a="http://schemas.openxmlformats.org/drawingml/2006/main" xmlns:r="http://schemas.openxmlformats.org/officeDocument/2006/relationships" xmlns:p="http://schemas.openxmlformats.org/presentationml/2006/main">
   <p:cSld>
     <p:spTree>
@@ -11430,7 +15293,7 @@
 </p:sld>
 </file>
 
-<file path=ppt/slides/slide4.xml><?xml version="1.0" encoding="utf-8"?>
+<file path=ppt/slides/slide5.xml><?xml version="1.0" encoding="utf-8"?>
 <p:sld xmlns:a="http://schemas.openxmlformats.org/drawingml/2006/main" xmlns:r="http://schemas.openxmlformats.org/officeDocument/2006/relationships" xmlns:p="http://schemas.openxmlformats.org/presentationml/2006/main">
   <p:cSld>
     <p:spTree>
@@ -13024,7 +16887,7 @@
 </p:sld>
 </file>
 
-<file path=ppt/slides/slide5.xml><?xml version="1.0" encoding="utf-8"?>
+<file path=ppt/slides/slide6.xml><?xml version="1.0" encoding="utf-8"?>
 <p:sld xmlns:a="http://schemas.openxmlformats.org/drawingml/2006/main" xmlns:r="http://schemas.openxmlformats.org/officeDocument/2006/relationships" xmlns:p="http://schemas.openxmlformats.org/presentationml/2006/main">
   <p:cSld>
     <p:spTree>
